--- a/doc/universal_board.pptx
+++ b/doc/universal_board.pptx
@@ -243,7 +243,7 @@
           <a:p>
             <a:fld id="{13D11AC7-A88F-49D3-AEAF-1BE21B915F4C}" type="datetimeFigureOut">
               <a:rPr lang="en-US" smtClean="0"/>
-              <a:t>3/17/2018</a:t>
+              <a:t>3/18/2018</a:t>
             </a:fld>
             <a:endParaRPr lang="en-US"/>
           </a:p>
@@ -445,7 +445,7 @@
           <a:p>
             <a:fld id="{13D11AC7-A88F-49D3-AEAF-1BE21B915F4C}" type="datetimeFigureOut">
               <a:rPr lang="en-US" smtClean="0"/>
-              <a:t>3/17/2018</a:t>
+              <a:t>3/18/2018</a:t>
             </a:fld>
             <a:endParaRPr lang="en-US"/>
           </a:p>
@@ -657,7 +657,7 @@
           <a:p>
             <a:fld id="{13D11AC7-A88F-49D3-AEAF-1BE21B915F4C}" type="datetimeFigureOut">
               <a:rPr lang="en-US" smtClean="0"/>
-              <a:t>3/17/2018</a:t>
+              <a:t>3/18/2018</a:t>
             </a:fld>
             <a:endParaRPr lang="en-US"/>
           </a:p>
@@ -859,7 +859,7 @@
           <a:p>
             <a:fld id="{13D11AC7-A88F-49D3-AEAF-1BE21B915F4C}" type="datetimeFigureOut">
               <a:rPr lang="en-US" smtClean="0"/>
-              <a:t>3/17/2018</a:t>
+              <a:t>3/18/2018</a:t>
             </a:fld>
             <a:endParaRPr lang="en-US"/>
           </a:p>
@@ -1103,7 +1103,7 @@
           <a:p>
             <a:fld id="{13D11AC7-A88F-49D3-AEAF-1BE21B915F4C}" type="datetimeFigureOut">
               <a:rPr lang="en-US" smtClean="0"/>
-              <a:t>3/17/2018</a:t>
+              <a:t>3/18/2018</a:t>
             </a:fld>
             <a:endParaRPr lang="en-US"/>
           </a:p>
@@ -1399,7 +1399,7 @@
           <a:p>
             <a:fld id="{13D11AC7-A88F-49D3-AEAF-1BE21B915F4C}" type="datetimeFigureOut">
               <a:rPr lang="en-US" smtClean="0"/>
-              <a:t>3/17/2018</a:t>
+              <a:t>3/18/2018</a:t>
             </a:fld>
             <a:endParaRPr lang="en-US"/>
           </a:p>
@@ -1830,7 +1830,7 @@
           <a:p>
             <a:fld id="{13D11AC7-A88F-49D3-AEAF-1BE21B915F4C}" type="datetimeFigureOut">
               <a:rPr lang="en-US" smtClean="0"/>
-              <a:t>3/17/2018</a:t>
+              <a:t>3/18/2018</a:t>
             </a:fld>
             <a:endParaRPr lang="en-US"/>
           </a:p>
@@ -1948,7 +1948,7 @@
           <a:p>
             <a:fld id="{13D11AC7-A88F-49D3-AEAF-1BE21B915F4C}" type="datetimeFigureOut">
               <a:rPr lang="en-US" smtClean="0"/>
-              <a:t>3/17/2018</a:t>
+              <a:t>3/18/2018</a:t>
             </a:fld>
             <a:endParaRPr lang="en-US"/>
           </a:p>
@@ -2043,7 +2043,7 @@
           <a:p>
             <a:fld id="{13D11AC7-A88F-49D3-AEAF-1BE21B915F4C}" type="datetimeFigureOut">
               <a:rPr lang="en-US" smtClean="0"/>
-              <a:t>3/17/2018</a:t>
+              <a:t>3/18/2018</a:t>
             </a:fld>
             <a:endParaRPr lang="en-US"/>
           </a:p>
@@ -2352,7 +2352,7 @@
           <a:p>
             <a:fld id="{13D11AC7-A88F-49D3-AEAF-1BE21B915F4C}" type="datetimeFigureOut">
               <a:rPr lang="en-US" smtClean="0"/>
-              <a:t>3/17/2018</a:t>
+              <a:t>3/18/2018</a:t>
             </a:fld>
             <a:endParaRPr lang="en-US"/>
           </a:p>
@@ -2609,7 +2609,7 @@
           <a:p>
             <a:fld id="{13D11AC7-A88F-49D3-AEAF-1BE21B915F4C}" type="datetimeFigureOut">
               <a:rPr lang="en-US" smtClean="0"/>
-              <a:t>3/17/2018</a:t>
+              <a:t>3/18/2018</a:t>
             </a:fld>
             <a:endParaRPr lang="en-US"/>
           </a:p>
@@ -2854,7 +2854,7 @@
           <a:p>
             <a:fld id="{13D11AC7-A88F-49D3-AEAF-1BE21B915F4C}" type="datetimeFigureOut">
               <a:rPr lang="en-US" smtClean="0"/>
-              <a:t>3/17/2018</a:t>
+              <a:t>3/18/2018</a:t>
             </a:fld>
             <a:endParaRPr lang="en-US"/>
           </a:p>
@@ -4848,51 +4848,6 @@
       </p:cxnSp>
       <p:cxnSp>
         <p:nvCxnSpPr>
-          <p:cNvPr id="158" name="直線コネクタ 157">
-            <a:extLst>
-              <a:ext uri="{FF2B5EF4-FFF2-40B4-BE49-F238E27FC236}">
-                <a16:creationId xmlns:a16="http://schemas.microsoft.com/office/drawing/2014/main" id="{AE1AD730-2F61-40CA-A432-52CFC65B045A}"/>
-              </a:ext>
-            </a:extLst>
-          </p:cNvPr>
-          <p:cNvCxnSpPr>
-            <a:cxnSpLocks/>
-          </p:cNvCxnSpPr>
-          <p:nvPr/>
-        </p:nvCxnSpPr>
-        <p:spPr>
-          <a:xfrm>
-            <a:off x="5161190" y="3368589"/>
-            <a:ext cx="240081" cy="0"/>
-          </a:xfrm>
-          <a:prstGeom prst="line">
-            <a:avLst/>
-          </a:prstGeom>
-          <a:ln>
-            <a:solidFill>
-              <a:schemeClr val="accent1"/>
-            </a:solidFill>
-            <a:headEnd type="none" w="med" len="med"/>
-            <a:tailEnd type="none" w="med" len="med"/>
-          </a:ln>
-        </p:spPr>
-        <p:style>
-          <a:lnRef idx="1">
-            <a:schemeClr val="accent1"/>
-          </a:lnRef>
-          <a:fillRef idx="0">
-            <a:schemeClr val="accent1"/>
-          </a:fillRef>
-          <a:effectRef idx="0">
-            <a:schemeClr val="accent1"/>
-          </a:effectRef>
-          <a:fontRef idx="minor">
-            <a:schemeClr val="tx1"/>
-          </a:fontRef>
-        </p:style>
-      </p:cxnSp>
-      <p:cxnSp>
-        <p:nvCxnSpPr>
           <p:cNvPr id="163" name="直線コネクタ 162">
             <a:extLst>
               <a:ext uri="{FF2B5EF4-FFF2-40B4-BE49-F238E27FC236}">
@@ -8702,7 +8657,7 @@
           <a:p>
             <a:r>
               <a:rPr lang="en-US" sz="1000" dirty="0"/>
-              <a:t>CANRX</a:t>
+              <a:t>RXD</a:t>
             </a:r>
           </a:p>
         </p:txBody>
@@ -8721,7 +8676,7 @@
         </p:nvSpPr>
         <p:spPr>
           <a:xfrm>
-            <a:off x="6076464" y="3673285"/>
+            <a:off x="6250644" y="3673285"/>
             <a:ext cx="751047" cy="246221"/>
           </a:xfrm>
           <a:prstGeom prst="rect">
@@ -8737,7 +8692,7 @@
           <a:p>
             <a:r>
               <a:rPr lang="en-US" sz="1000" dirty="0"/>
-              <a:t>CANTX</a:t>
+              <a:t>TXD</a:t>
             </a:r>
           </a:p>
         </p:txBody>
@@ -8772,7 +8727,7 @@
           <a:p>
             <a:r>
               <a:rPr lang="en-US" sz="1000" dirty="0"/>
-              <a:t>CANRX</a:t>
+              <a:t>RXCAN</a:t>
             </a:r>
           </a:p>
         </p:txBody>
@@ -8807,7 +8762,7 @@
           <a:p>
             <a:r>
               <a:rPr lang="en-US" sz="1000" dirty="0"/>
-              <a:t>CANTX</a:t>
+              <a:t>TXCAN</a:t>
             </a:r>
           </a:p>
         </p:txBody>
@@ -10035,6 +9990,41 @@
           </a:fontRef>
         </p:style>
       </p:cxnSp>
+      <p:sp>
+        <p:nvSpPr>
+          <p:cNvPr id="186" name="テキスト ボックス 185">
+            <a:extLst>
+              <a:ext uri="{FF2B5EF4-FFF2-40B4-BE49-F238E27FC236}">
+                <a16:creationId xmlns:a16="http://schemas.microsoft.com/office/drawing/2014/main" id="{4B0D6667-849A-48DE-A208-76DFA2CDD8DC}"/>
+              </a:ext>
+            </a:extLst>
+          </p:cNvPr>
+          <p:cNvSpPr txBox="1"/>
+          <p:nvPr/>
+        </p:nvSpPr>
+        <p:spPr>
+          <a:xfrm>
+            <a:off x="4202760" y="4627245"/>
+            <a:ext cx="483344" cy="246221"/>
+          </a:xfrm>
+          <a:prstGeom prst="rect">
+            <a:avLst/>
+          </a:prstGeom>
+          <a:noFill/>
+        </p:spPr>
+        <p:txBody>
+          <a:bodyPr wrap="square" rtlCol="0">
+            <a:spAutoFit/>
+          </a:bodyPr>
+          <a:lstStyle/>
+          <a:p>
+            <a:r>
+              <a:rPr lang="en-US" sz="1000" dirty="0"/>
+              <a:t>MCLR</a:t>
+            </a:r>
+          </a:p>
+        </p:txBody>
+      </p:sp>
     </p:spTree>
     <p:extLst>
       <p:ext uri="{BB962C8B-B14F-4D97-AF65-F5344CB8AC3E}">

--- a/doc/universal_board.pptx
+++ b/doc/universal_board.pptx
@@ -243,7 +243,7 @@
           <a:p>
             <a:fld id="{13D11AC7-A88F-49D3-AEAF-1BE21B915F4C}" type="datetimeFigureOut">
               <a:rPr lang="en-US" smtClean="0"/>
-              <a:t>3/18/2018</a:t>
+              <a:t>3/20/2018</a:t>
             </a:fld>
             <a:endParaRPr lang="en-US"/>
           </a:p>
@@ -445,7 +445,7 @@
           <a:p>
             <a:fld id="{13D11AC7-A88F-49D3-AEAF-1BE21B915F4C}" type="datetimeFigureOut">
               <a:rPr lang="en-US" smtClean="0"/>
-              <a:t>3/18/2018</a:t>
+              <a:t>3/20/2018</a:t>
             </a:fld>
             <a:endParaRPr lang="en-US"/>
           </a:p>
@@ -657,7 +657,7 @@
           <a:p>
             <a:fld id="{13D11AC7-A88F-49D3-AEAF-1BE21B915F4C}" type="datetimeFigureOut">
               <a:rPr lang="en-US" smtClean="0"/>
-              <a:t>3/18/2018</a:t>
+              <a:t>3/20/2018</a:t>
             </a:fld>
             <a:endParaRPr lang="en-US"/>
           </a:p>
@@ -859,7 +859,7 @@
           <a:p>
             <a:fld id="{13D11AC7-A88F-49D3-AEAF-1BE21B915F4C}" type="datetimeFigureOut">
               <a:rPr lang="en-US" smtClean="0"/>
-              <a:t>3/18/2018</a:t>
+              <a:t>3/20/2018</a:t>
             </a:fld>
             <a:endParaRPr lang="en-US"/>
           </a:p>
@@ -1103,7 +1103,7 @@
           <a:p>
             <a:fld id="{13D11AC7-A88F-49D3-AEAF-1BE21B915F4C}" type="datetimeFigureOut">
               <a:rPr lang="en-US" smtClean="0"/>
-              <a:t>3/18/2018</a:t>
+              <a:t>3/20/2018</a:t>
             </a:fld>
             <a:endParaRPr lang="en-US"/>
           </a:p>
@@ -1399,7 +1399,7 @@
           <a:p>
             <a:fld id="{13D11AC7-A88F-49D3-AEAF-1BE21B915F4C}" type="datetimeFigureOut">
               <a:rPr lang="en-US" smtClean="0"/>
-              <a:t>3/18/2018</a:t>
+              <a:t>3/20/2018</a:t>
             </a:fld>
             <a:endParaRPr lang="en-US"/>
           </a:p>
@@ -1830,7 +1830,7 @@
           <a:p>
             <a:fld id="{13D11AC7-A88F-49D3-AEAF-1BE21B915F4C}" type="datetimeFigureOut">
               <a:rPr lang="en-US" smtClean="0"/>
-              <a:t>3/18/2018</a:t>
+              <a:t>3/20/2018</a:t>
             </a:fld>
             <a:endParaRPr lang="en-US"/>
           </a:p>
@@ -1948,7 +1948,7 @@
           <a:p>
             <a:fld id="{13D11AC7-A88F-49D3-AEAF-1BE21B915F4C}" type="datetimeFigureOut">
               <a:rPr lang="en-US" smtClean="0"/>
-              <a:t>3/18/2018</a:t>
+              <a:t>3/20/2018</a:t>
             </a:fld>
             <a:endParaRPr lang="en-US"/>
           </a:p>
@@ -2043,7 +2043,7 @@
           <a:p>
             <a:fld id="{13D11AC7-A88F-49D3-AEAF-1BE21B915F4C}" type="datetimeFigureOut">
               <a:rPr lang="en-US" smtClean="0"/>
-              <a:t>3/18/2018</a:t>
+              <a:t>3/20/2018</a:t>
             </a:fld>
             <a:endParaRPr lang="en-US"/>
           </a:p>
@@ -2352,7 +2352,7 @@
           <a:p>
             <a:fld id="{13D11AC7-A88F-49D3-AEAF-1BE21B915F4C}" type="datetimeFigureOut">
               <a:rPr lang="en-US" smtClean="0"/>
-              <a:t>3/18/2018</a:t>
+              <a:t>3/20/2018</a:t>
             </a:fld>
             <a:endParaRPr lang="en-US"/>
           </a:p>
@@ -2609,7 +2609,7 @@
           <a:p>
             <a:fld id="{13D11AC7-A88F-49D3-AEAF-1BE21B915F4C}" type="datetimeFigureOut">
               <a:rPr lang="en-US" smtClean="0"/>
-              <a:t>3/18/2018</a:t>
+              <a:t>3/20/2018</a:t>
             </a:fld>
             <a:endParaRPr lang="en-US"/>
           </a:p>
@@ -2854,7 +2854,7 @@
           <a:p>
             <a:fld id="{13D11AC7-A88F-49D3-AEAF-1BE21B915F4C}" type="datetimeFigureOut">
               <a:rPr lang="en-US" smtClean="0"/>
-              <a:t>3/18/2018</a:t>
+              <a:t>3/20/2018</a:t>
             </a:fld>
             <a:endParaRPr lang="en-US"/>
           </a:p>
@@ -4996,9 +4996,9 @@
           <p:nvPr/>
         </p:nvCxnSpPr>
         <p:spPr>
-          <a:xfrm flipH="1" flipV="1">
-            <a:off x="5404858" y="2111437"/>
-            <a:ext cx="987233" cy="4997"/>
+          <a:xfrm flipH="1">
+            <a:off x="5404859" y="2105365"/>
+            <a:ext cx="497788" cy="6073"/>
           </a:xfrm>
           <a:prstGeom prst="line">
             <a:avLst/>
@@ -5040,8 +5040,8 @@
         </p:nvCxnSpPr>
         <p:spPr>
           <a:xfrm>
-            <a:off x="6392091" y="2111437"/>
-            <a:ext cx="0" cy="1754156"/>
+            <a:off x="6392091" y="2368339"/>
+            <a:ext cx="0" cy="1497254"/>
           </a:xfrm>
           <a:prstGeom prst="line">
             <a:avLst/>
@@ -5085,8 +5085,8 @@
         </p:nvCxnSpPr>
         <p:spPr>
           <a:xfrm flipH="1">
-            <a:off x="5645761" y="2368339"/>
-            <a:ext cx="204648" cy="0"/>
+            <a:off x="5645761" y="2360007"/>
+            <a:ext cx="756337" cy="8332"/>
           </a:xfrm>
           <a:prstGeom prst="line">
             <a:avLst/>
@@ -5175,8 +5175,8 @@
         </p:nvCxnSpPr>
         <p:spPr>
           <a:xfrm flipH="1">
-            <a:off x="5821589" y="2380156"/>
-            <a:ext cx="28821" cy="986550"/>
+            <a:off x="5821590" y="2126550"/>
+            <a:ext cx="81586" cy="1240156"/>
           </a:xfrm>
           <a:prstGeom prst="line">
             <a:avLst/>
@@ -8711,8 +8711,8 @@
         </p:nvSpPr>
         <p:spPr>
           <a:xfrm>
-            <a:off x="5021203" y="2174972"/>
-            <a:ext cx="751047" cy="246221"/>
+            <a:off x="5047332" y="2331731"/>
+            <a:ext cx="726454" cy="246221"/>
           </a:xfrm>
           <a:prstGeom prst="rect">
             <a:avLst/>
@@ -8746,7 +8746,7 @@
         </p:nvSpPr>
         <p:spPr>
           <a:xfrm>
-            <a:off x="5325899" y="2305135"/>
+            <a:off x="5421698" y="2331262"/>
             <a:ext cx="751047" cy="246221"/>
           </a:xfrm>
           <a:prstGeom prst="rect">

--- a/doc/universal_board.pptx
+++ b/doc/universal_board.pptx
@@ -6,6 +6,7 @@
   </p:sldMasterIdLst>
   <p:sldIdLst>
     <p:sldId id="257" r:id="rId2"/>
+    <p:sldId id="258" r:id="rId3"/>
   </p:sldIdLst>
   <p:sldSz cx="9144000" cy="6858000" type="screen4x3"/>
   <p:notesSz cx="6858000" cy="9144000"/>
@@ -10029,6 +10030,6802 @@
     <p:extLst>
       <p:ext uri="{BB962C8B-B14F-4D97-AF65-F5344CB8AC3E}">
         <p14:creationId xmlns:p14="http://schemas.microsoft.com/office/powerpoint/2010/main" val="2044281121"/>
+      </p:ext>
+    </p:extLst>
+  </p:cSld>
+  <p:clrMapOvr>
+    <a:masterClrMapping/>
+  </p:clrMapOvr>
+</p:sld>
+</file>
+
+<file path=ppt/slides/slide2.xml><?xml version="1.0" encoding="utf-8"?>
+<p:sld xmlns:a="http://schemas.openxmlformats.org/drawingml/2006/main" xmlns:r="http://schemas.openxmlformats.org/officeDocument/2006/relationships" xmlns:p="http://schemas.openxmlformats.org/presentationml/2006/main">
+  <p:cSld>
+    <p:spTree>
+      <p:nvGrpSpPr>
+        <p:cNvPr id="1" name=""/>
+        <p:cNvGrpSpPr/>
+        <p:nvPr/>
+      </p:nvGrpSpPr>
+      <p:grpSpPr>
+        <a:xfrm>
+          <a:off x="0" y="0"/>
+          <a:ext cx="0" cy="0"/>
+          <a:chOff x="0" y="0"/>
+          <a:chExt cx="0" cy="0"/>
+        </a:xfrm>
+      </p:grpSpPr>
+      <p:sp>
+        <p:nvSpPr>
+          <p:cNvPr id="12" name="テキスト ボックス 11">
+            <a:extLst>
+              <a:ext uri="{FF2B5EF4-FFF2-40B4-BE49-F238E27FC236}">
+                <a16:creationId xmlns:a16="http://schemas.microsoft.com/office/drawing/2014/main" id="{F87A73CB-C1F4-493D-B412-A2EF20C8E5F4}"/>
+              </a:ext>
+            </a:extLst>
+          </p:cNvPr>
+          <p:cNvSpPr txBox="1"/>
+          <p:nvPr/>
+        </p:nvSpPr>
+        <p:spPr>
+          <a:xfrm>
+            <a:off x="2194447" y="275289"/>
+            <a:ext cx="4918814" cy="707886"/>
+          </a:xfrm>
+          <a:prstGeom prst="rect">
+            <a:avLst/>
+          </a:prstGeom>
+          <a:noFill/>
+        </p:spPr>
+        <p:txBody>
+          <a:bodyPr wrap="square" rtlCol="0">
+            <a:spAutoFit/>
+          </a:bodyPr>
+          <a:lstStyle/>
+          <a:p>
+            <a:r>
+              <a:rPr lang="en-US" sz="4000" dirty="0"/>
+              <a:t>CAN adaptor to UART</a:t>
+            </a:r>
+          </a:p>
+        </p:txBody>
+      </p:sp>
+      <p:pic>
+        <p:nvPicPr>
+          <p:cNvPr id="1026" name="Picture 2" descr="board_pattern.png">
+            <a:extLst>
+              <a:ext uri="{FF2B5EF4-FFF2-40B4-BE49-F238E27FC236}">
+                <a16:creationId xmlns:a16="http://schemas.microsoft.com/office/drawing/2014/main" id="{BBB8F659-60F1-4B78-BCE4-4D32044AD634}"/>
+              </a:ext>
+            </a:extLst>
+          </p:cNvPr>
+          <p:cNvPicPr>
+            <a:picLocks noChangeAspect="1" noChangeArrowheads="1"/>
+          </p:cNvPicPr>
+          <p:nvPr/>
+        </p:nvPicPr>
+        <p:blipFill>
+          <a:blip r:embed="rId2">
+            <a:duotone>
+              <a:schemeClr val="bg2">
+                <a:shade val="45000"/>
+                <a:satMod val="135000"/>
+              </a:schemeClr>
+              <a:prstClr val="white"/>
+            </a:duotone>
+            <a:extLst>
+              <a:ext uri="{28A0092B-C50C-407E-A947-70E740481C1C}">
+                <a14:useLocalDpi xmlns:a14="http://schemas.microsoft.com/office/drawing/2010/main" val="0"/>
+              </a:ext>
+            </a:extLst>
+          </a:blip>
+          <a:srcRect/>
+          <a:stretch>
+            <a:fillRect/>
+          </a:stretch>
+        </p:blipFill>
+        <p:spPr bwMode="auto">
+          <a:xfrm rot="5400000" flipH="1">
+            <a:off x="2848866" y="1130240"/>
+            <a:ext cx="3686175" cy="4724400"/>
+          </a:xfrm>
+          <a:prstGeom prst="rect">
+            <a:avLst/>
+          </a:prstGeom>
+          <a:noFill/>
+          <a:extLst>
+            <a:ext uri="{909E8E84-426E-40DD-AFC4-6F175D3DCCD1}">
+              <a14:hiddenFill xmlns:a14="http://schemas.microsoft.com/office/drawing/2010/main">
+                <a:solidFill>
+                  <a:srgbClr val="FFFFFF"/>
+                </a:solidFill>
+              </a14:hiddenFill>
+            </a:ext>
+          </a:extLst>
+        </p:spPr>
+      </p:pic>
+      <p:sp>
+        <p:nvSpPr>
+          <p:cNvPr id="153" name="正方形/長方形 152">
+            <a:extLst>
+              <a:ext uri="{FF2B5EF4-FFF2-40B4-BE49-F238E27FC236}">
+                <a16:creationId xmlns:a16="http://schemas.microsoft.com/office/drawing/2014/main" id="{8CC42EB2-0EDC-4DC3-A0E1-CA4E80F7B6C2}"/>
+              </a:ext>
+            </a:extLst>
+          </p:cNvPr>
+          <p:cNvSpPr/>
+          <p:nvPr/>
+        </p:nvSpPr>
+        <p:spPr>
+          <a:xfrm flipH="1">
+            <a:off x="4083627" y="3978183"/>
+            <a:ext cx="1715587" cy="993157"/>
+          </a:xfrm>
+          <a:prstGeom prst="rect">
+            <a:avLst/>
+          </a:prstGeom>
+          <a:solidFill>
+            <a:schemeClr val="tx2">
+              <a:lumMod val="40000"/>
+              <a:lumOff val="60000"/>
+              <a:alpha val="30000"/>
+            </a:schemeClr>
+          </a:solidFill>
+          <a:ln>
+            <a:solidFill>
+              <a:schemeClr val="tx1"/>
+            </a:solidFill>
+          </a:ln>
+        </p:spPr>
+        <p:style>
+          <a:lnRef idx="2">
+            <a:schemeClr val="accent1">
+              <a:shade val="50000"/>
+            </a:schemeClr>
+          </a:lnRef>
+          <a:fillRef idx="1">
+            <a:schemeClr val="accent1"/>
+          </a:fillRef>
+          <a:effectRef idx="0">
+            <a:schemeClr val="accent1"/>
+          </a:effectRef>
+          <a:fontRef idx="minor">
+            <a:schemeClr val="lt1"/>
+          </a:fontRef>
+        </p:style>
+        <p:txBody>
+          <a:bodyPr rtlCol="0" anchor="ctr"/>
+          <a:lstStyle/>
+          <a:p>
+            <a:pPr algn="ctr"/>
+            <a:endParaRPr lang="en-US" dirty="0"/>
+          </a:p>
+        </p:txBody>
+      </p:sp>
+      <p:sp>
+        <p:nvSpPr>
+          <p:cNvPr id="81" name="正方形/長方形 80">
+            <a:extLst>
+              <a:ext uri="{FF2B5EF4-FFF2-40B4-BE49-F238E27FC236}">
+                <a16:creationId xmlns:a16="http://schemas.microsoft.com/office/drawing/2014/main" id="{506B4276-2BB7-485F-A80B-88D899A93EA9}"/>
+              </a:ext>
+            </a:extLst>
+          </p:cNvPr>
+          <p:cNvSpPr/>
+          <p:nvPr/>
+        </p:nvSpPr>
+        <p:spPr>
+          <a:xfrm flipH="1">
+            <a:off x="3578733" y="2249527"/>
+            <a:ext cx="2242255" cy="993157"/>
+          </a:xfrm>
+          <a:prstGeom prst="rect">
+            <a:avLst/>
+          </a:prstGeom>
+          <a:solidFill>
+            <a:schemeClr val="tx2">
+              <a:lumMod val="40000"/>
+              <a:lumOff val="60000"/>
+              <a:alpha val="30000"/>
+            </a:schemeClr>
+          </a:solidFill>
+          <a:ln>
+            <a:solidFill>
+              <a:schemeClr val="tx1"/>
+            </a:solidFill>
+          </a:ln>
+        </p:spPr>
+        <p:style>
+          <a:lnRef idx="2">
+            <a:schemeClr val="accent1">
+              <a:shade val="50000"/>
+            </a:schemeClr>
+          </a:lnRef>
+          <a:fillRef idx="1">
+            <a:schemeClr val="accent1"/>
+          </a:fillRef>
+          <a:effectRef idx="0">
+            <a:schemeClr val="accent1"/>
+          </a:effectRef>
+          <a:fontRef idx="minor">
+            <a:schemeClr val="lt1"/>
+          </a:fontRef>
+        </p:style>
+        <p:txBody>
+          <a:bodyPr rtlCol="0" anchor="ctr"/>
+          <a:lstStyle/>
+          <a:p>
+            <a:pPr algn="ctr"/>
+            <a:endParaRPr lang="en-US" dirty="0"/>
+          </a:p>
+        </p:txBody>
+      </p:sp>
+      <p:sp>
+        <p:nvSpPr>
+          <p:cNvPr id="82" name="正方形/長方形 81">
+            <a:extLst>
+              <a:ext uri="{FF2B5EF4-FFF2-40B4-BE49-F238E27FC236}">
+                <a16:creationId xmlns:a16="http://schemas.microsoft.com/office/drawing/2014/main" id="{96F1CDCC-A088-428F-9CBF-1485365E5C61}"/>
+              </a:ext>
+            </a:extLst>
+          </p:cNvPr>
+          <p:cNvSpPr/>
+          <p:nvPr/>
+        </p:nvSpPr>
+        <p:spPr>
+          <a:xfrm flipH="1">
+            <a:off x="2828687" y="3743042"/>
+            <a:ext cx="1002389" cy="993157"/>
+          </a:xfrm>
+          <a:prstGeom prst="rect">
+            <a:avLst/>
+          </a:prstGeom>
+          <a:solidFill>
+            <a:schemeClr val="tx2">
+              <a:lumMod val="40000"/>
+              <a:lumOff val="60000"/>
+              <a:alpha val="30000"/>
+            </a:schemeClr>
+          </a:solidFill>
+          <a:ln>
+            <a:solidFill>
+              <a:schemeClr val="tx1"/>
+            </a:solidFill>
+          </a:ln>
+        </p:spPr>
+        <p:style>
+          <a:lnRef idx="2">
+            <a:schemeClr val="accent1">
+              <a:shade val="50000"/>
+            </a:schemeClr>
+          </a:lnRef>
+          <a:fillRef idx="1">
+            <a:schemeClr val="accent1"/>
+          </a:fillRef>
+          <a:effectRef idx="0">
+            <a:schemeClr val="accent1"/>
+          </a:effectRef>
+          <a:fontRef idx="minor">
+            <a:schemeClr val="lt1"/>
+          </a:fontRef>
+        </p:style>
+        <p:txBody>
+          <a:bodyPr rtlCol="0" anchor="ctr"/>
+          <a:lstStyle/>
+          <a:p>
+            <a:pPr algn="ctr"/>
+            <a:endParaRPr lang="en-US" dirty="0"/>
+          </a:p>
+        </p:txBody>
+      </p:sp>
+      <p:cxnSp>
+        <p:nvCxnSpPr>
+          <p:cNvPr id="91" name="直線コネクタ 90">
+            <a:extLst>
+              <a:ext uri="{FF2B5EF4-FFF2-40B4-BE49-F238E27FC236}">
+                <a16:creationId xmlns:a16="http://schemas.microsoft.com/office/drawing/2014/main" id="{44A229F2-8F2F-4A1F-AE33-BB0FA0D0C2A8}"/>
+              </a:ext>
+            </a:extLst>
+          </p:cNvPr>
+          <p:cNvCxnSpPr>
+            <a:cxnSpLocks/>
+          </p:cNvCxnSpPr>
+          <p:nvPr/>
+        </p:nvCxnSpPr>
+        <p:spPr>
+          <a:xfrm flipH="1">
+            <a:off x="6182236" y="1866732"/>
+            <a:ext cx="0" cy="2994106"/>
+          </a:xfrm>
+          <a:prstGeom prst="line">
+            <a:avLst/>
+          </a:prstGeom>
+          <a:ln>
+            <a:solidFill>
+              <a:schemeClr val="accent1"/>
+            </a:solidFill>
+            <a:headEnd type="oval" w="med" len="med"/>
+            <a:tailEnd type="oval" w="med" len="med"/>
+          </a:ln>
+        </p:spPr>
+        <p:style>
+          <a:lnRef idx="1">
+            <a:schemeClr val="accent1"/>
+          </a:lnRef>
+          <a:fillRef idx="0">
+            <a:schemeClr val="accent1"/>
+          </a:fillRef>
+          <a:effectRef idx="0">
+            <a:schemeClr val="accent1"/>
+          </a:effectRef>
+          <a:fontRef idx="minor">
+            <a:schemeClr val="tx1"/>
+          </a:fontRef>
+        </p:style>
+      </p:cxnSp>
+      <p:cxnSp>
+        <p:nvCxnSpPr>
+          <p:cNvPr id="94" name="直線コネクタ 93">
+            <a:extLst>
+              <a:ext uri="{FF2B5EF4-FFF2-40B4-BE49-F238E27FC236}">
+                <a16:creationId xmlns:a16="http://schemas.microsoft.com/office/drawing/2014/main" id="{2C04BC48-1CC7-4D1E-9510-C9ED6EC70FCA}"/>
+              </a:ext>
+            </a:extLst>
+          </p:cNvPr>
+          <p:cNvCxnSpPr>
+            <a:cxnSpLocks/>
+          </p:cNvCxnSpPr>
+          <p:nvPr/>
+        </p:nvCxnSpPr>
+        <p:spPr>
+          <a:xfrm flipH="1" flipV="1">
+            <a:off x="5442367" y="2119294"/>
+            <a:ext cx="1240976" cy="3963"/>
+          </a:xfrm>
+          <a:prstGeom prst="line">
+            <a:avLst/>
+          </a:prstGeom>
+          <a:ln>
+            <a:solidFill>
+              <a:srgbClr val="FF0000"/>
+            </a:solidFill>
+            <a:headEnd type="oval" w="med" len="med"/>
+            <a:tailEnd type="oval" w="med" len="med"/>
+          </a:ln>
+        </p:spPr>
+        <p:style>
+          <a:lnRef idx="1">
+            <a:schemeClr val="accent1"/>
+          </a:lnRef>
+          <a:fillRef idx="0">
+            <a:schemeClr val="accent1"/>
+          </a:fillRef>
+          <a:effectRef idx="0">
+            <a:schemeClr val="accent1"/>
+          </a:effectRef>
+          <a:fontRef idx="minor">
+            <a:schemeClr val="tx1"/>
+          </a:fontRef>
+        </p:style>
+      </p:cxnSp>
+      <p:cxnSp>
+        <p:nvCxnSpPr>
+          <p:cNvPr id="97" name="直線コネクタ 96">
+            <a:extLst>
+              <a:ext uri="{FF2B5EF4-FFF2-40B4-BE49-F238E27FC236}">
+                <a16:creationId xmlns:a16="http://schemas.microsoft.com/office/drawing/2014/main" id="{3A5F9A63-8BF2-44C9-8C33-648A085F6003}"/>
+              </a:ext>
+            </a:extLst>
+          </p:cNvPr>
+          <p:cNvCxnSpPr>
+            <a:cxnSpLocks/>
+          </p:cNvCxnSpPr>
+          <p:nvPr/>
+        </p:nvCxnSpPr>
+        <p:spPr>
+          <a:xfrm flipH="1" flipV="1">
+            <a:off x="5189819" y="1870055"/>
+            <a:ext cx="757843" cy="7408"/>
+          </a:xfrm>
+          <a:prstGeom prst="line">
+            <a:avLst/>
+          </a:prstGeom>
+          <a:ln>
+            <a:solidFill>
+              <a:schemeClr val="accent1"/>
+            </a:solidFill>
+          </a:ln>
+        </p:spPr>
+        <p:style>
+          <a:lnRef idx="1">
+            <a:schemeClr val="accent1"/>
+          </a:lnRef>
+          <a:fillRef idx="0">
+            <a:schemeClr val="accent1"/>
+          </a:fillRef>
+          <a:effectRef idx="0">
+            <a:schemeClr val="accent1"/>
+          </a:effectRef>
+          <a:fontRef idx="minor">
+            <a:schemeClr val="tx1"/>
+          </a:fontRef>
+        </p:style>
+      </p:cxnSp>
+      <p:cxnSp>
+        <p:nvCxnSpPr>
+          <p:cNvPr id="98" name="直線コネクタ 97">
+            <a:extLst>
+              <a:ext uri="{FF2B5EF4-FFF2-40B4-BE49-F238E27FC236}">
+                <a16:creationId xmlns:a16="http://schemas.microsoft.com/office/drawing/2014/main" id="{1F38D918-4466-4396-86EF-877EC5A8F425}"/>
+              </a:ext>
+            </a:extLst>
+          </p:cNvPr>
+          <p:cNvCxnSpPr>
+            <a:cxnSpLocks/>
+          </p:cNvCxnSpPr>
+          <p:nvPr/>
+        </p:nvCxnSpPr>
+        <p:spPr>
+          <a:xfrm>
+            <a:off x="5947659" y="1879605"/>
+            <a:ext cx="3" cy="513814"/>
+          </a:xfrm>
+          <a:prstGeom prst="line">
+            <a:avLst/>
+          </a:prstGeom>
+          <a:ln>
+            <a:solidFill>
+              <a:schemeClr val="accent1"/>
+            </a:solidFill>
+            <a:headEnd type="oval" w="med" len="med"/>
+            <a:tailEnd type="oval" w="med" len="med"/>
+          </a:ln>
+        </p:spPr>
+        <p:style>
+          <a:lnRef idx="1">
+            <a:schemeClr val="accent1"/>
+          </a:lnRef>
+          <a:fillRef idx="0">
+            <a:schemeClr val="accent1"/>
+          </a:fillRef>
+          <a:effectRef idx="0">
+            <a:schemeClr val="accent1"/>
+          </a:effectRef>
+          <a:fontRef idx="minor">
+            <a:schemeClr val="tx1"/>
+          </a:fontRef>
+        </p:style>
+      </p:cxnSp>
+      <p:sp>
+        <p:nvSpPr>
+          <p:cNvPr id="85" name="四角形: 角を丸くする 84">
+            <a:extLst>
+              <a:ext uri="{FF2B5EF4-FFF2-40B4-BE49-F238E27FC236}">
+                <a16:creationId xmlns:a16="http://schemas.microsoft.com/office/drawing/2014/main" id="{42C5F213-6681-4E8C-97DF-28EF5414B461}"/>
+              </a:ext>
+            </a:extLst>
+          </p:cNvPr>
+          <p:cNvSpPr/>
+          <p:nvPr/>
+        </p:nvSpPr>
+        <p:spPr>
+          <a:xfrm rot="10800000" flipH="1">
+            <a:off x="6062855" y="2256547"/>
+            <a:ext cx="513806" cy="252170"/>
+          </a:xfrm>
+          <a:prstGeom prst="roundRect">
+            <a:avLst/>
+          </a:prstGeom>
+          <a:solidFill>
+            <a:srgbClr val="FFC000"/>
+          </a:solidFill>
+        </p:spPr>
+        <p:style>
+          <a:lnRef idx="2">
+            <a:schemeClr val="accent1">
+              <a:shade val="50000"/>
+            </a:schemeClr>
+          </a:lnRef>
+          <a:fillRef idx="1">
+            <a:schemeClr val="accent1"/>
+          </a:fillRef>
+          <a:effectRef idx="0">
+            <a:schemeClr val="accent1"/>
+          </a:effectRef>
+          <a:fontRef idx="minor">
+            <a:schemeClr val="lt1"/>
+          </a:fontRef>
+        </p:style>
+        <p:txBody>
+          <a:bodyPr rtlCol="0" anchor="ctr"/>
+          <a:lstStyle/>
+          <a:p>
+            <a:pPr algn="ctr"/>
+            <a:endParaRPr lang="en-US"/>
+          </a:p>
+        </p:txBody>
+      </p:sp>
+      <p:cxnSp>
+        <p:nvCxnSpPr>
+          <p:cNvPr id="100" name="直線コネクタ 99">
+            <a:extLst>
+              <a:ext uri="{FF2B5EF4-FFF2-40B4-BE49-F238E27FC236}">
+                <a16:creationId xmlns:a16="http://schemas.microsoft.com/office/drawing/2014/main" id="{879A989C-48B1-4AB3-90B2-CB0EE98F7EDC}"/>
+              </a:ext>
+            </a:extLst>
+          </p:cNvPr>
+          <p:cNvCxnSpPr>
+            <a:cxnSpLocks/>
+          </p:cNvCxnSpPr>
+          <p:nvPr/>
+        </p:nvCxnSpPr>
+        <p:spPr>
+          <a:xfrm>
+            <a:off x="6666117" y="1857833"/>
+            <a:ext cx="3" cy="513814"/>
+          </a:xfrm>
+          <a:prstGeom prst="line">
+            <a:avLst/>
+          </a:prstGeom>
+          <a:ln>
+            <a:solidFill>
+              <a:schemeClr val="accent1"/>
+            </a:solidFill>
+            <a:headEnd type="oval" w="med" len="med"/>
+            <a:tailEnd type="oval" w="med" len="med"/>
+          </a:ln>
+        </p:spPr>
+        <p:style>
+          <a:lnRef idx="1">
+            <a:schemeClr val="accent1"/>
+          </a:lnRef>
+          <a:fillRef idx="0">
+            <a:schemeClr val="accent1"/>
+          </a:fillRef>
+          <a:effectRef idx="0">
+            <a:schemeClr val="accent1"/>
+          </a:effectRef>
+          <a:fontRef idx="minor">
+            <a:schemeClr val="tx1"/>
+          </a:fontRef>
+        </p:style>
+      </p:cxnSp>
+      <p:sp>
+        <p:nvSpPr>
+          <p:cNvPr id="4" name="楕円 3">
+            <a:extLst>
+              <a:ext uri="{FF2B5EF4-FFF2-40B4-BE49-F238E27FC236}">
+                <a16:creationId xmlns:a16="http://schemas.microsoft.com/office/drawing/2014/main" id="{BA850E34-5C63-4B11-B55E-4E9D62184EC0}"/>
+              </a:ext>
+            </a:extLst>
+          </p:cNvPr>
+          <p:cNvSpPr/>
+          <p:nvPr/>
+        </p:nvSpPr>
+        <p:spPr>
+          <a:xfrm flipH="1">
+            <a:off x="5841793" y="1757898"/>
+            <a:ext cx="696685" cy="226053"/>
+          </a:xfrm>
+          <a:prstGeom prst="ellipse">
+            <a:avLst/>
+          </a:prstGeom>
+          <a:solidFill>
+            <a:schemeClr val="accent1">
+              <a:alpha val="30000"/>
+            </a:schemeClr>
+          </a:solidFill>
+        </p:spPr>
+        <p:style>
+          <a:lnRef idx="2">
+            <a:schemeClr val="accent1">
+              <a:shade val="50000"/>
+            </a:schemeClr>
+          </a:lnRef>
+          <a:fillRef idx="1">
+            <a:schemeClr val="accent1"/>
+          </a:fillRef>
+          <a:effectRef idx="0">
+            <a:schemeClr val="accent1"/>
+          </a:effectRef>
+          <a:fontRef idx="minor">
+            <a:schemeClr val="lt1"/>
+          </a:fontRef>
+        </p:style>
+        <p:txBody>
+          <a:bodyPr rtlCol="0" anchor="ctr"/>
+          <a:lstStyle/>
+          <a:p>
+            <a:pPr algn="ctr"/>
+            <a:endParaRPr lang="en-US"/>
+          </a:p>
+        </p:txBody>
+      </p:sp>
+      <p:cxnSp>
+        <p:nvCxnSpPr>
+          <p:cNvPr id="101" name="直線コネクタ 100">
+            <a:extLst>
+              <a:ext uri="{FF2B5EF4-FFF2-40B4-BE49-F238E27FC236}">
+                <a16:creationId xmlns:a16="http://schemas.microsoft.com/office/drawing/2014/main" id="{8EDBD959-95B6-4F96-B877-7A15D3A0BFA3}"/>
+              </a:ext>
+            </a:extLst>
+          </p:cNvPr>
+          <p:cNvCxnSpPr>
+            <a:cxnSpLocks/>
+          </p:cNvCxnSpPr>
+          <p:nvPr/>
+        </p:nvCxnSpPr>
+        <p:spPr>
+          <a:xfrm>
+            <a:off x="5435222" y="2114740"/>
+            <a:ext cx="2986" cy="248198"/>
+          </a:xfrm>
+          <a:prstGeom prst="line">
+            <a:avLst/>
+          </a:prstGeom>
+          <a:ln>
+            <a:solidFill>
+              <a:schemeClr val="accent1"/>
+            </a:solidFill>
+            <a:headEnd type="oval" w="med" len="med"/>
+            <a:tailEnd type="oval" w="med" len="med"/>
+          </a:ln>
+        </p:spPr>
+        <p:style>
+          <a:lnRef idx="1">
+            <a:schemeClr val="accent1"/>
+          </a:lnRef>
+          <a:fillRef idx="0">
+            <a:schemeClr val="accent1"/>
+          </a:fillRef>
+          <a:effectRef idx="0">
+            <a:schemeClr val="accent1"/>
+          </a:effectRef>
+          <a:fontRef idx="minor">
+            <a:schemeClr val="tx1"/>
+          </a:fontRef>
+        </p:style>
+      </p:cxnSp>
+      <p:cxnSp>
+        <p:nvCxnSpPr>
+          <p:cNvPr id="104" name="直線コネクタ 103">
+            <a:extLst>
+              <a:ext uri="{FF2B5EF4-FFF2-40B4-BE49-F238E27FC236}">
+                <a16:creationId xmlns:a16="http://schemas.microsoft.com/office/drawing/2014/main" id="{13252F85-3C20-4B64-961F-FEC28A4FF1A2}"/>
+              </a:ext>
+            </a:extLst>
+          </p:cNvPr>
+          <p:cNvCxnSpPr>
+            <a:cxnSpLocks/>
+          </p:cNvCxnSpPr>
+          <p:nvPr/>
+        </p:nvCxnSpPr>
+        <p:spPr>
+          <a:xfrm>
+            <a:off x="5185747" y="1870055"/>
+            <a:ext cx="4072" cy="492883"/>
+          </a:xfrm>
+          <a:prstGeom prst="line">
+            <a:avLst/>
+          </a:prstGeom>
+          <a:ln>
+            <a:solidFill>
+              <a:schemeClr val="accent1"/>
+            </a:solidFill>
+            <a:headEnd type="oval" w="med" len="med"/>
+            <a:tailEnd type="oval" w="med" len="med"/>
+          </a:ln>
+        </p:spPr>
+        <p:style>
+          <a:lnRef idx="1">
+            <a:schemeClr val="accent1"/>
+          </a:lnRef>
+          <a:fillRef idx="0">
+            <a:schemeClr val="accent1"/>
+          </a:fillRef>
+          <a:effectRef idx="0">
+            <a:schemeClr val="accent1"/>
+          </a:effectRef>
+          <a:fontRef idx="minor">
+            <a:schemeClr val="tx1"/>
+          </a:fontRef>
+        </p:style>
+      </p:cxnSp>
+      <p:cxnSp>
+        <p:nvCxnSpPr>
+          <p:cNvPr id="109" name="直線コネクタ 108">
+            <a:extLst>
+              <a:ext uri="{FF2B5EF4-FFF2-40B4-BE49-F238E27FC236}">
+                <a16:creationId xmlns:a16="http://schemas.microsoft.com/office/drawing/2014/main" id="{35C79F66-5634-4F4B-9BCB-7E92574DB77A}"/>
+              </a:ext>
+            </a:extLst>
+          </p:cNvPr>
+          <p:cNvCxnSpPr>
+            <a:cxnSpLocks/>
+          </p:cNvCxnSpPr>
+          <p:nvPr/>
+        </p:nvCxnSpPr>
+        <p:spPr>
+          <a:xfrm flipV="1">
+            <a:off x="3204265" y="2609904"/>
+            <a:ext cx="2983038" cy="12013"/>
+          </a:xfrm>
+          <a:prstGeom prst="line">
+            <a:avLst/>
+          </a:prstGeom>
+          <a:ln>
+            <a:solidFill>
+              <a:schemeClr val="accent1"/>
+            </a:solidFill>
+          </a:ln>
+        </p:spPr>
+        <p:style>
+          <a:lnRef idx="1">
+            <a:schemeClr val="accent1"/>
+          </a:lnRef>
+          <a:fillRef idx="0">
+            <a:schemeClr val="accent1"/>
+          </a:fillRef>
+          <a:effectRef idx="0">
+            <a:schemeClr val="accent1"/>
+          </a:effectRef>
+          <a:fontRef idx="minor">
+            <a:schemeClr val="tx1"/>
+          </a:fontRef>
+        </p:style>
+      </p:cxnSp>
+      <p:cxnSp>
+        <p:nvCxnSpPr>
+          <p:cNvPr id="24" name="直線コネクタ 23">
+            <a:extLst>
+              <a:ext uri="{FF2B5EF4-FFF2-40B4-BE49-F238E27FC236}">
+                <a16:creationId xmlns:a16="http://schemas.microsoft.com/office/drawing/2014/main" id="{59376235-B02C-4B7C-B057-62929740198E}"/>
+              </a:ext>
+            </a:extLst>
+          </p:cNvPr>
+          <p:cNvCxnSpPr>
+            <a:cxnSpLocks/>
+          </p:cNvCxnSpPr>
+          <p:nvPr/>
+        </p:nvCxnSpPr>
+        <p:spPr>
+          <a:xfrm flipH="1" flipV="1">
+            <a:off x="6423834" y="1869153"/>
+            <a:ext cx="266033" cy="8311"/>
+          </a:xfrm>
+          <a:prstGeom prst="line">
+            <a:avLst/>
+          </a:prstGeom>
+          <a:ln>
+            <a:headEnd type="oval" w="med" len="med"/>
+            <a:tailEnd type="oval" w="med" len="med"/>
+          </a:ln>
+        </p:spPr>
+        <p:style>
+          <a:lnRef idx="1">
+            <a:schemeClr val="accent1"/>
+          </a:lnRef>
+          <a:fillRef idx="0">
+            <a:schemeClr val="accent1"/>
+          </a:fillRef>
+          <a:effectRef idx="0">
+            <a:schemeClr val="accent1"/>
+          </a:effectRef>
+          <a:fontRef idx="minor">
+            <a:schemeClr val="tx1"/>
+          </a:fontRef>
+        </p:style>
+      </p:cxnSp>
+      <p:sp>
+        <p:nvSpPr>
+          <p:cNvPr id="116" name="テキスト ボックス 115">
+            <a:extLst>
+              <a:ext uri="{FF2B5EF4-FFF2-40B4-BE49-F238E27FC236}">
+                <a16:creationId xmlns:a16="http://schemas.microsoft.com/office/drawing/2014/main" id="{407047F7-5C38-44DF-B869-120D71EAD8DB}"/>
+              </a:ext>
+            </a:extLst>
+          </p:cNvPr>
+          <p:cNvSpPr txBox="1"/>
+          <p:nvPr/>
+        </p:nvSpPr>
+        <p:spPr>
+          <a:xfrm flipH="1">
+            <a:off x="4681822" y="1438068"/>
+            <a:ext cx="2716278" cy="369332"/>
+          </a:xfrm>
+          <a:prstGeom prst="rect">
+            <a:avLst/>
+          </a:prstGeom>
+          <a:noFill/>
+        </p:spPr>
+        <p:txBody>
+          <a:bodyPr wrap="square" rtlCol="0">
+            <a:spAutoFit/>
+          </a:bodyPr>
+          <a:lstStyle/>
+          <a:p>
+            <a:r>
+              <a:rPr lang="en-US" dirty="0"/>
+              <a:t>Murata CERALOCK 8MHz</a:t>
+            </a:r>
+          </a:p>
+        </p:txBody>
+      </p:sp>
+      <p:cxnSp>
+        <p:nvCxnSpPr>
+          <p:cNvPr id="117" name="直線コネクタ 116">
+            <a:extLst>
+              <a:ext uri="{FF2B5EF4-FFF2-40B4-BE49-F238E27FC236}">
+                <a16:creationId xmlns:a16="http://schemas.microsoft.com/office/drawing/2014/main" id="{FDE24A22-50B1-420E-99A5-EED4FBF04FED}"/>
+              </a:ext>
+            </a:extLst>
+          </p:cNvPr>
+          <p:cNvCxnSpPr>
+            <a:cxnSpLocks/>
+          </p:cNvCxnSpPr>
+          <p:nvPr/>
+        </p:nvCxnSpPr>
+        <p:spPr>
+          <a:xfrm flipH="1">
+            <a:off x="5682048" y="2360007"/>
+            <a:ext cx="5914" cy="255483"/>
+          </a:xfrm>
+          <a:prstGeom prst="line">
+            <a:avLst/>
+          </a:prstGeom>
+          <a:ln>
+            <a:solidFill>
+              <a:schemeClr val="accent1"/>
+            </a:solidFill>
+            <a:headEnd type="oval" w="med" len="med"/>
+            <a:tailEnd type="oval" w="med" len="med"/>
+          </a:ln>
+        </p:spPr>
+        <p:style>
+          <a:lnRef idx="1">
+            <a:schemeClr val="accent1"/>
+          </a:lnRef>
+          <a:fillRef idx="0">
+            <a:schemeClr val="accent1"/>
+          </a:fillRef>
+          <a:effectRef idx="0">
+            <a:schemeClr val="accent1"/>
+          </a:effectRef>
+          <a:fontRef idx="minor">
+            <a:schemeClr val="tx1"/>
+          </a:fontRef>
+        </p:style>
+      </p:cxnSp>
+      <p:sp>
+        <p:nvSpPr>
+          <p:cNvPr id="119" name="正方形/長方形 118">
+            <a:extLst>
+              <a:ext uri="{FF2B5EF4-FFF2-40B4-BE49-F238E27FC236}">
+                <a16:creationId xmlns:a16="http://schemas.microsoft.com/office/drawing/2014/main" id="{DA0529AE-AA18-4E26-8C72-5ABF7A2E1A2A}"/>
+              </a:ext>
+            </a:extLst>
+          </p:cNvPr>
+          <p:cNvSpPr/>
+          <p:nvPr/>
+        </p:nvSpPr>
+        <p:spPr>
+          <a:xfrm flipH="1">
+            <a:off x="5809856" y="4722391"/>
+            <a:ext cx="1002389" cy="259717"/>
+          </a:xfrm>
+          <a:prstGeom prst="rect">
+            <a:avLst/>
+          </a:prstGeom>
+          <a:solidFill>
+            <a:schemeClr val="tx2">
+              <a:lumMod val="40000"/>
+              <a:lumOff val="60000"/>
+              <a:alpha val="30000"/>
+            </a:schemeClr>
+          </a:solidFill>
+          <a:ln>
+            <a:solidFill>
+              <a:schemeClr val="tx1"/>
+            </a:solidFill>
+          </a:ln>
+        </p:spPr>
+        <p:style>
+          <a:lnRef idx="2">
+            <a:schemeClr val="accent1">
+              <a:shade val="50000"/>
+            </a:schemeClr>
+          </a:lnRef>
+          <a:fillRef idx="1">
+            <a:schemeClr val="accent1"/>
+          </a:fillRef>
+          <a:effectRef idx="0">
+            <a:schemeClr val="accent1"/>
+          </a:effectRef>
+          <a:fontRef idx="minor">
+            <a:schemeClr val="lt1"/>
+          </a:fontRef>
+        </p:style>
+        <p:txBody>
+          <a:bodyPr rtlCol="0" anchor="ctr"/>
+          <a:lstStyle/>
+          <a:p>
+            <a:pPr algn="ctr"/>
+            <a:endParaRPr lang="en-US" dirty="0"/>
+          </a:p>
+        </p:txBody>
+      </p:sp>
+      <p:cxnSp>
+        <p:nvCxnSpPr>
+          <p:cNvPr id="122" name="直線コネクタ 121">
+            <a:extLst>
+              <a:ext uri="{FF2B5EF4-FFF2-40B4-BE49-F238E27FC236}">
+                <a16:creationId xmlns:a16="http://schemas.microsoft.com/office/drawing/2014/main" id="{4C86FDF5-6CB2-4F9A-BDEA-CD63BAAB53FD}"/>
+              </a:ext>
+            </a:extLst>
+          </p:cNvPr>
+          <p:cNvCxnSpPr>
+            <a:cxnSpLocks/>
+          </p:cNvCxnSpPr>
+          <p:nvPr/>
+        </p:nvCxnSpPr>
+        <p:spPr>
+          <a:xfrm flipH="1">
+            <a:off x="5939107" y="2860375"/>
+            <a:ext cx="8555" cy="2010436"/>
+          </a:xfrm>
+          <a:prstGeom prst="line">
+            <a:avLst/>
+          </a:prstGeom>
+          <a:ln>
+            <a:solidFill>
+              <a:schemeClr val="accent1"/>
+            </a:solidFill>
+            <a:headEnd type="oval" w="med" len="med"/>
+            <a:tailEnd type="oval" w="med" len="med"/>
+          </a:ln>
+        </p:spPr>
+        <p:style>
+          <a:lnRef idx="1">
+            <a:schemeClr val="accent1"/>
+          </a:lnRef>
+          <a:fillRef idx="0">
+            <a:schemeClr val="accent1"/>
+          </a:fillRef>
+          <a:effectRef idx="0">
+            <a:schemeClr val="accent1"/>
+          </a:effectRef>
+          <a:fontRef idx="minor">
+            <a:schemeClr val="tx1"/>
+          </a:fontRef>
+        </p:style>
+      </p:cxnSp>
+      <p:cxnSp>
+        <p:nvCxnSpPr>
+          <p:cNvPr id="124" name="直線コネクタ 123">
+            <a:extLst>
+              <a:ext uri="{FF2B5EF4-FFF2-40B4-BE49-F238E27FC236}">
+                <a16:creationId xmlns:a16="http://schemas.microsoft.com/office/drawing/2014/main" id="{2E3CEBA1-7835-4186-93D0-F6491B21B910}"/>
+              </a:ext>
+            </a:extLst>
+          </p:cNvPr>
+          <p:cNvCxnSpPr>
+            <a:cxnSpLocks/>
+          </p:cNvCxnSpPr>
+          <p:nvPr/>
+        </p:nvCxnSpPr>
+        <p:spPr>
+          <a:xfrm>
+            <a:off x="3421979" y="2860377"/>
+            <a:ext cx="2511239" cy="1"/>
+          </a:xfrm>
+          <a:prstGeom prst="line">
+            <a:avLst/>
+          </a:prstGeom>
+          <a:ln>
+            <a:solidFill>
+              <a:schemeClr val="accent1"/>
+            </a:solidFill>
+          </a:ln>
+        </p:spPr>
+        <p:style>
+          <a:lnRef idx="1">
+            <a:schemeClr val="accent1"/>
+          </a:lnRef>
+          <a:fillRef idx="0">
+            <a:schemeClr val="accent1"/>
+          </a:fillRef>
+          <a:effectRef idx="0">
+            <a:schemeClr val="accent1"/>
+          </a:effectRef>
+          <a:fontRef idx="minor">
+            <a:schemeClr val="tx1"/>
+          </a:fontRef>
+        </p:style>
+      </p:cxnSp>
+      <p:cxnSp>
+        <p:nvCxnSpPr>
+          <p:cNvPr id="126" name="直線コネクタ 125">
+            <a:extLst>
+              <a:ext uri="{FF2B5EF4-FFF2-40B4-BE49-F238E27FC236}">
+                <a16:creationId xmlns:a16="http://schemas.microsoft.com/office/drawing/2014/main" id="{AC72F363-2AAD-42EF-8F7B-D27A49605BA3}"/>
+              </a:ext>
+            </a:extLst>
+          </p:cNvPr>
+          <p:cNvCxnSpPr>
+            <a:cxnSpLocks/>
+          </p:cNvCxnSpPr>
+          <p:nvPr/>
+        </p:nvCxnSpPr>
+        <p:spPr>
+          <a:xfrm flipH="1">
+            <a:off x="3698049" y="2878171"/>
+            <a:ext cx="0" cy="230402"/>
+          </a:xfrm>
+          <a:prstGeom prst="line">
+            <a:avLst/>
+          </a:prstGeom>
+          <a:ln>
+            <a:solidFill>
+              <a:schemeClr val="accent1"/>
+            </a:solidFill>
+            <a:headEnd type="oval" w="med" len="med"/>
+            <a:tailEnd type="oval" w="med" len="med"/>
+          </a:ln>
+        </p:spPr>
+        <p:style>
+          <a:lnRef idx="1">
+            <a:schemeClr val="accent1"/>
+          </a:lnRef>
+          <a:fillRef idx="0">
+            <a:schemeClr val="accent1"/>
+          </a:fillRef>
+          <a:effectRef idx="0">
+            <a:schemeClr val="accent1"/>
+          </a:effectRef>
+          <a:fontRef idx="minor">
+            <a:schemeClr val="tx1"/>
+          </a:fontRef>
+        </p:style>
+      </p:cxnSp>
+      <p:cxnSp>
+        <p:nvCxnSpPr>
+          <p:cNvPr id="130" name="直線コネクタ 129">
+            <a:extLst>
+              <a:ext uri="{FF2B5EF4-FFF2-40B4-BE49-F238E27FC236}">
+                <a16:creationId xmlns:a16="http://schemas.microsoft.com/office/drawing/2014/main" id="{6E98CC86-0037-4E39-B657-4C3BC82A7ABD}"/>
+              </a:ext>
+            </a:extLst>
+          </p:cNvPr>
+          <p:cNvCxnSpPr>
+            <a:cxnSpLocks/>
+          </p:cNvCxnSpPr>
+          <p:nvPr/>
+        </p:nvCxnSpPr>
+        <p:spPr>
+          <a:xfrm flipH="1">
+            <a:off x="5687962" y="4868086"/>
+            <a:ext cx="243840" cy="0"/>
+          </a:xfrm>
+          <a:prstGeom prst="line">
+            <a:avLst/>
+          </a:prstGeom>
+          <a:ln>
+            <a:solidFill>
+              <a:schemeClr val="accent1"/>
+            </a:solidFill>
+            <a:headEnd type="oval" w="med" len="med"/>
+            <a:tailEnd type="oval" w="med" len="med"/>
+          </a:ln>
+        </p:spPr>
+        <p:style>
+          <a:lnRef idx="1">
+            <a:schemeClr val="accent1"/>
+          </a:lnRef>
+          <a:fillRef idx="0">
+            <a:schemeClr val="accent1"/>
+          </a:fillRef>
+          <a:effectRef idx="0">
+            <a:schemeClr val="accent1"/>
+          </a:effectRef>
+          <a:fontRef idx="minor">
+            <a:schemeClr val="tx1"/>
+          </a:fontRef>
+        </p:style>
+      </p:cxnSp>
+      <p:cxnSp>
+        <p:nvCxnSpPr>
+          <p:cNvPr id="132" name="直線コネクタ 131">
+            <a:extLst>
+              <a:ext uri="{FF2B5EF4-FFF2-40B4-BE49-F238E27FC236}">
+                <a16:creationId xmlns:a16="http://schemas.microsoft.com/office/drawing/2014/main" id="{1CB89859-E294-41AA-BAA6-8E93438C7546}"/>
+              </a:ext>
+            </a:extLst>
+          </p:cNvPr>
+          <p:cNvCxnSpPr>
+            <a:cxnSpLocks/>
+          </p:cNvCxnSpPr>
+          <p:nvPr/>
+        </p:nvCxnSpPr>
+        <p:spPr>
+          <a:xfrm rot="16200000" flipH="1">
+            <a:off x="5561689" y="4994359"/>
+            <a:ext cx="243840" cy="0"/>
+          </a:xfrm>
+          <a:prstGeom prst="line">
+            <a:avLst/>
+          </a:prstGeom>
+          <a:ln>
+            <a:solidFill>
+              <a:schemeClr val="accent1"/>
+            </a:solidFill>
+            <a:headEnd type="oval" w="med" len="med"/>
+            <a:tailEnd type="oval" w="med" len="med"/>
+          </a:ln>
+        </p:spPr>
+        <p:style>
+          <a:lnRef idx="1">
+            <a:schemeClr val="accent1"/>
+          </a:lnRef>
+          <a:fillRef idx="0">
+            <a:schemeClr val="accent1"/>
+          </a:fillRef>
+          <a:effectRef idx="0">
+            <a:schemeClr val="accent1"/>
+          </a:effectRef>
+          <a:fontRef idx="minor">
+            <a:schemeClr val="tx1"/>
+          </a:fontRef>
+        </p:style>
+      </p:cxnSp>
+      <p:cxnSp>
+        <p:nvCxnSpPr>
+          <p:cNvPr id="133" name="直線コネクタ 132">
+            <a:extLst>
+              <a:ext uri="{FF2B5EF4-FFF2-40B4-BE49-F238E27FC236}">
+                <a16:creationId xmlns:a16="http://schemas.microsoft.com/office/drawing/2014/main" id="{A870A7CA-26C3-4052-8EA9-E319661DB2AA}"/>
+              </a:ext>
+            </a:extLst>
+          </p:cNvPr>
+          <p:cNvCxnSpPr>
+            <a:cxnSpLocks/>
+            <a:endCxn id="3" idx="1"/>
+          </p:cNvCxnSpPr>
+          <p:nvPr/>
+        </p:nvCxnSpPr>
+        <p:spPr>
+          <a:xfrm flipH="1" flipV="1">
+            <a:off x="5564289" y="5097425"/>
+            <a:ext cx="148049" cy="8526"/>
+          </a:xfrm>
+          <a:prstGeom prst="line">
+            <a:avLst/>
+          </a:prstGeom>
+          <a:ln>
+            <a:solidFill>
+              <a:srgbClr val="FF0000"/>
+            </a:solidFill>
+            <a:headEnd type="oval" w="med" len="med"/>
+            <a:tailEnd type="none" w="med" len="med"/>
+          </a:ln>
+        </p:spPr>
+        <p:style>
+          <a:lnRef idx="1">
+            <a:schemeClr val="accent1"/>
+          </a:lnRef>
+          <a:fillRef idx="0">
+            <a:schemeClr val="accent1"/>
+          </a:fillRef>
+          <a:effectRef idx="0">
+            <a:schemeClr val="accent1"/>
+          </a:effectRef>
+          <a:fontRef idx="minor">
+            <a:schemeClr val="tx1"/>
+          </a:fontRef>
+        </p:style>
+      </p:cxnSp>
+      <p:cxnSp>
+        <p:nvCxnSpPr>
+          <p:cNvPr id="136" name="直線コネクタ 135">
+            <a:extLst>
+              <a:ext uri="{FF2B5EF4-FFF2-40B4-BE49-F238E27FC236}">
+                <a16:creationId xmlns:a16="http://schemas.microsoft.com/office/drawing/2014/main" id="{2E765351-9019-40E4-9B56-90D140F4797B}"/>
+              </a:ext>
+            </a:extLst>
+          </p:cNvPr>
+          <p:cNvCxnSpPr>
+            <a:cxnSpLocks/>
+          </p:cNvCxnSpPr>
+          <p:nvPr/>
+        </p:nvCxnSpPr>
+        <p:spPr>
+          <a:xfrm rot="16200000" flipH="1">
+            <a:off x="4825819" y="4981295"/>
+            <a:ext cx="243840" cy="0"/>
+          </a:xfrm>
+          <a:prstGeom prst="line">
+            <a:avLst/>
+          </a:prstGeom>
+          <a:ln>
+            <a:solidFill>
+              <a:schemeClr val="accent1"/>
+            </a:solidFill>
+            <a:headEnd type="oval" w="med" len="med"/>
+            <a:tailEnd type="oval" w="med" len="med"/>
+          </a:ln>
+        </p:spPr>
+        <p:style>
+          <a:lnRef idx="1">
+            <a:schemeClr val="accent1"/>
+          </a:lnRef>
+          <a:fillRef idx="0">
+            <a:schemeClr val="accent1"/>
+          </a:fillRef>
+          <a:effectRef idx="0">
+            <a:schemeClr val="accent1"/>
+          </a:effectRef>
+          <a:fontRef idx="minor">
+            <a:schemeClr val="tx1"/>
+          </a:fontRef>
+        </p:style>
+      </p:cxnSp>
+      <p:cxnSp>
+        <p:nvCxnSpPr>
+          <p:cNvPr id="137" name="直線コネクタ 136">
+            <a:extLst>
+              <a:ext uri="{FF2B5EF4-FFF2-40B4-BE49-F238E27FC236}">
+                <a16:creationId xmlns:a16="http://schemas.microsoft.com/office/drawing/2014/main" id="{97433E71-794F-4402-9670-4D13778BB198}"/>
+              </a:ext>
+            </a:extLst>
+          </p:cNvPr>
+          <p:cNvCxnSpPr>
+            <a:cxnSpLocks/>
+          </p:cNvCxnSpPr>
+          <p:nvPr/>
+        </p:nvCxnSpPr>
+        <p:spPr>
+          <a:xfrm flipH="1" flipV="1">
+            <a:off x="4941626" y="5101779"/>
+            <a:ext cx="148049" cy="8526"/>
+          </a:xfrm>
+          <a:prstGeom prst="line">
+            <a:avLst/>
+          </a:prstGeom>
+          <a:ln>
+            <a:solidFill>
+              <a:srgbClr val="FF0000"/>
+            </a:solidFill>
+            <a:headEnd type="none" w="med" len="med"/>
+            <a:tailEnd type="oval" w="med" len="med"/>
+          </a:ln>
+        </p:spPr>
+        <p:style>
+          <a:lnRef idx="1">
+            <a:schemeClr val="accent1"/>
+          </a:lnRef>
+          <a:fillRef idx="0">
+            <a:schemeClr val="accent1"/>
+          </a:fillRef>
+          <a:effectRef idx="0">
+            <a:schemeClr val="accent1"/>
+          </a:effectRef>
+          <a:fontRef idx="minor">
+            <a:schemeClr val="tx1"/>
+          </a:fontRef>
+        </p:style>
+      </p:cxnSp>
+      <p:sp>
+        <p:nvSpPr>
+          <p:cNvPr id="3" name="四角形: 角を丸くする 2">
+            <a:extLst>
+              <a:ext uri="{FF2B5EF4-FFF2-40B4-BE49-F238E27FC236}">
+                <a16:creationId xmlns:a16="http://schemas.microsoft.com/office/drawing/2014/main" id="{02C0A8C7-EEC0-4141-80D5-7139962A1C5F}"/>
+              </a:ext>
+            </a:extLst>
+          </p:cNvPr>
+          <p:cNvSpPr/>
+          <p:nvPr/>
+        </p:nvSpPr>
+        <p:spPr>
+          <a:xfrm flipH="1">
+            <a:off x="5050483" y="4971340"/>
+            <a:ext cx="513806" cy="252170"/>
+          </a:xfrm>
+          <a:prstGeom prst="roundRect">
+            <a:avLst/>
+          </a:prstGeom>
+          <a:solidFill>
+            <a:srgbClr val="FFC000"/>
+          </a:solidFill>
+        </p:spPr>
+        <p:style>
+          <a:lnRef idx="2">
+            <a:schemeClr val="accent1">
+              <a:shade val="50000"/>
+            </a:schemeClr>
+          </a:lnRef>
+          <a:fillRef idx="1">
+            <a:schemeClr val="accent1"/>
+          </a:fillRef>
+          <a:effectRef idx="0">
+            <a:schemeClr val="accent1"/>
+          </a:effectRef>
+          <a:fontRef idx="minor">
+            <a:schemeClr val="lt1"/>
+          </a:fontRef>
+        </p:style>
+        <p:txBody>
+          <a:bodyPr rtlCol="0" anchor="ctr"/>
+          <a:lstStyle/>
+          <a:p>
+            <a:pPr algn="ctr"/>
+            <a:endParaRPr lang="en-US" dirty="0"/>
+          </a:p>
+        </p:txBody>
+      </p:sp>
+      <p:cxnSp>
+        <p:nvCxnSpPr>
+          <p:cNvPr id="138" name="直線コネクタ 137">
+            <a:extLst>
+              <a:ext uri="{FF2B5EF4-FFF2-40B4-BE49-F238E27FC236}">
+                <a16:creationId xmlns:a16="http://schemas.microsoft.com/office/drawing/2014/main" id="{A2982EE1-A4BF-470A-98B6-840C4481D880}"/>
+              </a:ext>
+            </a:extLst>
+          </p:cNvPr>
+          <p:cNvCxnSpPr>
+            <a:cxnSpLocks/>
+          </p:cNvCxnSpPr>
+          <p:nvPr/>
+        </p:nvCxnSpPr>
+        <p:spPr>
+          <a:xfrm flipH="1">
+            <a:off x="5687962" y="3856267"/>
+            <a:ext cx="498996" cy="0"/>
+          </a:xfrm>
+          <a:prstGeom prst="line">
+            <a:avLst/>
+          </a:prstGeom>
+          <a:ln>
+            <a:solidFill>
+              <a:srgbClr val="FF0000"/>
+            </a:solidFill>
+            <a:headEnd type="oval" w="med" len="med"/>
+            <a:tailEnd type="none" w="med" len="med"/>
+          </a:ln>
+        </p:spPr>
+        <p:style>
+          <a:lnRef idx="1">
+            <a:schemeClr val="accent1"/>
+          </a:lnRef>
+          <a:fillRef idx="0">
+            <a:schemeClr val="accent1"/>
+          </a:fillRef>
+          <a:effectRef idx="0">
+            <a:schemeClr val="accent1"/>
+          </a:effectRef>
+          <a:fontRef idx="minor">
+            <a:schemeClr val="tx1"/>
+          </a:fontRef>
+        </p:style>
+      </p:cxnSp>
+      <p:cxnSp>
+        <p:nvCxnSpPr>
+          <p:cNvPr id="140" name="直線コネクタ 139">
+            <a:extLst>
+              <a:ext uri="{FF2B5EF4-FFF2-40B4-BE49-F238E27FC236}">
+                <a16:creationId xmlns:a16="http://schemas.microsoft.com/office/drawing/2014/main" id="{A8539332-53B8-4EF7-9FA0-7286C70685C9}"/>
+              </a:ext>
+            </a:extLst>
+          </p:cNvPr>
+          <p:cNvCxnSpPr>
+            <a:cxnSpLocks/>
+          </p:cNvCxnSpPr>
+          <p:nvPr/>
+        </p:nvCxnSpPr>
+        <p:spPr>
+          <a:xfrm rot="16200000" flipH="1">
+            <a:off x="5566045" y="3997226"/>
+            <a:ext cx="243840" cy="0"/>
+          </a:xfrm>
+          <a:prstGeom prst="line">
+            <a:avLst/>
+          </a:prstGeom>
+          <a:ln>
+            <a:solidFill>
+              <a:schemeClr val="accent1"/>
+            </a:solidFill>
+            <a:headEnd type="oval" w="med" len="med"/>
+            <a:tailEnd type="oval" w="med" len="med"/>
+          </a:ln>
+        </p:spPr>
+        <p:style>
+          <a:lnRef idx="1">
+            <a:schemeClr val="accent1"/>
+          </a:lnRef>
+          <a:fillRef idx="0">
+            <a:schemeClr val="accent1"/>
+          </a:fillRef>
+          <a:effectRef idx="0">
+            <a:schemeClr val="accent1"/>
+          </a:effectRef>
+          <a:fontRef idx="minor">
+            <a:schemeClr val="tx1"/>
+          </a:fontRef>
+        </p:style>
+      </p:cxnSp>
+      <p:cxnSp>
+        <p:nvCxnSpPr>
+          <p:cNvPr id="145" name="直線コネクタ 144">
+            <a:extLst>
+              <a:ext uri="{FF2B5EF4-FFF2-40B4-BE49-F238E27FC236}">
+                <a16:creationId xmlns:a16="http://schemas.microsoft.com/office/drawing/2014/main" id="{EF5DD309-7CDC-4CB3-A2EB-1A8B8872AA65}"/>
+              </a:ext>
+            </a:extLst>
+          </p:cNvPr>
+          <p:cNvCxnSpPr>
+            <a:cxnSpLocks/>
+          </p:cNvCxnSpPr>
+          <p:nvPr/>
+        </p:nvCxnSpPr>
+        <p:spPr>
+          <a:xfrm flipH="1">
+            <a:off x="6672029" y="4352658"/>
+            <a:ext cx="0" cy="515425"/>
+          </a:xfrm>
+          <a:prstGeom prst="line">
+            <a:avLst/>
+          </a:prstGeom>
+          <a:ln>
+            <a:solidFill>
+              <a:schemeClr val="accent1"/>
+            </a:solidFill>
+            <a:headEnd type="oval" w="med" len="med"/>
+            <a:tailEnd type="oval" w="med" len="med"/>
+          </a:ln>
+        </p:spPr>
+        <p:style>
+          <a:lnRef idx="1">
+            <a:schemeClr val="accent1"/>
+          </a:lnRef>
+          <a:fillRef idx="0">
+            <a:schemeClr val="accent1"/>
+          </a:fillRef>
+          <a:effectRef idx="0">
+            <a:schemeClr val="accent1"/>
+          </a:effectRef>
+          <a:fontRef idx="minor">
+            <a:schemeClr val="tx1"/>
+          </a:fontRef>
+        </p:style>
+      </p:cxnSp>
+      <p:cxnSp>
+        <p:nvCxnSpPr>
+          <p:cNvPr id="147" name="直線コネクタ 146">
+            <a:extLst>
+              <a:ext uri="{FF2B5EF4-FFF2-40B4-BE49-F238E27FC236}">
+                <a16:creationId xmlns:a16="http://schemas.microsoft.com/office/drawing/2014/main" id="{9AC75881-2B42-4159-A17C-8B3B748B2BE9}"/>
+              </a:ext>
+            </a:extLst>
+          </p:cNvPr>
+          <p:cNvCxnSpPr>
+            <a:cxnSpLocks/>
+          </p:cNvCxnSpPr>
+          <p:nvPr/>
+        </p:nvCxnSpPr>
+        <p:spPr>
+          <a:xfrm flipH="1">
+            <a:off x="6423834" y="4595299"/>
+            <a:ext cx="1538" cy="259717"/>
+          </a:xfrm>
+          <a:prstGeom prst="line">
+            <a:avLst/>
+          </a:prstGeom>
+          <a:ln>
+            <a:solidFill>
+              <a:schemeClr val="accent1"/>
+            </a:solidFill>
+            <a:headEnd type="oval" w="med" len="med"/>
+            <a:tailEnd type="oval" w="med" len="med"/>
+          </a:ln>
+        </p:spPr>
+        <p:style>
+          <a:lnRef idx="1">
+            <a:schemeClr val="accent1"/>
+          </a:lnRef>
+          <a:fillRef idx="0">
+            <a:schemeClr val="accent1"/>
+          </a:fillRef>
+          <a:effectRef idx="0">
+            <a:schemeClr val="accent1"/>
+          </a:effectRef>
+          <a:fontRef idx="minor">
+            <a:schemeClr val="tx1"/>
+          </a:fontRef>
+        </p:style>
+      </p:cxnSp>
+      <p:cxnSp>
+        <p:nvCxnSpPr>
+          <p:cNvPr id="150" name="直線コネクタ 149">
+            <a:extLst>
+              <a:ext uri="{FF2B5EF4-FFF2-40B4-BE49-F238E27FC236}">
+                <a16:creationId xmlns:a16="http://schemas.microsoft.com/office/drawing/2014/main" id="{EC781310-9005-4C3C-B635-C296A6C95111}"/>
+              </a:ext>
+            </a:extLst>
+          </p:cNvPr>
+          <p:cNvCxnSpPr>
+            <a:cxnSpLocks/>
+          </p:cNvCxnSpPr>
+          <p:nvPr/>
+        </p:nvCxnSpPr>
+        <p:spPr>
+          <a:xfrm flipH="1">
+            <a:off x="4686476" y="4608363"/>
+            <a:ext cx="1538" cy="259717"/>
+          </a:xfrm>
+          <a:prstGeom prst="line">
+            <a:avLst/>
+          </a:prstGeom>
+          <a:ln>
+            <a:solidFill>
+              <a:schemeClr val="accent1"/>
+            </a:solidFill>
+            <a:headEnd type="oval" w="med" len="med"/>
+            <a:tailEnd type="oval" w="med" len="med"/>
+          </a:ln>
+        </p:spPr>
+        <p:style>
+          <a:lnRef idx="1">
+            <a:schemeClr val="accent1"/>
+          </a:lnRef>
+          <a:fillRef idx="0">
+            <a:schemeClr val="accent1"/>
+          </a:fillRef>
+          <a:effectRef idx="0">
+            <a:schemeClr val="accent1"/>
+          </a:effectRef>
+          <a:fontRef idx="minor">
+            <a:schemeClr val="tx1"/>
+          </a:fontRef>
+        </p:style>
+      </p:cxnSp>
+      <p:cxnSp>
+        <p:nvCxnSpPr>
+          <p:cNvPr id="151" name="直線コネクタ 150">
+            <a:extLst>
+              <a:ext uri="{FF2B5EF4-FFF2-40B4-BE49-F238E27FC236}">
+                <a16:creationId xmlns:a16="http://schemas.microsoft.com/office/drawing/2014/main" id="{D9D59787-1B50-4701-A95C-BE6F07EAC714}"/>
+              </a:ext>
+            </a:extLst>
+          </p:cNvPr>
+          <p:cNvCxnSpPr>
+            <a:cxnSpLocks/>
+          </p:cNvCxnSpPr>
+          <p:nvPr/>
+        </p:nvCxnSpPr>
+        <p:spPr>
+          <a:xfrm>
+            <a:off x="4435166" y="4352658"/>
+            <a:ext cx="11828" cy="502355"/>
+          </a:xfrm>
+          <a:prstGeom prst="line">
+            <a:avLst/>
+          </a:prstGeom>
+          <a:ln>
+            <a:solidFill>
+              <a:schemeClr val="accent1"/>
+            </a:solidFill>
+            <a:headEnd type="oval" w="med" len="med"/>
+            <a:tailEnd type="oval" w="med" len="med"/>
+          </a:ln>
+        </p:spPr>
+        <p:style>
+          <a:lnRef idx="1">
+            <a:schemeClr val="accent1"/>
+          </a:lnRef>
+          <a:fillRef idx="0">
+            <a:schemeClr val="accent1"/>
+          </a:fillRef>
+          <a:effectRef idx="0">
+            <a:schemeClr val="accent1"/>
+          </a:effectRef>
+          <a:fontRef idx="minor">
+            <a:schemeClr val="tx1"/>
+          </a:fontRef>
+        </p:style>
+      </p:cxnSp>
+      <p:cxnSp>
+        <p:nvCxnSpPr>
+          <p:cNvPr id="157" name="直線コネクタ 156">
+            <a:extLst>
+              <a:ext uri="{FF2B5EF4-FFF2-40B4-BE49-F238E27FC236}">
+                <a16:creationId xmlns:a16="http://schemas.microsoft.com/office/drawing/2014/main" id="{6F078124-941C-4784-8AFD-08394E9B7594}"/>
+              </a:ext>
+            </a:extLst>
+          </p:cNvPr>
+          <p:cNvCxnSpPr>
+            <a:cxnSpLocks/>
+          </p:cNvCxnSpPr>
+          <p:nvPr/>
+        </p:nvCxnSpPr>
+        <p:spPr>
+          <a:xfrm rot="16200000" flipH="1">
+            <a:off x="4081879" y="3246665"/>
+            <a:ext cx="240081" cy="0"/>
+          </a:xfrm>
+          <a:prstGeom prst="line">
+            <a:avLst/>
+          </a:prstGeom>
+          <a:ln>
+            <a:solidFill>
+              <a:schemeClr val="accent1"/>
+            </a:solidFill>
+            <a:headEnd type="oval" w="med" len="med"/>
+            <a:tailEnd type="none" w="med" len="med"/>
+          </a:ln>
+        </p:spPr>
+        <p:style>
+          <a:lnRef idx="1">
+            <a:schemeClr val="accent1"/>
+          </a:lnRef>
+          <a:fillRef idx="0">
+            <a:schemeClr val="accent1"/>
+          </a:fillRef>
+          <a:effectRef idx="0">
+            <a:schemeClr val="accent1"/>
+          </a:effectRef>
+          <a:fontRef idx="minor">
+            <a:schemeClr val="tx1"/>
+          </a:fontRef>
+        </p:style>
+      </p:cxnSp>
+      <p:cxnSp>
+        <p:nvCxnSpPr>
+          <p:cNvPr id="163" name="直線コネクタ 162">
+            <a:extLst>
+              <a:ext uri="{FF2B5EF4-FFF2-40B4-BE49-F238E27FC236}">
+                <a16:creationId xmlns:a16="http://schemas.microsoft.com/office/drawing/2014/main" id="{28218955-82F4-4603-9257-14A9AA45278A}"/>
+              </a:ext>
+            </a:extLst>
+          </p:cNvPr>
+          <p:cNvCxnSpPr>
+            <a:cxnSpLocks/>
+          </p:cNvCxnSpPr>
+          <p:nvPr/>
+        </p:nvCxnSpPr>
+        <p:spPr>
+          <a:xfrm flipH="1">
+            <a:off x="3458561" y="2865106"/>
+            <a:ext cx="0" cy="991161"/>
+          </a:xfrm>
+          <a:prstGeom prst="line">
+            <a:avLst/>
+          </a:prstGeom>
+          <a:ln>
+            <a:solidFill>
+              <a:schemeClr val="accent1"/>
+            </a:solidFill>
+            <a:headEnd type="none" w="med" len="med"/>
+            <a:tailEnd type="oval" w="med" len="med"/>
+          </a:ln>
+        </p:spPr>
+        <p:style>
+          <a:lnRef idx="1">
+            <a:schemeClr val="accent1"/>
+          </a:lnRef>
+          <a:fillRef idx="0">
+            <a:schemeClr val="accent1"/>
+          </a:fillRef>
+          <a:effectRef idx="0">
+            <a:schemeClr val="accent1"/>
+          </a:effectRef>
+          <a:fontRef idx="minor">
+            <a:schemeClr val="tx1"/>
+          </a:fontRef>
+        </p:style>
+      </p:cxnSp>
+      <p:cxnSp>
+        <p:nvCxnSpPr>
+          <p:cNvPr id="167" name="直線コネクタ 166">
+            <a:extLst>
+              <a:ext uri="{FF2B5EF4-FFF2-40B4-BE49-F238E27FC236}">
+                <a16:creationId xmlns:a16="http://schemas.microsoft.com/office/drawing/2014/main" id="{86C7E3AF-4B3C-41E3-B340-E50E48FFA396}"/>
+              </a:ext>
+            </a:extLst>
+          </p:cNvPr>
+          <p:cNvCxnSpPr>
+            <a:cxnSpLocks/>
+          </p:cNvCxnSpPr>
+          <p:nvPr/>
+        </p:nvCxnSpPr>
+        <p:spPr>
+          <a:xfrm>
+            <a:off x="3204265" y="2621916"/>
+            <a:ext cx="6099" cy="1247413"/>
+          </a:xfrm>
+          <a:prstGeom prst="line">
+            <a:avLst/>
+          </a:prstGeom>
+          <a:ln>
+            <a:solidFill>
+              <a:schemeClr val="accent1"/>
+            </a:solidFill>
+            <a:headEnd type="none" w="med" len="med"/>
+            <a:tailEnd type="oval" w="med" len="med"/>
+          </a:ln>
+        </p:spPr>
+        <p:style>
+          <a:lnRef idx="1">
+            <a:schemeClr val="accent1"/>
+          </a:lnRef>
+          <a:fillRef idx="0">
+            <a:schemeClr val="accent1"/>
+          </a:fillRef>
+          <a:effectRef idx="0">
+            <a:schemeClr val="accent1"/>
+          </a:effectRef>
+          <a:fontRef idx="minor">
+            <a:schemeClr val="tx1"/>
+          </a:fontRef>
+        </p:style>
+      </p:cxnSp>
+      <p:cxnSp>
+        <p:nvCxnSpPr>
+          <p:cNvPr id="168" name="直線コネクタ 167">
+            <a:extLst>
+              <a:ext uri="{FF2B5EF4-FFF2-40B4-BE49-F238E27FC236}">
+                <a16:creationId xmlns:a16="http://schemas.microsoft.com/office/drawing/2014/main" id="{05BD3F4D-20FC-4304-9FAC-D54A95EED4F4}"/>
+              </a:ext>
+            </a:extLst>
+          </p:cNvPr>
+          <p:cNvCxnSpPr>
+            <a:cxnSpLocks/>
+          </p:cNvCxnSpPr>
+          <p:nvPr/>
+        </p:nvCxnSpPr>
+        <p:spPr>
+          <a:xfrm flipH="1">
+            <a:off x="3946243" y="2111437"/>
+            <a:ext cx="8714" cy="261263"/>
+          </a:xfrm>
+          <a:prstGeom prst="line">
+            <a:avLst/>
+          </a:prstGeom>
+          <a:ln>
+            <a:solidFill>
+              <a:schemeClr val="accent1"/>
+            </a:solidFill>
+            <a:headEnd type="oval" w="med" len="med"/>
+            <a:tailEnd type="oval" w="med" len="med"/>
+          </a:ln>
+        </p:spPr>
+        <p:style>
+          <a:lnRef idx="1">
+            <a:schemeClr val="accent1"/>
+          </a:lnRef>
+          <a:fillRef idx="0">
+            <a:schemeClr val="accent1"/>
+          </a:fillRef>
+          <a:effectRef idx="0">
+            <a:schemeClr val="accent1"/>
+          </a:effectRef>
+          <a:fontRef idx="minor">
+            <a:schemeClr val="tx1"/>
+          </a:fontRef>
+        </p:style>
+      </p:cxnSp>
+      <p:cxnSp>
+        <p:nvCxnSpPr>
+          <p:cNvPr id="170" name="直線コネクタ 169">
+            <a:extLst>
+              <a:ext uri="{FF2B5EF4-FFF2-40B4-BE49-F238E27FC236}">
+                <a16:creationId xmlns:a16="http://schemas.microsoft.com/office/drawing/2014/main" id="{0E212FDF-BD9B-466A-B97B-88C6D14E8165}"/>
+              </a:ext>
+            </a:extLst>
+          </p:cNvPr>
+          <p:cNvCxnSpPr>
+            <a:cxnSpLocks/>
+          </p:cNvCxnSpPr>
+          <p:nvPr/>
+        </p:nvCxnSpPr>
+        <p:spPr>
+          <a:xfrm>
+            <a:off x="3449869" y="2105365"/>
+            <a:ext cx="497788" cy="6073"/>
+          </a:xfrm>
+          <a:prstGeom prst="line">
+            <a:avLst/>
+          </a:prstGeom>
+          <a:ln>
+            <a:solidFill>
+              <a:schemeClr val="accent1"/>
+            </a:solidFill>
+          </a:ln>
+        </p:spPr>
+        <p:style>
+          <a:lnRef idx="1">
+            <a:schemeClr val="accent1"/>
+          </a:lnRef>
+          <a:fillRef idx="0">
+            <a:schemeClr val="accent1"/>
+          </a:fillRef>
+          <a:effectRef idx="0">
+            <a:schemeClr val="accent1"/>
+          </a:effectRef>
+          <a:fontRef idx="minor">
+            <a:schemeClr val="tx1"/>
+          </a:fontRef>
+        </p:style>
+      </p:cxnSp>
+      <p:cxnSp>
+        <p:nvCxnSpPr>
+          <p:cNvPr id="172" name="直線コネクタ 171">
+            <a:extLst>
+              <a:ext uri="{FF2B5EF4-FFF2-40B4-BE49-F238E27FC236}">
+                <a16:creationId xmlns:a16="http://schemas.microsoft.com/office/drawing/2014/main" id="{D4D34B98-8FC3-485B-A211-7B36323C0B95}"/>
+              </a:ext>
+            </a:extLst>
+          </p:cNvPr>
+          <p:cNvCxnSpPr>
+            <a:cxnSpLocks/>
+          </p:cNvCxnSpPr>
+          <p:nvPr/>
+        </p:nvCxnSpPr>
+        <p:spPr>
+          <a:xfrm flipH="1">
+            <a:off x="2960425" y="2368339"/>
+            <a:ext cx="0" cy="1497254"/>
+          </a:xfrm>
+          <a:prstGeom prst="line">
+            <a:avLst/>
+          </a:prstGeom>
+          <a:ln>
+            <a:solidFill>
+              <a:schemeClr val="accent1"/>
+            </a:solidFill>
+            <a:headEnd type="oval" w="med" len="med"/>
+            <a:tailEnd type="oval" w="med" len="med"/>
+          </a:ln>
+        </p:spPr>
+        <p:style>
+          <a:lnRef idx="1">
+            <a:schemeClr val="accent1"/>
+          </a:lnRef>
+          <a:fillRef idx="0">
+            <a:schemeClr val="accent1"/>
+          </a:fillRef>
+          <a:effectRef idx="0">
+            <a:schemeClr val="accent1"/>
+          </a:effectRef>
+          <a:fontRef idx="minor">
+            <a:schemeClr val="tx1"/>
+          </a:fontRef>
+        </p:style>
+      </p:cxnSp>
+      <p:cxnSp>
+        <p:nvCxnSpPr>
+          <p:cNvPr id="175" name="直線コネクタ 174">
+            <a:extLst>
+              <a:ext uri="{FF2B5EF4-FFF2-40B4-BE49-F238E27FC236}">
+                <a16:creationId xmlns:a16="http://schemas.microsoft.com/office/drawing/2014/main" id="{DD92A743-FA2F-4274-9E32-766CA7D56EC2}"/>
+              </a:ext>
+            </a:extLst>
+          </p:cNvPr>
+          <p:cNvCxnSpPr>
+            <a:cxnSpLocks/>
+          </p:cNvCxnSpPr>
+          <p:nvPr/>
+        </p:nvCxnSpPr>
+        <p:spPr>
+          <a:xfrm>
+            <a:off x="2950418" y="2360007"/>
+            <a:ext cx="756337" cy="8332"/>
+          </a:xfrm>
+          <a:prstGeom prst="line">
+            <a:avLst/>
+          </a:prstGeom>
+          <a:ln>
+            <a:solidFill>
+              <a:schemeClr val="accent1"/>
+            </a:solidFill>
+            <a:headEnd type="none" w="med" len="med"/>
+            <a:tailEnd type="oval" w="med" len="med"/>
+          </a:ln>
+        </p:spPr>
+        <p:style>
+          <a:lnRef idx="1">
+            <a:schemeClr val="accent1"/>
+          </a:lnRef>
+          <a:fillRef idx="0">
+            <a:schemeClr val="accent1"/>
+          </a:fillRef>
+          <a:effectRef idx="0">
+            <a:schemeClr val="accent1"/>
+          </a:effectRef>
+          <a:fontRef idx="minor">
+            <a:schemeClr val="tx1"/>
+          </a:fontRef>
+        </p:style>
+      </p:cxnSp>
+      <p:cxnSp>
+        <p:nvCxnSpPr>
+          <p:cNvPr id="180" name="直線コネクタ 179">
+            <a:extLst>
+              <a:ext uri="{FF2B5EF4-FFF2-40B4-BE49-F238E27FC236}">
+                <a16:creationId xmlns:a16="http://schemas.microsoft.com/office/drawing/2014/main" id="{5541ACFF-C3B8-42B6-B425-C18BCDCF508D}"/>
+              </a:ext>
+            </a:extLst>
+          </p:cNvPr>
+          <p:cNvCxnSpPr>
+            <a:cxnSpLocks/>
+          </p:cNvCxnSpPr>
+          <p:nvPr/>
+        </p:nvCxnSpPr>
+        <p:spPr>
+          <a:xfrm>
+            <a:off x="3698049" y="3359876"/>
+            <a:ext cx="1305" cy="505034"/>
+          </a:xfrm>
+          <a:prstGeom prst="line">
+            <a:avLst/>
+          </a:prstGeom>
+          <a:ln>
+            <a:solidFill>
+              <a:schemeClr val="accent1"/>
+            </a:solidFill>
+            <a:headEnd type="none" w="med" len="med"/>
+            <a:tailEnd type="oval" w="med" len="med"/>
+          </a:ln>
+        </p:spPr>
+        <p:style>
+          <a:lnRef idx="1">
+            <a:schemeClr val="accent1"/>
+          </a:lnRef>
+          <a:fillRef idx="0">
+            <a:schemeClr val="accent1"/>
+          </a:fillRef>
+          <a:effectRef idx="0">
+            <a:schemeClr val="accent1"/>
+          </a:effectRef>
+          <a:fontRef idx="minor">
+            <a:schemeClr val="tx1"/>
+          </a:fontRef>
+        </p:style>
+      </p:cxnSp>
+      <p:cxnSp>
+        <p:nvCxnSpPr>
+          <p:cNvPr id="182" name="直線コネクタ 181">
+            <a:extLst>
+              <a:ext uri="{FF2B5EF4-FFF2-40B4-BE49-F238E27FC236}">
+                <a16:creationId xmlns:a16="http://schemas.microsoft.com/office/drawing/2014/main" id="{E8E0B99A-5582-441D-A6C9-C61FF96B0E3D}"/>
+              </a:ext>
+            </a:extLst>
+          </p:cNvPr>
+          <p:cNvCxnSpPr>
+            <a:cxnSpLocks/>
+          </p:cNvCxnSpPr>
+          <p:nvPr/>
+        </p:nvCxnSpPr>
+        <p:spPr>
+          <a:xfrm>
+            <a:off x="3449340" y="2126550"/>
+            <a:ext cx="81586" cy="1240156"/>
+          </a:xfrm>
+          <a:prstGeom prst="line">
+            <a:avLst/>
+          </a:prstGeom>
+          <a:ln>
+            <a:solidFill>
+              <a:srgbClr val="FF0000"/>
+            </a:solidFill>
+            <a:headEnd type="oval" w="med" len="med"/>
+            <a:tailEnd type="none" w="med" len="med"/>
+          </a:ln>
+        </p:spPr>
+        <p:style>
+          <a:lnRef idx="1">
+            <a:schemeClr val="accent1"/>
+          </a:lnRef>
+          <a:fillRef idx="0">
+            <a:schemeClr val="accent1"/>
+          </a:fillRef>
+          <a:effectRef idx="0">
+            <a:schemeClr val="accent1"/>
+          </a:effectRef>
+          <a:fontRef idx="minor">
+            <a:schemeClr val="tx1"/>
+          </a:fontRef>
+        </p:style>
+      </p:cxnSp>
+      <p:cxnSp>
+        <p:nvCxnSpPr>
+          <p:cNvPr id="187" name="直線コネクタ 186">
+            <a:extLst>
+              <a:ext uri="{FF2B5EF4-FFF2-40B4-BE49-F238E27FC236}">
+                <a16:creationId xmlns:a16="http://schemas.microsoft.com/office/drawing/2014/main" id="{A77EEFED-02FB-47D1-B39D-DA6773D43026}"/>
+              </a:ext>
+            </a:extLst>
+          </p:cNvPr>
+          <p:cNvCxnSpPr>
+            <a:cxnSpLocks/>
+          </p:cNvCxnSpPr>
+          <p:nvPr/>
+        </p:nvCxnSpPr>
+        <p:spPr>
+          <a:xfrm>
+            <a:off x="3530927" y="3348056"/>
+            <a:ext cx="171478" cy="0"/>
+          </a:xfrm>
+          <a:prstGeom prst="line">
+            <a:avLst/>
+          </a:prstGeom>
+          <a:ln>
+            <a:solidFill>
+              <a:srgbClr val="FF0000"/>
+            </a:solidFill>
+            <a:headEnd type="none" w="med" len="med"/>
+            <a:tailEnd type="oval" w="med" len="med"/>
+          </a:ln>
+        </p:spPr>
+        <p:style>
+          <a:lnRef idx="1">
+            <a:schemeClr val="accent1"/>
+          </a:lnRef>
+          <a:fillRef idx="0">
+            <a:schemeClr val="accent1"/>
+          </a:fillRef>
+          <a:effectRef idx="0">
+            <a:schemeClr val="accent1"/>
+          </a:effectRef>
+          <a:fontRef idx="minor">
+            <a:schemeClr val="tx1"/>
+          </a:fontRef>
+        </p:style>
+      </p:cxnSp>
+      <p:sp>
+        <p:nvSpPr>
+          <p:cNvPr id="188" name="正方形/長方形 187">
+            <a:extLst>
+              <a:ext uri="{FF2B5EF4-FFF2-40B4-BE49-F238E27FC236}">
+                <a16:creationId xmlns:a16="http://schemas.microsoft.com/office/drawing/2014/main" id="{4CE75343-A5C0-49B8-B362-4A152B92F083}"/>
+              </a:ext>
+            </a:extLst>
+          </p:cNvPr>
+          <p:cNvSpPr/>
+          <p:nvPr/>
+        </p:nvSpPr>
+        <p:spPr>
+          <a:xfrm rot="5400000" flipH="1">
+            <a:off x="2483211" y="4844124"/>
+            <a:ext cx="442175" cy="216911"/>
+          </a:xfrm>
+          <a:prstGeom prst="rect">
+            <a:avLst/>
+          </a:prstGeom>
+          <a:solidFill>
+            <a:schemeClr val="tx2">
+              <a:lumMod val="40000"/>
+              <a:lumOff val="60000"/>
+              <a:alpha val="30000"/>
+            </a:schemeClr>
+          </a:solidFill>
+          <a:ln>
+            <a:solidFill>
+              <a:schemeClr val="tx1"/>
+            </a:solidFill>
+          </a:ln>
+        </p:spPr>
+        <p:style>
+          <a:lnRef idx="2">
+            <a:schemeClr val="accent1">
+              <a:shade val="50000"/>
+            </a:schemeClr>
+          </a:lnRef>
+          <a:fillRef idx="1">
+            <a:schemeClr val="accent1"/>
+          </a:fillRef>
+          <a:effectRef idx="0">
+            <a:schemeClr val="accent1"/>
+          </a:effectRef>
+          <a:fontRef idx="minor">
+            <a:schemeClr val="lt1"/>
+          </a:fontRef>
+        </p:style>
+        <p:txBody>
+          <a:bodyPr rtlCol="0" anchor="ctr"/>
+          <a:lstStyle/>
+          <a:p>
+            <a:pPr algn="ctr"/>
+            <a:endParaRPr lang="en-US" dirty="0"/>
+          </a:p>
+        </p:txBody>
+      </p:sp>
+      <p:sp>
+        <p:nvSpPr>
+          <p:cNvPr id="191" name="四角形: 角を丸くする 190">
+            <a:extLst>
+              <a:ext uri="{FF2B5EF4-FFF2-40B4-BE49-F238E27FC236}">
+                <a16:creationId xmlns:a16="http://schemas.microsoft.com/office/drawing/2014/main" id="{095371D3-BFCD-4636-B680-A46D1A3A7C6F}"/>
+              </a:ext>
+            </a:extLst>
+          </p:cNvPr>
+          <p:cNvSpPr/>
+          <p:nvPr/>
+        </p:nvSpPr>
+        <p:spPr>
+          <a:xfrm rot="16200000" flipH="1">
+            <a:off x="2413263" y="4065880"/>
+            <a:ext cx="542722" cy="252170"/>
+          </a:xfrm>
+          <a:prstGeom prst="roundRect">
+            <a:avLst/>
+          </a:prstGeom>
+          <a:solidFill>
+            <a:srgbClr val="FFC000"/>
+          </a:solidFill>
+        </p:spPr>
+        <p:style>
+          <a:lnRef idx="2">
+            <a:schemeClr val="accent1">
+              <a:shade val="50000"/>
+            </a:schemeClr>
+          </a:lnRef>
+          <a:fillRef idx="1">
+            <a:schemeClr val="accent1"/>
+          </a:fillRef>
+          <a:effectRef idx="0">
+            <a:schemeClr val="accent1"/>
+          </a:effectRef>
+          <a:fontRef idx="minor">
+            <a:schemeClr val="lt1"/>
+          </a:fontRef>
+        </p:style>
+        <p:txBody>
+          <a:bodyPr rtlCol="0" anchor="ctr"/>
+          <a:lstStyle/>
+          <a:p>
+            <a:pPr algn="ctr"/>
+            <a:endParaRPr lang="en-US" dirty="0"/>
+          </a:p>
+        </p:txBody>
+      </p:sp>
+      <p:cxnSp>
+        <p:nvCxnSpPr>
+          <p:cNvPr id="194" name="直線コネクタ 193">
+            <a:extLst>
+              <a:ext uri="{FF2B5EF4-FFF2-40B4-BE49-F238E27FC236}">
+                <a16:creationId xmlns:a16="http://schemas.microsoft.com/office/drawing/2014/main" id="{4E8840EC-8DB8-4B0F-8CD5-67B9D8591F4F}"/>
+              </a:ext>
+            </a:extLst>
+          </p:cNvPr>
+          <p:cNvCxnSpPr>
+            <a:cxnSpLocks/>
+          </p:cNvCxnSpPr>
+          <p:nvPr/>
+        </p:nvCxnSpPr>
+        <p:spPr>
+          <a:xfrm>
+            <a:off x="3458562" y="4113170"/>
+            <a:ext cx="1305" cy="505034"/>
+          </a:xfrm>
+          <a:prstGeom prst="line">
+            <a:avLst/>
+          </a:prstGeom>
+          <a:ln>
+            <a:solidFill>
+              <a:schemeClr val="accent1"/>
+            </a:solidFill>
+            <a:headEnd type="none" w="med" len="med"/>
+            <a:tailEnd type="oval" w="med" len="med"/>
+          </a:ln>
+        </p:spPr>
+        <p:style>
+          <a:lnRef idx="1">
+            <a:schemeClr val="accent1"/>
+          </a:lnRef>
+          <a:fillRef idx="0">
+            <a:schemeClr val="accent1"/>
+          </a:fillRef>
+          <a:effectRef idx="0">
+            <a:schemeClr val="accent1"/>
+          </a:effectRef>
+          <a:fontRef idx="minor">
+            <a:schemeClr val="tx1"/>
+          </a:fontRef>
+        </p:style>
+      </p:cxnSp>
+      <p:cxnSp>
+        <p:nvCxnSpPr>
+          <p:cNvPr id="196" name="直線コネクタ 195">
+            <a:extLst>
+              <a:ext uri="{FF2B5EF4-FFF2-40B4-BE49-F238E27FC236}">
+                <a16:creationId xmlns:a16="http://schemas.microsoft.com/office/drawing/2014/main" id="{052A3F91-B24E-40A8-916C-1C09CEDDD91E}"/>
+              </a:ext>
+            </a:extLst>
+          </p:cNvPr>
+          <p:cNvCxnSpPr>
+            <a:cxnSpLocks/>
+          </p:cNvCxnSpPr>
+          <p:nvPr/>
+        </p:nvCxnSpPr>
+        <p:spPr>
+          <a:xfrm flipH="1">
+            <a:off x="2967175" y="4849047"/>
+            <a:ext cx="240081" cy="0"/>
+          </a:xfrm>
+          <a:prstGeom prst="line">
+            <a:avLst/>
+          </a:prstGeom>
+          <a:ln>
+            <a:solidFill>
+              <a:schemeClr val="accent1"/>
+            </a:solidFill>
+            <a:headEnd type="oval" w="med" len="med"/>
+            <a:tailEnd type="oval" w="med" len="med"/>
+          </a:ln>
+        </p:spPr>
+        <p:style>
+          <a:lnRef idx="1">
+            <a:schemeClr val="accent1"/>
+          </a:lnRef>
+          <a:fillRef idx="0">
+            <a:schemeClr val="accent1"/>
+          </a:fillRef>
+          <a:effectRef idx="0">
+            <a:schemeClr val="accent1"/>
+          </a:effectRef>
+          <a:fontRef idx="minor">
+            <a:schemeClr val="tx1"/>
+          </a:fontRef>
+        </p:style>
+      </p:cxnSp>
+      <p:cxnSp>
+        <p:nvCxnSpPr>
+          <p:cNvPr id="197" name="直線コネクタ 196">
+            <a:extLst>
+              <a:ext uri="{FF2B5EF4-FFF2-40B4-BE49-F238E27FC236}">
+                <a16:creationId xmlns:a16="http://schemas.microsoft.com/office/drawing/2014/main" id="{41A3F5E4-534C-4348-BFEA-A7436DD82B71}"/>
+              </a:ext>
+            </a:extLst>
+          </p:cNvPr>
+          <p:cNvCxnSpPr>
+            <a:cxnSpLocks/>
+          </p:cNvCxnSpPr>
+          <p:nvPr/>
+        </p:nvCxnSpPr>
+        <p:spPr>
+          <a:xfrm flipH="1">
+            <a:off x="2727683" y="5097240"/>
+            <a:ext cx="240081" cy="0"/>
+          </a:xfrm>
+          <a:prstGeom prst="line">
+            <a:avLst/>
+          </a:prstGeom>
+          <a:ln>
+            <a:solidFill>
+              <a:schemeClr val="accent1"/>
+            </a:solidFill>
+            <a:headEnd type="none" w="med" len="med"/>
+            <a:tailEnd type="oval" w="med" len="med"/>
+          </a:ln>
+        </p:spPr>
+        <p:style>
+          <a:lnRef idx="1">
+            <a:schemeClr val="accent1"/>
+          </a:lnRef>
+          <a:fillRef idx="0">
+            <a:schemeClr val="accent1"/>
+          </a:fillRef>
+          <a:effectRef idx="0">
+            <a:schemeClr val="accent1"/>
+          </a:effectRef>
+          <a:fontRef idx="minor">
+            <a:schemeClr val="tx1"/>
+          </a:fontRef>
+        </p:style>
+      </p:cxnSp>
+      <p:cxnSp>
+        <p:nvCxnSpPr>
+          <p:cNvPr id="202" name="直線コネクタ 201">
+            <a:extLst>
+              <a:ext uri="{FF2B5EF4-FFF2-40B4-BE49-F238E27FC236}">
+                <a16:creationId xmlns:a16="http://schemas.microsoft.com/office/drawing/2014/main" id="{3E889D8A-0468-4D64-B237-FED3CD9F11DB}"/>
+              </a:ext>
+            </a:extLst>
+          </p:cNvPr>
+          <p:cNvCxnSpPr>
+            <a:cxnSpLocks/>
+          </p:cNvCxnSpPr>
+          <p:nvPr/>
+        </p:nvCxnSpPr>
+        <p:spPr>
+          <a:xfrm flipH="1">
+            <a:off x="3207317" y="4604055"/>
+            <a:ext cx="3062" cy="249281"/>
+          </a:xfrm>
+          <a:prstGeom prst="line">
+            <a:avLst/>
+          </a:prstGeom>
+          <a:ln>
+            <a:solidFill>
+              <a:schemeClr val="accent1"/>
+            </a:solidFill>
+            <a:headEnd type="oval" w="med" len="med"/>
+            <a:tailEnd type="none" w="med" len="med"/>
+          </a:ln>
+        </p:spPr>
+        <p:style>
+          <a:lnRef idx="1">
+            <a:schemeClr val="accent1"/>
+          </a:lnRef>
+          <a:fillRef idx="0">
+            <a:schemeClr val="accent1"/>
+          </a:fillRef>
+          <a:effectRef idx="0">
+            <a:schemeClr val="accent1"/>
+          </a:effectRef>
+          <a:fontRef idx="minor">
+            <a:schemeClr val="tx1"/>
+          </a:fontRef>
+        </p:style>
+      </p:cxnSp>
+      <p:cxnSp>
+        <p:nvCxnSpPr>
+          <p:cNvPr id="205" name="直線コネクタ 204">
+            <a:extLst>
+              <a:ext uri="{FF2B5EF4-FFF2-40B4-BE49-F238E27FC236}">
+                <a16:creationId xmlns:a16="http://schemas.microsoft.com/office/drawing/2014/main" id="{B791AABB-3AE1-4C06-8D8E-48641EE31D85}"/>
+              </a:ext>
+            </a:extLst>
+          </p:cNvPr>
+          <p:cNvCxnSpPr>
+            <a:cxnSpLocks/>
+          </p:cNvCxnSpPr>
+          <p:nvPr/>
+        </p:nvCxnSpPr>
+        <p:spPr>
+          <a:xfrm flipH="1">
+            <a:off x="3446807" y="4617115"/>
+            <a:ext cx="3062" cy="249281"/>
+          </a:xfrm>
+          <a:prstGeom prst="line">
+            <a:avLst/>
+          </a:prstGeom>
+          <a:ln>
+            <a:solidFill>
+              <a:schemeClr val="accent1"/>
+            </a:solidFill>
+            <a:headEnd type="oval" w="med" len="med"/>
+            <a:tailEnd type="oval" w="med" len="med"/>
+          </a:ln>
+        </p:spPr>
+        <p:style>
+          <a:lnRef idx="1">
+            <a:schemeClr val="accent1"/>
+          </a:lnRef>
+          <a:fillRef idx="0">
+            <a:schemeClr val="accent1"/>
+          </a:fillRef>
+          <a:effectRef idx="0">
+            <a:schemeClr val="accent1"/>
+          </a:effectRef>
+          <a:fontRef idx="minor">
+            <a:schemeClr val="tx1"/>
+          </a:fontRef>
+        </p:style>
+      </p:cxnSp>
+      <p:sp>
+        <p:nvSpPr>
+          <p:cNvPr id="206" name="正方形/長方形 205">
+            <a:extLst>
+              <a:ext uri="{FF2B5EF4-FFF2-40B4-BE49-F238E27FC236}">
+                <a16:creationId xmlns:a16="http://schemas.microsoft.com/office/drawing/2014/main" id="{02369692-E902-4DC6-AF17-26D46E575B75}"/>
+              </a:ext>
+            </a:extLst>
+          </p:cNvPr>
+          <p:cNvSpPr/>
+          <p:nvPr/>
+        </p:nvSpPr>
+        <p:spPr>
+          <a:xfrm rot="10800000" flipH="1">
+            <a:off x="3114589" y="4752679"/>
+            <a:ext cx="922987" cy="215543"/>
+          </a:xfrm>
+          <a:prstGeom prst="rect">
+            <a:avLst/>
+          </a:prstGeom>
+          <a:solidFill>
+            <a:schemeClr val="tx2">
+              <a:lumMod val="40000"/>
+              <a:lumOff val="60000"/>
+              <a:alpha val="30000"/>
+            </a:schemeClr>
+          </a:solidFill>
+          <a:ln>
+            <a:solidFill>
+              <a:schemeClr val="tx1"/>
+            </a:solidFill>
+          </a:ln>
+        </p:spPr>
+        <p:style>
+          <a:lnRef idx="2">
+            <a:schemeClr val="accent1">
+              <a:shade val="50000"/>
+            </a:schemeClr>
+          </a:lnRef>
+          <a:fillRef idx="1">
+            <a:schemeClr val="accent1"/>
+          </a:fillRef>
+          <a:effectRef idx="0">
+            <a:schemeClr val="accent1"/>
+          </a:effectRef>
+          <a:fontRef idx="minor">
+            <a:schemeClr val="lt1"/>
+          </a:fontRef>
+        </p:style>
+        <p:txBody>
+          <a:bodyPr rtlCol="0" anchor="ctr"/>
+          <a:lstStyle/>
+          <a:p>
+            <a:pPr algn="ctr"/>
+            <a:endParaRPr lang="en-US" dirty="0"/>
+          </a:p>
+        </p:txBody>
+      </p:sp>
+      <p:cxnSp>
+        <p:nvCxnSpPr>
+          <p:cNvPr id="207" name="直線コネクタ 206">
+            <a:extLst>
+              <a:ext uri="{FF2B5EF4-FFF2-40B4-BE49-F238E27FC236}">
+                <a16:creationId xmlns:a16="http://schemas.microsoft.com/office/drawing/2014/main" id="{3DEB543C-7C89-4114-AE6B-ED41BF5F7B66}"/>
+              </a:ext>
+            </a:extLst>
+          </p:cNvPr>
+          <p:cNvCxnSpPr>
+            <a:cxnSpLocks/>
+          </p:cNvCxnSpPr>
+          <p:nvPr/>
+        </p:nvCxnSpPr>
+        <p:spPr>
+          <a:xfrm>
+            <a:off x="2705071" y="3847553"/>
+            <a:ext cx="44923" cy="274385"/>
+          </a:xfrm>
+          <a:prstGeom prst="line">
+            <a:avLst/>
+          </a:prstGeom>
+          <a:ln>
+            <a:solidFill>
+              <a:schemeClr val="accent1"/>
+            </a:solidFill>
+            <a:headEnd type="oval" w="med" len="med"/>
+            <a:tailEnd type="oval" w="med" len="med"/>
+          </a:ln>
+        </p:spPr>
+        <p:style>
+          <a:lnRef idx="1">
+            <a:schemeClr val="accent1"/>
+          </a:lnRef>
+          <a:fillRef idx="0">
+            <a:schemeClr val="accent1"/>
+          </a:fillRef>
+          <a:effectRef idx="0">
+            <a:schemeClr val="accent1"/>
+          </a:effectRef>
+          <a:fontRef idx="minor">
+            <a:schemeClr val="tx1"/>
+          </a:fontRef>
+        </p:style>
+      </p:cxnSp>
+      <p:cxnSp>
+        <p:nvCxnSpPr>
+          <p:cNvPr id="209" name="直線コネクタ 208">
+            <a:extLst>
+              <a:ext uri="{FF2B5EF4-FFF2-40B4-BE49-F238E27FC236}">
+                <a16:creationId xmlns:a16="http://schemas.microsoft.com/office/drawing/2014/main" id="{23BADC4B-C86A-44CE-907A-08FAD6AFB8CD}"/>
+              </a:ext>
+            </a:extLst>
+          </p:cNvPr>
+          <p:cNvCxnSpPr>
+            <a:cxnSpLocks/>
+          </p:cNvCxnSpPr>
+          <p:nvPr/>
+        </p:nvCxnSpPr>
+        <p:spPr>
+          <a:xfrm flipH="1">
+            <a:off x="2954770" y="4852249"/>
+            <a:ext cx="5655" cy="271050"/>
+          </a:xfrm>
+          <a:prstGeom prst="line">
+            <a:avLst/>
+          </a:prstGeom>
+          <a:ln>
+            <a:solidFill>
+              <a:schemeClr val="accent1"/>
+            </a:solidFill>
+            <a:headEnd type="none" w="med" len="med"/>
+            <a:tailEnd type="oval" w="med" len="med"/>
+          </a:ln>
+        </p:spPr>
+        <p:style>
+          <a:lnRef idx="1">
+            <a:schemeClr val="accent1"/>
+          </a:lnRef>
+          <a:fillRef idx="0">
+            <a:schemeClr val="accent1"/>
+          </a:fillRef>
+          <a:effectRef idx="0">
+            <a:schemeClr val="accent1"/>
+          </a:effectRef>
+          <a:fontRef idx="minor">
+            <a:schemeClr val="tx1"/>
+          </a:fontRef>
+        </p:style>
+      </p:cxnSp>
+      <p:cxnSp>
+        <p:nvCxnSpPr>
+          <p:cNvPr id="211" name="直線コネクタ 210">
+            <a:extLst>
+              <a:ext uri="{FF2B5EF4-FFF2-40B4-BE49-F238E27FC236}">
+                <a16:creationId xmlns:a16="http://schemas.microsoft.com/office/drawing/2014/main" id="{6ED774C2-0F75-41A1-B352-EAD6F4EBB195}"/>
+              </a:ext>
+            </a:extLst>
+          </p:cNvPr>
+          <p:cNvCxnSpPr>
+            <a:cxnSpLocks/>
+          </p:cNvCxnSpPr>
+          <p:nvPr/>
+        </p:nvCxnSpPr>
+        <p:spPr>
+          <a:xfrm flipH="1">
+            <a:off x="2706574" y="4595347"/>
+            <a:ext cx="5655" cy="271050"/>
+          </a:xfrm>
+          <a:prstGeom prst="line">
+            <a:avLst/>
+          </a:prstGeom>
+          <a:ln>
+            <a:solidFill>
+              <a:schemeClr val="accent1"/>
+            </a:solidFill>
+            <a:headEnd type="none" w="med" len="med"/>
+            <a:tailEnd type="oval" w="med" len="med"/>
+          </a:ln>
+        </p:spPr>
+        <p:style>
+          <a:lnRef idx="1">
+            <a:schemeClr val="accent1"/>
+          </a:lnRef>
+          <a:fillRef idx="0">
+            <a:schemeClr val="accent1"/>
+          </a:fillRef>
+          <a:effectRef idx="0">
+            <a:schemeClr val="accent1"/>
+          </a:effectRef>
+          <a:fontRef idx="minor">
+            <a:schemeClr val="tx1"/>
+          </a:fontRef>
+        </p:style>
+      </p:cxnSp>
+      <p:cxnSp>
+        <p:nvCxnSpPr>
+          <p:cNvPr id="88" name="直線コネクタ 87">
+            <a:extLst>
+              <a:ext uri="{FF2B5EF4-FFF2-40B4-BE49-F238E27FC236}">
+                <a16:creationId xmlns:a16="http://schemas.microsoft.com/office/drawing/2014/main" id="{FF16304A-C3E1-4331-BAF4-D919FFA56E1A}"/>
+              </a:ext>
+            </a:extLst>
+          </p:cNvPr>
+          <p:cNvCxnSpPr>
+            <a:cxnSpLocks/>
+          </p:cNvCxnSpPr>
+          <p:nvPr/>
+        </p:nvCxnSpPr>
+        <p:spPr>
+          <a:xfrm flipH="1">
+            <a:off x="6672029" y="4976941"/>
+            <a:ext cx="2608" cy="710901"/>
+          </a:xfrm>
+          <a:prstGeom prst="line">
+            <a:avLst/>
+          </a:prstGeom>
+          <a:ln w="57150">
+            <a:solidFill>
+              <a:schemeClr val="tx1">
+                <a:lumMod val="65000"/>
+                <a:lumOff val="35000"/>
+                <a:alpha val="30000"/>
+              </a:schemeClr>
+            </a:solidFill>
+          </a:ln>
+        </p:spPr>
+        <p:style>
+          <a:lnRef idx="1">
+            <a:schemeClr val="accent1"/>
+          </a:lnRef>
+          <a:fillRef idx="0">
+            <a:schemeClr val="accent1"/>
+          </a:fillRef>
+          <a:effectRef idx="0">
+            <a:schemeClr val="accent1"/>
+          </a:effectRef>
+          <a:fontRef idx="minor">
+            <a:schemeClr val="tx1"/>
+          </a:fontRef>
+        </p:style>
+      </p:cxnSp>
+      <p:cxnSp>
+        <p:nvCxnSpPr>
+          <p:cNvPr id="215" name="直線コネクタ 214">
+            <a:extLst>
+              <a:ext uri="{FF2B5EF4-FFF2-40B4-BE49-F238E27FC236}">
+                <a16:creationId xmlns:a16="http://schemas.microsoft.com/office/drawing/2014/main" id="{2A37FA5F-B6F9-41EA-B29A-340E464DD466}"/>
+              </a:ext>
+            </a:extLst>
+          </p:cNvPr>
+          <p:cNvCxnSpPr>
+            <a:cxnSpLocks/>
+          </p:cNvCxnSpPr>
+          <p:nvPr/>
+        </p:nvCxnSpPr>
+        <p:spPr>
+          <a:xfrm flipH="1">
+            <a:off x="6423830" y="4981293"/>
+            <a:ext cx="2608" cy="710901"/>
+          </a:xfrm>
+          <a:prstGeom prst="line">
+            <a:avLst/>
+          </a:prstGeom>
+          <a:ln w="57150">
+            <a:solidFill>
+              <a:schemeClr val="tx1">
+                <a:lumMod val="65000"/>
+                <a:lumOff val="35000"/>
+                <a:alpha val="30000"/>
+              </a:schemeClr>
+            </a:solidFill>
+          </a:ln>
+        </p:spPr>
+        <p:style>
+          <a:lnRef idx="1">
+            <a:schemeClr val="accent1"/>
+          </a:lnRef>
+          <a:fillRef idx="0">
+            <a:schemeClr val="accent1"/>
+          </a:fillRef>
+          <a:effectRef idx="0">
+            <a:schemeClr val="accent1"/>
+          </a:effectRef>
+          <a:fontRef idx="minor">
+            <a:schemeClr val="tx1"/>
+          </a:fontRef>
+        </p:style>
+      </p:cxnSp>
+      <p:cxnSp>
+        <p:nvCxnSpPr>
+          <p:cNvPr id="216" name="直線コネクタ 215">
+            <a:extLst>
+              <a:ext uri="{FF2B5EF4-FFF2-40B4-BE49-F238E27FC236}">
+                <a16:creationId xmlns:a16="http://schemas.microsoft.com/office/drawing/2014/main" id="{6A036533-224C-4260-B079-D4E0CFE69E38}"/>
+              </a:ext>
+            </a:extLst>
+          </p:cNvPr>
+          <p:cNvCxnSpPr>
+            <a:cxnSpLocks/>
+          </p:cNvCxnSpPr>
+          <p:nvPr/>
+        </p:nvCxnSpPr>
+        <p:spPr>
+          <a:xfrm flipH="1">
+            <a:off x="6184340" y="4976939"/>
+            <a:ext cx="2608" cy="710901"/>
+          </a:xfrm>
+          <a:prstGeom prst="line">
+            <a:avLst/>
+          </a:prstGeom>
+          <a:ln w="57150">
+            <a:solidFill>
+              <a:schemeClr val="tx1">
+                <a:lumMod val="65000"/>
+                <a:lumOff val="35000"/>
+                <a:alpha val="30000"/>
+              </a:schemeClr>
+            </a:solidFill>
+          </a:ln>
+        </p:spPr>
+        <p:style>
+          <a:lnRef idx="1">
+            <a:schemeClr val="accent1"/>
+          </a:lnRef>
+          <a:fillRef idx="0">
+            <a:schemeClr val="accent1"/>
+          </a:fillRef>
+          <a:effectRef idx="0">
+            <a:schemeClr val="accent1"/>
+          </a:effectRef>
+          <a:fontRef idx="minor">
+            <a:schemeClr val="tx1"/>
+          </a:fontRef>
+        </p:style>
+      </p:cxnSp>
+      <p:cxnSp>
+        <p:nvCxnSpPr>
+          <p:cNvPr id="218" name="直線コネクタ 217">
+            <a:extLst>
+              <a:ext uri="{FF2B5EF4-FFF2-40B4-BE49-F238E27FC236}">
+                <a16:creationId xmlns:a16="http://schemas.microsoft.com/office/drawing/2014/main" id="{B91F9D44-741D-4B6E-94AA-F4B129CD665A}"/>
+              </a:ext>
+            </a:extLst>
+          </p:cNvPr>
+          <p:cNvCxnSpPr>
+            <a:cxnSpLocks/>
+          </p:cNvCxnSpPr>
+          <p:nvPr/>
+        </p:nvCxnSpPr>
+        <p:spPr>
+          <a:xfrm flipH="1">
+            <a:off x="5927432" y="4981290"/>
+            <a:ext cx="2608" cy="710901"/>
+          </a:xfrm>
+          <a:prstGeom prst="line">
+            <a:avLst/>
+          </a:prstGeom>
+          <a:ln w="57150">
+            <a:solidFill>
+              <a:schemeClr val="tx1">
+                <a:lumMod val="65000"/>
+                <a:lumOff val="35000"/>
+                <a:alpha val="30000"/>
+              </a:schemeClr>
+            </a:solidFill>
+          </a:ln>
+        </p:spPr>
+        <p:style>
+          <a:lnRef idx="1">
+            <a:schemeClr val="accent1"/>
+          </a:lnRef>
+          <a:fillRef idx="0">
+            <a:schemeClr val="accent1"/>
+          </a:fillRef>
+          <a:effectRef idx="0">
+            <a:schemeClr val="accent1"/>
+          </a:effectRef>
+          <a:fontRef idx="minor">
+            <a:schemeClr val="tx1"/>
+          </a:fontRef>
+        </p:style>
+      </p:cxnSp>
+      <p:cxnSp>
+        <p:nvCxnSpPr>
+          <p:cNvPr id="220" name="直線コネクタ 219">
+            <a:extLst>
+              <a:ext uri="{FF2B5EF4-FFF2-40B4-BE49-F238E27FC236}">
+                <a16:creationId xmlns:a16="http://schemas.microsoft.com/office/drawing/2014/main" id="{25C125A5-08A7-49D2-944F-DBAA33F2C23E}"/>
+              </a:ext>
+            </a:extLst>
+          </p:cNvPr>
+          <p:cNvCxnSpPr>
+            <a:cxnSpLocks/>
+          </p:cNvCxnSpPr>
+          <p:nvPr/>
+        </p:nvCxnSpPr>
+        <p:spPr>
+          <a:xfrm flipH="1">
+            <a:off x="3454196" y="4972582"/>
+            <a:ext cx="2608" cy="710901"/>
+          </a:xfrm>
+          <a:prstGeom prst="line">
+            <a:avLst/>
+          </a:prstGeom>
+          <a:ln w="57150">
+            <a:solidFill>
+              <a:schemeClr val="tx1">
+                <a:lumMod val="65000"/>
+                <a:lumOff val="35000"/>
+                <a:alpha val="30000"/>
+              </a:schemeClr>
+            </a:solidFill>
+          </a:ln>
+        </p:spPr>
+        <p:style>
+          <a:lnRef idx="1">
+            <a:schemeClr val="accent1"/>
+          </a:lnRef>
+          <a:fillRef idx="0">
+            <a:schemeClr val="accent1"/>
+          </a:fillRef>
+          <a:effectRef idx="0">
+            <a:schemeClr val="accent1"/>
+          </a:effectRef>
+          <a:fontRef idx="minor">
+            <a:schemeClr val="tx1"/>
+          </a:fontRef>
+        </p:style>
+      </p:cxnSp>
+      <p:cxnSp>
+        <p:nvCxnSpPr>
+          <p:cNvPr id="221" name="直線コネクタ 220">
+            <a:extLst>
+              <a:ext uri="{FF2B5EF4-FFF2-40B4-BE49-F238E27FC236}">
+                <a16:creationId xmlns:a16="http://schemas.microsoft.com/office/drawing/2014/main" id="{58D2E938-E9AF-4222-9564-31AABF7C8B18}"/>
+              </a:ext>
+            </a:extLst>
+          </p:cNvPr>
+          <p:cNvCxnSpPr>
+            <a:cxnSpLocks/>
+          </p:cNvCxnSpPr>
+          <p:nvPr/>
+        </p:nvCxnSpPr>
+        <p:spPr>
+          <a:xfrm flipH="1">
+            <a:off x="3223415" y="4976934"/>
+            <a:ext cx="2608" cy="710901"/>
+          </a:xfrm>
+          <a:prstGeom prst="line">
+            <a:avLst/>
+          </a:prstGeom>
+          <a:ln w="57150">
+            <a:solidFill>
+              <a:schemeClr val="tx1">
+                <a:lumMod val="65000"/>
+                <a:lumOff val="35000"/>
+                <a:alpha val="30000"/>
+              </a:schemeClr>
+            </a:solidFill>
+          </a:ln>
+        </p:spPr>
+        <p:style>
+          <a:lnRef idx="1">
+            <a:schemeClr val="accent1"/>
+          </a:lnRef>
+          <a:fillRef idx="0">
+            <a:schemeClr val="accent1"/>
+          </a:fillRef>
+          <a:effectRef idx="0">
+            <a:schemeClr val="accent1"/>
+          </a:effectRef>
+          <a:fontRef idx="minor">
+            <a:schemeClr val="tx1"/>
+          </a:fontRef>
+        </p:style>
+      </p:cxnSp>
+      <p:sp>
+        <p:nvSpPr>
+          <p:cNvPr id="222" name="楕円 221">
+            <a:extLst>
+              <a:ext uri="{FF2B5EF4-FFF2-40B4-BE49-F238E27FC236}">
+                <a16:creationId xmlns:a16="http://schemas.microsoft.com/office/drawing/2014/main" id="{A46A6896-3904-49F2-9F3D-8F60FF575FD7}"/>
+              </a:ext>
+            </a:extLst>
+          </p:cNvPr>
+          <p:cNvSpPr/>
+          <p:nvPr/>
+        </p:nvSpPr>
+        <p:spPr>
+          <a:xfrm flipH="1">
+            <a:off x="3091399" y="3510509"/>
+            <a:ext cx="482783" cy="194614"/>
+          </a:xfrm>
+          <a:prstGeom prst="ellipse">
+            <a:avLst/>
+          </a:prstGeom>
+          <a:solidFill>
+            <a:schemeClr val="accent1">
+              <a:alpha val="30000"/>
+            </a:schemeClr>
+          </a:solidFill>
+        </p:spPr>
+        <p:style>
+          <a:lnRef idx="2">
+            <a:schemeClr val="accent1">
+              <a:shade val="50000"/>
+            </a:schemeClr>
+          </a:lnRef>
+          <a:fillRef idx="1">
+            <a:schemeClr val="accent1"/>
+          </a:fillRef>
+          <a:effectRef idx="0">
+            <a:schemeClr val="accent1"/>
+          </a:effectRef>
+          <a:fontRef idx="minor">
+            <a:schemeClr val="lt1"/>
+          </a:fontRef>
+        </p:style>
+        <p:txBody>
+          <a:bodyPr rtlCol="0" anchor="ctr"/>
+          <a:lstStyle/>
+          <a:p>
+            <a:pPr algn="ctr"/>
+            <a:endParaRPr lang="en-US"/>
+          </a:p>
+        </p:txBody>
+      </p:sp>
+      <p:sp>
+        <p:nvSpPr>
+          <p:cNvPr id="223" name="楕円 222">
+            <a:extLst>
+              <a:ext uri="{FF2B5EF4-FFF2-40B4-BE49-F238E27FC236}">
+                <a16:creationId xmlns:a16="http://schemas.microsoft.com/office/drawing/2014/main" id="{853BD30E-024D-48CA-9CF8-D3745C9B9235}"/>
+              </a:ext>
+            </a:extLst>
+          </p:cNvPr>
+          <p:cNvSpPr/>
+          <p:nvPr/>
+        </p:nvSpPr>
+        <p:spPr>
+          <a:xfrm rot="16200000" flipH="1">
+            <a:off x="4454292" y="2652716"/>
+            <a:ext cx="482783" cy="194614"/>
+          </a:xfrm>
+          <a:prstGeom prst="ellipse">
+            <a:avLst/>
+          </a:prstGeom>
+          <a:solidFill>
+            <a:schemeClr val="accent1">
+              <a:alpha val="30000"/>
+            </a:schemeClr>
+          </a:solidFill>
+        </p:spPr>
+        <p:style>
+          <a:lnRef idx="2">
+            <a:schemeClr val="accent1">
+              <a:shade val="50000"/>
+            </a:schemeClr>
+          </a:lnRef>
+          <a:fillRef idx="1">
+            <a:schemeClr val="accent1"/>
+          </a:fillRef>
+          <a:effectRef idx="0">
+            <a:schemeClr val="accent1"/>
+          </a:effectRef>
+          <a:fontRef idx="minor">
+            <a:schemeClr val="lt1"/>
+          </a:fontRef>
+        </p:style>
+        <p:txBody>
+          <a:bodyPr rtlCol="0" anchor="ctr"/>
+          <a:lstStyle/>
+          <a:p>
+            <a:pPr algn="ctr"/>
+            <a:endParaRPr lang="en-US"/>
+          </a:p>
+        </p:txBody>
+      </p:sp>
+      <p:sp>
+        <p:nvSpPr>
+          <p:cNvPr id="224" name="楕円 223">
+            <a:extLst>
+              <a:ext uri="{FF2B5EF4-FFF2-40B4-BE49-F238E27FC236}">
+                <a16:creationId xmlns:a16="http://schemas.microsoft.com/office/drawing/2014/main" id="{4FF2068C-BE59-4309-9C20-1BFB0CC540A7}"/>
+              </a:ext>
+            </a:extLst>
+          </p:cNvPr>
+          <p:cNvSpPr/>
+          <p:nvPr/>
+        </p:nvSpPr>
+        <p:spPr>
+          <a:xfrm rot="16200000" flipH="1">
+            <a:off x="5198876" y="4390077"/>
+            <a:ext cx="482783" cy="194614"/>
+          </a:xfrm>
+          <a:prstGeom prst="ellipse">
+            <a:avLst/>
+          </a:prstGeom>
+          <a:solidFill>
+            <a:schemeClr val="accent1">
+              <a:alpha val="30000"/>
+            </a:schemeClr>
+          </a:solidFill>
+        </p:spPr>
+        <p:style>
+          <a:lnRef idx="2">
+            <a:schemeClr val="accent1">
+              <a:shade val="50000"/>
+            </a:schemeClr>
+          </a:lnRef>
+          <a:fillRef idx="1">
+            <a:schemeClr val="accent1"/>
+          </a:fillRef>
+          <a:effectRef idx="0">
+            <a:schemeClr val="accent1"/>
+          </a:effectRef>
+          <a:fontRef idx="minor">
+            <a:schemeClr val="lt1"/>
+          </a:fontRef>
+        </p:style>
+        <p:txBody>
+          <a:bodyPr rtlCol="0" anchor="ctr"/>
+          <a:lstStyle/>
+          <a:p>
+            <a:pPr algn="ctr"/>
+            <a:endParaRPr lang="en-US"/>
+          </a:p>
+        </p:txBody>
+      </p:sp>
+      <p:cxnSp>
+        <p:nvCxnSpPr>
+          <p:cNvPr id="225" name="直線コネクタ 224">
+            <a:extLst>
+              <a:ext uri="{FF2B5EF4-FFF2-40B4-BE49-F238E27FC236}">
+                <a16:creationId xmlns:a16="http://schemas.microsoft.com/office/drawing/2014/main" id="{4610E936-8E0B-4D8C-B4DC-9D795EA8E76D}"/>
+              </a:ext>
+            </a:extLst>
+          </p:cNvPr>
+          <p:cNvCxnSpPr>
+            <a:cxnSpLocks/>
+            <a:endCxn id="224" idx="2"/>
+          </p:cNvCxnSpPr>
+          <p:nvPr/>
+        </p:nvCxnSpPr>
+        <p:spPr>
+          <a:xfrm flipH="1">
+            <a:off x="5440267" y="4119907"/>
+            <a:ext cx="243342" cy="126086"/>
+          </a:xfrm>
+          <a:prstGeom prst="line">
+            <a:avLst/>
+          </a:prstGeom>
+          <a:ln>
+            <a:solidFill>
+              <a:schemeClr val="accent1"/>
+            </a:solidFill>
+            <a:headEnd type="oval" w="med" len="med"/>
+            <a:tailEnd type="oval" w="med" len="med"/>
+          </a:ln>
+        </p:spPr>
+        <p:style>
+          <a:lnRef idx="1">
+            <a:schemeClr val="accent1"/>
+          </a:lnRef>
+          <a:fillRef idx="0">
+            <a:schemeClr val="accent1"/>
+          </a:fillRef>
+          <a:effectRef idx="0">
+            <a:schemeClr val="accent1"/>
+          </a:effectRef>
+          <a:fontRef idx="minor">
+            <a:schemeClr val="tx1"/>
+          </a:fontRef>
+        </p:style>
+      </p:cxnSp>
+      <p:cxnSp>
+        <p:nvCxnSpPr>
+          <p:cNvPr id="227" name="直線コネクタ 226">
+            <a:extLst>
+              <a:ext uri="{FF2B5EF4-FFF2-40B4-BE49-F238E27FC236}">
+                <a16:creationId xmlns:a16="http://schemas.microsoft.com/office/drawing/2014/main" id="{930F1664-D1E4-47CF-BD5A-94E757034934}"/>
+              </a:ext>
+            </a:extLst>
+          </p:cNvPr>
+          <p:cNvCxnSpPr>
+            <a:cxnSpLocks/>
+            <a:endCxn id="224" idx="6"/>
+          </p:cNvCxnSpPr>
+          <p:nvPr/>
+        </p:nvCxnSpPr>
+        <p:spPr>
+          <a:xfrm flipH="1" flipV="1">
+            <a:off x="5440267" y="4728776"/>
+            <a:ext cx="249011" cy="140768"/>
+          </a:xfrm>
+          <a:prstGeom prst="line">
+            <a:avLst/>
+          </a:prstGeom>
+          <a:ln>
+            <a:solidFill>
+              <a:schemeClr val="accent1"/>
+            </a:solidFill>
+            <a:headEnd type="oval" w="med" len="med"/>
+            <a:tailEnd type="oval" w="med" len="med"/>
+          </a:ln>
+        </p:spPr>
+        <p:style>
+          <a:lnRef idx="1">
+            <a:schemeClr val="accent1"/>
+          </a:lnRef>
+          <a:fillRef idx="0">
+            <a:schemeClr val="accent1"/>
+          </a:fillRef>
+          <a:effectRef idx="0">
+            <a:schemeClr val="accent1"/>
+          </a:effectRef>
+          <a:fontRef idx="minor">
+            <a:schemeClr val="tx1"/>
+          </a:fontRef>
+        </p:style>
+      </p:cxnSp>
+      <p:cxnSp>
+        <p:nvCxnSpPr>
+          <p:cNvPr id="232" name="直線コネクタ 231">
+            <a:extLst>
+              <a:ext uri="{FF2B5EF4-FFF2-40B4-BE49-F238E27FC236}">
+                <a16:creationId xmlns:a16="http://schemas.microsoft.com/office/drawing/2014/main" id="{23AFEFAD-97F3-46D5-83E2-8A9E54C7F410}"/>
+              </a:ext>
+            </a:extLst>
+          </p:cNvPr>
+          <p:cNvCxnSpPr>
+            <a:cxnSpLocks/>
+          </p:cNvCxnSpPr>
+          <p:nvPr/>
+        </p:nvCxnSpPr>
+        <p:spPr>
+          <a:xfrm flipH="1">
+            <a:off x="4429572" y="3108573"/>
+            <a:ext cx="2824" cy="1006214"/>
+          </a:xfrm>
+          <a:prstGeom prst="line">
+            <a:avLst/>
+          </a:prstGeom>
+          <a:ln>
+            <a:solidFill>
+              <a:schemeClr val="accent1"/>
+            </a:solidFill>
+            <a:headEnd type="oval" w="med" len="med"/>
+            <a:tailEnd type="oval" w="med" len="med"/>
+          </a:ln>
+        </p:spPr>
+        <p:style>
+          <a:lnRef idx="1">
+            <a:schemeClr val="accent1"/>
+          </a:lnRef>
+          <a:fillRef idx="0">
+            <a:schemeClr val="accent1"/>
+          </a:fillRef>
+          <a:effectRef idx="0">
+            <a:schemeClr val="accent1"/>
+          </a:effectRef>
+          <a:fontRef idx="minor">
+            <a:schemeClr val="tx1"/>
+          </a:fontRef>
+        </p:style>
+      </p:cxnSp>
+      <p:cxnSp>
+        <p:nvCxnSpPr>
+          <p:cNvPr id="234" name="直線コネクタ 233">
+            <a:extLst>
+              <a:ext uri="{FF2B5EF4-FFF2-40B4-BE49-F238E27FC236}">
+                <a16:creationId xmlns:a16="http://schemas.microsoft.com/office/drawing/2014/main" id="{8B6957DE-5672-460C-8A31-813B5F033425}"/>
+              </a:ext>
+            </a:extLst>
+          </p:cNvPr>
+          <p:cNvCxnSpPr>
+            <a:cxnSpLocks/>
+          </p:cNvCxnSpPr>
+          <p:nvPr/>
+        </p:nvCxnSpPr>
+        <p:spPr>
+          <a:xfrm>
+            <a:off x="4698005" y="3112928"/>
+            <a:ext cx="4141" cy="508589"/>
+          </a:xfrm>
+          <a:prstGeom prst="line">
+            <a:avLst/>
+          </a:prstGeom>
+          <a:ln>
+            <a:solidFill>
+              <a:schemeClr val="accent1"/>
+            </a:solidFill>
+            <a:headEnd type="oval" w="med" len="med"/>
+            <a:tailEnd type="oval" w="med" len="med"/>
+          </a:ln>
+        </p:spPr>
+        <p:style>
+          <a:lnRef idx="1">
+            <a:schemeClr val="accent1"/>
+          </a:lnRef>
+          <a:fillRef idx="0">
+            <a:schemeClr val="accent1"/>
+          </a:fillRef>
+          <a:effectRef idx="0">
+            <a:schemeClr val="accent1"/>
+          </a:effectRef>
+          <a:fontRef idx="minor">
+            <a:schemeClr val="tx1"/>
+          </a:fontRef>
+        </p:style>
+      </p:cxnSp>
+      <p:cxnSp>
+        <p:nvCxnSpPr>
+          <p:cNvPr id="236" name="直線コネクタ 235">
+            <a:extLst>
+              <a:ext uri="{FF2B5EF4-FFF2-40B4-BE49-F238E27FC236}">
+                <a16:creationId xmlns:a16="http://schemas.microsoft.com/office/drawing/2014/main" id="{D87E6F7E-FC5B-4C67-B961-7B0CF6C37002}"/>
+              </a:ext>
+            </a:extLst>
+          </p:cNvPr>
+          <p:cNvCxnSpPr>
+            <a:cxnSpLocks/>
+          </p:cNvCxnSpPr>
+          <p:nvPr/>
+        </p:nvCxnSpPr>
+        <p:spPr>
+          <a:xfrm>
+            <a:off x="4188551" y="3613672"/>
+            <a:ext cx="4141" cy="508589"/>
+          </a:xfrm>
+          <a:prstGeom prst="line">
+            <a:avLst/>
+          </a:prstGeom>
+          <a:ln>
+            <a:solidFill>
+              <a:schemeClr val="accent1"/>
+            </a:solidFill>
+            <a:headEnd type="oval" w="med" len="med"/>
+            <a:tailEnd type="oval" w="med" len="med"/>
+          </a:ln>
+        </p:spPr>
+        <p:style>
+          <a:lnRef idx="1">
+            <a:schemeClr val="accent1"/>
+          </a:lnRef>
+          <a:fillRef idx="0">
+            <a:schemeClr val="accent1"/>
+          </a:fillRef>
+          <a:effectRef idx="0">
+            <a:schemeClr val="accent1"/>
+          </a:effectRef>
+          <a:fontRef idx="minor">
+            <a:schemeClr val="tx1"/>
+          </a:fontRef>
+        </p:style>
+      </p:cxnSp>
+      <p:cxnSp>
+        <p:nvCxnSpPr>
+          <p:cNvPr id="237" name="直線コネクタ 236">
+            <a:extLst>
+              <a:ext uri="{FF2B5EF4-FFF2-40B4-BE49-F238E27FC236}">
+                <a16:creationId xmlns:a16="http://schemas.microsoft.com/office/drawing/2014/main" id="{49A51049-D8BD-48DB-BDE0-4BC80D7219CA}"/>
+              </a:ext>
+            </a:extLst>
+          </p:cNvPr>
+          <p:cNvCxnSpPr>
+            <a:cxnSpLocks/>
+          </p:cNvCxnSpPr>
+          <p:nvPr/>
+        </p:nvCxnSpPr>
+        <p:spPr>
+          <a:xfrm rot="16200000">
+            <a:off x="4449807" y="3361124"/>
+            <a:ext cx="4141" cy="508589"/>
+          </a:xfrm>
+          <a:prstGeom prst="line">
+            <a:avLst/>
+          </a:prstGeom>
+          <a:ln>
+            <a:solidFill>
+              <a:srgbClr val="FF0000"/>
+            </a:solidFill>
+            <a:headEnd type="oval" w="med" len="med"/>
+            <a:tailEnd type="oval" w="med" len="med"/>
+          </a:ln>
+        </p:spPr>
+        <p:style>
+          <a:lnRef idx="1">
+            <a:schemeClr val="accent1"/>
+          </a:lnRef>
+          <a:fillRef idx="0">
+            <a:schemeClr val="accent1"/>
+          </a:fillRef>
+          <a:effectRef idx="0">
+            <a:schemeClr val="accent1"/>
+          </a:effectRef>
+          <a:fontRef idx="minor">
+            <a:schemeClr val="tx1"/>
+          </a:fontRef>
+        </p:style>
+      </p:cxnSp>
+      <p:cxnSp>
+        <p:nvCxnSpPr>
+          <p:cNvPr id="238" name="直線コネクタ 237">
+            <a:extLst>
+              <a:ext uri="{FF2B5EF4-FFF2-40B4-BE49-F238E27FC236}">
+                <a16:creationId xmlns:a16="http://schemas.microsoft.com/office/drawing/2014/main" id="{B2C83D2C-10BB-424E-A4FC-7144FE24283A}"/>
+              </a:ext>
+            </a:extLst>
+          </p:cNvPr>
+          <p:cNvCxnSpPr>
+            <a:cxnSpLocks/>
+          </p:cNvCxnSpPr>
+          <p:nvPr/>
+        </p:nvCxnSpPr>
+        <p:spPr>
+          <a:xfrm flipH="1">
+            <a:off x="4939151" y="3112929"/>
+            <a:ext cx="2699" cy="737375"/>
+          </a:xfrm>
+          <a:prstGeom prst="line">
+            <a:avLst/>
+          </a:prstGeom>
+          <a:ln>
+            <a:solidFill>
+              <a:schemeClr val="accent1"/>
+            </a:solidFill>
+            <a:headEnd type="oval" w="med" len="med"/>
+            <a:tailEnd type="none" w="med" len="med"/>
+          </a:ln>
+        </p:spPr>
+        <p:style>
+          <a:lnRef idx="1">
+            <a:schemeClr val="accent1"/>
+          </a:lnRef>
+          <a:fillRef idx="0">
+            <a:schemeClr val="accent1"/>
+          </a:fillRef>
+          <a:effectRef idx="0">
+            <a:schemeClr val="accent1"/>
+          </a:effectRef>
+          <a:fontRef idx="minor">
+            <a:schemeClr val="tx1"/>
+          </a:fontRef>
+        </p:style>
+      </p:cxnSp>
+      <p:cxnSp>
+        <p:nvCxnSpPr>
+          <p:cNvPr id="240" name="直線コネクタ 239">
+            <a:extLst>
+              <a:ext uri="{FF2B5EF4-FFF2-40B4-BE49-F238E27FC236}">
+                <a16:creationId xmlns:a16="http://schemas.microsoft.com/office/drawing/2014/main" id="{A640B27F-05CA-4F29-A3EA-62A49A390EE7}"/>
+              </a:ext>
+            </a:extLst>
+          </p:cNvPr>
+          <p:cNvCxnSpPr>
+            <a:cxnSpLocks/>
+          </p:cNvCxnSpPr>
+          <p:nvPr/>
+        </p:nvCxnSpPr>
+        <p:spPr>
+          <a:xfrm>
+            <a:off x="4686476" y="3850304"/>
+            <a:ext cx="4480" cy="256906"/>
+          </a:xfrm>
+          <a:prstGeom prst="line">
+            <a:avLst/>
+          </a:prstGeom>
+          <a:ln>
+            <a:solidFill>
+              <a:schemeClr val="accent1"/>
+            </a:solidFill>
+            <a:headEnd type="none" w="med" len="med"/>
+            <a:tailEnd type="oval" w="med" len="med"/>
+          </a:ln>
+        </p:spPr>
+        <p:style>
+          <a:lnRef idx="1">
+            <a:schemeClr val="accent1"/>
+          </a:lnRef>
+          <a:fillRef idx="0">
+            <a:schemeClr val="accent1"/>
+          </a:fillRef>
+          <a:effectRef idx="0">
+            <a:schemeClr val="accent1"/>
+          </a:effectRef>
+          <a:fontRef idx="minor">
+            <a:schemeClr val="tx1"/>
+          </a:fontRef>
+        </p:style>
+      </p:cxnSp>
+      <p:cxnSp>
+        <p:nvCxnSpPr>
+          <p:cNvPr id="242" name="直線コネクタ 241">
+            <a:extLst>
+              <a:ext uri="{FF2B5EF4-FFF2-40B4-BE49-F238E27FC236}">
+                <a16:creationId xmlns:a16="http://schemas.microsoft.com/office/drawing/2014/main" id="{2F3ABB63-FDD3-4B32-9FA3-02F21FA340C1}"/>
+              </a:ext>
+            </a:extLst>
+          </p:cNvPr>
+          <p:cNvCxnSpPr>
+            <a:cxnSpLocks/>
+          </p:cNvCxnSpPr>
+          <p:nvPr/>
+        </p:nvCxnSpPr>
+        <p:spPr>
+          <a:xfrm rot="16200000">
+            <a:off x="4795334" y="3724033"/>
+            <a:ext cx="4480" cy="256906"/>
+          </a:xfrm>
+          <a:prstGeom prst="line">
+            <a:avLst/>
+          </a:prstGeom>
+          <a:ln>
+            <a:solidFill>
+              <a:schemeClr val="accent1"/>
+            </a:solidFill>
+            <a:headEnd type="none" w="med" len="med"/>
+            <a:tailEnd type="none" w="med" len="med"/>
+          </a:ln>
+        </p:spPr>
+        <p:style>
+          <a:lnRef idx="1">
+            <a:schemeClr val="accent1"/>
+          </a:lnRef>
+          <a:fillRef idx="0">
+            <a:schemeClr val="accent1"/>
+          </a:fillRef>
+          <a:effectRef idx="0">
+            <a:schemeClr val="accent1"/>
+          </a:effectRef>
+          <a:fontRef idx="minor">
+            <a:schemeClr val="tx1"/>
+          </a:fontRef>
+        </p:style>
+      </p:cxnSp>
+      <p:sp>
+        <p:nvSpPr>
+          <p:cNvPr id="244" name="四角形: 角を丸くする 243">
+            <a:extLst>
+              <a:ext uri="{FF2B5EF4-FFF2-40B4-BE49-F238E27FC236}">
+                <a16:creationId xmlns:a16="http://schemas.microsoft.com/office/drawing/2014/main" id="{E2581C7E-3827-45A1-A4E7-E764D7351743}"/>
+              </a:ext>
+            </a:extLst>
+          </p:cNvPr>
+          <p:cNvSpPr/>
+          <p:nvPr/>
+        </p:nvSpPr>
+        <p:spPr>
+          <a:xfrm flipH="1">
+            <a:off x="5756537" y="3469061"/>
+            <a:ext cx="513806" cy="252170"/>
+          </a:xfrm>
+          <a:prstGeom prst="roundRect">
+            <a:avLst/>
+          </a:prstGeom>
+          <a:solidFill>
+            <a:srgbClr val="FFC000"/>
+          </a:solidFill>
+        </p:spPr>
+        <p:style>
+          <a:lnRef idx="2">
+            <a:schemeClr val="accent1">
+              <a:shade val="50000"/>
+            </a:schemeClr>
+          </a:lnRef>
+          <a:fillRef idx="1">
+            <a:schemeClr val="accent1"/>
+          </a:fillRef>
+          <a:effectRef idx="0">
+            <a:schemeClr val="accent1"/>
+          </a:effectRef>
+          <a:fontRef idx="minor">
+            <a:schemeClr val="lt1"/>
+          </a:fontRef>
+        </p:style>
+        <p:txBody>
+          <a:bodyPr rtlCol="0" anchor="ctr"/>
+          <a:lstStyle/>
+          <a:p>
+            <a:pPr algn="ctr"/>
+            <a:endParaRPr lang="en-US" dirty="0"/>
+          </a:p>
+        </p:txBody>
+      </p:sp>
+      <p:cxnSp>
+        <p:nvCxnSpPr>
+          <p:cNvPr id="262" name="直線コネクタ 261">
+            <a:extLst>
+              <a:ext uri="{FF2B5EF4-FFF2-40B4-BE49-F238E27FC236}">
+                <a16:creationId xmlns:a16="http://schemas.microsoft.com/office/drawing/2014/main" id="{94E0CDD0-F3BD-4672-AB11-EE2175E1B808}"/>
+              </a:ext>
+            </a:extLst>
+          </p:cNvPr>
+          <p:cNvCxnSpPr>
+            <a:cxnSpLocks/>
+          </p:cNvCxnSpPr>
+          <p:nvPr/>
+        </p:nvCxnSpPr>
+        <p:spPr>
+          <a:xfrm flipH="1">
+            <a:off x="5191698" y="3352368"/>
+            <a:ext cx="4729" cy="767904"/>
+          </a:xfrm>
+          <a:prstGeom prst="line">
+            <a:avLst/>
+          </a:prstGeom>
+          <a:ln>
+            <a:solidFill>
+              <a:schemeClr val="accent1"/>
+            </a:solidFill>
+            <a:headEnd type="oval" w="med" len="med"/>
+            <a:tailEnd type="oval" w="med" len="med"/>
+          </a:ln>
+        </p:spPr>
+        <p:style>
+          <a:lnRef idx="1">
+            <a:schemeClr val="accent1"/>
+          </a:lnRef>
+          <a:fillRef idx="0">
+            <a:schemeClr val="accent1"/>
+          </a:fillRef>
+          <a:effectRef idx="0">
+            <a:schemeClr val="accent1"/>
+          </a:effectRef>
+          <a:fontRef idx="minor">
+            <a:schemeClr val="tx1"/>
+          </a:fontRef>
+        </p:style>
+      </p:cxnSp>
+      <p:cxnSp>
+        <p:nvCxnSpPr>
+          <p:cNvPr id="264" name="直線コネクタ 263">
+            <a:extLst>
+              <a:ext uri="{FF2B5EF4-FFF2-40B4-BE49-F238E27FC236}">
+                <a16:creationId xmlns:a16="http://schemas.microsoft.com/office/drawing/2014/main" id="{B979B74D-69E4-42AB-8936-B93A3F7AEBA4}"/>
+              </a:ext>
+            </a:extLst>
+          </p:cNvPr>
+          <p:cNvCxnSpPr>
+            <a:cxnSpLocks/>
+          </p:cNvCxnSpPr>
+          <p:nvPr/>
+        </p:nvCxnSpPr>
+        <p:spPr>
+          <a:xfrm>
+            <a:off x="3947658" y="4333841"/>
+            <a:ext cx="12946" cy="532555"/>
+          </a:xfrm>
+          <a:prstGeom prst="line">
+            <a:avLst/>
+          </a:prstGeom>
+          <a:ln>
+            <a:solidFill>
+              <a:schemeClr val="accent1"/>
+            </a:solidFill>
+            <a:headEnd type="oval" w="med" len="med"/>
+            <a:tailEnd type="oval" w="med" len="med"/>
+          </a:ln>
+        </p:spPr>
+        <p:style>
+          <a:lnRef idx="1">
+            <a:schemeClr val="accent1"/>
+          </a:lnRef>
+          <a:fillRef idx="0">
+            <a:schemeClr val="accent1"/>
+          </a:fillRef>
+          <a:effectRef idx="0">
+            <a:schemeClr val="accent1"/>
+          </a:effectRef>
+          <a:fontRef idx="minor">
+            <a:schemeClr val="tx1"/>
+          </a:fontRef>
+        </p:style>
+      </p:cxnSp>
+      <p:cxnSp>
+        <p:nvCxnSpPr>
+          <p:cNvPr id="266" name="直線コネクタ 265">
+            <a:extLst>
+              <a:ext uri="{FF2B5EF4-FFF2-40B4-BE49-F238E27FC236}">
+                <a16:creationId xmlns:a16="http://schemas.microsoft.com/office/drawing/2014/main" id="{0409D26B-72B3-4ED2-99A3-AB7EDF1812FC}"/>
+              </a:ext>
+            </a:extLst>
+          </p:cNvPr>
+          <p:cNvCxnSpPr>
+            <a:cxnSpLocks/>
+          </p:cNvCxnSpPr>
+          <p:nvPr/>
+        </p:nvCxnSpPr>
+        <p:spPr>
+          <a:xfrm rot="16200000">
+            <a:off x="3699464" y="4094356"/>
+            <a:ext cx="12946" cy="532555"/>
+          </a:xfrm>
+          <a:prstGeom prst="line">
+            <a:avLst/>
+          </a:prstGeom>
+          <a:ln>
+            <a:solidFill>
+              <a:schemeClr val="accent1"/>
+            </a:solidFill>
+            <a:headEnd type="oval" w="med" len="med"/>
+            <a:tailEnd type="oval" w="med" len="med"/>
+          </a:ln>
+        </p:spPr>
+        <p:style>
+          <a:lnRef idx="1">
+            <a:schemeClr val="accent1"/>
+          </a:lnRef>
+          <a:fillRef idx="0">
+            <a:schemeClr val="accent1"/>
+          </a:fillRef>
+          <a:effectRef idx="0">
+            <a:schemeClr val="accent1"/>
+          </a:effectRef>
+          <a:fontRef idx="minor">
+            <a:schemeClr val="tx1"/>
+          </a:fontRef>
+        </p:style>
+      </p:cxnSp>
+      <p:cxnSp>
+        <p:nvCxnSpPr>
+          <p:cNvPr id="267" name="直線コネクタ 266">
+            <a:extLst>
+              <a:ext uri="{FF2B5EF4-FFF2-40B4-BE49-F238E27FC236}">
+                <a16:creationId xmlns:a16="http://schemas.microsoft.com/office/drawing/2014/main" id="{E8791673-397C-4FF6-B978-CC76A8505FAC}"/>
+              </a:ext>
+            </a:extLst>
+          </p:cNvPr>
+          <p:cNvCxnSpPr>
+            <a:cxnSpLocks/>
+          </p:cNvCxnSpPr>
+          <p:nvPr/>
+        </p:nvCxnSpPr>
+        <p:spPr>
+          <a:xfrm flipH="1">
+            <a:off x="3708061" y="4830475"/>
+            <a:ext cx="5655" cy="271050"/>
+          </a:xfrm>
+          <a:prstGeom prst="line">
+            <a:avLst/>
+          </a:prstGeom>
+          <a:ln>
+            <a:solidFill>
+              <a:schemeClr val="accent1"/>
+            </a:solidFill>
+            <a:headEnd type="oval" w="med" len="med"/>
+            <a:tailEnd type="oval" w="med" len="med"/>
+          </a:ln>
+        </p:spPr>
+        <p:style>
+          <a:lnRef idx="1">
+            <a:schemeClr val="accent1"/>
+          </a:lnRef>
+          <a:fillRef idx="0">
+            <a:schemeClr val="accent1"/>
+          </a:fillRef>
+          <a:effectRef idx="0">
+            <a:schemeClr val="accent1"/>
+          </a:effectRef>
+          <a:fontRef idx="minor">
+            <a:schemeClr val="tx1"/>
+          </a:fontRef>
+        </p:style>
+      </p:cxnSp>
+      <p:cxnSp>
+        <p:nvCxnSpPr>
+          <p:cNvPr id="268" name="直線コネクタ 267">
+            <a:extLst>
+              <a:ext uri="{FF2B5EF4-FFF2-40B4-BE49-F238E27FC236}">
+                <a16:creationId xmlns:a16="http://schemas.microsoft.com/office/drawing/2014/main" id="{56698CE0-4F11-41C2-94CD-2B734ACCED82}"/>
+              </a:ext>
+            </a:extLst>
+          </p:cNvPr>
+          <p:cNvCxnSpPr>
+            <a:cxnSpLocks/>
+          </p:cNvCxnSpPr>
+          <p:nvPr/>
+        </p:nvCxnSpPr>
+        <p:spPr>
+          <a:xfrm flipH="1">
+            <a:off x="3224733" y="4852243"/>
+            <a:ext cx="5655" cy="271050"/>
+          </a:xfrm>
+          <a:prstGeom prst="line">
+            <a:avLst/>
+          </a:prstGeom>
+          <a:ln>
+            <a:solidFill>
+              <a:schemeClr val="accent1"/>
+            </a:solidFill>
+            <a:headEnd type="oval" w="med" len="med"/>
+            <a:tailEnd type="oval" w="med" len="med"/>
+          </a:ln>
+        </p:spPr>
+        <p:style>
+          <a:lnRef idx="1">
+            <a:schemeClr val="accent1"/>
+          </a:lnRef>
+          <a:fillRef idx="0">
+            <a:schemeClr val="accent1"/>
+          </a:fillRef>
+          <a:effectRef idx="0">
+            <a:schemeClr val="accent1"/>
+          </a:effectRef>
+          <a:fontRef idx="minor">
+            <a:schemeClr val="tx1"/>
+          </a:fontRef>
+        </p:style>
+      </p:cxnSp>
+      <p:cxnSp>
+        <p:nvCxnSpPr>
+          <p:cNvPr id="269" name="直線コネクタ 268">
+            <a:extLst>
+              <a:ext uri="{FF2B5EF4-FFF2-40B4-BE49-F238E27FC236}">
+                <a16:creationId xmlns:a16="http://schemas.microsoft.com/office/drawing/2014/main" id="{74C201EF-BCDE-4B12-B973-D3062C91027B}"/>
+              </a:ext>
+            </a:extLst>
+          </p:cNvPr>
+          <p:cNvCxnSpPr>
+            <a:cxnSpLocks/>
+          </p:cNvCxnSpPr>
+          <p:nvPr/>
+        </p:nvCxnSpPr>
+        <p:spPr>
+          <a:xfrm flipH="1" flipV="1">
+            <a:off x="3210379" y="5097240"/>
+            <a:ext cx="497622" cy="3"/>
+          </a:xfrm>
+          <a:prstGeom prst="line">
+            <a:avLst/>
+          </a:prstGeom>
+          <a:ln>
+            <a:solidFill>
+              <a:schemeClr val="accent1"/>
+            </a:solidFill>
+            <a:headEnd type="oval" w="med" len="med"/>
+            <a:tailEnd type="oval" w="med" len="med"/>
+          </a:ln>
+        </p:spPr>
+        <p:style>
+          <a:lnRef idx="1">
+            <a:schemeClr val="accent1"/>
+          </a:lnRef>
+          <a:fillRef idx="0">
+            <a:schemeClr val="accent1"/>
+          </a:fillRef>
+          <a:effectRef idx="0">
+            <a:schemeClr val="accent1"/>
+          </a:effectRef>
+          <a:fontRef idx="minor">
+            <a:schemeClr val="tx1"/>
+          </a:fontRef>
+        </p:style>
+      </p:cxnSp>
+      <p:cxnSp>
+        <p:nvCxnSpPr>
+          <p:cNvPr id="270" name="直線コネクタ 269">
+            <a:extLst>
+              <a:ext uri="{FF2B5EF4-FFF2-40B4-BE49-F238E27FC236}">
+                <a16:creationId xmlns:a16="http://schemas.microsoft.com/office/drawing/2014/main" id="{1E33A4D2-E2B1-4B27-9B07-527AA1D1ACAA}"/>
+              </a:ext>
+            </a:extLst>
+          </p:cNvPr>
+          <p:cNvCxnSpPr>
+            <a:cxnSpLocks/>
+          </p:cNvCxnSpPr>
+          <p:nvPr/>
+        </p:nvCxnSpPr>
+        <p:spPr>
+          <a:xfrm flipH="1">
+            <a:off x="3711098" y="4976933"/>
+            <a:ext cx="2608" cy="710901"/>
+          </a:xfrm>
+          <a:prstGeom prst="line">
+            <a:avLst/>
+          </a:prstGeom>
+          <a:ln w="57150">
+            <a:solidFill>
+              <a:schemeClr val="tx1">
+                <a:lumMod val="65000"/>
+                <a:lumOff val="35000"/>
+                <a:alpha val="30000"/>
+              </a:schemeClr>
+            </a:solidFill>
+          </a:ln>
+        </p:spPr>
+        <p:style>
+          <a:lnRef idx="1">
+            <a:schemeClr val="accent1"/>
+          </a:lnRef>
+          <a:fillRef idx="0">
+            <a:schemeClr val="accent1"/>
+          </a:fillRef>
+          <a:effectRef idx="0">
+            <a:schemeClr val="accent1"/>
+          </a:effectRef>
+          <a:fontRef idx="minor">
+            <a:schemeClr val="tx1"/>
+          </a:fontRef>
+        </p:style>
+      </p:cxnSp>
+      <p:cxnSp>
+        <p:nvCxnSpPr>
+          <p:cNvPr id="271" name="直線コネクタ 270">
+            <a:extLst>
+              <a:ext uri="{FF2B5EF4-FFF2-40B4-BE49-F238E27FC236}">
+                <a16:creationId xmlns:a16="http://schemas.microsoft.com/office/drawing/2014/main" id="{08475869-319E-4213-AB9C-4AFDDE20BBEA}"/>
+              </a:ext>
+            </a:extLst>
+          </p:cNvPr>
+          <p:cNvCxnSpPr>
+            <a:cxnSpLocks/>
+          </p:cNvCxnSpPr>
+          <p:nvPr/>
+        </p:nvCxnSpPr>
+        <p:spPr>
+          <a:xfrm flipH="1">
+            <a:off x="3950589" y="4972577"/>
+            <a:ext cx="2608" cy="710901"/>
+          </a:xfrm>
+          <a:prstGeom prst="line">
+            <a:avLst/>
+          </a:prstGeom>
+          <a:ln w="57150">
+            <a:solidFill>
+              <a:schemeClr val="tx1">
+                <a:lumMod val="65000"/>
+                <a:lumOff val="35000"/>
+                <a:alpha val="30000"/>
+              </a:schemeClr>
+            </a:solidFill>
+          </a:ln>
+        </p:spPr>
+        <p:style>
+          <a:lnRef idx="1">
+            <a:schemeClr val="accent1"/>
+          </a:lnRef>
+          <a:fillRef idx="0">
+            <a:schemeClr val="accent1"/>
+          </a:fillRef>
+          <a:effectRef idx="0">
+            <a:schemeClr val="accent1"/>
+          </a:effectRef>
+          <a:fontRef idx="minor">
+            <a:schemeClr val="tx1"/>
+          </a:fontRef>
+        </p:style>
+      </p:cxnSp>
+      <p:sp>
+        <p:nvSpPr>
+          <p:cNvPr id="272" name="テキスト ボックス 271">
+            <a:extLst>
+              <a:ext uri="{FF2B5EF4-FFF2-40B4-BE49-F238E27FC236}">
+                <a16:creationId xmlns:a16="http://schemas.microsoft.com/office/drawing/2014/main" id="{BB9CB6A4-6558-4C34-8FFE-730538FC07B9}"/>
+              </a:ext>
+            </a:extLst>
+          </p:cNvPr>
+          <p:cNvSpPr txBox="1"/>
+          <p:nvPr/>
+        </p:nvSpPr>
+        <p:spPr>
+          <a:xfrm flipH="1">
+            <a:off x="2952959" y="5657352"/>
+            <a:ext cx="751047" cy="246221"/>
+          </a:xfrm>
+          <a:prstGeom prst="rect">
+            <a:avLst/>
+          </a:prstGeom>
+          <a:noFill/>
+        </p:spPr>
+        <p:txBody>
+          <a:bodyPr wrap="square" rtlCol="0">
+            <a:spAutoFit/>
+          </a:bodyPr>
+          <a:lstStyle/>
+          <a:p>
+            <a:r>
+              <a:rPr lang="en-US" sz="1000" dirty="0"/>
+              <a:t>CANH</a:t>
+            </a:r>
+          </a:p>
+        </p:txBody>
+      </p:sp>
+      <p:sp>
+        <p:nvSpPr>
+          <p:cNvPr id="273" name="テキスト ボックス 272">
+            <a:extLst>
+              <a:ext uri="{FF2B5EF4-FFF2-40B4-BE49-F238E27FC236}">
+                <a16:creationId xmlns:a16="http://schemas.microsoft.com/office/drawing/2014/main" id="{85FC32AC-AD2F-43AE-8EE6-953FDA4A0090}"/>
+              </a:ext>
+            </a:extLst>
+          </p:cNvPr>
+          <p:cNvSpPr txBox="1"/>
+          <p:nvPr/>
+        </p:nvSpPr>
+        <p:spPr>
+          <a:xfrm flipH="1">
+            <a:off x="3462408" y="5652997"/>
+            <a:ext cx="751047" cy="246221"/>
+          </a:xfrm>
+          <a:prstGeom prst="rect">
+            <a:avLst/>
+          </a:prstGeom>
+          <a:noFill/>
+        </p:spPr>
+        <p:txBody>
+          <a:bodyPr wrap="square" rtlCol="0">
+            <a:spAutoFit/>
+          </a:bodyPr>
+          <a:lstStyle/>
+          <a:p>
+            <a:r>
+              <a:rPr lang="en-US" sz="1000" dirty="0"/>
+              <a:t>CANH</a:t>
+            </a:r>
+          </a:p>
+        </p:txBody>
+      </p:sp>
+      <p:sp>
+        <p:nvSpPr>
+          <p:cNvPr id="274" name="テキスト ボックス 273">
+            <a:extLst>
+              <a:ext uri="{FF2B5EF4-FFF2-40B4-BE49-F238E27FC236}">
+                <a16:creationId xmlns:a16="http://schemas.microsoft.com/office/drawing/2014/main" id="{D551D250-A861-469E-B6E3-0474DA475249}"/>
+              </a:ext>
+            </a:extLst>
+          </p:cNvPr>
+          <p:cNvSpPr txBox="1"/>
+          <p:nvPr/>
+        </p:nvSpPr>
+        <p:spPr>
+          <a:xfrm flipH="1">
+            <a:off x="3701903" y="5735725"/>
+            <a:ext cx="751047" cy="246221"/>
+          </a:xfrm>
+          <a:prstGeom prst="rect">
+            <a:avLst/>
+          </a:prstGeom>
+          <a:noFill/>
+        </p:spPr>
+        <p:txBody>
+          <a:bodyPr wrap="square" rtlCol="0">
+            <a:spAutoFit/>
+          </a:bodyPr>
+          <a:lstStyle/>
+          <a:p>
+            <a:r>
+              <a:rPr lang="en-US" sz="1000" dirty="0"/>
+              <a:t>CANL</a:t>
+            </a:r>
+          </a:p>
+        </p:txBody>
+      </p:sp>
+      <p:sp>
+        <p:nvSpPr>
+          <p:cNvPr id="278" name="テキスト ボックス 277">
+            <a:extLst>
+              <a:ext uri="{FF2B5EF4-FFF2-40B4-BE49-F238E27FC236}">
+                <a16:creationId xmlns:a16="http://schemas.microsoft.com/office/drawing/2014/main" id="{AFEDBE3D-119D-48AA-A2B3-30C0A47D3DBC}"/>
+              </a:ext>
+            </a:extLst>
+          </p:cNvPr>
+          <p:cNvSpPr txBox="1"/>
+          <p:nvPr/>
+        </p:nvSpPr>
+        <p:spPr>
+          <a:xfrm flipH="1">
+            <a:off x="3052302" y="3306220"/>
+            <a:ext cx="708744" cy="261610"/>
+          </a:xfrm>
+          <a:prstGeom prst="rect">
+            <a:avLst/>
+          </a:prstGeom>
+          <a:noFill/>
+        </p:spPr>
+        <p:txBody>
+          <a:bodyPr wrap="square" rtlCol="0">
+            <a:spAutoFit/>
+          </a:bodyPr>
+          <a:lstStyle/>
+          <a:p>
+            <a:r>
+              <a:rPr lang="en-US" sz="1100" dirty="0"/>
+              <a:t>0.1</a:t>
+            </a:r>
+            <a:r>
+              <a:rPr lang="en-US" altLang="ja-JP" sz="1100" dirty="0"/>
+              <a:t>μF</a:t>
+            </a:r>
+            <a:endParaRPr lang="en-US" sz="1100" dirty="0"/>
+          </a:p>
+        </p:txBody>
+      </p:sp>
+      <p:cxnSp>
+        <p:nvCxnSpPr>
+          <p:cNvPr id="279" name="直線コネクタ 278">
+            <a:extLst>
+              <a:ext uri="{FF2B5EF4-FFF2-40B4-BE49-F238E27FC236}">
+                <a16:creationId xmlns:a16="http://schemas.microsoft.com/office/drawing/2014/main" id="{5919C98E-5939-46DB-BFB4-5ACF102979FE}"/>
+              </a:ext>
+            </a:extLst>
+          </p:cNvPr>
+          <p:cNvCxnSpPr>
+            <a:cxnSpLocks/>
+          </p:cNvCxnSpPr>
+          <p:nvPr/>
+        </p:nvCxnSpPr>
+        <p:spPr>
+          <a:xfrm>
+            <a:off x="5428361" y="3603061"/>
+            <a:ext cx="2824" cy="521562"/>
+          </a:xfrm>
+          <a:prstGeom prst="line">
+            <a:avLst/>
+          </a:prstGeom>
+          <a:ln>
+            <a:solidFill>
+              <a:schemeClr val="accent1"/>
+            </a:solidFill>
+            <a:headEnd type="oval" w="med" len="med"/>
+            <a:tailEnd type="oval" w="med" len="med"/>
+          </a:ln>
+        </p:spPr>
+        <p:style>
+          <a:lnRef idx="1">
+            <a:schemeClr val="accent1"/>
+          </a:lnRef>
+          <a:fillRef idx="0">
+            <a:schemeClr val="accent1"/>
+          </a:fillRef>
+          <a:effectRef idx="0">
+            <a:schemeClr val="accent1"/>
+          </a:effectRef>
+          <a:fontRef idx="minor">
+            <a:schemeClr val="tx1"/>
+          </a:fontRef>
+        </p:style>
+      </p:cxnSp>
+      <p:cxnSp>
+        <p:nvCxnSpPr>
+          <p:cNvPr id="281" name="直線コネクタ 280">
+            <a:extLst>
+              <a:ext uri="{FF2B5EF4-FFF2-40B4-BE49-F238E27FC236}">
+                <a16:creationId xmlns:a16="http://schemas.microsoft.com/office/drawing/2014/main" id="{88389B9F-5B66-4D0A-9362-2A3299475750}"/>
+              </a:ext>
+            </a:extLst>
+          </p:cNvPr>
+          <p:cNvCxnSpPr>
+            <a:cxnSpLocks/>
+          </p:cNvCxnSpPr>
+          <p:nvPr/>
+        </p:nvCxnSpPr>
+        <p:spPr>
+          <a:xfrm flipH="1">
+            <a:off x="5431185" y="3608793"/>
+            <a:ext cx="325352" cy="0"/>
+          </a:xfrm>
+          <a:prstGeom prst="line">
+            <a:avLst/>
+          </a:prstGeom>
+          <a:ln>
+            <a:solidFill>
+              <a:srgbClr val="FF0000"/>
+            </a:solidFill>
+            <a:headEnd type="none" w="med" len="med"/>
+            <a:tailEnd type="oval" w="med" len="med"/>
+          </a:ln>
+        </p:spPr>
+        <p:style>
+          <a:lnRef idx="1">
+            <a:schemeClr val="accent1"/>
+          </a:lnRef>
+          <a:fillRef idx="0">
+            <a:schemeClr val="accent1"/>
+          </a:fillRef>
+          <a:effectRef idx="0">
+            <a:schemeClr val="accent1"/>
+          </a:effectRef>
+          <a:fontRef idx="minor">
+            <a:schemeClr val="tx1"/>
+          </a:fontRef>
+        </p:style>
+      </p:cxnSp>
+      <p:sp>
+        <p:nvSpPr>
+          <p:cNvPr id="283" name="楕円 282">
+            <a:extLst>
+              <a:ext uri="{FF2B5EF4-FFF2-40B4-BE49-F238E27FC236}">
+                <a16:creationId xmlns:a16="http://schemas.microsoft.com/office/drawing/2014/main" id="{937043C0-2326-4428-9502-2485A83438F7}"/>
+              </a:ext>
+            </a:extLst>
+          </p:cNvPr>
+          <p:cNvSpPr/>
+          <p:nvPr/>
+        </p:nvSpPr>
+        <p:spPr>
+          <a:xfrm flipH="1">
+            <a:off x="6304869" y="2676042"/>
+            <a:ext cx="500741" cy="372542"/>
+          </a:xfrm>
+          <a:prstGeom prst="ellipse">
+            <a:avLst/>
+          </a:prstGeom>
+          <a:solidFill>
+            <a:srgbClr val="FF9999"/>
+          </a:solidFill>
+        </p:spPr>
+        <p:style>
+          <a:lnRef idx="2">
+            <a:schemeClr val="accent1">
+              <a:shade val="50000"/>
+            </a:schemeClr>
+          </a:lnRef>
+          <a:fillRef idx="1">
+            <a:schemeClr val="accent1"/>
+          </a:fillRef>
+          <a:effectRef idx="0">
+            <a:schemeClr val="accent1"/>
+          </a:effectRef>
+          <a:fontRef idx="minor">
+            <a:schemeClr val="lt1"/>
+          </a:fontRef>
+        </p:style>
+        <p:txBody>
+          <a:bodyPr rtlCol="0" anchor="ctr"/>
+          <a:lstStyle/>
+          <a:p>
+            <a:pPr algn="ctr"/>
+            <a:endParaRPr lang="en-US"/>
+          </a:p>
+        </p:txBody>
+      </p:sp>
+      <p:cxnSp>
+        <p:nvCxnSpPr>
+          <p:cNvPr id="286" name="直線コネクタ 285">
+            <a:extLst>
+              <a:ext uri="{FF2B5EF4-FFF2-40B4-BE49-F238E27FC236}">
+                <a16:creationId xmlns:a16="http://schemas.microsoft.com/office/drawing/2014/main" id="{8C869632-4C7F-416E-A587-514FBB571C5D}"/>
+              </a:ext>
+            </a:extLst>
+          </p:cNvPr>
+          <p:cNvCxnSpPr>
+            <a:cxnSpLocks/>
+          </p:cNvCxnSpPr>
+          <p:nvPr/>
+        </p:nvCxnSpPr>
+        <p:spPr>
+          <a:xfrm flipH="1">
+            <a:off x="6428634" y="2847310"/>
+            <a:ext cx="2357" cy="755751"/>
+          </a:xfrm>
+          <a:prstGeom prst="line">
+            <a:avLst/>
+          </a:prstGeom>
+          <a:ln>
+            <a:solidFill>
+              <a:schemeClr val="accent1"/>
+            </a:solidFill>
+            <a:headEnd type="oval" w="med" len="med"/>
+            <a:tailEnd type="oval" w="med" len="med"/>
+          </a:ln>
+        </p:spPr>
+        <p:style>
+          <a:lnRef idx="1">
+            <a:schemeClr val="accent1"/>
+          </a:lnRef>
+          <a:fillRef idx="0">
+            <a:schemeClr val="accent1"/>
+          </a:fillRef>
+          <a:effectRef idx="0">
+            <a:schemeClr val="accent1"/>
+          </a:effectRef>
+          <a:fontRef idx="minor">
+            <a:schemeClr val="tx1"/>
+          </a:fontRef>
+        </p:style>
+      </p:cxnSp>
+      <p:cxnSp>
+        <p:nvCxnSpPr>
+          <p:cNvPr id="288" name="直線コネクタ 287">
+            <a:extLst>
+              <a:ext uri="{FF2B5EF4-FFF2-40B4-BE49-F238E27FC236}">
+                <a16:creationId xmlns:a16="http://schemas.microsoft.com/office/drawing/2014/main" id="{35D7E61D-3239-4EFC-B110-FAE33B5B8529}"/>
+              </a:ext>
+            </a:extLst>
+          </p:cNvPr>
+          <p:cNvCxnSpPr>
+            <a:cxnSpLocks/>
+          </p:cNvCxnSpPr>
+          <p:nvPr/>
+        </p:nvCxnSpPr>
+        <p:spPr>
+          <a:xfrm>
+            <a:off x="6679189" y="2860369"/>
+            <a:ext cx="10678" cy="248204"/>
+          </a:xfrm>
+          <a:prstGeom prst="line">
+            <a:avLst/>
+          </a:prstGeom>
+          <a:ln>
+            <a:solidFill>
+              <a:schemeClr val="accent1"/>
+            </a:solidFill>
+            <a:headEnd type="oval" w="med" len="med"/>
+            <a:tailEnd type="oval" w="med" len="med"/>
+          </a:ln>
+        </p:spPr>
+        <p:style>
+          <a:lnRef idx="1">
+            <a:schemeClr val="accent1"/>
+          </a:lnRef>
+          <a:fillRef idx="0">
+            <a:schemeClr val="accent1"/>
+          </a:fillRef>
+          <a:effectRef idx="0">
+            <a:schemeClr val="accent1"/>
+          </a:effectRef>
+          <a:fontRef idx="minor">
+            <a:schemeClr val="tx1"/>
+          </a:fontRef>
+        </p:style>
+      </p:cxnSp>
+      <p:cxnSp>
+        <p:nvCxnSpPr>
+          <p:cNvPr id="289" name="直線コネクタ 288">
+            <a:extLst>
+              <a:ext uri="{FF2B5EF4-FFF2-40B4-BE49-F238E27FC236}">
+                <a16:creationId xmlns:a16="http://schemas.microsoft.com/office/drawing/2014/main" id="{A7C47783-4E80-4C92-A32B-65269FFD113E}"/>
+              </a:ext>
+            </a:extLst>
+          </p:cNvPr>
+          <p:cNvCxnSpPr>
+            <a:cxnSpLocks/>
+          </p:cNvCxnSpPr>
+          <p:nvPr/>
+        </p:nvCxnSpPr>
+        <p:spPr>
+          <a:xfrm flipH="1">
+            <a:off x="5931802" y="3111815"/>
+            <a:ext cx="743490" cy="0"/>
+          </a:xfrm>
+          <a:prstGeom prst="line">
+            <a:avLst/>
+          </a:prstGeom>
+          <a:ln>
+            <a:solidFill>
+              <a:srgbClr val="FF0000"/>
+            </a:solidFill>
+            <a:headEnd type="oval" w="med" len="med"/>
+            <a:tailEnd type="oval" w="med" len="med"/>
+          </a:ln>
+        </p:spPr>
+        <p:style>
+          <a:lnRef idx="1">
+            <a:schemeClr val="accent1"/>
+          </a:lnRef>
+          <a:fillRef idx="0">
+            <a:schemeClr val="accent1"/>
+          </a:fillRef>
+          <a:effectRef idx="0">
+            <a:schemeClr val="accent1"/>
+          </a:effectRef>
+          <a:fontRef idx="minor">
+            <a:schemeClr val="tx1"/>
+          </a:fontRef>
+        </p:style>
+      </p:cxnSp>
+      <p:sp>
+        <p:nvSpPr>
+          <p:cNvPr id="291" name="テキスト ボックス 290">
+            <a:extLst>
+              <a:ext uri="{FF2B5EF4-FFF2-40B4-BE49-F238E27FC236}">
+                <a16:creationId xmlns:a16="http://schemas.microsoft.com/office/drawing/2014/main" id="{4D4233DC-485D-4D29-844C-56E43E23CE59}"/>
+              </a:ext>
+            </a:extLst>
+          </p:cNvPr>
+          <p:cNvSpPr txBox="1"/>
+          <p:nvPr/>
+        </p:nvSpPr>
+        <p:spPr>
+          <a:xfrm flipH="1">
+            <a:off x="6623672" y="2989444"/>
+            <a:ext cx="332994" cy="276999"/>
+          </a:xfrm>
+          <a:prstGeom prst="rect">
+            <a:avLst/>
+          </a:prstGeom>
+          <a:noFill/>
+        </p:spPr>
+        <p:txBody>
+          <a:bodyPr wrap="square" rtlCol="0">
+            <a:spAutoFit/>
+          </a:bodyPr>
+          <a:lstStyle/>
+          <a:p>
+            <a:r>
+              <a:rPr lang="en-US" sz="1200" dirty="0"/>
+              <a:t>A</a:t>
+            </a:r>
+          </a:p>
+        </p:txBody>
+      </p:sp>
+      <p:sp>
+        <p:nvSpPr>
+          <p:cNvPr id="292" name="テキスト ボックス 291">
+            <a:extLst>
+              <a:ext uri="{FF2B5EF4-FFF2-40B4-BE49-F238E27FC236}">
+                <a16:creationId xmlns:a16="http://schemas.microsoft.com/office/drawing/2014/main" id="{1361E09F-FA15-4C78-BE2F-310B490D9CEB}"/>
+              </a:ext>
+            </a:extLst>
+          </p:cNvPr>
+          <p:cNvSpPr txBox="1"/>
+          <p:nvPr/>
+        </p:nvSpPr>
+        <p:spPr>
+          <a:xfrm flipH="1">
+            <a:off x="6050745" y="2474362"/>
+            <a:ext cx="1081552" cy="369332"/>
+          </a:xfrm>
+          <a:prstGeom prst="rect">
+            <a:avLst/>
+          </a:prstGeom>
+          <a:noFill/>
+        </p:spPr>
+        <p:txBody>
+          <a:bodyPr wrap="square" rtlCol="0">
+            <a:spAutoFit/>
+          </a:bodyPr>
+          <a:lstStyle/>
+          <a:p>
+            <a:r>
+              <a:rPr lang="en-US" dirty="0"/>
+              <a:t>LED(red)</a:t>
+            </a:r>
+          </a:p>
+        </p:txBody>
+      </p:sp>
+      <p:sp>
+        <p:nvSpPr>
+          <p:cNvPr id="293" name="テキスト ボックス 292">
+            <a:extLst>
+              <a:ext uri="{FF2B5EF4-FFF2-40B4-BE49-F238E27FC236}">
+                <a16:creationId xmlns:a16="http://schemas.microsoft.com/office/drawing/2014/main" id="{7ECF62A1-51A0-46C6-9F73-ADF0344FBD06}"/>
+              </a:ext>
+            </a:extLst>
+          </p:cNvPr>
+          <p:cNvSpPr txBox="1"/>
+          <p:nvPr/>
+        </p:nvSpPr>
+        <p:spPr>
+          <a:xfrm flipH="1">
+            <a:off x="5731536" y="3440097"/>
+            <a:ext cx="708744" cy="338554"/>
+          </a:xfrm>
+          <a:prstGeom prst="rect">
+            <a:avLst/>
+          </a:prstGeom>
+          <a:noFill/>
+        </p:spPr>
+        <p:txBody>
+          <a:bodyPr wrap="square" rtlCol="0">
+            <a:spAutoFit/>
+          </a:bodyPr>
+          <a:lstStyle/>
+          <a:p>
+            <a:r>
+              <a:rPr lang="en-US" sz="1600" dirty="0"/>
+              <a:t>1k</a:t>
+            </a:r>
+            <a:r>
+              <a:rPr lang="en-US" altLang="ja-JP" sz="1600" dirty="0"/>
+              <a:t>Ω</a:t>
+            </a:r>
+            <a:endParaRPr lang="en-US" sz="1600" dirty="0"/>
+          </a:p>
+        </p:txBody>
+      </p:sp>
+      <p:sp>
+        <p:nvSpPr>
+          <p:cNvPr id="190" name="テキスト ボックス 189">
+            <a:extLst>
+              <a:ext uri="{FF2B5EF4-FFF2-40B4-BE49-F238E27FC236}">
+                <a16:creationId xmlns:a16="http://schemas.microsoft.com/office/drawing/2014/main" id="{E5876747-2AC3-488F-999F-147B6318AD35}"/>
+              </a:ext>
+            </a:extLst>
+          </p:cNvPr>
+          <p:cNvSpPr txBox="1"/>
+          <p:nvPr/>
+        </p:nvSpPr>
+        <p:spPr>
+          <a:xfrm rot="16200000" flipH="1">
+            <a:off x="2314094" y="4027392"/>
+            <a:ext cx="641242" cy="338554"/>
+          </a:xfrm>
+          <a:prstGeom prst="rect">
+            <a:avLst/>
+          </a:prstGeom>
+          <a:noFill/>
+        </p:spPr>
+        <p:txBody>
+          <a:bodyPr wrap="square" rtlCol="0">
+            <a:spAutoFit/>
+          </a:bodyPr>
+          <a:lstStyle/>
+          <a:p>
+            <a:r>
+              <a:rPr lang="en-US" sz="1600" dirty="0"/>
+              <a:t>120</a:t>
+            </a:r>
+            <a:r>
+              <a:rPr lang="en-US" altLang="ja-JP" sz="1600" dirty="0"/>
+              <a:t>Ω</a:t>
+            </a:r>
+            <a:endParaRPr lang="en-US" sz="1600" dirty="0"/>
+          </a:p>
+        </p:txBody>
+      </p:sp>
+      <p:sp>
+        <p:nvSpPr>
+          <p:cNvPr id="135" name="テキスト ボックス 134">
+            <a:extLst>
+              <a:ext uri="{FF2B5EF4-FFF2-40B4-BE49-F238E27FC236}">
+                <a16:creationId xmlns:a16="http://schemas.microsoft.com/office/drawing/2014/main" id="{1A00D269-A083-465F-AB4F-F93CE94D01CB}"/>
+              </a:ext>
+            </a:extLst>
+          </p:cNvPr>
+          <p:cNvSpPr txBox="1"/>
+          <p:nvPr/>
+        </p:nvSpPr>
+        <p:spPr>
+          <a:xfrm flipH="1">
+            <a:off x="4995529" y="4929918"/>
+            <a:ext cx="734867" cy="338554"/>
+          </a:xfrm>
+          <a:prstGeom prst="rect">
+            <a:avLst/>
+          </a:prstGeom>
+          <a:noFill/>
+        </p:spPr>
+        <p:txBody>
+          <a:bodyPr wrap="square" rtlCol="0">
+            <a:spAutoFit/>
+          </a:bodyPr>
+          <a:lstStyle/>
+          <a:p>
+            <a:r>
+              <a:rPr lang="en-US" sz="1600" dirty="0"/>
+              <a:t>51k</a:t>
+            </a:r>
+            <a:r>
+              <a:rPr lang="en-US" altLang="ja-JP" sz="1600" dirty="0"/>
+              <a:t>Ω</a:t>
+            </a:r>
+            <a:endParaRPr lang="en-US" sz="1600" dirty="0"/>
+          </a:p>
+        </p:txBody>
+      </p:sp>
+      <p:sp>
+        <p:nvSpPr>
+          <p:cNvPr id="7" name="テキスト ボックス 6">
+            <a:extLst>
+              <a:ext uri="{FF2B5EF4-FFF2-40B4-BE49-F238E27FC236}">
+                <a16:creationId xmlns:a16="http://schemas.microsoft.com/office/drawing/2014/main" id="{3DA2CFF3-5224-42AD-A426-2EF42562D781}"/>
+              </a:ext>
+            </a:extLst>
+          </p:cNvPr>
+          <p:cNvSpPr txBox="1"/>
+          <p:nvPr/>
+        </p:nvSpPr>
+        <p:spPr>
+          <a:xfrm flipH="1">
+            <a:off x="5977193" y="2243103"/>
+            <a:ext cx="1238793" cy="276999"/>
+          </a:xfrm>
+          <a:prstGeom prst="rect">
+            <a:avLst/>
+          </a:prstGeom>
+          <a:noFill/>
+        </p:spPr>
+        <p:txBody>
+          <a:bodyPr wrap="square" rtlCol="0">
+            <a:spAutoFit/>
+          </a:bodyPr>
+          <a:lstStyle/>
+          <a:p>
+            <a:r>
+              <a:rPr lang="en-US" sz="1200" dirty="0" err="1"/>
+              <a:t>Rf</a:t>
+            </a:r>
+            <a:r>
+              <a:rPr lang="en-US" sz="1200" dirty="0"/>
+              <a:t> 1M</a:t>
+            </a:r>
+            <a:r>
+              <a:rPr lang="en-US" altLang="ja-JP" sz="1200" dirty="0"/>
+              <a:t>Ω</a:t>
+            </a:r>
+            <a:endParaRPr lang="en-US" sz="1200" dirty="0"/>
+          </a:p>
+        </p:txBody>
+      </p:sp>
+      <p:sp>
+        <p:nvSpPr>
+          <p:cNvPr id="302" name="テキスト ボックス 301">
+            <a:extLst>
+              <a:ext uri="{FF2B5EF4-FFF2-40B4-BE49-F238E27FC236}">
+                <a16:creationId xmlns:a16="http://schemas.microsoft.com/office/drawing/2014/main" id="{F727370A-4EBB-49EC-B7C7-0D041B74BA0E}"/>
+              </a:ext>
+            </a:extLst>
+          </p:cNvPr>
+          <p:cNvSpPr txBox="1"/>
+          <p:nvPr/>
+        </p:nvSpPr>
+        <p:spPr>
+          <a:xfrm flipH="1">
+            <a:off x="2102819" y="4768354"/>
+            <a:ext cx="708744" cy="369332"/>
+          </a:xfrm>
+          <a:prstGeom prst="rect">
+            <a:avLst/>
+          </a:prstGeom>
+          <a:noFill/>
+        </p:spPr>
+        <p:txBody>
+          <a:bodyPr wrap="square" rtlCol="0">
+            <a:spAutoFit/>
+          </a:bodyPr>
+          <a:lstStyle/>
+          <a:p>
+            <a:r>
+              <a:rPr lang="en-US" dirty="0"/>
+              <a:t>JP1</a:t>
+            </a:r>
+          </a:p>
+        </p:txBody>
+      </p:sp>
+      <p:sp>
+        <p:nvSpPr>
+          <p:cNvPr id="304" name="テキスト ボックス 303">
+            <a:extLst>
+              <a:ext uri="{FF2B5EF4-FFF2-40B4-BE49-F238E27FC236}">
+                <a16:creationId xmlns:a16="http://schemas.microsoft.com/office/drawing/2014/main" id="{F892CD0F-8C8A-4E20-AB29-6077D7063E5B}"/>
+              </a:ext>
+            </a:extLst>
+          </p:cNvPr>
+          <p:cNvSpPr txBox="1"/>
+          <p:nvPr/>
+        </p:nvSpPr>
+        <p:spPr>
+          <a:xfrm flipH="1">
+            <a:off x="4291543" y="2598204"/>
+            <a:ext cx="708744" cy="261610"/>
+          </a:xfrm>
+          <a:prstGeom prst="rect">
+            <a:avLst/>
+          </a:prstGeom>
+          <a:noFill/>
+        </p:spPr>
+        <p:txBody>
+          <a:bodyPr wrap="square" rtlCol="0">
+            <a:spAutoFit/>
+          </a:bodyPr>
+          <a:lstStyle/>
+          <a:p>
+            <a:r>
+              <a:rPr lang="en-US" sz="1100" dirty="0"/>
+              <a:t>0.1</a:t>
+            </a:r>
+            <a:r>
+              <a:rPr lang="en-US" altLang="ja-JP" sz="1100" dirty="0"/>
+              <a:t>μF</a:t>
+            </a:r>
+            <a:endParaRPr lang="en-US" sz="1100" dirty="0"/>
+          </a:p>
+        </p:txBody>
+      </p:sp>
+      <p:sp>
+        <p:nvSpPr>
+          <p:cNvPr id="306" name="テキスト ボックス 305">
+            <a:extLst>
+              <a:ext uri="{FF2B5EF4-FFF2-40B4-BE49-F238E27FC236}">
+                <a16:creationId xmlns:a16="http://schemas.microsoft.com/office/drawing/2014/main" id="{375BB00B-F27C-452D-822A-D00F8D269ABF}"/>
+              </a:ext>
+            </a:extLst>
+          </p:cNvPr>
+          <p:cNvSpPr txBox="1"/>
+          <p:nvPr/>
+        </p:nvSpPr>
+        <p:spPr>
+          <a:xfrm flipH="1">
+            <a:off x="5284659" y="4351257"/>
+            <a:ext cx="708744" cy="261610"/>
+          </a:xfrm>
+          <a:prstGeom prst="rect">
+            <a:avLst/>
+          </a:prstGeom>
+          <a:noFill/>
+        </p:spPr>
+        <p:txBody>
+          <a:bodyPr wrap="square" rtlCol="0">
+            <a:spAutoFit/>
+          </a:bodyPr>
+          <a:lstStyle/>
+          <a:p>
+            <a:r>
+              <a:rPr lang="en-US" sz="1100" dirty="0"/>
+              <a:t>0.1</a:t>
+            </a:r>
+            <a:r>
+              <a:rPr lang="en-US" altLang="ja-JP" sz="1100" dirty="0"/>
+              <a:t>μF</a:t>
+            </a:r>
+            <a:endParaRPr lang="en-US" sz="1100" dirty="0"/>
+          </a:p>
+        </p:txBody>
+      </p:sp>
+      <p:sp>
+        <p:nvSpPr>
+          <p:cNvPr id="107" name="楕円 106">
+            <a:extLst>
+              <a:ext uri="{FF2B5EF4-FFF2-40B4-BE49-F238E27FC236}">
+                <a16:creationId xmlns:a16="http://schemas.microsoft.com/office/drawing/2014/main" id="{4E256D42-C0B4-4013-81FA-E09FA6EE0629}"/>
+              </a:ext>
+            </a:extLst>
+          </p:cNvPr>
+          <p:cNvSpPr/>
+          <p:nvPr/>
+        </p:nvSpPr>
+        <p:spPr>
+          <a:xfrm flipH="1">
+            <a:off x="3440326" y="3588895"/>
+            <a:ext cx="46800" cy="45719"/>
+          </a:xfrm>
+          <a:prstGeom prst="ellipse">
+            <a:avLst/>
+          </a:prstGeom>
+        </p:spPr>
+        <p:style>
+          <a:lnRef idx="2">
+            <a:schemeClr val="accent1">
+              <a:shade val="50000"/>
+            </a:schemeClr>
+          </a:lnRef>
+          <a:fillRef idx="1">
+            <a:schemeClr val="accent1"/>
+          </a:fillRef>
+          <a:effectRef idx="0">
+            <a:schemeClr val="accent1"/>
+          </a:effectRef>
+          <a:fontRef idx="minor">
+            <a:schemeClr val="lt1"/>
+          </a:fontRef>
+        </p:style>
+        <p:txBody>
+          <a:bodyPr rtlCol="0" anchor="ctr"/>
+          <a:lstStyle/>
+          <a:p>
+            <a:pPr algn="ctr"/>
+            <a:endParaRPr lang="en-US"/>
+          </a:p>
+        </p:txBody>
+      </p:sp>
+      <p:sp>
+        <p:nvSpPr>
+          <p:cNvPr id="309" name="楕円 308">
+            <a:extLst>
+              <a:ext uri="{FF2B5EF4-FFF2-40B4-BE49-F238E27FC236}">
+                <a16:creationId xmlns:a16="http://schemas.microsoft.com/office/drawing/2014/main" id="{0E3445DA-557D-4E5E-B4F8-DC5805C74FDA}"/>
+              </a:ext>
+            </a:extLst>
+          </p:cNvPr>
+          <p:cNvSpPr/>
+          <p:nvPr/>
+        </p:nvSpPr>
+        <p:spPr>
+          <a:xfrm flipH="1">
+            <a:off x="3183416" y="3593243"/>
+            <a:ext cx="46800" cy="45719"/>
+          </a:xfrm>
+          <a:prstGeom prst="ellipse">
+            <a:avLst/>
+          </a:prstGeom>
+        </p:spPr>
+        <p:style>
+          <a:lnRef idx="2">
+            <a:schemeClr val="accent1">
+              <a:shade val="50000"/>
+            </a:schemeClr>
+          </a:lnRef>
+          <a:fillRef idx="1">
+            <a:schemeClr val="accent1"/>
+          </a:fillRef>
+          <a:effectRef idx="0">
+            <a:schemeClr val="accent1"/>
+          </a:effectRef>
+          <a:fontRef idx="minor">
+            <a:schemeClr val="lt1"/>
+          </a:fontRef>
+        </p:style>
+        <p:txBody>
+          <a:bodyPr rtlCol="0" anchor="ctr"/>
+          <a:lstStyle/>
+          <a:p>
+            <a:pPr algn="ctr"/>
+            <a:endParaRPr lang="en-US"/>
+          </a:p>
+        </p:txBody>
+      </p:sp>
+      <p:sp>
+        <p:nvSpPr>
+          <p:cNvPr id="310" name="楕円 309">
+            <a:extLst>
+              <a:ext uri="{FF2B5EF4-FFF2-40B4-BE49-F238E27FC236}">
+                <a16:creationId xmlns:a16="http://schemas.microsoft.com/office/drawing/2014/main" id="{8361EB9F-05C3-43BA-8CB7-106EA726FE2F}"/>
+              </a:ext>
+            </a:extLst>
+          </p:cNvPr>
+          <p:cNvSpPr/>
+          <p:nvPr/>
+        </p:nvSpPr>
+        <p:spPr>
+          <a:xfrm flipH="1">
+            <a:off x="4676941" y="2848657"/>
+            <a:ext cx="46800" cy="45719"/>
+          </a:xfrm>
+          <a:prstGeom prst="ellipse">
+            <a:avLst/>
+          </a:prstGeom>
+        </p:spPr>
+        <p:style>
+          <a:lnRef idx="2">
+            <a:schemeClr val="accent1">
+              <a:shade val="50000"/>
+            </a:schemeClr>
+          </a:lnRef>
+          <a:fillRef idx="1">
+            <a:schemeClr val="accent1"/>
+          </a:fillRef>
+          <a:effectRef idx="0">
+            <a:schemeClr val="accent1"/>
+          </a:effectRef>
+          <a:fontRef idx="minor">
+            <a:schemeClr val="lt1"/>
+          </a:fontRef>
+        </p:style>
+        <p:txBody>
+          <a:bodyPr rtlCol="0" anchor="ctr"/>
+          <a:lstStyle/>
+          <a:p>
+            <a:pPr algn="ctr"/>
+            <a:endParaRPr lang="en-US"/>
+          </a:p>
+        </p:txBody>
+      </p:sp>
+      <p:sp>
+        <p:nvSpPr>
+          <p:cNvPr id="311" name="楕円 310">
+            <a:extLst>
+              <a:ext uri="{FF2B5EF4-FFF2-40B4-BE49-F238E27FC236}">
+                <a16:creationId xmlns:a16="http://schemas.microsoft.com/office/drawing/2014/main" id="{ADFCA505-1A1C-488F-84E7-2DF7F14FA88D}"/>
+              </a:ext>
+            </a:extLst>
+          </p:cNvPr>
+          <p:cNvSpPr/>
+          <p:nvPr/>
+        </p:nvSpPr>
+        <p:spPr>
+          <a:xfrm flipH="1">
+            <a:off x="4663880" y="2583047"/>
+            <a:ext cx="46800" cy="45719"/>
+          </a:xfrm>
+          <a:prstGeom prst="ellipse">
+            <a:avLst/>
+          </a:prstGeom>
+        </p:spPr>
+        <p:style>
+          <a:lnRef idx="2">
+            <a:schemeClr val="accent1">
+              <a:shade val="50000"/>
+            </a:schemeClr>
+          </a:lnRef>
+          <a:fillRef idx="1">
+            <a:schemeClr val="accent1"/>
+          </a:fillRef>
+          <a:effectRef idx="0">
+            <a:schemeClr val="accent1"/>
+          </a:effectRef>
+          <a:fontRef idx="minor">
+            <a:schemeClr val="lt1"/>
+          </a:fontRef>
+        </p:style>
+        <p:txBody>
+          <a:bodyPr rtlCol="0" anchor="ctr"/>
+          <a:lstStyle/>
+          <a:p>
+            <a:pPr algn="ctr"/>
+            <a:endParaRPr lang="en-US"/>
+          </a:p>
+        </p:txBody>
+      </p:sp>
+      <p:sp>
+        <p:nvSpPr>
+          <p:cNvPr id="312" name="テキスト ボックス 311">
+            <a:extLst>
+              <a:ext uri="{FF2B5EF4-FFF2-40B4-BE49-F238E27FC236}">
+                <a16:creationId xmlns:a16="http://schemas.microsoft.com/office/drawing/2014/main" id="{A74E97F1-F5E3-41E6-8A38-B61DDEE67847}"/>
+              </a:ext>
+            </a:extLst>
+          </p:cNvPr>
+          <p:cNvSpPr txBox="1"/>
+          <p:nvPr/>
+        </p:nvSpPr>
+        <p:spPr>
+          <a:xfrm flipH="1">
+            <a:off x="3230398" y="5746024"/>
+            <a:ext cx="700035" cy="246221"/>
+          </a:xfrm>
+          <a:prstGeom prst="rect">
+            <a:avLst/>
+          </a:prstGeom>
+          <a:noFill/>
+        </p:spPr>
+        <p:txBody>
+          <a:bodyPr wrap="square" rtlCol="0">
+            <a:spAutoFit/>
+          </a:bodyPr>
+          <a:lstStyle/>
+          <a:p>
+            <a:r>
+              <a:rPr lang="en-US" sz="1000" dirty="0"/>
+              <a:t>CANL</a:t>
+            </a:r>
+          </a:p>
+        </p:txBody>
+      </p:sp>
+      <p:sp>
+        <p:nvSpPr>
+          <p:cNvPr id="313" name="テキスト ボックス 312">
+            <a:extLst>
+              <a:ext uri="{FF2B5EF4-FFF2-40B4-BE49-F238E27FC236}">
+                <a16:creationId xmlns:a16="http://schemas.microsoft.com/office/drawing/2014/main" id="{7481D3BD-6A67-4249-9499-566317BF14F4}"/>
+              </a:ext>
+            </a:extLst>
+          </p:cNvPr>
+          <p:cNvSpPr txBox="1"/>
+          <p:nvPr/>
+        </p:nvSpPr>
+        <p:spPr>
+          <a:xfrm flipH="1">
+            <a:off x="5999720" y="5661696"/>
+            <a:ext cx="705659" cy="246221"/>
+          </a:xfrm>
+          <a:prstGeom prst="rect">
+            <a:avLst/>
+          </a:prstGeom>
+          <a:noFill/>
+        </p:spPr>
+        <p:txBody>
+          <a:bodyPr wrap="square" rtlCol="0">
+            <a:spAutoFit/>
+          </a:bodyPr>
+          <a:lstStyle/>
+          <a:p>
+            <a:r>
+              <a:rPr lang="en-US" sz="1000" dirty="0"/>
+              <a:t>VSS</a:t>
+            </a:r>
+          </a:p>
+        </p:txBody>
+      </p:sp>
+      <p:sp>
+        <p:nvSpPr>
+          <p:cNvPr id="314" name="テキスト ボックス 313">
+            <a:extLst>
+              <a:ext uri="{FF2B5EF4-FFF2-40B4-BE49-F238E27FC236}">
+                <a16:creationId xmlns:a16="http://schemas.microsoft.com/office/drawing/2014/main" id="{60026BFD-674C-4DD5-98E9-5B8E148131F8}"/>
+              </a:ext>
+            </a:extLst>
+          </p:cNvPr>
+          <p:cNvSpPr txBox="1"/>
+          <p:nvPr/>
+        </p:nvSpPr>
+        <p:spPr>
+          <a:xfrm flipH="1">
+            <a:off x="6263485" y="5657341"/>
+            <a:ext cx="751047" cy="246221"/>
+          </a:xfrm>
+          <a:prstGeom prst="rect">
+            <a:avLst/>
+          </a:prstGeom>
+          <a:noFill/>
+        </p:spPr>
+        <p:txBody>
+          <a:bodyPr wrap="square" rtlCol="0">
+            <a:spAutoFit/>
+          </a:bodyPr>
+          <a:lstStyle/>
+          <a:p>
+            <a:r>
+              <a:rPr lang="en-US" sz="1000" dirty="0"/>
+              <a:t>TX</a:t>
+            </a:r>
+          </a:p>
+        </p:txBody>
+      </p:sp>
+      <p:sp>
+        <p:nvSpPr>
+          <p:cNvPr id="315" name="テキスト ボックス 314">
+            <a:extLst>
+              <a:ext uri="{FF2B5EF4-FFF2-40B4-BE49-F238E27FC236}">
+                <a16:creationId xmlns:a16="http://schemas.microsoft.com/office/drawing/2014/main" id="{9616F003-1315-450D-AF86-3372369B186C}"/>
+              </a:ext>
+            </a:extLst>
+          </p:cNvPr>
+          <p:cNvSpPr txBox="1"/>
+          <p:nvPr/>
+        </p:nvSpPr>
+        <p:spPr>
+          <a:xfrm flipH="1">
+            <a:off x="6529109" y="5661693"/>
+            <a:ext cx="751047" cy="246221"/>
+          </a:xfrm>
+          <a:prstGeom prst="rect">
+            <a:avLst/>
+          </a:prstGeom>
+          <a:noFill/>
+        </p:spPr>
+        <p:txBody>
+          <a:bodyPr wrap="square" rtlCol="0">
+            <a:spAutoFit/>
+          </a:bodyPr>
+          <a:lstStyle/>
+          <a:p>
+            <a:r>
+              <a:rPr lang="en-US" sz="1000" dirty="0"/>
+              <a:t>RX</a:t>
+            </a:r>
+          </a:p>
+        </p:txBody>
+      </p:sp>
+      <p:sp>
+        <p:nvSpPr>
+          <p:cNvPr id="316" name="テキスト ボックス 315">
+            <a:extLst>
+              <a:ext uri="{FF2B5EF4-FFF2-40B4-BE49-F238E27FC236}">
+                <a16:creationId xmlns:a16="http://schemas.microsoft.com/office/drawing/2014/main" id="{B12E0983-9C00-4101-AC12-D2B20687A999}"/>
+              </a:ext>
+            </a:extLst>
+          </p:cNvPr>
+          <p:cNvSpPr txBox="1"/>
+          <p:nvPr/>
+        </p:nvSpPr>
+        <p:spPr>
+          <a:xfrm flipH="1">
+            <a:off x="4339571" y="4795061"/>
+            <a:ext cx="506789" cy="261610"/>
+          </a:xfrm>
+          <a:prstGeom prst="rect">
+            <a:avLst/>
+          </a:prstGeom>
+          <a:noFill/>
+        </p:spPr>
+        <p:txBody>
+          <a:bodyPr wrap="square" rtlCol="0">
+            <a:spAutoFit/>
+          </a:bodyPr>
+          <a:lstStyle/>
+          <a:p>
+            <a:r>
+              <a:rPr lang="en-US" sz="1050" dirty="0"/>
+              <a:t>RX</a:t>
+            </a:r>
+          </a:p>
+        </p:txBody>
+      </p:sp>
+      <p:sp>
+        <p:nvSpPr>
+          <p:cNvPr id="317" name="テキスト ボックス 316">
+            <a:extLst>
+              <a:ext uri="{FF2B5EF4-FFF2-40B4-BE49-F238E27FC236}">
+                <a16:creationId xmlns:a16="http://schemas.microsoft.com/office/drawing/2014/main" id="{681072C6-87D2-4924-B5DB-38D56879D2A2}"/>
+              </a:ext>
+            </a:extLst>
+          </p:cNvPr>
+          <p:cNvSpPr txBox="1"/>
+          <p:nvPr/>
+        </p:nvSpPr>
+        <p:spPr>
+          <a:xfrm flipH="1">
+            <a:off x="4100862" y="4795251"/>
+            <a:ext cx="506789" cy="261610"/>
+          </a:xfrm>
+          <a:prstGeom prst="rect">
+            <a:avLst/>
+          </a:prstGeom>
+          <a:noFill/>
+        </p:spPr>
+        <p:txBody>
+          <a:bodyPr wrap="square" rtlCol="0">
+            <a:spAutoFit/>
+          </a:bodyPr>
+          <a:lstStyle/>
+          <a:p>
+            <a:r>
+              <a:rPr lang="en-US" sz="1050" dirty="0"/>
+              <a:t>TX</a:t>
+            </a:r>
+          </a:p>
+        </p:txBody>
+      </p:sp>
+      <p:cxnSp>
+        <p:nvCxnSpPr>
+          <p:cNvPr id="261" name="直線コネクタ 260">
+            <a:extLst>
+              <a:ext uri="{FF2B5EF4-FFF2-40B4-BE49-F238E27FC236}">
+                <a16:creationId xmlns:a16="http://schemas.microsoft.com/office/drawing/2014/main" id="{374346D2-45CA-48EB-AC95-B86D49790346}"/>
+              </a:ext>
+            </a:extLst>
+          </p:cNvPr>
+          <p:cNvCxnSpPr>
+            <a:cxnSpLocks/>
+          </p:cNvCxnSpPr>
+          <p:nvPr/>
+        </p:nvCxnSpPr>
+        <p:spPr>
+          <a:xfrm flipV="1">
+            <a:off x="4208743" y="3359876"/>
+            <a:ext cx="982955" cy="6602"/>
+          </a:xfrm>
+          <a:prstGeom prst="line">
+            <a:avLst/>
+          </a:prstGeom>
+          <a:ln>
+            <a:solidFill>
+              <a:srgbClr val="FF0000"/>
+            </a:solidFill>
+            <a:headEnd type="oval" w="med" len="med"/>
+            <a:tailEnd type="oval" w="med" len="med"/>
+          </a:ln>
+        </p:spPr>
+        <p:style>
+          <a:lnRef idx="1">
+            <a:schemeClr val="accent1"/>
+          </a:lnRef>
+          <a:fillRef idx="0">
+            <a:schemeClr val="accent1"/>
+          </a:fillRef>
+          <a:effectRef idx="0">
+            <a:schemeClr val="accent1"/>
+          </a:effectRef>
+          <a:fontRef idx="minor">
+            <a:schemeClr val="tx1"/>
+          </a:fontRef>
+        </p:style>
+      </p:cxnSp>
+      <p:sp>
+        <p:nvSpPr>
+          <p:cNvPr id="318" name="テキスト ボックス 317">
+            <a:extLst>
+              <a:ext uri="{FF2B5EF4-FFF2-40B4-BE49-F238E27FC236}">
+                <a16:creationId xmlns:a16="http://schemas.microsoft.com/office/drawing/2014/main" id="{18E16F2C-B7FF-4B09-98E6-A67B3AB73E6E}"/>
+              </a:ext>
+            </a:extLst>
+          </p:cNvPr>
+          <p:cNvSpPr txBox="1"/>
+          <p:nvPr/>
+        </p:nvSpPr>
+        <p:spPr>
+          <a:xfrm flipH="1">
+            <a:off x="3226046" y="4365713"/>
+            <a:ext cx="700035" cy="246221"/>
+          </a:xfrm>
+          <a:prstGeom prst="rect">
+            <a:avLst/>
+          </a:prstGeom>
+          <a:noFill/>
+        </p:spPr>
+        <p:txBody>
+          <a:bodyPr wrap="square" rtlCol="0">
+            <a:spAutoFit/>
+          </a:bodyPr>
+          <a:lstStyle/>
+          <a:p>
+            <a:r>
+              <a:rPr lang="en-US" sz="1000" dirty="0"/>
+              <a:t>CANL</a:t>
+            </a:r>
+          </a:p>
+        </p:txBody>
+      </p:sp>
+      <p:sp>
+        <p:nvSpPr>
+          <p:cNvPr id="319" name="テキスト ボックス 318">
+            <a:extLst>
+              <a:ext uri="{FF2B5EF4-FFF2-40B4-BE49-F238E27FC236}">
+                <a16:creationId xmlns:a16="http://schemas.microsoft.com/office/drawing/2014/main" id="{D26846C6-8041-411C-9D03-5E648CA093F6}"/>
+              </a:ext>
+            </a:extLst>
+          </p:cNvPr>
+          <p:cNvSpPr txBox="1"/>
+          <p:nvPr/>
+        </p:nvSpPr>
+        <p:spPr>
+          <a:xfrm flipH="1">
+            <a:off x="2967579" y="4564296"/>
+            <a:ext cx="751047" cy="246221"/>
+          </a:xfrm>
+          <a:prstGeom prst="rect">
+            <a:avLst/>
+          </a:prstGeom>
+          <a:noFill/>
+        </p:spPr>
+        <p:txBody>
+          <a:bodyPr wrap="square" rtlCol="0">
+            <a:spAutoFit/>
+          </a:bodyPr>
+          <a:lstStyle/>
+          <a:p>
+            <a:r>
+              <a:rPr lang="en-US" sz="1000" dirty="0"/>
+              <a:t>CANH</a:t>
+            </a:r>
+          </a:p>
+        </p:txBody>
+      </p:sp>
+      <p:cxnSp>
+        <p:nvCxnSpPr>
+          <p:cNvPr id="125" name="直線コネクタ 124">
+            <a:extLst>
+              <a:ext uri="{FF2B5EF4-FFF2-40B4-BE49-F238E27FC236}">
+                <a16:creationId xmlns:a16="http://schemas.microsoft.com/office/drawing/2014/main" id="{2456EABE-FE71-4CD5-A1FB-95F13A84F8B0}"/>
+              </a:ext>
+            </a:extLst>
+          </p:cNvPr>
+          <p:cNvCxnSpPr>
+            <a:cxnSpLocks/>
+          </p:cNvCxnSpPr>
+          <p:nvPr/>
+        </p:nvCxnSpPr>
+        <p:spPr>
+          <a:xfrm flipH="1">
+            <a:off x="2950418" y="4342795"/>
+            <a:ext cx="5655" cy="271050"/>
+          </a:xfrm>
+          <a:prstGeom prst="line">
+            <a:avLst/>
+          </a:prstGeom>
+          <a:ln>
+            <a:solidFill>
+              <a:schemeClr val="accent1"/>
+            </a:solidFill>
+            <a:headEnd type="none" w="med" len="med"/>
+            <a:tailEnd type="oval" w="med" len="med"/>
+          </a:ln>
+        </p:spPr>
+        <p:style>
+          <a:lnRef idx="1">
+            <a:schemeClr val="accent1"/>
+          </a:lnRef>
+          <a:fillRef idx="0">
+            <a:schemeClr val="accent1"/>
+          </a:fillRef>
+          <a:effectRef idx="0">
+            <a:schemeClr val="accent1"/>
+          </a:effectRef>
+          <a:fontRef idx="minor">
+            <a:schemeClr val="tx1"/>
+          </a:fontRef>
+        </p:style>
+      </p:cxnSp>
+      <p:cxnSp>
+        <p:nvCxnSpPr>
+          <p:cNvPr id="200" name="直線コネクタ 199">
+            <a:extLst>
+              <a:ext uri="{FF2B5EF4-FFF2-40B4-BE49-F238E27FC236}">
+                <a16:creationId xmlns:a16="http://schemas.microsoft.com/office/drawing/2014/main" id="{75818F15-6832-403A-BDD8-89A5BD96B3D4}"/>
+              </a:ext>
+            </a:extLst>
+          </p:cNvPr>
+          <p:cNvCxnSpPr>
+            <a:cxnSpLocks/>
+            <a:endCxn id="191" idx="1"/>
+          </p:cNvCxnSpPr>
+          <p:nvPr/>
+        </p:nvCxnSpPr>
+        <p:spPr>
+          <a:xfrm flipH="1">
+            <a:off x="2684624" y="3847553"/>
+            <a:ext cx="14544" cy="73051"/>
+          </a:xfrm>
+          <a:prstGeom prst="line">
+            <a:avLst/>
+          </a:prstGeom>
+          <a:ln>
+            <a:solidFill>
+              <a:srgbClr val="FF0000"/>
+            </a:solidFill>
+            <a:headEnd type="oval" w="med" len="med"/>
+            <a:tailEnd type="none" w="med" len="med"/>
+          </a:ln>
+        </p:spPr>
+        <p:style>
+          <a:lnRef idx="1">
+            <a:schemeClr val="accent1"/>
+          </a:lnRef>
+          <a:fillRef idx="0">
+            <a:schemeClr val="accent1"/>
+          </a:fillRef>
+          <a:effectRef idx="0">
+            <a:schemeClr val="accent1"/>
+          </a:effectRef>
+          <a:fontRef idx="minor">
+            <a:schemeClr val="tx1"/>
+          </a:fontRef>
+        </p:style>
+      </p:cxnSp>
+      <p:cxnSp>
+        <p:nvCxnSpPr>
+          <p:cNvPr id="127" name="直線コネクタ 126">
+            <a:extLst>
+              <a:ext uri="{FF2B5EF4-FFF2-40B4-BE49-F238E27FC236}">
+                <a16:creationId xmlns:a16="http://schemas.microsoft.com/office/drawing/2014/main" id="{B34FE452-DAD6-442F-A107-760F84D27481}"/>
+              </a:ext>
+            </a:extLst>
+          </p:cNvPr>
+          <p:cNvCxnSpPr>
+            <a:cxnSpLocks/>
+          </p:cNvCxnSpPr>
+          <p:nvPr/>
+        </p:nvCxnSpPr>
+        <p:spPr>
+          <a:xfrm>
+            <a:off x="3210704" y="3863842"/>
+            <a:ext cx="12729" cy="497520"/>
+          </a:xfrm>
+          <a:prstGeom prst="line">
+            <a:avLst/>
+          </a:prstGeom>
+          <a:ln>
+            <a:solidFill>
+              <a:schemeClr val="accent1"/>
+            </a:solidFill>
+            <a:headEnd type="none" w="med" len="med"/>
+            <a:tailEnd type="oval" w="med" len="med"/>
+          </a:ln>
+        </p:spPr>
+        <p:style>
+          <a:lnRef idx="1">
+            <a:schemeClr val="accent1"/>
+          </a:lnRef>
+          <a:fillRef idx="0">
+            <a:schemeClr val="accent1"/>
+          </a:fillRef>
+          <a:effectRef idx="0">
+            <a:schemeClr val="accent1"/>
+          </a:effectRef>
+          <a:fontRef idx="minor">
+            <a:schemeClr val="tx1"/>
+          </a:fontRef>
+        </p:style>
+      </p:cxnSp>
+      <p:cxnSp>
+        <p:nvCxnSpPr>
+          <p:cNvPr id="128" name="直線コネクタ 127">
+            <a:extLst>
+              <a:ext uri="{FF2B5EF4-FFF2-40B4-BE49-F238E27FC236}">
+                <a16:creationId xmlns:a16="http://schemas.microsoft.com/office/drawing/2014/main" id="{4A70145B-4C66-4037-AEFD-7AC09D48EF75}"/>
+              </a:ext>
+            </a:extLst>
+          </p:cNvPr>
+          <p:cNvCxnSpPr>
+            <a:cxnSpLocks/>
+          </p:cNvCxnSpPr>
+          <p:nvPr/>
+        </p:nvCxnSpPr>
+        <p:spPr>
+          <a:xfrm rot="16200000" flipH="1">
+            <a:off x="3081045" y="4229586"/>
+            <a:ext cx="5655" cy="271050"/>
+          </a:xfrm>
+          <a:prstGeom prst="line">
+            <a:avLst/>
+          </a:prstGeom>
+          <a:ln>
+            <a:solidFill>
+              <a:schemeClr val="accent1"/>
+            </a:solidFill>
+            <a:headEnd type="none" w="med" len="med"/>
+            <a:tailEnd type="oval" w="med" len="med"/>
+          </a:ln>
+        </p:spPr>
+        <p:style>
+          <a:lnRef idx="1">
+            <a:schemeClr val="accent1"/>
+          </a:lnRef>
+          <a:fillRef idx="0">
+            <a:schemeClr val="accent1"/>
+          </a:fillRef>
+          <a:effectRef idx="0">
+            <a:schemeClr val="accent1"/>
+          </a:effectRef>
+          <a:fontRef idx="minor">
+            <a:schemeClr val="tx1"/>
+          </a:fontRef>
+        </p:style>
+      </p:cxnSp>
+      <p:sp>
+        <p:nvSpPr>
+          <p:cNvPr id="129" name="テキスト ボックス 128">
+            <a:extLst>
+              <a:ext uri="{FF2B5EF4-FFF2-40B4-BE49-F238E27FC236}">
+                <a16:creationId xmlns:a16="http://schemas.microsoft.com/office/drawing/2014/main" id="{E4394E4F-34FA-4D7F-9951-12BC809F26D8}"/>
+              </a:ext>
+            </a:extLst>
+          </p:cNvPr>
+          <p:cNvSpPr txBox="1"/>
+          <p:nvPr/>
+        </p:nvSpPr>
+        <p:spPr>
+          <a:xfrm flipH="1">
+            <a:off x="2714681" y="4391776"/>
+            <a:ext cx="439515" cy="246221"/>
+          </a:xfrm>
+          <a:prstGeom prst="rect">
+            <a:avLst/>
+          </a:prstGeom>
+          <a:noFill/>
+        </p:spPr>
+        <p:txBody>
+          <a:bodyPr wrap="square" rtlCol="0">
+            <a:spAutoFit/>
+          </a:bodyPr>
+          <a:lstStyle/>
+          <a:p>
+            <a:r>
+              <a:rPr lang="en-US" sz="1000" dirty="0"/>
+              <a:t>STBY</a:t>
+            </a:r>
+          </a:p>
+        </p:txBody>
+      </p:sp>
+      <p:sp>
+        <p:nvSpPr>
+          <p:cNvPr id="131" name="テキスト ボックス 130">
+            <a:extLst>
+              <a:ext uri="{FF2B5EF4-FFF2-40B4-BE49-F238E27FC236}">
+                <a16:creationId xmlns:a16="http://schemas.microsoft.com/office/drawing/2014/main" id="{03A9829D-55D0-46A9-B9C9-C4A174A22178}"/>
+              </a:ext>
+            </a:extLst>
+          </p:cNvPr>
+          <p:cNvSpPr txBox="1"/>
+          <p:nvPr/>
+        </p:nvSpPr>
+        <p:spPr>
+          <a:xfrm flipH="1">
+            <a:off x="3478591" y="4496342"/>
+            <a:ext cx="700035" cy="246221"/>
+          </a:xfrm>
+          <a:prstGeom prst="rect">
+            <a:avLst/>
+          </a:prstGeom>
+          <a:noFill/>
+        </p:spPr>
+        <p:txBody>
+          <a:bodyPr wrap="square" rtlCol="0">
+            <a:spAutoFit/>
+          </a:bodyPr>
+          <a:lstStyle/>
+          <a:p>
+            <a:r>
+              <a:rPr lang="en-US" sz="1000" dirty="0"/>
+              <a:t>SPLIT</a:t>
+            </a:r>
+          </a:p>
+        </p:txBody>
+      </p:sp>
+      <p:sp>
+        <p:nvSpPr>
+          <p:cNvPr id="134" name="テキスト ボックス 133">
+            <a:extLst>
+              <a:ext uri="{FF2B5EF4-FFF2-40B4-BE49-F238E27FC236}">
+                <a16:creationId xmlns:a16="http://schemas.microsoft.com/office/drawing/2014/main" id="{F07D7AB0-07DE-489D-8B2B-EC1C8E102D52}"/>
+              </a:ext>
+            </a:extLst>
+          </p:cNvPr>
+          <p:cNvSpPr txBox="1"/>
+          <p:nvPr/>
+        </p:nvSpPr>
+        <p:spPr>
+          <a:xfrm flipH="1">
+            <a:off x="3282230" y="3854680"/>
+            <a:ext cx="407478" cy="246221"/>
+          </a:xfrm>
+          <a:prstGeom prst="rect">
+            <a:avLst/>
+          </a:prstGeom>
+          <a:noFill/>
+        </p:spPr>
+        <p:txBody>
+          <a:bodyPr wrap="square" rtlCol="0">
+            <a:spAutoFit/>
+          </a:bodyPr>
+          <a:lstStyle/>
+          <a:p>
+            <a:r>
+              <a:rPr lang="en-US" sz="1000" dirty="0"/>
+              <a:t>VSS</a:t>
+            </a:r>
+          </a:p>
+        </p:txBody>
+      </p:sp>
+      <p:sp>
+        <p:nvSpPr>
+          <p:cNvPr id="139" name="テキスト ボックス 138">
+            <a:extLst>
+              <a:ext uri="{FF2B5EF4-FFF2-40B4-BE49-F238E27FC236}">
+                <a16:creationId xmlns:a16="http://schemas.microsoft.com/office/drawing/2014/main" id="{6B3839B2-4F3C-4F41-837E-88C32D3A2FFD}"/>
+              </a:ext>
+            </a:extLst>
+          </p:cNvPr>
+          <p:cNvSpPr txBox="1"/>
+          <p:nvPr/>
+        </p:nvSpPr>
+        <p:spPr>
+          <a:xfrm flipH="1">
+            <a:off x="3016216" y="3850323"/>
+            <a:ext cx="477847" cy="246221"/>
+          </a:xfrm>
+          <a:prstGeom prst="rect">
+            <a:avLst/>
+          </a:prstGeom>
+          <a:noFill/>
+        </p:spPr>
+        <p:txBody>
+          <a:bodyPr wrap="square" rtlCol="0">
+            <a:spAutoFit/>
+          </a:bodyPr>
+          <a:lstStyle/>
+          <a:p>
+            <a:r>
+              <a:rPr lang="en-US" sz="1000" dirty="0"/>
+              <a:t>VDD</a:t>
+            </a:r>
+          </a:p>
+        </p:txBody>
+      </p:sp>
+      <p:sp>
+        <p:nvSpPr>
+          <p:cNvPr id="142" name="テキスト ボックス 141">
+            <a:extLst>
+              <a:ext uri="{FF2B5EF4-FFF2-40B4-BE49-F238E27FC236}">
+                <a16:creationId xmlns:a16="http://schemas.microsoft.com/office/drawing/2014/main" id="{C0D98AEA-3909-446E-8F1A-7907A1F27EFE}"/>
+              </a:ext>
+            </a:extLst>
+          </p:cNvPr>
+          <p:cNvSpPr txBox="1"/>
+          <p:nvPr/>
+        </p:nvSpPr>
+        <p:spPr>
+          <a:xfrm flipH="1">
+            <a:off x="3521494" y="3673480"/>
+            <a:ext cx="751047" cy="246221"/>
+          </a:xfrm>
+          <a:prstGeom prst="rect">
+            <a:avLst/>
+          </a:prstGeom>
+          <a:noFill/>
+        </p:spPr>
+        <p:txBody>
+          <a:bodyPr wrap="square" rtlCol="0">
+            <a:spAutoFit/>
+          </a:bodyPr>
+          <a:lstStyle/>
+          <a:p>
+            <a:r>
+              <a:rPr lang="en-US" sz="1000" dirty="0"/>
+              <a:t>RXD</a:t>
+            </a:r>
+          </a:p>
+        </p:txBody>
+      </p:sp>
+      <p:sp>
+        <p:nvSpPr>
+          <p:cNvPr id="144" name="テキスト ボックス 143">
+            <a:extLst>
+              <a:ext uri="{FF2B5EF4-FFF2-40B4-BE49-F238E27FC236}">
+                <a16:creationId xmlns:a16="http://schemas.microsoft.com/office/drawing/2014/main" id="{92533280-C5ED-49A9-95DB-36C4461F6838}"/>
+              </a:ext>
+            </a:extLst>
+          </p:cNvPr>
+          <p:cNvSpPr txBox="1"/>
+          <p:nvPr/>
+        </p:nvSpPr>
+        <p:spPr>
+          <a:xfrm flipH="1">
+            <a:off x="2774688" y="3673285"/>
+            <a:ext cx="751047" cy="246221"/>
+          </a:xfrm>
+          <a:prstGeom prst="rect">
+            <a:avLst/>
+          </a:prstGeom>
+          <a:noFill/>
+        </p:spPr>
+        <p:txBody>
+          <a:bodyPr wrap="square" rtlCol="0">
+            <a:spAutoFit/>
+          </a:bodyPr>
+          <a:lstStyle/>
+          <a:p>
+            <a:r>
+              <a:rPr lang="en-US" sz="1000" dirty="0"/>
+              <a:t>TXD</a:t>
+            </a:r>
+          </a:p>
+        </p:txBody>
+      </p:sp>
+      <p:sp>
+        <p:nvSpPr>
+          <p:cNvPr id="146" name="テキスト ボックス 145">
+            <a:extLst>
+              <a:ext uri="{FF2B5EF4-FFF2-40B4-BE49-F238E27FC236}">
+                <a16:creationId xmlns:a16="http://schemas.microsoft.com/office/drawing/2014/main" id="{BE6A5C42-9B02-4C24-9E5F-ACEB1A25BC17}"/>
+              </a:ext>
+            </a:extLst>
+          </p:cNvPr>
+          <p:cNvSpPr txBox="1"/>
+          <p:nvPr/>
+        </p:nvSpPr>
+        <p:spPr>
+          <a:xfrm flipH="1">
+            <a:off x="3798950" y="2331731"/>
+            <a:ext cx="726454" cy="246221"/>
+          </a:xfrm>
+          <a:prstGeom prst="rect">
+            <a:avLst/>
+          </a:prstGeom>
+          <a:noFill/>
+        </p:spPr>
+        <p:txBody>
+          <a:bodyPr wrap="square" rtlCol="0">
+            <a:spAutoFit/>
+          </a:bodyPr>
+          <a:lstStyle/>
+          <a:p>
+            <a:r>
+              <a:rPr lang="en-US" sz="1000" dirty="0"/>
+              <a:t>RXCAN</a:t>
+            </a:r>
+          </a:p>
+        </p:txBody>
+      </p:sp>
+      <p:sp>
+        <p:nvSpPr>
+          <p:cNvPr id="148" name="テキスト ボックス 147">
+            <a:extLst>
+              <a:ext uri="{FF2B5EF4-FFF2-40B4-BE49-F238E27FC236}">
+                <a16:creationId xmlns:a16="http://schemas.microsoft.com/office/drawing/2014/main" id="{7E27377B-B14C-445A-9677-E521C2AF539B}"/>
+              </a:ext>
+            </a:extLst>
+          </p:cNvPr>
+          <p:cNvSpPr txBox="1"/>
+          <p:nvPr/>
+        </p:nvSpPr>
+        <p:spPr>
+          <a:xfrm flipH="1">
+            <a:off x="3433500" y="2331262"/>
+            <a:ext cx="751047" cy="246221"/>
+          </a:xfrm>
+          <a:prstGeom prst="rect">
+            <a:avLst/>
+          </a:prstGeom>
+          <a:noFill/>
+        </p:spPr>
+        <p:txBody>
+          <a:bodyPr wrap="square" rtlCol="0">
+            <a:spAutoFit/>
+          </a:bodyPr>
+          <a:lstStyle/>
+          <a:p>
+            <a:r>
+              <a:rPr lang="en-US" sz="1000" dirty="0"/>
+              <a:t>TXCAN</a:t>
+            </a:r>
+          </a:p>
+        </p:txBody>
+      </p:sp>
+      <p:sp>
+        <p:nvSpPr>
+          <p:cNvPr id="149" name="テキスト ボックス 148">
+            <a:extLst>
+              <a:ext uri="{FF2B5EF4-FFF2-40B4-BE49-F238E27FC236}">
+                <a16:creationId xmlns:a16="http://schemas.microsoft.com/office/drawing/2014/main" id="{9C58097E-48D8-4FAF-8A9E-067BC80D72E7}"/>
+              </a:ext>
+            </a:extLst>
+          </p:cNvPr>
+          <p:cNvSpPr txBox="1"/>
+          <p:nvPr/>
+        </p:nvSpPr>
+        <p:spPr>
+          <a:xfrm flipH="1">
+            <a:off x="3505773" y="3062788"/>
+            <a:ext cx="751047" cy="246221"/>
+          </a:xfrm>
+          <a:prstGeom prst="rect">
+            <a:avLst/>
+          </a:prstGeom>
+          <a:noFill/>
+        </p:spPr>
+        <p:txBody>
+          <a:bodyPr wrap="square" rtlCol="0">
+            <a:spAutoFit/>
+          </a:bodyPr>
+          <a:lstStyle/>
+          <a:p>
+            <a:r>
+              <a:rPr lang="en-US" sz="1000" dirty="0"/>
+              <a:t>VDD</a:t>
+            </a:r>
+          </a:p>
+        </p:txBody>
+      </p:sp>
+      <p:sp>
+        <p:nvSpPr>
+          <p:cNvPr id="152" name="テキスト ボックス 151">
+            <a:extLst>
+              <a:ext uri="{FF2B5EF4-FFF2-40B4-BE49-F238E27FC236}">
+                <a16:creationId xmlns:a16="http://schemas.microsoft.com/office/drawing/2014/main" id="{26854DCA-0BD9-49CE-BFF0-094BE1FE06F0}"/>
+              </a:ext>
+            </a:extLst>
+          </p:cNvPr>
+          <p:cNvSpPr txBox="1"/>
+          <p:nvPr/>
+        </p:nvSpPr>
+        <p:spPr>
+          <a:xfrm flipH="1">
+            <a:off x="5124751" y="2175117"/>
+            <a:ext cx="751047" cy="246221"/>
+          </a:xfrm>
+          <a:prstGeom prst="rect">
+            <a:avLst/>
+          </a:prstGeom>
+          <a:noFill/>
+        </p:spPr>
+        <p:txBody>
+          <a:bodyPr wrap="square" rtlCol="0">
+            <a:spAutoFit/>
+          </a:bodyPr>
+          <a:lstStyle/>
+          <a:p>
+            <a:r>
+              <a:rPr lang="en-US" sz="1000" dirty="0"/>
+              <a:t>VSS</a:t>
+            </a:r>
+          </a:p>
+        </p:txBody>
+      </p:sp>
+      <p:sp>
+        <p:nvSpPr>
+          <p:cNvPr id="154" name="テキスト ボックス 153">
+            <a:extLst>
+              <a:ext uri="{FF2B5EF4-FFF2-40B4-BE49-F238E27FC236}">
+                <a16:creationId xmlns:a16="http://schemas.microsoft.com/office/drawing/2014/main" id="{2DB7E216-2756-4FEE-8AF6-B38F90036F08}"/>
+              </a:ext>
+            </a:extLst>
+          </p:cNvPr>
+          <p:cNvSpPr txBox="1"/>
+          <p:nvPr/>
+        </p:nvSpPr>
+        <p:spPr>
+          <a:xfrm flipH="1">
+            <a:off x="4516937" y="3070139"/>
+            <a:ext cx="751047" cy="246221"/>
+          </a:xfrm>
+          <a:prstGeom prst="rect">
+            <a:avLst/>
+          </a:prstGeom>
+          <a:noFill/>
+        </p:spPr>
+        <p:txBody>
+          <a:bodyPr wrap="square" rtlCol="0">
+            <a:spAutoFit/>
+          </a:bodyPr>
+          <a:lstStyle/>
+          <a:p>
+            <a:r>
+              <a:rPr lang="en-US" sz="1000" dirty="0"/>
+              <a:t>SCK</a:t>
+            </a:r>
+          </a:p>
+        </p:txBody>
+      </p:sp>
+      <p:sp>
+        <p:nvSpPr>
+          <p:cNvPr id="155" name="テキスト ボックス 154">
+            <a:extLst>
+              <a:ext uri="{FF2B5EF4-FFF2-40B4-BE49-F238E27FC236}">
+                <a16:creationId xmlns:a16="http://schemas.microsoft.com/office/drawing/2014/main" id="{1473A1B6-D6ED-4192-842A-60F87E56B0BA}"/>
+              </a:ext>
+            </a:extLst>
+          </p:cNvPr>
+          <p:cNvSpPr txBox="1"/>
+          <p:nvPr/>
+        </p:nvSpPr>
+        <p:spPr>
+          <a:xfrm flipH="1">
+            <a:off x="4841276" y="2902020"/>
+            <a:ext cx="311111" cy="245284"/>
+          </a:xfrm>
+          <a:prstGeom prst="rect">
+            <a:avLst/>
+          </a:prstGeom>
+          <a:noFill/>
+        </p:spPr>
+        <p:txBody>
+          <a:bodyPr wrap="square" rtlCol="0">
+            <a:spAutoFit/>
+          </a:bodyPr>
+          <a:lstStyle/>
+          <a:p>
+            <a:r>
+              <a:rPr lang="en-US" sz="1000" dirty="0"/>
+              <a:t>SI</a:t>
+            </a:r>
+          </a:p>
+        </p:txBody>
+      </p:sp>
+      <p:sp>
+        <p:nvSpPr>
+          <p:cNvPr id="156" name="テキスト ボックス 155">
+            <a:extLst>
+              <a:ext uri="{FF2B5EF4-FFF2-40B4-BE49-F238E27FC236}">
+                <a16:creationId xmlns:a16="http://schemas.microsoft.com/office/drawing/2014/main" id="{510C0202-BDA9-49FE-814D-423A3BAF451F}"/>
+              </a:ext>
+            </a:extLst>
+          </p:cNvPr>
+          <p:cNvSpPr txBox="1"/>
+          <p:nvPr/>
+        </p:nvSpPr>
+        <p:spPr>
+          <a:xfrm flipH="1">
+            <a:off x="4221323" y="3063502"/>
+            <a:ext cx="335121" cy="246221"/>
+          </a:xfrm>
+          <a:prstGeom prst="rect">
+            <a:avLst/>
+          </a:prstGeom>
+          <a:noFill/>
+        </p:spPr>
+        <p:txBody>
+          <a:bodyPr wrap="square" rtlCol="0">
+            <a:spAutoFit/>
+          </a:bodyPr>
+          <a:lstStyle/>
+          <a:p>
+            <a:r>
+              <a:rPr lang="en-US" sz="1000" dirty="0"/>
+              <a:t>SO</a:t>
+            </a:r>
+          </a:p>
+        </p:txBody>
+      </p:sp>
+      <p:sp>
+        <p:nvSpPr>
+          <p:cNvPr id="159" name="テキスト ボックス 158">
+            <a:extLst>
+              <a:ext uri="{FF2B5EF4-FFF2-40B4-BE49-F238E27FC236}">
+                <a16:creationId xmlns:a16="http://schemas.microsoft.com/office/drawing/2014/main" id="{E4AD61C4-55EE-4634-87BB-A93CE63DE534}"/>
+              </a:ext>
+            </a:extLst>
+          </p:cNvPr>
+          <p:cNvSpPr txBox="1"/>
+          <p:nvPr/>
+        </p:nvSpPr>
+        <p:spPr>
+          <a:xfrm flipH="1">
+            <a:off x="4001125" y="3065286"/>
+            <a:ext cx="330188" cy="246221"/>
+          </a:xfrm>
+          <a:prstGeom prst="rect">
+            <a:avLst/>
+          </a:prstGeom>
+          <a:noFill/>
+        </p:spPr>
+        <p:txBody>
+          <a:bodyPr wrap="square" rtlCol="0">
+            <a:spAutoFit/>
+          </a:bodyPr>
+          <a:lstStyle/>
+          <a:p>
+            <a:r>
+              <a:rPr lang="en-US" sz="1000" dirty="0"/>
+              <a:t>CS</a:t>
+            </a:r>
+          </a:p>
+        </p:txBody>
+      </p:sp>
+      <p:sp>
+        <p:nvSpPr>
+          <p:cNvPr id="160" name="テキスト ボックス 159">
+            <a:extLst>
+              <a:ext uri="{FF2B5EF4-FFF2-40B4-BE49-F238E27FC236}">
+                <a16:creationId xmlns:a16="http://schemas.microsoft.com/office/drawing/2014/main" id="{C0856D28-2803-43A6-96BF-4A856FD5F611}"/>
+              </a:ext>
+            </a:extLst>
+          </p:cNvPr>
+          <p:cNvSpPr txBox="1"/>
+          <p:nvPr/>
+        </p:nvSpPr>
+        <p:spPr>
+          <a:xfrm flipH="1">
+            <a:off x="5171194" y="2173191"/>
+            <a:ext cx="461550" cy="246221"/>
+          </a:xfrm>
+          <a:prstGeom prst="rect">
+            <a:avLst/>
+          </a:prstGeom>
+          <a:noFill/>
+        </p:spPr>
+        <p:txBody>
+          <a:bodyPr wrap="square" rtlCol="0">
+            <a:spAutoFit/>
+          </a:bodyPr>
+          <a:lstStyle/>
+          <a:p>
+            <a:r>
+              <a:rPr lang="en-US" sz="1000" dirty="0"/>
+              <a:t>OSC1</a:t>
+            </a:r>
+          </a:p>
+        </p:txBody>
+      </p:sp>
+      <p:sp>
+        <p:nvSpPr>
+          <p:cNvPr id="161" name="テキスト ボックス 160">
+            <a:extLst>
+              <a:ext uri="{FF2B5EF4-FFF2-40B4-BE49-F238E27FC236}">
+                <a16:creationId xmlns:a16="http://schemas.microsoft.com/office/drawing/2014/main" id="{8090C4DE-1CD8-41B9-8071-BAD1608AD8F3}"/>
+              </a:ext>
+            </a:extLst>
+          </p:cNvPr>
+          <p:cNvSpPr txBox="1"/>
+          <p:nvPr/>
+        </p:nvSpPr>
+        <p:spPr>
+          <a:xfrm flipH="1">
+            <a:off x="4812853" y="2171899"/>
+            <a:ext cx="462091" cy="246221"/>
+          </a:xfrm>
+          <a:prstGeom prst="rect">
+            <a:avLst/>
+          </a:prstGeom>
+          <a:noFill/>
+        </p:spPr>
+        <p:txBody>
+          <a:bodyPr wrap="square" rtlCol="0">
+            <a:spAutoFit/>
+          </a:bodyPr>
+          <a:lstStyle/>
+          <a:p>
+            <a:r>
+              <a:rPr lang="en-US" sz="1000" dirty="0"/>
+              <a:t>OSC2</a:t>
+            </a:r>
+          </a:p>
+        </p:txBody>
+      </p:sp>
+      <p:sp>
+        <p:nvSpPr>
+          <p:cNvPr id="162" name="テキスト ボックス 161">
+            <a:extLst>
+              <a:ext uri="{FF2B5EF4-FFF2-40B4-BE49-F238E27FC236}">
+                <a16:creationId xmlns:a16="http://schemas.microsoft.com/office/drawing/2014/main" id="{B428A996-B549-4D3B-93E6-D4829972AAA3}"/>
+              </a:ext>
+            </a:extLst>
+          </p:cNvPr>
+          <p:cNvSpPr txBox="1"/>
+          <p:nvPr/>
+        </p:nvSpPr>
+        <p:spPr>
+          <a:xfrm flipH="1">
+            <a:off x="6246906" y="1651394"/>
+            <a:ext cx="461550" cy="246221"/>
+          </a:xfrm>
+          <a:prstGeom prst="rect">
+            <a:avLst/>
+          </a:prstGeom>
+          <a:noFill/>
+        </p:spPr>
+        <p:txBody>
+          <a:bodyPr wrap="square" rtlCol="0">
+            <a:spAutoFit/>
+          </a:bodyPr>
+          <a:lstStyle/>
+          <a:p>
+            <a:r>
+              <a:rPr lang="en-US" sz="1000" dirty="0"/>
+              <a:t>(1)</a:t>
+            </a:r>
+          </a:p>
+        </p:txBody>
+      </p:sp>
+      <p:sp>
+        <p:nvSpPr>
+          <p:cNvPr id="164" name="テキスト ボックス 163">
+            <a:extLst>
+              <a:ext uri="{FF2B5EF4-FFF2-40B4-BE49-F238E27FC236}">
+                <a16:creationId xmlns:a16="http://schemas.microsoft.com/office/drawing/2014/main" id="{1D7A973F-8373-43AB-8A3C-080CE3E717DE}"/>
+              </a:ext>
+            </a:extLst>
+          </p:cNvPr>
+          <p:cNvSpPr txBox="1"/>
+          <p:nvPr/>
+        </p:nvSpPr>
+        <p:spPr>
+          <a:xfrm flipH="1">
+            <a:off x="5981293" y="1655746"/>
+            <a:ext cx="461550" cy="246221"/>
+          </a:xfrm>
+          <a:prstGeom prst="rect">
+            <a:avLst/>
+          </a:prstGeom>
+          <a:noFill/>
+        </p:spPr>
+        <p:txBody>
+          <a:bodyPr wrap="square" rtlCol="0">
+            <a:spAutoFit/>
+          </a:bodyPr>
+          <a:lstStyle/>
+          <a:p>
+            <a:r>
+              <a:rPr lang="en-US" sz="1000" dirty="0"/>
+              <a:t>(2)</a:t>
+            </a:r>
+          </a:p>
+        </p:txBody>
+      </p:sp>
+      <p:sp>
+        <p:nvSpPr>
+          <p:cNvPr id="165" name="テキスト ボックス 164">
+            <a:extLst>
+              <a:ext uri="{FF2B5EF4-FFF2-40B4-BE49-F238E27FC236}">
+                <a16:creationId xmlns:a16="http://schemas.microsoft.com/office/drawing/2014/main" id="{F81D15D3-21E4-46A1-A905-A5EF45004724}"/>
+              </a:ext>
+            </a:extLst>
+          </p:cNvPr>
+          <p:cNvSpPr txBox="1"/>
+          <p:nvPr/>
+        </p:nvSpPr>
+        <p:spPr>
+          <a:xfrm flipH="1">
+            <a:off x="5672136" y="1660096"/>
+            <a:ext cx="461550" cy="246221"/>
+          </a:xfrm>
+          <a:prstGeom prst="rect">
+            <a:avLst/>
+          </a:prstGeom>
+          <a:noFill/>
+        </p:spPr>
+        <p:txBody>
+          <a:bodyPr wrap="square" rtlCol="0">
+            <a:spAutoFit/>
+          </a:bodyPr>
+          <a:lstStyle/>
+          <a:p>
+            <a:r>
+              <a:rPr lang="en-US" sz="1000" dirty="0"/>
+              <a:t>(3)</a:t>
+            </a:r>
+          </a:p>
+        </p:txBody>
+      </p:sp>
+      <p:sp>
+        <p:nvSpPr>
+          <p:cNvPr id="166" name="テキスト ボックス 165">
+            <a:extLst>
+              <a:ext uri="{FF2B5EF4-FFF2-40B4-BE49-F238E27FC236}">
+                <a16:creationId xmlns:a16="http://schemas.microsoft.com/office/drawing/2014/main" id="{6189BEE7-1D7E-4E58-864A-C1F83E80CC7D}"/>
+              </a:ext>
+            </a:extLst>
+          </p:cNvPr>
+          <p:cNvSpPr txBox="1"/>
+          <p:nvPr/>
+        </p:nvSpPr>
+        <p:spPr>
+          <a:xfrm flipH="1">
+            <a:off x="3987592" y="3912963"/>
+            <a:ext cx="408733" cy="246221"/>
+          </a:xfrm>
+          <a:prstGeom prst="rect">
+            <a:avLst/>
+          </a:prstGeom>
+          <a:noFill/>
+        </p:spPr>
+        <p:txBody>
+          <a:bodyPr wrap="square" rtlCol="0">
+            <a:spAutoFit/>
+          </a:bodyPr>
+          <a:lstStyle/>
+          <a:p>
+            <a:r>
+              <a:rPr lang="en-US" sz="1000" dirty="0"/>
+              <a:t>SDO</a:t>
+            </a:r>
+          </a:p>
+        </p:txBody>
+      </p:sp>
+      <p:sp>
+        <p:nvSpPr>
+          <p:cNvPr id="169" name="テキスト ボックス 168">
+            <a:extLst>
+              <a:ext uri="{FF2B5EF4-FFF2-40B4-BE49-F238E27FC236}">
+                <a16:creationId xmlns:a16="http://schemas.microsoft.com/office/drawing/2014/main" id="{0CB5105D-1E5C-4864-BDF3-B036CED9FDB3}"/>
+              </a:ext>
+            </a:extLst>
+          </p:cNvPr>
+          <p:cNvSpPr txBox="1"/>
+          <p:nvPr/>
+        </p:nvSpPr>
+        <p:spPr>
+          <a:xfrm flipH="1">
+            <a:off x="4200174" y="3912772"/>
+            <a:ext cx="408733" cy="246221"/>
+          </a:xfrm>
+          <a:prstGeom prst="rect">
+            <a:avLst/>
+          </a:prstGeom>
+          <a:noFill/>
+        </p:spPr>
+        <p:txBody>
+          <a:bodyPr wrap="square" rtlCol="0">
+            <a:spAutoFit/>
+          </a:bodyPr>
+          <a:lstStyle/>
+          <a:p>
+            <a:r>
+              <a:rPr lang="en-US" sz="1000" dirty="0"/>
+              <a:t>SDI</a:t>
+            </a:r>
+          </a:p>
+        </p:txBody>
+      </p:sp>
+      <p:sp>
+        <p:nvSpPr>
+          <p:cNvPr id="171" name="テキスト ボックス 170">
+            <a:extLst>
+              <a:ext uri="{FF2B5EF4-FFF2-40B4-BE49-F238E27FC236}">
+                <a16:creationId xmlns:a16="http://schemas.microsoft.com/office/drawing/2014/main" id="{2091578D-B5F6-48B2-95DB-414FF25BC558}"/>
+              </a:ext>
+            </a:extLst>
+          </p:cNvPr>
+          <p:cNvSpPr txBox="1"/>
+          <p:nvPr/>
+        </p:nvSpPr>
+        <p:spPr>
+          <a:xfrm flipH="1">
+            <a:off x="4495842" y="3911373"/>
+            <a:ext cx="387390" cy="246221"/>
+          </a:xfrm>
+          <a:prstGeom prst="rect">
+            <a:avLst/>
+          </a:prstGeom>
+          <a:noFill/>
+        </p:spPr>
+        <p:txBody>
+          <a:bodyPr wrap="square" rtlCol="0">
+            <a:spAutoFit/>
+          </a:bodyPr>
+          <a:lstStyle/>
+          <a:p>
+            <a:r>
+              <a:rPr lang="en-US" sz="1000" dirty="0"/>
+              <a:t>SCK</a:t>
+            </a:r>
+          </a:p>
+        </p:txBody>
+      </p:sp>
+      <p:sp>
+        <p:nvSpPr>
+          <p:cNvPr id="173" name="テキスト ボックス 172">
+            <a:extLst>
+              <a:ext uri="{FF2B5EF4-FFF2-40B4-BE49-F238E27FC236}">
+                <a16:creationId xmlns:a16="http://schemas.microsoft.com/office/drawing/2014/main" id="{40FFF566-E71B-4DCD-9C02-22D7EFB85F17}"/>
+              </a:ext>
+            </a:extLst>
+          </p:cNvPr>
+          <p:cNvSpPr txBox="1"/>
+          <p:nvPr/>
+        </p:nvSpPr>
+        <p:spPr>
+          <a:xfrm flipH="1">
+            <a:off x="4920661" y="3914948"/>
+            <a:ext cx="404305" cy="246221"/>
+          </a:xfrm>
+          <a:prstGeom prst="rect">
+            <a:avLst/>
+          </a:prstGeom>
+          <a:noFill/>
+        </p:spPr>
+        <p:txBody>
+          <a:bodyPr wrap="square" rtlCol="0">
+            <a:spAutoFit/>
+          </a:bodyPr>
+          <a:lstStyle/>
+          <a:p>
+            <a:r>
+              <a:rPr lang="en-US" sz="1000" dirty="0"/>
+              <a:t>RA1</a:t>
+            </a:r>
+          </a:p>
+        </p:txBody>
+      </p:sp>
+      <p:sp>
+        <p:nvSpPr>
+          <p:cNvPr id="174" name="テキスト ボックス 173">
+            <a:extLst>
+              <a:ext uri="{FF2B5EF4-FFF2-40B4-BE49-F238E27FC236}">
+                <a16:creationId xmlns:a16="http://schemas.microsoft.com/office/drawing/2014/main" id="{365062B5-8375-4D2B-A0AC-1938BB2718D6}"/>
+              </a:ext>
+            </a:extLst>
+          </p:cNvPr>
+          <p:cNvSpPr txBox="1"/>
+          <p:nvPr/>
+        </p:nvSpPr>
+        <p:spPr>
+          <a:xfrm flipH="1">
+            <a:off x="5167687" y="3917616"/>
+            <a:ext cx="404305" cy="246221"/>
+          </a:xfrm>
+          <a:prstGeom prst="rect">
+            <a:avLst/>
+          </a:prstGeom>
+          <a:noFill/>
+        </p:spPr>
+        <p:txBody>
+          <a:bodyPr wrap="square" rtlCol="0">
+            <a:spAutoFit/>
+          </a:bodyPr>
+          <a:lstStyle/>
+          <a:p>
+            <a:r>
+              <a:rPr lang="en-US" sz="1000" dirty="0"/>
+              <a:t>RA0</a:t>
+            </a:r>
+          </a:p>
+        </p:txBody>
+      </p:sp>
+      <p:sp>
+        <p:nvSpPr>
+          <p:cNvPr id="176" name="テキスト ボックス 175">
+            <a:extLst>
+              <a:ext uri="{FF2B5EF4-FFF2-40B4-BE49-F238E27FC236}">
+                <a16:creationId xmlns:a16="http://schemas.microsoft.com/office/drawing/2014/main" id="{6BB6298E-1413-471B-91F6-42B861D2DFD0}"/>
+              </a:ext>
+            </a:extLst>
+          </p:cNvPr>
+          <p:cNvSpPr txBox="1"/>
+          <p:nvPr/>
+        </p:nvSpPr>
+        <p:spPr>
+          <a:xfrm flipH="1">
+            <a:off x="5415883" y="3914042"/>
+            <a:ext cx="404305" cy="246221"/>
+          </a:xfrm>
+          <a:prstGeom prst="rect">
+            <a:avLst/>
+          </a:prstGeom>
+          <a:noFill/>
+        </p:spPr>
+        <p:txBody>
+          <a:bodyPr wrap="square" rtlCol="0">
+            <a:spAutoFit/>
+          </a:bodyPr>
+          <a:lstStyle/>
+          <a:p>
+            <a:r>
+              <a:rPr lang="en-US" sz="1000" dirty="0"/>
+              <a:t>VSS</a:t>
+            </a:r>
+          </a:p>
+        </p:txBody>
+      </p:sp>
+      <p:sp>
+        <p:nvSpPr>
+          <p:cNvPr id="177" name="テキスト ボックス 176">
+            <a:extLst>
+              <a:ext uri="{FF2B5EF4-FFF2-40B4-BE49-F238E27FC236}">
+                <a16:creationId xmlns:a16="http://schemas.microsoft.com/office/drawing/2014/main" id="{86EB697A-92AC-44F7-AF8E-DF39BB4A8469}"/>
+              </a:ext>
+            </a:extLst>
+          </p:cNvPr>
+          <p:cNvSpPr txBox="1"/>
+          <p:nvPr/>
+        </p:nvSpPr>
+        <p:spPr>
+          <a:xfrm flipH="1">
+            <a:off x="5384866" y="4631607"/>
+            <a:ext cx="483344" cy="246221"/>
+          </a:xfrm>
+          <a:prstGeom prst="rect">
+            <a:avLst/>
+          </a:prstGeom>
+          <a:noFill/>
+        </p:spPr>
+        <p:txBody>
+          <a:bodyPr wrap="square" rtlCol="0">
+            <a:spAutoFit/>
+          </a:bodyPr>
+          <a:lstStyle/>
+          <a:p>
+            <a:r>
+              <a:rPr lang="en-US" sz="1000" dirty="0"/>
+              <a:t>VDD</a:t>
+            </a:r>
+          </a:p>
+        </p:txBody>
+      </p:sp>
+      <p:sp>
+        <p:nvSpPr>
+          <p:cNvPr id="178" name="テキスト ボックス 177">
+            <a:extLst>
+              <a:ext uri="{FF2B5EF4-FFF2-40B4-BE49-F238E27FC236}">
+                <a16:creationId xmlns:a16="http://schemas.microsoft.com/office/drawing/2014/main" id="{89CC9E49-A0A3-40FB-8A80-D24A31E83D25}"/>
+              </a:ext>
+            </a:extLst>
+          </p:cNvPr>
+          <p:cNvSpPr txBox="1"/>
+          <p:nvPr/>
+        </p:nvSpPr>
+        <p:spPr>
+          <a:xfrm flipH="1">
+            <a:off x="5711314" y="5654587"/>
+            <a:ext cx="483344" cy="246221"/>
+          </a:xfrm>
+          <a:prstGeom prst="rect">
+            <a:avLst/>
+          </a:prstGeom>
+          <a:noFill/>
+        </p:spPr>
+        <p:txBody>
+          <a:bodyPr wrap="square" rtlCol="0">
+            <a:spAutoFit/>
+          </a:bodyPr>
+          <a:lstStyle/>
+          <a:p>
+            <a:r>
+              <a:rPr lang="en-US" sz="1000" dirty="0"/>
+              <a:t>VDD</a:t>
+            </a:r>
+          </a:p>
+        </p:txBody>
+      </p:sp>
+      <p:sp>
+        <p:nvSpPr>
+          <p:cNvPr id="179" name="テキスト ボックス 178">
+            <a:extLst>
+              <a:ext uri="{FF2B5EF4-FFF2-40B4-BE49-F238E27FC236}">
+                <a16:creationId xmlns:a16="http://schemas.microsoft.com/office/drawing/2014/main" id="{BE3EC3B6-8331-4277-8722-1B71C83BCE64}"/>
+              </a:ext>
+            </a:extLst>
+          </p:cNvPr>
+          <p:cNvSpPr txBox="1"/>
+          <p:nvPr/>
+        </p:nvSpPr>
+        <p:spPr>
+          <a:xfrm flipH="1">
+            <a:off x="4785479" y="2557877"/>
+            <a:ext cx="1158541" cy="369332"/>
+          </a:xfrm>
+          <a:prstGeom prst="rect">
+            <a:avLst/>
+          </a:prstGeom>
+          <a:noFill/>
+        </p:spPr>
+        <p:txBody>
+          <a:bodyPr wrap="square" rtlCol="0">
+            <a:spAutoFit/>
+          </a:bodyPr>
+          <a:lstStyle/>
+          <a:p>
+            <a:r>
+              <a:rPr lang="en-US" dirty="0"/>
+              <a:t>MCP2515</a:t>
+            </a:r>
+          </a:p>
+        </p:txBody>
+      </p:sp>
+      <p:sp>
+        <p:nvSpPr>
+          <p:cNvPr id="181" name="テキスト ボックス 180">
+            <a:extLst>
+              <a:ext uri="{FF2B5EF4-FFF2-40B4-BE49-F238E27FC236}">
+                <a16:creationId xmlns:a16="http://schemas.microsoft.com/office/drawing/2014/main" id="{336B5A0E-A902-47CD-BC69-E517104A9DDA}"/>
+              </a:ext>
+            </a:extLst>
+          </p:cNvPr>
+          <p:cNvSpPr txBox="1"/>
+          <p:nvPr/>
+        </p:nvSpPr>
+        <p:spPr>
+          <a:xfrm flipH="1">
+            <a:off x="2764885" y="4051807"/>
+            <a:ext cx="1158541" cy="369332"/>
+          </a:xfrm>
+          <a:prstGeom prst="rect">
+            <a:avLst/>
+          </a:prstGeom>
+          <a:noFill/>
+        </p:spPr>
+        <p:txBody>
+          <a:bodyPr wrap="square" rtlCol="0">
+            <a:spAutoFit/>
+          </a:bodyPr>
+          <a:lstStyle/>
+          <a:p>
+            <a:r>
+              <a:rPr lang="en-US" dirty="0"/>
+              <a:t>MCP2561</a:t>
+            </a:r>
+          </a:p>
+        </p:txBody>
+      </p:sp>
+      <p:sp>
+        <p:nvSpPr>
+          <p:cNvPr id="183" name="テキスト ボックス 182">
+            <a:extLst>
+              <a:ext uri="{FF2B5EF4-FFF2-40B4-BE49-F238E27FC236}">
+                <a16:creationId xmlns:a16="http://schemas.microsoft.com/office/drawing/2014/main" id="{056DA06F-7198-48CE-9481-84FF41FA9DCD}"/>
+              </a:ext>
+            </a:extLst>
+          </p:cNvPr>
+          <p:cNvSpPr txBox="1"/>
+          <p:nvPr/>
+        </p:nvSpPr>
+        <p:spPr>
+          <a:xfrm flipH="1">
+            <a:off x="4146886" y="4299623"/>
+            <a:ext cx="1292766" cy="369332"/>
+          </a:xfrm>
+          <a:prstGeom prst="rect">
+            <a:avLst/>
+          </a:prstGeom>
+          <a:noFill/>
+        </p:spPr>
+        <p:txBody>
+          <a:bodyPr wrap="square" rtlCol="0">
+            <a:spAutoFit/>
+          </a:bodyPr>
+          <a:lstStyle/>
+          <a:p>
+            <a:r>
+              <a:rPr lang="en-US" dirty="0"/>
+              <a:t>PIC16F1825</a:t>
+            </a:r>
+          </a:p>
+        </p:txBody>
+      </p:sp>
+      <p:sp>
+        <p:nvSpPr>
+          <p:cNvPr id="184" name="テキスト ボックス 183">
+            <a:extLst>
+              <a:ext uri="{FF2B5EF4-FFF2-40B4-BE49-F238E27FC236}">
+                <a16:creationId xmlns:a16="http://schemas.microsoft.com/office/drawing/2014/main" id="{7DE934E7-9CEE-43B0-A707-484878181D5F}"/>
+              </a:ext>
+            </a:extLst>
+          </p:cNvPr>
+          <p:cNvSpPr txBox="1"/>
+          <p:nvPr/>
+        </p:nvSpPr>
+        <p:spPr>
+          <a:xfrm flipH="1">
+            <a:off x="6085798" y="5780864"/>
+            <a:ext cx="818613" cy="369332"/>
+          </a:xfrm>
+          <a:prstGeom prst="rect">
+            <a:avLst/>
+          </a:prstGeom>
+          <a:noFill/>
+        </p:spPr>
+        <p:txBody>
+          <a:bodyPr wrap="square" rtlCol="0">
+            <a:spAutoFit/>
+          </a:bodyPr>
+          <a:lstStyle/>
+          <a:p>
+            <a:r>
+              <a:rPr lang="en-US" dirty="0"/>
+              <a:t>UART</a:t>
+            </a:r>
+          </a:p>
+        </p:txBody>
+      </p:sp>
+      <p:sp>
+        <p:nvSpPr>
+          <p:cNvPr id="185" name="テキスト ボックス 184">
+            <a:extLst>
+              <a:ext uri="{FF2B5EF4-FFF2-40B4-BE49-F238E27FC236}">
+                <a16:creationId xmlns:a16="http://schemas.microsoft.com/office/drawing/2014/main" id="{80C040BD-1298-46BC-ADC9-9C8A37E6C00C}"/>
+              </a:ext>
+            </a:extLst>
+          </p:cNvPr>
+          <p:cNvSpPr txBox="1"/>
+          <p:nvPr/>
+        </p:nvSpPr>
+        <p:spPr>
+          <a:xfrm flipH="1">
+            <a:off x="3545613" y="5845298"/>
+            <a:ext cx="619948" cy="369332"/>
+          </a:xfrm>
+          <a:prstGeom prst="rect">
+            <a:avLst/>
+          </a:prstGeom>
+          <a:noFill/>
+        </p:spPr>
+        <p:txBody>
+          <a:bodyPr wrap="square" rtlCol="0">
+            <a:spAutoFit/>
+          </a:bodyPr>
+          <a:lstStyle/>
+          <a:p>
+            <a:r>
+              <a:rPr lang="en-US" dirty="0"/>
+              <a:t>CAN</a:t>
+            </a:r>
+          </a:p>
+        </p:txBody>
+      </p:sp>
+      <p:sp>
+        <p:nvSpPr>
+          <p:cNvPr id="189" name="テキスト ボックス 188">
+            <a:extLst>
+              <a:ext uri="{FF2B5EF4-FFF2-40B4-BE49-F238E27FC236}">
+                <a16:creationId xmlns:a16="http://schemas.microsoft.com/office/drawing/2014/main" id="{46647736-DA75-40C4-85F6-97E4BAF46A58}"/>
+              </a:ext>
+            </a:extLst>
+          </p:cNvPr>
+          <p:cNvSpPr txBox="1"/>
+          <p:nvPr/>
+        </p:nvSpPr>
+        <p:spPr>
+          <a:xfrm flipH="1">
+            <a:off x="2957781" y="5849651"/>
+            <a:ext cx="619948" cy="369332"/>
+          </a:xfrm>
+          <a:prstGeom prst="rect">
+            <a:avLst/>
+          </a:prstGeom>
+          <a:noFill/>
+        </p:spPr>
+        <p:txBody>
+          <a:bodyPr wrap="square" rtlCol="0">
+            <a:spAutoFit/>
+          </a:bodyPr>
+          <a:lstStyle/>
+          <a:p>
+            <a:r>
+              <a:rPr lang="en-US" dirty="0"/>
+              <a:t>CAN</a:t>
+            </a:r>
+          </a:p>
+        </p:txBody>
+      </p:sp>
+      <p:cxnSp>
+        <p:nvCxnSpPr>
+          <p:cNvPr id="282" name="直線コネクタ 281">
+            <a:extLst>
+              <a:ext uri="{FF2B5EF4-FFF2-40B4-BE49-F238E27FC236}">
+                <a16:creationId xmlns:a16="http://schemas.microsoft.com/office/drawing/2014/main" id="{D0DC23BE-5A37-42D9-8786-3286A0D9A531}"/>
+              </a:ext>
+            </a:extLst>
+          </p:cNvPr>
+          <p:cNvCxnSpPr>
+            <a:cxnSpLocks/>
+          </p:cNvCxnSpPr>
+          <p:nvPr/>
+        </p:nvCxnSpPr>
+        <p:spPr>
+          <a:xfrm flipH="1" flipV="1">
+            <a:off x="6274892" y="3599695"/>
+            <a:ext cx="152402" cy="4356"/>
+          </a:xfrm>
+          <a:prstGeom prst="line">
+            <a:avLst/>
+          </a:prstGeom>
+          <a:ln>
+            <a:solidFill>
+              <a:srgbClr val="FF0000"/>
+            </a:solidFill>
+            <a:headEnd type="oval" w="med" len="med"/>
+            <a:tailEnd type="none" w="med" len="med"/>
+          </a:ln>
+        </p:spPr>
+        <p:style>
+          <a:lnRef idx="1">
+            <a:schemeClr val="accent1"/>
+          </a:lnRef>
+          <a:fillRef idx="0">
+            <a:schemeClr val="accent1"/>
+          </a:fillRef>
+          <a:effectRef idx="0">
+            <a:schemeClr val="accent1"/>
+          </a:effectRef>
+          <a:fontRef idx="minor">
+            <a:schemeClr val="tx1"/>
+          </a:fontRef>
+        </p:style>
+      </p:cxnSp>
+      <p:cxnSp>
+        <p:nvCxnSpPr>
+          <p:cNvPr id="141" name="直線コネクタ 140">
+            <a:extLst>
+              <a:ext uri="{FF2B5EF4-FFF2-40B4-BE49-F238E27FC236}">
+                <a16:creationId xmlns:a16="http://schemas.microsoft.com/office/drawing/2014/main" id="{321F7CD6-F2A9-40E0-AD80-4C59BEA89C9B}"/>
+              </a:ext>
+            </a:extLst>
+          </p:cNvPr>
+          <p:cNvCxnSpPr>
+            <a:cxnSpLocks/>
+          </p:cNvCxnSpPr>
+          <p:nvPr/>
+        </p:nvCxnSpPr>
+        <p:spPr>
+          <a:xfrm flipH="1">
+            <a:off x="4681822" y="4600854"/>
+            <a:ext cx="1735913" cy="0"/>
+          </a:xfrm>
+          <a:prstGeom prst="line">
+            <a:avLst/>
+          </a:prstGeom>
+          <a:ln>
+            <a:solidFill>
+              <a:srgbClr val="FF0000"/>
+            </a:solidFill>
+            <a:headEnd type="oval" w="med" len="med"/>
+            <a:tailEnd type="oval" w="med" len="med"/>
+          </a:ln>
+        </p:spPr>
+        <p:style>
+          <a:lnRef idx="1">
+            <a:schemeClr val="accent1"/>
+          </a:lnRef>
+          <a:fillRef idx="0">
+            <a:schemeClr val="accent1"/>
+          </a:fillRef>
+          <a:effectRef idx="0">
+            <a:schemeClr val="accent1"/>
+          </a:effectRef>
+          <a:fontRef idx="minor">
+            <a:schemeClr val="tx1"/>
+          </a:fontRef>
+        </p:style>
+      </p:cxnSp>
+      <p:cxnSp>
+        <p:nvCxnSpPr>
+          <p:cNvPr id="193" name="直線コネクタ 192">
+            <a:extLst>
+              <a:ext uri="{FF2B5EF4-FFF2-40B4-BE49-F238E27FC236}">
+                <a16:creationId xmlns:a16="http://schemas.microsoft.com/office/drawing/2014/main" id="{0F5AC3E0-CAC9-4601-AFC1-F92CA98C3E41}"/>
+              </a:ext>
+            </a:extLst>
+          </p:cNvPr>
+          <p:cNvCxnSpPr>
+            <a:cxnSpLocks/>
+          </p:cNvCxnSpPr>
+          <p:nvPr/>
+        </p:nvCxnSpPr>
+        <p:spPr>
+          <a:xfrm flipH="1">
+            <a:off x="2749994" y="4113365"/>
+            <a:ext cx="701101" cy="0"/>
+          </a:xfrm>
+          <a:prstGeom prst="line">
+            <a:avLst/>
+          </a:prstGeom>
+          <a:ln>
+            <a:solidFill>
+              <a:srgbClr val="FF0000"/>
+            </a:solidFill>
+            <a:headEnd type="oval" w="med" len="med"/>
+            <a:tailEnd type="oval" w="med" len="med"/>
+          </a:ln>
+        </p:spPr>
+        <p:style>
+          <a:lnRef idx="1">
+            <a:schemeClr val="accent1"/>
+          </a:lnRef>
+          <a:fillRef idx="0">
+            <a:schemeClr val="accent1"/>
+          </a:fillRef>
+          <a:effectRef idx="0">
+            <a:schemeClr val="accent1"/>
+          </a:effectRef>
+          <a:fontRef idx="minor">
+            <a:schemeClr val="tx1"/>
+          </a:fontRef>
+        </p:style>
+      </p:cxnSp>
+      <p:cxnSp>
+        <p:nvCxnSpPr>
+          <p:cNvPr id="199" name="直線コネクタ 198">
+            <a:extLst>
+              <a:ext uri="{FF2B5EF4-FFF2-40B4-BE49-F238E27FC236}">
+                <a16:creationId xmlns:a16="http://schemas.microsoft.com/office/drawing/2014/main" id="{81E4962F-EF0C-40E2-9A96-E221B0E2E3A5}"/>
+              </a:ext>
+            </a:extLst>
+          </p:cNvPr>
+          <p:cNvCxnSpPr>
+            <a:cxnSpLocks/>
+          </p:cNvCxnSpPr>
+          <p:nvPr/>
+        </p:nvCxnSpPr>
+        <p:spPr>
+          <a:xfrm rot="16200000">
+            <a:off x="2620881" y="4528063"/>
+            <a:ext cx="171478" cy="0"/>
+          </a:xfrm>
+          <a:prstGeom prst="line">
+            <a:avLst/>
+          </a:prstGeom>
+          <a:ln>
+            <a:solidFill>
+              <a:srgbClr val="FF0000"/>
+            </a:solidFill>
+            <a:headEnd type="oval" w="med" len="med"/>
+            <a:tailEnd type="none" w="med" len="med"/>
+          </a:ln>
+        </p:spPr>
+        <p:style>
+          <a:lnRef idx="1">
+            <a:schemeClr val="accent1"/>
+          </a:lnRef>
+          <a:fillRef idx="0">
+            <a:schemeClr val="accent1"/>
+          </a:fillRef>
+          <a:effectRef idx="0">
+            <a:schemeClr val="accent1"/>
+          </a:effectRef>
+          <a:fontRef idx="minor">
+            <a:schemeClr val="tx1"/>
+          </a:fontRef>
+        </p:style>
+      </p:cxnSp>
+      <p:cxnSp>
+        <p:nvCxnSpPr>
+          <p:cNvPr id="89" name="直線コネクタ 88">
+            <a:extLst>
+              <a:ext uri="{FF2B5EF4-FFF2-40B4-BE49-F238E27FC236}">
+                <a16:creationId xmlns:a16="http://schemas.microsoft.com/office/drawing/2014/main" id="{17FC1E70-CD30-4468-96C3-1878C2270FE2}"/>
+              </a:ext>
+            </a:extLst>
+          </p:cNvPr>
+          <p:cNvCxnSpPr>
+            <a:cxnSpLocks/>
+          </p:cNvCxnSpPr>
+          <p:nvPr/>
+        </p:nvCxnSpPr>
+        <p:spPr>
+          <a:xfrm rot="16200000" flipH="1">
+            <a:off x="6002003" y="2337607"/>
+            <a:ext cx="0" cy="106595"/>
+          </a:xfrm>
+          <a:prstGeom prst="line">
+            <a:avLst/>
+          </a:prstGeom>
+          <a:ln>
+            <a:solidFill>
+              <a:srgbClr val="FF0000"/>
+            </a:solidFill>
+            <a:headEnd type="oval"/>
+          </a:ln>
+        </p:spPr>
+        <p:style>
+          <a:lnRef idx="1">
+            <a:schemeClr val="accent1"/>
+          </a:lnRef>
+          <a:fillRef idx="0">
+            <a:schemeClr val="accent1"/>
+          </a:fillRef>
+          <a:effectRef idx="0">
+            <a:schemeClr val="accent1"/>
+          </a:effectRef>
+          <a:fontRef idx="minor">
+            <a:schemeClr val="tx1"/>
+          </a:fontRef>
+        </p:style>
+      </p:cxnSp>
+      <p:cxnSp>
+        <p:nvCxnSpPr>
+          <p:cNvPr id="6" name="直線コネクタ 5">
+            <a:extLst>
+              <a:ext uri="{FF2B5EF4-FFF2-40B4-BE49-F238E27FC236}">
+                <a16:creationId xmlns:a16="http://schemas.microsoft.com/office/drawing/2014/main" id="{CAB1CA4E-0F0F-4920-A7E1-1232410FAF88}"/>
+              </a:ext>
+            </a:extLst>
+          </p:cNvPr>
+          <p:cNvCxnSpPr>
+            <a:cxnSpLocks/>
+          </p:cNvCxnSpPr>
+          <p:nvPr/>
+        </p:nvCxnSpPr>
+        <p:spPr>
+          <a:xfrm rot="16200000" flipH="1">
+            <a:off x="6626734" y="2323560"/>
+            <a:ext cx="0" cy="106595"/>
+          </a:xfrm>
+          <a:prstGeom prst="line">
+            <a:avLst/>
+          </a:prstGeom>
+          <a:ln>
+            <a:solidFill>
+              <a:srgbClr val="FF0000"/>
+            </a:solidFill>
+            <a:tailEnd type="oval"/>
+          </a:ln>
+        </p:spPr>
+        <p:style>
+          <a:lnRef idx="1">
+            <a:schemeClr val="accent1"/>
+          </a:lnRef>
+          <a:fillRef idx="0">
+            <a:schemeClr val="accent1"/>
+          </a:fillRef>
+          <a:effectRef idx="0">
+            <a:schemeClr val="accent1"/>
+          </a:effectRef>
+          <a:fontRef idx="minor">
+            <a:schemeClr val="tx1"/>
+          </a:fontRef>
+        </p:style>
+      </p:cxnSp>
+      <p:cxnSp>
+        <p:nvCxnSpPr>
+          <p:cNvPr id="143" name="直線コネクタ 142">
+            <a:extLst>
+              <a:ext uri="{FF2B5EF4-FFF2-40B4-BE49-F238E27FC236}">
+                <a16:creationId xmlns:a16="http://schemas.microsoft.com/office/drawing/2014/main" id="{D64ECC9E-69CE-4D6F-A2CD-D62C66908B6B}"/>
+              </a:ext>
+            </a:extLst>
+          </p:cNvPr>
+          <p:cNvCxnSpPr>
+            <a:cxnSpLocks/>
+          </p:cNvCxnSpPr>
+          <p:nvPr/>
+        </p:nvCxnSpPr>
+        <p:spPr>
+          <a:xfrm flipH="1">
+            <a:off x="4440882" y="4352658"/>
+            <a:ext cx="2233755" cy="0"/>
+          </a:xfrm>
+          <a:prstGeom prst="line">
+            <a:avLst/>
+          </a:prstGeom>
+          <a:ln>
+            <a:solidFill>
+              <a:srgbClr val="FF0000"/>
+            </a:solidFill>
+            <a:headEnd type="oval" w="med" len="med"/>
+            <a:tailEnd type="oval" w="med" len="med"/>
+          </a:ln>
+        </p:spPr>
+        <p:style>
+          <a:lnRef idx="1">
+            <a:schemeClr val="accent1"/>
+          </a:lnRef>
+          <a:fillRef idx="0">
+            <a:schemeClr val="accent1"/>
+          </a:fillRef>
+          <a:effectRef idx="0">
+            <a:schemeClr val="accent1"/>
+          </a:effectRef>
+          <a:fontRef idx="minor">
+            <a:schemeClr val="tx1"/>
+          </a:fontRef>
+        </p:style>
+      </p:cxnSp>
+      <p:sp>
+        <p:nvSpPr>
+          <p:cNvPr id="186" name="テキスト ボックス 185">
+            <a:extLst>
+              <a:ext uri="{FF2B5EF4-FFF2-40B4-BE49-F238E27FC236}">
+                <a16:creationId xmlns:a16="http://schemas.microsoft.com/office/drawing/2014/main" id="{4B0D6667-849A-48DE-A208-76DFA2CDD8DC}"/>
+              </a:ext>
+            </a:extLst>
+          </p:cNvPr>
+          <p:cNvSpPr txBox="1"/>
+          <p:nvPr/>
+        </p:nvSpPr>
+        <p:spPr>
+          <a:xfrm flipH="1">
+            <a:off x="4666412" y="4627245"/>
+            <a:ext cx="483344" cy="246221"/>
+          </a:xfrm>
+          <a:prstGeom prst="rect">
+            <a:avLst/>
+          </a:prstGeom>
+          <a:noFill/>
+        </p:spPr>
+        <p:txBody>
+          <a:bodyPr wrap="square" rtlCol="0">
+            <a:spAutoFit/>
+          </a:bodyPr>
+          <a:lstStyle/>
+          <a:p>
+            <a:r>
+              <a:rPr lang="en-US" sz="1000" dirty="0"/>
+              <a:t>MCLR</a:t>
+            </a:r>
+          </a:p>
+        </p:txBody>
+      </p:sp>
+    </p:spTree>
+    <p:extLst>
+      <p:ext uri="{BB962C8B-B14F-4D97-AF65-F5344CB8AC3E}">
+        <p14:creationId xmlns:p14="http://schemas.microsoft.com/office/powerpoint/2010/main" val="1856351282"/>
       </p:ext>
     </p:extLst>
   </p:cSld>

--- a/doc/universal_board.pptx
+++ b/doc/universal_board.pptx
@@ -244,7 +244,7 @@
           <a:p>
             <a:fld id="{13D11AC7-A88F-49D3-AEAF-1BE21B915F4C}" type="datetimeFigureOut">
               <a:rPr lang="en-US" smtClean="0"/>
-              <a:t>3/24/2018</a:t>
+              <a:t>3/25/2018</a:t>
             </a:fld>
             <a:endParaRPr lang="en-US"/>
           </a:p>
@@ -446,7 +446,7 @@
           <a:p>
             <a:fld id="{13D11AC7-A88F-49D3-AEAF-1BE21B915F4C}" type="datetimeFigureOut">
               <a:rPr lang="en-US" smtClean="0"/>
-              <a:t>3/24/2018</a:t>
+              <a:t>3/25/2018</a:t>
             </a:fld>
             <a:endParaRPr lang="en-US"/>
           </a:p>
@@ -658,7 +658,7 @@
           <a:p>
             <a:fld id="{13D11AC7-A88F-49D3-AEAF-1BE21B915F4C}" type="datetimeFigureOut">
               <a:rPr lang="en-US" smtClean="0"/>
-              <a:t>3/24/2018</a:t>
+              <a:t>3/25/2018</a:t>
             </a:fld>
             <a:endParaRPr lang="en-US"/>
           </a:p>
@@ -860,7 +860,7 @@
           <a:p>
             <a:fld id="{13D11AC7-A88F-49D3-AEAF-1BE21B915F4C}" type="datetimeFigureOut">
               <a:rPr lang="en-US" smtClean="0"/>
-              <a:t>3/24/2018</a:t>
+              <a:t>3/25/2018</a:t>
             </a:fld>
             <a:endParaRPr lang="en-US"/>
           </a:p>
@@ -1104,7 +1104,7 @@
           <a:p>
             <a:fld id="{13D11AC7-A88F-49D3-AEAF-1BE21B915F4C}" type="datetimeFigureOut">
               <a:rPr lang="en-US" smtClean="0"/>
-              <a:t>3/24/2018</a:t>
+              <a:t>3/25/2018</a:t>
             </a:fld>
             <a:endParaRPr lang="en-US"/>
           </a:p>
@@ -1400,7 +1400,7 @@
           <a:p>
             <a:fld id="{13D11AC7-A88F-49D3-AEAF-1BE21B915F4C}" type="datetimeFigureOut">
               <a:rPr lang="en-US" smtClean="0"/>
-              <a:t>3/24/2018</a:t>
+              <a:t>3/25/2018</a:t>
             </a:fld>
             <a:endParaRPr lang="en-US"/>
           </a:p>
@@ -1831,7 +1831,7 @@
           <a:p>
             <a:fld id="{13D11AC7-A88F-49D3-AEAF-1BE21B915F4C}" type="datetimeFigureOut">
               <a:rPr lang="en-US" smtClean="0"/>
-              <a:t>3/24/2018</a:t>
+              <a:t>3/25/2018</a:t>
             </a:fld>
             <a:endParaRPr lang="en-US"/>
           </a:p>
@@ -1949,7 +1949,7 @@
           <a:p>
             <a:fld id="{13D11AC7-A88F-49D3-AEAF-1BE21B915F4C}" type="datetimeFigureOut">
               <a:rPr lang="en-US" smtClean="0"/>
-              <a:t>3/24/2018</a:t>
+              <a:t>3/25/2018</a:t>
             </a:fld>
             <a:endParaRPr lang="en-US"/>
           </a:p>
@@ -2044,7 +2044,7 @@
           <a:p>
             <a:fld id="{13D11AC7-A88F-49D3-AEAF-1BE21B915F4C}" type="datetimeFigureOut">
               <a:rPr lang="en-US" smtClean="0"/>
-              <a:t>3/24/2018</a:t>
+              <a:t>3/25/2018</a:t>
             </a:fld>
             <a:endParaRPr lang="en-US"/>
           </a:p>
@@ -2353,7 +2353,7 @@
           <a:p>
             <a:fld id="{13D11AC7-A88F-49D3-AEAF-1BE21B915F4C}" type="datetimeFigureOut">
               <a:rPr lang="en-US" smtClean="0"/>
-              <a:t>3/24/2018</a:t>
+              <a:t>3/25/2018</a:t>
             </a:fld>
             <a:endParaRPr lang="en-US"/>
           </a:p>
@@ -2610,7 +2610,7 @@
           <a:p>
             <a:fld id="{13D11AC7-A88F-49D3-AEAF-1BE21B915F4C}" type="datetimeFigureOut">
               <a:rPr lang="en-US" smtClean="0"/>
-              <a:t>3/24/2018</a:t>
+              <a:t>3/25/2018</a:t>
             </a:fld>
             <a:endParaRPr lang="en-US"/>
           </a:p>
@@ -2855,7 +2855,7 @@
           <a:p>
             <a:fld id="{13D11AC7-A88F-49D3-AEAF-1BE21B915F4C}" type="datetimeFigureOut">
               <a:rPr lang="en-US" smtClean="0"/>
-              <a:t>3/24/2018</a:t>
+              <a:t>3/25/2018</a:t>
             </a:fld>
             <a:endParaRPr lang="en-US"/>
           </a:p>
@@ -3297,10 +3297,10 @@
       </p:sp>
       <p:grpSp>
         <p:nvGrpSpPr>
-          <p:cNvPr id="1078" name="グループ化 1077">
+          <p:cNvPr id="17" name="グループ化 16">
             <a:extLst>
               <a:ext uri="{FF2B5EF4-FFF2-40B4-BE49-F238E27FC236}">
-                <a16:creationId xmlns:a16="http://schemas.microsoft.com/office/drawing/2014/main" id="{B35C99C3-CA15-4544-97F4-58CB702E3A5B}"/>
+                <a16:creationId xmlns:a16="http://schemas.microsoft.com/office/drawing/2014/main" id="{5B5D7433-1564-4199-B9A5-292FE8E379C2}"/>
               </a:ext>
             </a:extLst>
           </p:cNvPr>
@@ -5998,7 +5998,7 @@
           </p:nvSpPr>
           <p:spPr>
             <a:xfrm>
-              <a:off x="5430807" y="2823537"/>
+              <a:off x="5500479" y="2823537"/>
               <a:ext cx="229230" cy="153888"/>
             </a:xfrm>
             <a:prstGeom prst="rect">
@@ -6558,7 +6558,7 @@
           </p:nvSpPr>
           <p:spPr>
             <a:xfrm>
-              <a:off x="5515260" y="3519672"/>
+              <a:off x="5515260" y="4059606"/>
               <a:ext cx="907300" cy="276999"/>
             </a:xfrm>
             <a:prstGeom prst="rect">
@@ -7521,10 +7521,10 @@
         </p:sp>
         <p:cxnSp>
           <p:nvCxnSpPr>
-            <p:cNvPr id="307" name="直線コネクタ 306">
-              <a:extLst>
-                <a:ext uri="{FF2B5EF4-FFF2-40B4-BE49-F238E27FC236}">
-                  <a16:creationId xmlns:a16="http://schemas.microsoft.com/office/drawing/2014/main" id="{F4A034E8-4B33-48DE-B4F5-4BD3F3C4F5E2}"/>
+            <p:cNvPr id="308" name="直線コネクタ 307">
+              <a:extLst>
+                <a:ext uri="{FF2B5EF4-FFF2-40B4-BE49-F238E27FC236}">
+                  <a16:creationId xmlns:a16="http://schemas.microsoft.com/office/drawing/2014/main" id="{FBF75EDF-0CF0-44AC-9C55-3622C8FE2BAE}"/>
                 </a:ext>
               </a:extLst>
             </p:cNvPr>
@@ -7534,61 +7534,16 @@
             <p:nvPr/>
           </p:nvCxnSpPr>
           <p:spPr>
-            <a:xfrm flipH="1">
-              <a:off x="5163712" y="3071345"/>
-              <a:ext cx="245762" cy="1896"/>
+            <a:xfrm>
+              <a:off x="4164149" y="3319169"/>
+              <a:ext cx="223387" cy="501743"/>
             </a:xfrm>
             <a:prstGeom prst="line">
               <a:avLst/>
             </a:prstGeom>
             <a:ln>
               <a:solidFill>
-                <a:srgbClr val="0070C0"/>
-              </a:solidFill>
-              <a:headEnd type="oval" w="med" len="med"/>
-              <a:tailEnd type="oval" w="med" len="med"/>
-            </a:ln>
-          </p:spPr>
-          <p:style>
-            <a:lnRef idx="1">
-              <a:schemeClr val="accent1"/>
-            </a:lnRef>
-            <a:fillRef idx="0">
-              <a:schemeClr val="accent1"/>
-            </a:fillRef>
-            <a:effectRef idx="0">
-              <a:schemeClr val="accent1"/>
-            </a:effectRef>
-            <a:fontRef idx="minor">
-              <a:schemeClr val="tx1"/>
-            </a:fontRef>
-          </p:style>
-        </p:cxnSp>
-        <p:cxnSp>
-          <p:nvCxnSpPr>
-            <p:cNvPr id="308" name="直線コネクタ 307">
-              <a:extLst>
-                <a:ext uri="{FF2B5EF4-FFF2-40B4-BE49-F238E27FC236}">
-                  <a16:creationId xmlns:a16="http://schemas.microsoft.com/office/drawing/2014/main" id="{FBF75EDF-0CF0-44AC-9C55-3622C8FE2BAE}"/>
-                </a:ext>
-              </a:extLst>
-            </p:cNvPr>
-            <p:cNvCxnSpPr>
-              <a:cxnSpLocks/>
-            </p:cNvCxnSpPr>
-            <p:nvPr/>
-          </p:nvCxnSpPr>
-          <p:spPr>
-            <a:xfrm>
-              <a:off x="5409475" y="3066611"/>
-              <a:ext cx="5498" cy="738509"/>
-            </a:xfrm>
-            <a:prstGeom prst="line">
-              <a:avLst/>
-            </a:prstGeom>
-            <a:ln>
-              <a:solidFill>
-                <a:srgbClr val="0070C0"/>
+                <a:srgbClr val="FF0000"/>
               </a:solidFill>
               <a:headEnd type="oval" w="med" len="med"/>
               <a:tailEnd type="oval" w="med" len="med"/>
@@ -8131,7 +8086,7 @@
           </p:nvCxnSpPr>
           <p:spPr>
             <a:xfrm flipH="1" flipV="1">
-              <a:off x="4414006" y="3813636"/>
+              <a:off x="4152746" y="3073404"/>
               <a:ext cx="999673" cy="5711"/>
             </a:xfrm>
             <a:prstGeom prst="line">
@@ -9467,6 +9422,312 @@
               <a:r>
                 <a:rPr lang="en-US" sz="1000" dirty="0"/>
                 <a:t>(termination)</a:t>
+              </a:r>
+            </a:p>
+          </p:txBody>
+        </p:sp>
+        <p:cxnSp>
+          <p:nvCxnSpPr>
+            <p:cNvPr id="178" name="直線コネクタ 177">
+              <a:extLst>
+                <a:ext uri="{FF2B5EF4-FFF2-40B4-BE49-F238E27FC236}">
+                  <a16:creationId xmlns:a16="http://schemas.microsoft.com/office/drawing/2014/main" id="{830E942B-4C67-4130-BBE2-678C21AE9582}"/>
+                </a:ext>
+              </a:extLst>
+            </p:cNvPr>
+            <p:cNvCxnSpPr>
+              <a:cxnSpLocks/>
+            </p:cNvCxnSpPr>
+            <p:nvPr/>
+          </p:nvCxnSpPr>
+          <p:spPr>
+            <a:xfrm>
+              <a:off x="4159791" y="3062260"/>
+              <a:ext cx="137" cy="274541"/>
+            </a:xfrm>
+            <a:prstGeom prst="line">
+              <a:avLst/>
+            </a:prstGeom>
+            <a:ln>
+              <a:solidFill>
+                <a:srgbClr val="0070C0"/>
+              </a:solidFill>
+              <a:headEnd type="oval" w="med" len="med"/>
+              <a:tailEnd type="oval" w="med" len="med"/>
+            </a:ln>
+          </p:spPr>
+          <p:style>
+            <a:lnRef idx="1">
+              <a:schemeClr val="accent1"/>
+            </a:lnRef>
+            <a:fillRef idx="0">
+              <a:schemeClr val="accent1"/>
+            </a:fillRef>
+            <a:effectRef idx="0">
+              <a:schemeClr val="accent1"/>
+            </a:effectRef>
+            <a:fontRef idx="minor">
+              <a:schemeClr val="tx1"/>
+            </a:fontRef>
+          </p:style>
+        </p:cxnSp>
+        <p:cxnSp>
+          <p:nvCxnSpPr>
+            <p:cNvPr id="186" name="直線コネクタ 185">
+              <a:extLst>
+                <a:ext uri="{FF2B5EF4-FFF2-40B4-BE49-F238E27FC236}">
+                  <a16:creationId xmlns:a16="http://schemas.microsoft.com/office/drawing/2014/main" id="{D2687DE5-76D2-4F7F-96B8-8273C9C71AAB}"/>
+                </a:ext>
+              </a:extLst>
+            </p:cNvPr>
+            <p:cNvCxnSpPr>
+              <a:cxnSpLocks/>
+            </p:cNvCxnSpPr>
+            <p:nvPr/>
+          </p:nvCxnSpPr>
+          <p:spPr>
+            <a:xfrm>
+              <a:off x="5397560" y="2838989"/>
+              <a:ext cx="0" cy="497812"/>
+            </a:xfrm>
+            <a:prstGeom prst="line">
+              <a:avLst/>
+            </a:prstGeom>
+            <a:ln>
+              <a:solidFill>
+                <a:schemeClr val="accent1"/>
+              </a:solidFill>
+              <a:headEnd type="oval" w="med" len="med"/>
+              <a:tailEnd type="oval" w="med" len="med"/>
+            </a:ln>
+          </p:spPr>
+          <p:style>
+            <a:lnRef idx="1">
+              <a:schemeClr val="accent1"/>
+            </a:lnRef>
+            <a:fillRef idx="0">
+              <a:schemeClr val="accent1"/>
+            </a:fillRef>
+            <a:effectRef idx="0">
+              <a:schemeClr val="accent1"/>
+            </a:effectRef>
+            <a:fontRef idx="minor">
+              <a:schemeClr val="tx1"/>
+            </a:fontRef>
+          </p:style>
+        </p:cxnSp>
+        <p:sp>
+          <p:nvSpPr>
+            <p:cNvPr id="187" name="四角形: 角を丸くする 186">
+              <a:extLst>
+                <a:ext uri="{FF2B5EF4-FFF2-40B4-BE49-F238E27FC236}">
+                  <a16:creationId xmlns:a16="http://schemas.microsoft.com/office/drawing/2014/main" id="{F849E425-3058-4AF8-ACEB-2411E53AF7A4}"/>
+                </a:ext>
+              </a:extLst>
+            </p:cNvPr>
+            <p:cNvSpPr/>
+            <p:nvPr/>
+          </p:nvSpPr>
+          <p:spPr>
+            <a:xfrm>
+              <a:off x="5493855" y="3235061"/>
+              <a:ext cx="306619" cy="198808"/>
+            </a:xfrm>
+            <a:prstGeom prst="roundRect">
+              <a:avLst/>
+            </a:prstGeom>
+            <a:solidFill>
+              <a:srgbClr val="FFC000">
+                <a:alpha val="20000"/>
+              </a:srgbClr>
+            </a:solidFill>
+          </p:spPr>
+          <p:style>
+            <a:lnRef idx="2">
+              <a:schemeClr val="accent1">
+                <a:shade val="50000"/>
+              </a:schemeClr>
+            </a:lnRef>
+            <a:fillRef idx="1">
+              <a:schemeClr val="accent1"/>
+            </a:fillRef>
+            <a:effectRef idx="0">
+              <a:schemeClr val="accent1"/>
+            </a:effectRef>
+            <a:fontRef idx="minor">
+              <a:schemeClr val="lt1"/>
+            </a:fontRef>
+          </p:style>
+          <p:txBody>
+            <a:bodyPr wrap="none" lIns="0" tIns="0" rIns="0" bIns="0" rtlCol="0" anchor="ctr"/>
+            <a:lstStyle/>
+            <a:p>
+              <a:pPr algn="ctr"/>
+              <a:endParaRPr lang="en-US" dirty="0"/>
+            </a:p>
+          </p:txBody>
+        </p:sp>
+        <p:cxnSp>
+          <p:nvCxnSpPr>
+            <p:cNvPr id="188" name="直線コネクタ 187">
+              <a:extLst>
+                <a:ext uri="{FF2B5EF4-FFF2-40B4-BE49-F238E27FC236}">
+                  <a16:creationId xmlns:a16="http://schemas.microsoft.com/office/drawing/2014/main" id="{1A23CD02-CC2E-4C25-9419-B75C705AF3FA}"/>
+                </a:ext>
+              </a:extLst>
+            </p:cNvPr>
+            <p:cNvCxnSpPr>
+              <a:cxnSpLocks/>
+            </p:cNvCxnSpPr>
+            <p:nvPr/>
+          </p:nvCxnSpPr>
+          <p:spPr>
+            <a:xfrm flipH="1">
+              <a:off x="5798952" y="3313441"/>
+              <a:ext cx="102532" cy="24107"/>
+            </a:xfrm>
+            <a:prstGeom prst="line">
+              <a:avLst/>
+            </a:prstGeom>
+            <a:ln>
+              <a:solidFill>
+                <a:srgbClr val="FF0000"/>
+              </a:solidFill>
+              <a:headEnd type="oval" w="med" len="med"/>
+              <a:tailEnd type="oval" w="med" len="med"/>
+            </a:ln>
+          </p:spPr>
+          <p:style>
+            <a:lnRef idx="1">
+              <a:schemeClr val="accent1"/>
+            </a:lnRef>
+            <a:fillRef idx="0">
+              <a:schemeClr val="accent1"/>
+            </a:fillRef>
+            <a:effectRef idx="0">
+              <a:schemeClr val="accent1"/>
+            </a:effectRef>
+            <a:fontRef idx="minor">
+              <a:schemeClr val="tx1"/>
+            </a:fontRef>
+          </p:style>
+        </p:cxnSp>
+        <p:cxnSp>
+          <p:nvCxnSpPr>
+            <p:cNvPr id="190" name="直線コネクタ 189">
+              <a:extLst>
+                <a:ext uri="{FF2B5EF4-FFF2-40B4-BE49-F238E27FC236}">
+                  <a16:creationId xmlns:a16="http://schemas.microsoft.com/office/drawing/2014/main" id="{6A612A93-4202-4766-B600-C8FCF542FAEB}"/>
+                </a:ext>
+              </a:extLst>
+            </p:cNvPr>
+            <p:cNvCxnSpPr>
+              <a:cxnSpLocks/>
+            </p:cNvCxnSpPr>
+            <p:nvPr/>
+          </p:nvCxnSpPr>
+          <p:spPr>
+            <a:xfrm flipH="1">
+              <a:off x="5411415" y="3309083"/>
+              <a:ext cx="102532" cy="24107"/>
+            </a:xfrm>
+            <a:prstGeom prst="line">
+              <a:avLst/>
+            </a:prstGeom>
+            <a:ln>
+              <a:solidFill>
+                <a:srgbClr val="FF0000"/>
+              </a:solidFill>
+              <a:headEnd type="oval" w="med" len="med"/>
+              <a:tailEnd type="oval" w="med" len="med"/>
+            </a:ln>
+          </p:spPr>
+          <p:style>
+            <a:lnRef idx="1">
+              <a:schemeClr val="accent1"/>
+            </a:lnRef>
+            <a:fillRef idx="0">
+              <a:schemeClr val="accent1"/>
+            </a:fillRef>
+            <a:effectRef idx="0">
+              <a:schemeClr val="accent1"/>
+            </a:effectRef>
+            <a:fontRef idx="minor">
+              <a:schemeClr val="tx1"/>
+            </a:fontRef>
+          </p:style>
+        </p:cxnSp>
+        <p:sp>
+          <p:nvSpPr>
+            <p:cNvPr id="191" name="テキスト ボックス 190">
+              <a:extLst>
+                <a:ext uri="{FF2B5EF4-FFF2-40B4-BE49-F238E27FC236}">
+                  <a16:creationId xmlns:a16="http://schemas.microsoft.com/office/drawing/2014/main" id="{2CDA7DC9-D93B-448F-94A5-EFB445F87415}"/>
+                </a:ext>
+              </a:extLst>
+            </p:cNvPr>
+            <p:cNvSpPr txBox="1"/>
+            <p:nvPr/>
+          </p:nvSpPr>
+          <p:spPr>
+            <a:xfrm>
+              <a:off x="5488695" y="3335220"/>
+              <a:ext cx="301365" cy="169277"/>
+            </a:xfrm>
+            <a:prstGeom prst="rect">
+              <a:avLst/>
+            </a:prstGeom>
+            <a:noFill/>
+          </p:spPr>
+          <p:txBody>
+            <a:bodyPr wrap="square" lIns="0" tIns="0" rIns="0" bIns="0" rtlCol="0">
+              <a:spAutoFit/>
+            </a:bodyPr>
+            <a:lstStyle/>
+            <a:p>
+              <a:r>
+                <a:rPr lang="en-US" sz="1100" dirty="0"/>
+                <a:t>10k</a:t>
+              </a:r>
+              <a:r>
+                <a:rPr lang="en-US" altLang="ja-JP" sz="1100" dirty="0"/>
+                <a:t>Ω</a:t>
+              </a:r>
+              <a:endParaRPr lang="en-US" sz="1100" dirty="0"/>
+            </a:p>
+          </p:txBody>
+        </p:sp>
+        <p:sp>
+          <p:nvSpPr>
+            <p:cNvPr id="192" name="テキスト ボックス 191">
+              <a:extLst>
+                <a:ext uri="{FF2B5EF4-FFF2-40B4-BE49-F238E27FC236}">
+                  <a16:creationId xmlns:a16="http://schemas.microsoft.com/office/drawing/2014/main" id="{CBD1065D-BA92-4900-AABE-E926B14851E4}"/>
+                </a:ext>
+              </a:extLst>
+            </p:cNvPr>
+            <p:cNvSpPr txBox="1"/>
+            <p:nvPr/>
+          </p:nvSpPr>
+          <p:spPr>
+            <a:xfrm>
+              <a:off x="5278413" y="2645004"/>
+              <a:ext cx="315792" cy="153888"/>
+            </a:xfrm>
+            <a:prstGeom prst="rect">
+              <a:avLst/>
+            </a:prstGeom>
+            <a:noFill/>
+          </p:spPr>
+          <p:txBody>
+            <a:bodyPr wrap="none" lIns="0" tIns="0" rIns="0" bIns="0" rtlCol="0">
+              <a:spAutoFit/>
+            </a:bodyPr>
+            <a:lstStyle/>
+            <a:p>
+              <a:r>
+                <a:rPr lang="en-US" sz="1000" dirty="0"/>
+                <a:t>RESET</a:t>
               </a:r>
             </a:p>
           </p:txBody>
@@ -9502,47 +9763,12 @@
           <a:chExt cx="0" cy="0"/>
         </a:xfrm>
       </p:grpSpPr>
-      <p:sp>
-        <p:nvSpPr>
-          <p:cNvPr id="12" name="テキスト ボックス 11">
+      <p:grpSp>
+        <p:nvGrpSpPr>
+          <p:cNvPr id="4" name="グループ化 3">
             <a:extLst>
               <a:ext uri="{FF2B5EF4-FFF2-40B4-BE49-F238E27FC236}">
-                <a16:creationId xmlns:a16="http://schemas.microsoft.com/office/drawing/2014/main" id="{F87A73CB-C1F4-493D-B412-A2EF20C8E5F4}"/>
-              </a:ext>
-            </a:extLst>
-          </p:cNvPr>
-          <p:cNvSpPr txBox="1"/>
-          <p:nvPr/>
-        </p:nvSpPr>
-        <p:spPr>
-          <a:xfrm>
-            <a:off x="2315964" y="603688"/>
-            <a:ext cx="4659930" cy="615553"/>
-          </a:xfrm>
-          <a:prstGeom prst="rect">
-            <a:avLst/>
-          </a:prstGeom>
-          <a:noFill/>
-        </p:spPr>
-        <p:txBody>
-          <a:bodyPr wrap="none" lIns="0" tIns="0" rIns="0" bIns="0" rtlCol="0">
-            <a:spAutoFit/>
-          </a:bodyPr>
-          <a:lstStyle/>
-          <a:p>
-            <a:r>
-              <a:rPr lang="en-US" sz="4000" dirty="0"/>
-              <a:t>PIC16F1825 CAN node</a:t>
-            </a:r>
-          </a:p>
-        </p:txBody>
-      </p:sp>
-      <p:grpSp>
-        <p:nvGrpSpPr>
-          <p:cNvPr id="150" name="グループ化 149">
-            <a:extLst>
-              <a:ext uri="{FF2B5EF4-FFF2-40B4-BE49-F238E27FC236}">
-                <a16:creationId xmlns:a16="http://schemas.microsoft.com/office/drawing/2014/main" id="{0C9F6E47-96CC-404A-91B2-D63DF8F7C485}"/>
+                <a16:creationId xmlns:a16="http://schemas.microsoft.com/office/drawing/2014/main" id="{B385904C-DF5A-4E0B-8B1D-7D5B071576D8}"/>
               </a:ext>
             </a:extLst>
           </p:cNvPr>
@@ -9559,10 +9785,10 @@
         </p:grpSpPr>
         <p:pic>
           <p:nvPicPr>
-            <p:cNvPr id="151" name="Picture 2" descr="board_pattern.png">
-              <a:extLst>
-                <a:ext uri="{FF2B5EF4-FFF2-40B4-BE49-F238E27FC236}">
-                  <a16:creationId xmlns:a16="http://schemas.microsoft.com/office/drawing/2014/main" id="{B9E2FC24-AD18-4FD7-974F-52888933826B}"/>
+            <p:cNvPr id="5" name="Picture 2" descr="board_pattern.png">
+              <a:extLst>
+                <a:ext uri="{FF2B5EF4-FFF2-40B4-BE49-F238E27FC236}">
+                  <a16:creationId xmlns:a16="http://schemas.microsoft.com/office/drawing/2014/main" id="{807914CC-9DAC-42A3-9455-85605A02ECDE}"/>
                 </a:ext>
               </a:extLst>
             </p:cNvPr>
@@ -9613,10 +9839,10 @@
         </p:pic>
         <p:sp>
           <p:nvSpPr>
-            <p:cNvPr id="165" name="正方形/長方形 164">
-              <a:extLst>
-                <a:ext uri="{FF2B5EF4-FFF2-40B4-BE49-F238E27FC236}">
-                  <a16:creationId xmlns:a16="http://schemas.microsoft.com/office/drawing/2014/main" id="{8D389375-C701-41FE-8F53-3B039C14FEC3}"/>
+            <p:cNvPr id="6" name="正方形/長方形 5">
+              <a:extLst>
+                <a:ext uri="{FF2B5EF4-FFF2-40B4-BE49-F238E27FC236}">
+                  <a16:creationId xmlns:a16="http://schemas.microsoft.com/office/drawing/2014/main" id="{3DF067E6-0BEE-4BED-9868-C7A8549B48EE}"/>
                 </a:ext>
               </a:extLst>
             </p:cNvPr>
@@ -9671,10 +9897,10 @@
         </p:sp>
         <p:sp>
           <p:nvSpPr>
-            <p:cNvPr id="178" name="正方形/長方形 177">
-              <a:extLst>
-                <a:ext uri="{FF2B5EF4-FFF2-40B4-BE49-F238E27FC236}">
-                  <a16:creationId xmlns:a16="http://schemas.microsoft.com/office/drawing/2014/main" id="{001171CA-3A02-49A1-B946-D56EA08FEDC5}"/>
+            <p:cNvPr id="7" name="正方形/長方形 6">
+              <a:extLst>
+                <a:ext uri="{FF2B5EF4-FFF2-40B4-BE49-F238E27FC236}">
+                  <a16:creationId xmlns:a16="http://schemas.microsoft.com/office/drawing/2014/main" id="{6493261F-A705-4709-8BC3-3033C265FD03}"/>
                 </a:ext>
               </a:extLst>
             </p:cNvPr>
@@ -9729,10 +9955,10 @@
         </p:sp>
         <p:sp>
           <p:nvSpPr>
-            <p:cNvPr id="186" name="正方形/長方形 185">
-              <a:extLst>
-                <a:ext uri="{FF2B5EF4-FFF2-40B4-BE49-F238E27FC236}">
-                  <a16:creationId xmlns:a16="http://schemas.microsoft.com/office/drawing/2014/main" id="{7E150F26-3079-47BE-8A05-70024870B38A}"/>
+            <p:cNvPr id="8" name="正方形/長方形 7">
+              <a:extLst>
+                <a:ext uri="{FF2B5EF4-FFF2-40B4-BE49-F238E27FC236}">
+                  <a16:creationId xmlns:a16="http://schemas.microsoft.com/office/drawing/2014/main" id="{C4924159-1651-469E-AC15-2CBB7007FDF5}"/>
                 </a:ext>
               </a:extLst>
             </p:cNvPr>
@@ -9787,10 +10013,10 @@
         </p:sp>
         <p:cxnSp>
           <p:nvCxnSpPr>
-            <p:cNvPr id="187" name="直線コネクタ 186">
-              <a:extLst>
-                <a:ext uri="{FF2B5EF4-FFF2-40B4-BE49-F238E27FC236}">
-                  <a16:creationId xmlns:a16="http://schemas.microsoft.com/office/drawing/2014/main" id="{375AF0BD-5E1B-4F74-AC7A-6666224B30BC}"/>
+            <p:cNvPr id="9" name="直線コネクタ 8">
+              <a:extLst>
+                <a:ext uri="{FF2B5EF4-FFF2-40B4-BE49-F238E27FC236}">
+                  <a16:creationId xmlns:a16="http://schemas.microsoft.com/office/drawing/2014/main" id="{1B9BB52E-62CB-4738-A22D-7B55A390AB32}"/>
                 </a:ext>
               </a:extLst>
             </p:cNvPr>
@@ -9832,10 +10058,10 @@
         </p:cxnSp>
         <p:sp>
           <p:nvSpPr>
-            <p:cNvPr id="188" name="楕円 187">
-              <a:extLst>
-                <a:ext uri="{FF2B5EF4-FFF2-40B4-BE49-F238E27FC236}">
-                  <a16:creationId xmlns:a16="http://schemas.microsoft.com/office/drawing/2014/main" id="{E212BC0B-253D-4A05-B6E4-93CB928B9172}"/>
+            <p:cNvPr id="10" name="楕円 9">
+              <a:extLst>
+                <a:ext uri="{FF2B5EF4-FFF2-40B4-BE49-F238E27FC236}">
+                  <a16:creationId xmlns:a16="http://schemas.microsoft.com/office/drawing/2014/main" id="{C2FE20F6-71C6-4C7D-A7BB-15ED6CADCE12}"/>
                 </a:ext>
               </a:extLst>
             </p:cNvPr>
@@ -9883,10 +10109,10 @@
         </p:sp>
         <p:cxnSp>
           <p:nvCxnSpPr>
-            <p:cNvPr id="190" name="直線コネクタ 189">
-              <a:extLst>
-                <a:ext uri="{FF2B5EF4-FFF2-40B4-BE49-F238E27FC236}">
-                  <a16:creationId xmlns:a16="http://schemas.microsoft.com/office/drawing/2014/main" id="{EBE0F587-8A94-40FD-B9B3-6EF8ECF39D8B}"/>
+            <p:cNvPr id="11" name="直線コネクタ 10">
+              <a:extLst>
+                <a:ext uri="{FF2B5EF4-FFF2-40B4-BE49-F238E27FC236}">
+                  <a16:creationId xmlns:a16="http://schemas.microsoft.com/office/drawing/2014/main" id="{0EB503CF-2632-4675-86A4-536E1D1AA30D}"/>
                 </a:ext>
               </a:extLst>
             </p:cNvPr>
@@ -9928,10 +10154,10 @@
         </p:cxnSp>
         <p:cxnSp>
           <p:nvCxnSpPr>
-            <p:cNvPr id="191" name="直線コネクタ 190">
-              <a:extLst>
-                <a:ext uri="{FF2B5EF4-FFF2-40B4-BE49-F238E27FC236}">
-                  <a16:creationId xmlns:a16="http://schemas.microsoft.com/office/drawing/2014/main" id="{D5643978-C01F-42F6-BF4E-AA5C0A76447E}"/>
+            <p:cNvPr id="12" name="直線コネクタ 11">
+              <a:extLst>
+                <a:ext uri="{FF2B5EF4-FFF2-40B4-BE49-F238E27FC236}">
+                  <a16:creationId xmlns:a16="http://schemas.microsoft.com/office/drawing/2014/main" id="{B2FBD018-04FB-4558-900A-0E27E6F551D8}"/>
                 </a:ext>
               </a:extLst>
             </p:cNvPr>
@@ -9973,10 +10199,10 @@
         </p:cxnSp>
         <p:cxnSp>
           <p:nvCxnSpPr>
-            <p:cNvPr id="192" name="直線コネクタ 191">
-              <a:extLst>
-                <a:ext uri="{FF2B5EF4-FFF2-40B4-BE49-F238E27FC236}">
-                  <a16:creationId xmlns:a16="http://schemas.microsoft.com/office/drawing/2014/main" id="{D94365FB-A300-4BDC-AC24-16B94903A1E8}"/>
+            <p:cNvPr id="13" name="直線コネクタ 12">
+              <a:extLst>
+                <a:ext uri="{FF2B5EF4-FFF2-40B4-BE49-F238E27FC236}">
+                  <a16:creationId xmlns:a16="http://schemas.microsoft.com/office/drawing/2014/main" id="{3D6B6970-0B5A-41C3-8C39-50F9A714E48F}"/>
                 </a:ext>
               </a:extLst>
             </p:cNvPr>
@@ -10018,10 +10244,10 @@
         </p:cxnSp>
         <p:sp>
           <p:nvSpPr>
-            <p:cNvPr id="193" name="テキスト ボックス 192">
-              <a:extLst>
-                <a:ext uri="{FF2B5EF4-FFF2-40B4-BE49-F238E27FC236}">
-                  <a16:creationId xmlns:a16="http://schemas.microsoft.com/office/drawing/2014/main" id="{532173B6-98A4-4AEB-8E44-1450B3211726}"/>
+            <p:cNvPr id="14" name="テキスト ボックス 13">
+              <a:extLst>
+                <a:ext uri="{FF2B5EF4-FFF2-40B4-BE49-F238E27FC236}">
+                  <a16:creationId xmlns:a16="http://schemas.microsoft.com/office/drawing/2014/main" id="{654F9A27-F64C-454E-AA67-32FD15AF25D2}"/>
                 </a:ext>
               </a:extLst>
             </p:cNvPr>
@@ -10053,10 +10279,10 @@
         </p:sp>
         <p:cxnSp>
           <p:nvCxnSpPr>
-            <p:cNvPr id="195" name="直線コネクタ 194">
-              <a:extLst>
-                <a:ext uri="{FF2B5EF4-FFF2-40B4-BE49-F238E27FC236}">
-                  <a16:creationId xmlns:a16="http://schemas.microsoft.com/office/drawing/2014/main" id="{880E9D51-225E-4DB7-AB74-BF9030A3ED41}"/>
+            <p:cNvPr id="15" name="直線コネクタ 14">
+              <a:extLst>
+                <a:ext uri="{FF2B5EF4-FFF2-40B4-BE49-F238E27FC236}">
+                  <a16:creationId xmlns:a16="http://schemas.microsoft.com/office/drawing/2014/main" id="{37A460F8-1F3C-406E-894D-39ED0A443C21}"/>
                 </a:ext>
               </a:extLst>
             </p:cNvPr>
@@ -10098,10 +10324,10 @@
         </p:cxnSp>
         <p:cxnSp>
           <p:nvCxnSpPr>
-            <p:cNvPr id="196" name="直線コネクタ 195">
-              <a:extLst>
-                <a:ext uri="{FF2B5EF4-FFF2-40B4-BE49-F238E27FC236}">
-                  <a16:creationId xmlns:a16="http://schemas.microsoft.com/office/drawing/2014/main" id="{8B78F0B2-0E79-411F-8F2D-8FE78340D857}"/>
+            <p:cNvPr id="16" name="直線コネクタ 15">
+              <a:extLst>
+                <a:ext uri="{FF2B5EF4-FFF2-40B4-BE49-F238E27FC236}">
+                  <a16:creationId xmlns:a16="http://schemas.microsoft.com/office/drawing/2014/main" id="{952D066C-FAEE-4E07-B618-B46726F875E9}"/>
                 </a:ext>
               </a:extLst>
             </p:cNvPr>
@@ -10143,10 +10369,10 @@
         </p:cxnSp>
         <p:cxnSp>
           <p:nvCxnSpPr>
-            <p:cNvPr id="197" name="直線コネクタ 196">
-              <a:extLst>
-                <a:ext uri="{FF2B5EF4-FFF2-40B4-BE49-F238E27FC236}">
-                  <a16:creationId xmlns:a16="http://schemas.microsoft.com/office/drawing/2014/main" id="{92F6377E-1656-4476-8969-B2A881664A99}"/>
+            <p:cNvPr id="17" name="直線コネクタ 16">
+              <a:extLst>
+                <a:ext uri="{FF2B5EF4-FFF2-40B4-BE49-F238E27FC236}">
+                  <a16:creationId xmlns:a16="http://schemas.microsoft.com/office/drawing/2014/main" id="{A4854513-DFB9-4CBC-9E8B-F07C0F682CE6}"/>
                 </a:ext>
               </a:extLst>
             </p:cNvPr>
@@ -10186,10 +10412,10 @@
         </p:cxnSp>
         <p:cxnSp>
           <p:nvCxnSpPr>
-            <p:cNvPr id="199" name="直線コネクタ 198">
-              <a:extLst>
-                <a:ext uri="{FF2B5EF4-FFF2-40B4-BE49-F238E27FC236}">
-                  <a16:creationId xmlns:a16="http://schemas.microsoft.com/office/drawing/2014/main" id="{33C39648-71A9-497D-ACAB-804F95C743C6}"/>
+            <p:cNvPr id="18" name="直線コネクタ 17">
+              <a:extLst>
+                <a:ext uri="{FF2B5EF4-FFF2-40B4-BE49-F238E27FC236}">
+                  <a16:creationId xmlns:a16="http://schemas.microsoft.com/office/drawing/2014/main" id="{E62B1B57-DF15-45A1-A281-3679063B8430}"/>
                 </a:ext>
               </a:extLst>
             </p:cNvPr>
@@ -10231,10 +10457,10 @@
         </p:cxnSp>
         <p:cxnSp>
           <p:nvCxnSpPr>
-            <p:cNvPr id="200" name="直線コネクタ 199">
-              <a:extLst>
-                <a:ext uri="{FF2B5EF4-FFF2-40B4-BE49-F238E27FC236}">
-                  <a16:creationId xmlns:a16="http://schemas.microsoft.com/office/drawing/2014/main" id="{108DC8BB-B695-4F49-A027-3EDC5A575C38}"/>
+            <p:cNvPr id="19" name="直線コネクタ 18">
+              <a:extLst>
+                <a:ext uri="{FF2B5EF4-FFF2-40B4-BE49-F238E27FC236}">
+                  <a16:creationId xmlns:a16="http://schemas.microsoft.com/office/drawing/2014/main" id="{63CFDA21-D693-43AF-974C-1459A9486524}"/>
                 </a:ext>
               </a:extLst>
             </p:cNvPr>
@@ -10276,10 +10502,10 @@
         </p:cxnSp>
         <p:cxnSp>
           <p:nvCxnSpPr>
-            <p:cNvPr id="207" name="直線コネクタ 206">
-              <a:extLst>
-                <a:ext uri="{FF2B5EF4-FFF2-40B4-BE49-F238E27FC236}">
-                  <a16:creationId xmlns:a16="http://schemas.microsoft.com/office/drawing/2014/main" id="{C31E125C-44D7-45C4-AD22-C8D4835030C5}"/>
+            <p:cNvPr id="20" name="直線コネクタ 19">
+              <a:extLst>
+                <a:ext uri="{FF2B5EF4-FFF2-40B4-BE49-F238E27FC236}">
+                  <a16:creationId xmlns:a16="http://schemas.microsoft.com/office/drawing/2014/main" id="{7B273C7E-84D9-450A-ACDE-5D1C923AD770}"/>
                 </a:ext>
               </a:extLst>
             </p:cNvPr>
@@ -10321,10 +10547,10 @@
         </p:cxnSp>
         <p:cxnSp>
           <p:nvCxnSpPr>
-            <p:cNvPr id="208" name="直線コネクタ 207">
-              <a:extLst>
-                <a:ext uri="{FF2B5EF4-FFF2-40B4-BE49-F238E27FC236}">
-                  <a16:creationId xmlns:a16="http://schemas.microsoft.com/office/drawing/2014/main" id="{DD5C5B91-954D-4871-9EF7-94F53175C78C}"/>
+            <p:cNvPr id="21" name="直線コネクタ 20">
+              <a:extLst>
+                <a:ext uri="{FF2B5EF4-FFF2-40B4-BE49-F238E27FC236}">
+                  <a16:creationId xmlns:a16="http://schemas.microsoft.com/office/drawing/2014/main" id="{57671809-9419-42B9-A609-42924FE92A7B}"/>
                 </a:ext>
               </a:extLst>
             </p:cNvPr>
@@ -10366,10 +10592,10 @@
         </p:cxnSp>
         <p:cxnSp>
           <p:nvCxnSpPr>
-            <p:cNvPr id="209" name="直線コネクタ 208">
-              <a:extLst>
-                <a:ext uri="{FF2B5EF4-FFF2-40B4-BE49-F238E27FC236}">
-                  <a16:creationId xmlns:a16="http://schemas.microsoft.com/office/drawing/2014/main" id="{5EFCE659-7029-48DC-BC69-69CE105B56EA}"/>
+            <p:cNvPr id="22" name="直線コネクタ 21">
+              <a:extLst>
+                <a:ext uri="{FF2B5EF4-FFF2-40B4-BE49-F238E27FC236}">
+                  <a16:creationId xmlns:a16="http://schemas.microsoft.com/office/drawing/2014/main" id="{B64628B8-AFA6-43BC-AA5E-8B6F8A776540}"/>
                 </a:ext>
               </a:extLst>
             </p:cNvPr>
@@ -10411,10 +10637,10 @@
         </p:cxnSp>
         <p:cxnSp>
           <p:nvCxnSpPr>
-            <p:cNvPr id="211" name="直線コネクタ 210">
-              <a:extLst>
-                <a:ext uri="{FF2B5EF4-FFF2-40B4-BE49-F238E27FC236}">
-                  <a16:creationId xmlns:a16="http://schemas.microsoft.com/office/drawing/2014/main" id="{6F5731E0-DB7D-4500-8367-CD148E313D08}"/>
+            <p:cNvPr id="23" name="直線コネクタ 22">
+              <a:extLst>
+                <a:ext uri="{FF2B5EF4-FFF2-40B4-BE49-F238E27FC236}">
+                  <a16:creationId xmlns:a16="http://schemas.microsoft.com/office/drawing/2014/main" id="{37EDDC98-07BA-4D34-B2A5-4BF8596FDB07}"/>
                 </a:ext>
               </a:extLst>
             </p:cNvPr>
@@ -10456,10 +10682,10 @@
         </p:cxnSp>
         <p:cxnSp>
           <p:nvCxnSpPr>
-            <p:cNvPr id="212" name="直線コネクタ 211">
-              <a:extLst>
-                <a:ext uri="{FF2B5EF4-FFF2-40B4-BE49-F238E27FC236}">
-                  <a16:creationId xmlns:a16="http://schemas.microsoft.com/office/drawing/2014/main" id="{F998A93D-7D1A-4FD3-8083-09EC52E50213}"/>
+            <p:cNvPr id="24" name="直線コネクタ 23">
+              <a:extLst>
+                <a:ext uri="{FF2B5EF4-FFF2-40B4-BE49-F238E27FC236}">
+                  <a16:creationId xmlns:a16="http://schemas.microsoft.com/office/drawing/2014/main" id="{FDFCA635-B206-4310-B0AE-1039FE6E1665}"/>
                 </a:ext>
               </a:extLst>
             </p:cNvPr>
@@ -10501,10 +10727,10 @@
         </p:cxnSp>
         <p:cxnSp>
           <p:nvCxnSpPr>
-            <p:cNvPr id="213" name="直線コネクタ 212">
-              <a:extLst>
-                <a:ext uri="{FF2B5EF4-FFF2-40B4-BE49-F238E27FC236}">
-                  <a16:creationId xmlns:a16="http://schemas.microsoft.com/office/drawing/2014/main" id="{16042578-6829-4D5A-BD53-A0B12EC1BAD2}"/>
+            <p:cNvPr id="25" name="直線コネクタ 24">
+              <a:extLst>
+                <a:ext uri="{FF2B5EF4-FFF2-40B4-BE49-F238E27FC236}">
+                  <a16:creationId xmlns:a16="http://schemas.microsoft.com/office/drawing/2014/main" id="{84FEBB59-9198-4CF0-A9C9-09C9058F45EE}"/>
                 </a:ext>
               </a:extLst>
             </p:cNvPr>
@@ -10546,10 +10772,10 @@
         </p:cxnSp>
         <p:cxnSp>
           <p:nvCxnSpPr>
-            <p:cNvPr id="215" name="直線コネクタ 214">
-              <a:extLst>
-                <a:ext uri="{FF2B5EF4-FFF2-40B4-BE49-F238E27FC236}">
-                  <a16:creationId xmlns:a16="http://schemas.microsoft.com/office/drawing/2014/main" id="{AB6D3205-5E0E-48FE-844E-EBE389723EA5}"/>
+            <p:cNvPr id="26" name="直線コネクタ 25">
+              <a:extLst>
+                <a:ext uri="{FF2B5EF4-FFF2-40B4-BE49-F238E27FC236}">
+                  <a16:creationId xmlns:a16="http://schemas.microsoft.com/office/drawing/2014/main" id="{07E1817E-FC6D-47C3-BD56-795195B1D5EF}"/>
                 </a:ext>
               </a:extLst>
             </p:cNvPr>
@@ -10589,10 +10815,10 @@
         </p:cxnSp>
         <p:cxnSp>
           <p:nvCxnSpPr>
-            <p:cNvPr id="216" name="直線コネクタ 215">
-              <a:extLst>
-                <a:ext uri="{FF2B5EF4-FFF2-40B4-BE49-F238E27FC236}">
-                  <a16:creationId xmlns:a16="http://schemas.microsoft.com/office/drawing/2014/main" id="{20D77152-E25E-400D-BE06-30B3EE8D7448}"/>
+            <p:cNvPr id="27" name="直線コネクタ 26">
+              <a:extLst>
+                <a:ext uri="{FF2B5EF4-FFF2-40B4-BE49-F238E27FC236}">
+                  <a16:creationId xmlns:a16="http://schemas.microsoft.com/office/drawing/2014/main" id="{DBCDA921-0F17-4F67-92EB-23A4C07E746F}"/>
                 </a:ext>
               </a:extLst>
             </p:cNvPr>
@@ -10634,10 +10860,10 @@
         </p:cxnSp>
         <p:cxnSp>
           <p:nvCxnSpPr>
-            <p:cNvPr id="217" name="直線コネクタ 216">
-              <a:extLst>
-                <a:ext uri="{FF2B5EF4-FFF2-40B4-BE49-F238E27FC236}">
-                  <a16:creationId xmlns:a16="http://schemas.microsoft.com/office/drawing/2014/main" id="{65968CFB-F375-4A9A-9B68-8FC09CF8E550}"/>
+            <p:cNvPr id="28" name="直線コネクタ 27">
+              <a:extLst>
+                <a:ext uri="{FF2B5EF4-FFF2-40B4-BE49-F238E27FC236}">
+                  <a16:creationId xmlns:a16="http://schemas.microsoft.com/office/drawing/2014/main" id="{AA29FB7E-2EB6-4CA5-BDC7-30EAF528CCCF}"/>
                 </a:ext>
               </a:extLst>
             </p:cNvPr>
@@ -10679,10 +10905,10 @@
         </p:cxnSp>
         <p:cxnSp>
           <p:nvCxnSpPr>
-            <p:cNvPr id="218" name="直線コネクタ 217">
-              <a:extLst>
-                <a:ext uri="{FF2B5EF4-FFF2-40B4-BE49-F238E27FC236}">
-                  <a16:creationId xmlns:a16="http://schemas.microsoft.com/office/drawing/2014/main" id="{0F49B1C9-8A37-44ED-A4CC-FB39C4A90BA9}"/>
+            <p:cNvPr id="29" name="直線コネクタ 28">
+              <a:extLst>
+                <a:ext uri="{FF2B5EF4-FFF2-40B4-BE49-F238E27FC236}">
+                  <a16:creationId xmlns:a16="http://schemas.microsoft.com/office/drawing/2014/main" id="{FE880539-03D1-4E8D-BEB8-653369D0754E}"/>
                 </a:ext>
               </a:extLst>
             </p:cNvPr>
@@ -10724,10 +10950,10 @@
         </p:cxnSp>
         <p:cxnSp>
           <p:nvCxnSpPr>
-            <p:cNvPr id="220" name="直線コネクタ 219">
-              <a:extLst>
-                <a:ext uri="{FF2B5EF4-FFF2-40B4-BE49-F238E27FC236}">
-                  <a16:creationId xmlns:a16="http://schemas.microsoft.com/office/drawing/2014/main" id="{D870C9CE-5A0B-41F9-98D9-FA86754F9ED9}"/>
+            <p:cNvPr id="30" name="直線コネクタ 29">
+              <a:extLst>
+                <a:ext uri="{FF2B5EF4-FFF2-40B4-BE49-F238E27FC236}">
+                  <a16:creationId xmlns:a16="http://schemas.microsoft.com/office/drawing/2014/main" id="{63F88032-EC33-4FFE-9C33-4F7C2E4D6642}"/>
                 </a:ext>
               </a:extLst>
             </p:cNvPr>
@@ -10769,10 +10995,10 @@
         </p:cxnSp>
         <p:cxnSp>
           <p:nvCxnSpPr>
-            <p:cNvPr id="221" name="直線コネクタ 220">
-              <a:extLst>
-                <a:ext uri="{FF2B5EF4-FFF2-40B4-BE49-F238E27FC236}">
-                  <a16:creationId xmlns:a16="http://schemas.microsoft.com/office/drawing/2014/main" id="{C4D8FB63-EA3F-4DA2-BD21-F904E294017C}"/>
+            <p:cNvPr id="31" name="直線コネクタ 30">
+              <a:extLst>
+                <a:ext uri="{FF2B5EF4-FFF2-40B4-BE49-F238E27FC236}">
+                  <a16:creationId xmlns:a16="http://schemas.microsoft.com/office/drawing/2014/main" id="{64096A12-CF83-402B-B6F3-3B1BC8E503AB}"/>
                 </a:ext>
               </a:extLst>
             </p:cNvPr>
@@ -10814,10 +11040,10 @@
         </p:cxnSp>
         <p:cxnSp>
           <p:nvCxnSpPr>
-            <p:cNvPr id="222" name="直線コネクタ 221">
-              <a:extLst>
-                <a:ext uri="{FF2B5EF4-FFF2-40B4-BE49-F238E27FC236}">
-                  <a16:creationId xmlns:a16="http://schemas.microsoft.com/office/drawing/2014/main" id="{9365FA1F-C534-4B14-B428-FEDB3394B047}"/>
+            <p:cNvPr id="32" name="直線コネクタ 31">
+              <a:extLst>
+                <a:ext uri="{FF2B5EF4-FFF2-40B4-BE49-F238E27FC236}">
+                  <a16:creationId xmlns:a16="http://schemas.microsoft.com/office/drawing/2014/main" id="{A37C4C20-D1A1-4817-8AEC-8BA81CCB49E6}"/>
                 </a:ext>
               </a:extLst>
             </p:cNvPr>
@@ -10859,10 +11085,10 @@
         </p:cxnSp>
         <p:sp>
           <p:nvSpPr>
-            <p:cNvPr id="223" name="楕円 222">
-              <a:extLst>
-                <a:ext uri="{FF2B5EF4-FFF2-40B4-BE49-F238E27FC236}">
-                  <a16:creationId xmlns:a16="http://schemas.microsoft.com/office/drawing/2014/main" id="{5E425048-AF5F-4974-8AEF-31F0BF18603F}"/>
+            <p:cNvPr id="33" name="楕円 32">
+              <a:extLst>
+                <a:ext uri="{FF2B5EF4-FFF2-40B4-BE49-F238E27FC236}">
+                  <a16:creationId xmlns:a16="http://schemas.microsoft.com/office/drawing/2014/main" id="{14E9A5AC-9BF3-4143-817A-C5BF203614CC}"/>
                 </a:ext>
               </a:extLst>
             </p:cNvPr>
@@ -10910,16 +11136,16 @@
         </p:sp>
         <p:cxnSp>
           <p:nvCxnSpPr>
-            <p:cNvPr id="226" name="直線コネクタ 225">
-              <a:extLst>
-                <a:ext uri="{FF2B5EF4-FFF2-40B4-BE49-F238E27FC236}">
-                  <a16:creationId xmlns:a16="http://schemas.microsoft.com/office/drawing/2014/main" id="{C850D9EB-941B-41EF-9AAF-B318AB8D5FE0}"/>
+            <p:cNvPr id="34" name="直線コネクタ 33">
+              <a:extLst>
+                <a:ext uri="{FF2B5EF4-FFF2-40B4-BE49-F238E27FC236}">
+                  <a16:creationId xmlns:a16="http://schemas.microsoft.com/office/drawing/2014/main" id="{262FD2DC-5E86-4840-821F-2C33AE196A9D}"/>
                 </a:ext>
               </a:extLst>
             </p:cNvPr>
             <p:cNvCxnSpPr>
               <a:cxnSpLocks/>
-              <a:endCxn id="223" idx="2"/>
+              <a:endCxn id="33" idx="2"/>
             </p:cNvCxnSpPr>
             <p:nvPr/>
           </p:nvCxnSpPr>
@@ -10956,10 +11182,10 @@
         </p:cxnSp>
         <p:cxnSp>
           <p:nvCxnSpPr>
-            <p:cNvPr id="227" name="直線コネクタ 226">
-              <a:extLst>
-                <a:ext uri="{FF2B5EF4-FFF2-40B4-BE49-F238E27FC236}">
-                  <a16:creationId xmlns:a16="http://schemas.microsoft.com/office/drawing/2014/main" id="{415F1AF2-B403-45BB-A72F-F82EBB2D198F}"/>
+            <p:cNvPr id="35" name="直線コネクタ 34">
+              <a:extLst>
+                <a:ext uri="{FF2B5EF4-FFF2-40B4-BE49-F238E27FC236}">
+                  <a16:creationId xmlns:a16="http://schemas.microsoft.com/office/drawing/2014/main" id="{C0F20F4D-874D-450F-8B02-12675CB3B716}"/>
                 </a:ext>
               </a:extLst>
             </p:cNvPr>
@@ -11001,10 +11227,10 @@
         </p:cxnSp>
         <p:cxnSp>
           <p:nvCxnSpPr>
-            <p:cNvPr id="228" name="直線コネクタ 227">
-              <a:extLst>
-                <a:ext uri="{FF2B5EF4-FFF2-40B4-BE49-F238E27FC236}">
-                  <a16:creationId xmlns:a16="http://schemas.microsoft.com/office/drawing/2014/main" id="{62642FB2-6A62-4BBB-8030-D3A7D0EC9971}"/>
+            <p:cNvPr id="36" name="直線コネクタ 35">
+              <a:extLst>
+                <a:ext uri="{FF2B5EF4-FFF2-40B4-BE49-F238E27FC236}">
+                  <a16:creationId xmlns:a16="http://schemas.microsoft.com/office/drawing/2014/main" id="{99D289BD-7250-4D46-8898-5C3C519BEA24}"/>
                 </a:ext>
               </a:extLst>
             </p:cNvPr>
@@ -11046,10 +11272,10 @@
         </p:cxnSp>
         <p:cxnSp>
           <p:nvCxnSpPr>
-            <p:cNvPr id="229" name="直線コネクタ 228">
-              <a:extLst>
-                <a:ext uri="{FF2B5EF4-FFF2-40B4-BE49-F238E27FC236}">
-                  <a16:creationId xmlns:a16="http://schemas.microsoft.com/office/drawing/2014/main" id="{40BB6423-80D4-42AF-BE2A-12751E1FBC9A}"/>
+            <p:cNvPr id="37" name="直線コネクタ 36">
+              <a:extLst>
+                <a:ext uri="{FF2B5EF4-FFF2-40B4-BE49-F238E27FC236}">
+                  <a16:creationId xmlns:a16="http://schemas.microsoft.com/office/drawing/2014/main" id="{E28B9CAE-D2AA-4733-88BD-1C37FAA6781A}"/>
                 </a:ext>
               </a:extLst>
             </p:cNvPr>
@@ -11091,10 +11317,10 @@
         </p:cxnSp>
         <p:cxnSp>
           <p:nvCxnSpPr>
-            <p:cNvPr id="230" name="直線コネクタ 229">
-              <a:extLst>
-                <a:ext uri="{FF2B5EF4-FFF2-40B4-BE49-F238E27FC236}">
-                  <a16:creationId xmlns:a16="http://schemas.microsoft.com/office/drawing/2014/main" id="{BB6FB99A-6D36-47A8-9606-F8FE0341B77E}"/>
+            <p:cNvPr id="38" name="直線コネクタ 37">
+              <a:extLst>
+                <a:ext uri="{FF2B5EF4-FFF2-40B4-BE49-F238E27FC236}">
+                  <a16:creationId xmlns:a16="http://schemas.microsoft.com/office/drawing/2014/main" id="{215B57A3-9B8F-40B4-BF57-49926AD6C736}"/>
                 </a:ext>
               </a:extLst>
             </p:cNvPr>
@@ -11136,10 +11362,10 @@
         </p:cxnSp>
         <p:cxnSp>
           <p:nvCxnSpPr>
-            <p:cNvPr id="231" name="直線コネクタ 230">
-              <a:extLst>
-                <a:ext uri="{FF2B5EF4-FFF2-40B4-BE49-F238E27FC236}">
-                  <a16:creationId xmlns:a16="http://schemas.microsoft.com/office/drawing/2014/main" id="{EF348ED9-F984-4EF3-9DFE-6E39CCFDEDC2}"/>
+            <p:cNvPr id="39" name="直線コネクタ 38">
+              <a:extLst>
+                <a:ext uri="{FF2B5EF4-FFF2-40B4-BE49-F238E27FC236}">
+                  <a16:creationId xmlns:a16="http://schemas.microsoft.com/office/drawing/2014/main" id="{D85135C1-4D49-4500-BB2E-392C01266482}"/>
                 </a:ext>
               </a:extLst>
             </p:cNvPr>
@@ -11181,10 +11407,10 @@
         </p:cxnSp>
         <p:cxnSp>
           <p:nvCxnSpPr>
-            <p:cNvPr id="233" name="直線コネクタ 232">
-              <a:extLst>
-                <a:ext uri="{FF2B5EF4-FFF2-40B4-BE49-F238E27FC236}">
-                  <a16:creationId xmlns:a16="http://schemas.microsoft.com/office/drawing/2014/main" id="{1F71C420-495E-4383-8943-2C0CCA2EC51B}"/>
+            <p:cNvPr id="40" name="直線コネクタ 39">
+              <a:extLst>
+                <a:ext uri="{FF2B5EF4-FFF2-40B4-BE49-F238E27FC236}">
+                  <a16:creationId xmlns:a16="http://schemas.microsoft.com/office/drawing/2014/main" id="{5ABBC9D8-70F1-4A98-8B43-9E979C28DC68}"/>
                 </a:ext>
               </a:extLst>
             </p:cNvPr>
@@ -11226,10 +11452,10 @@
         </p:cxnSp>
         <p:cxnSp>
           <p:nvCxnSpPr>
-            <p:cNvPr id="235" name="直線コネクタ 234">
-              <a:extLst>
-                <a:ext uri="{FF2B5EF4-FFF2-40B4-BE49-F238E27FC236}">
-                  <a16:creationId xmlns:a16="http://schemas.microsoft.com/office/drawing/2014/main" id="{3A9FE692-D83A-4246-BDD8-30829A0ED4EC}"/>
+            <p:cNvPr id="41" name="直線コネクタ 40">
+              <a:extLst>
+                <a:ext uri="{FF2B5EF4-FFF2-40B4-BE49-F238E27FC236}">
+                  <a16:creationId xmlns:a16="http://schemas.microsoft.com/office/drawing/2014/main" id="{6151CEED-0239-4DA4-831C-1F4DDA16959F}"/>
                 </a:ext>
               </a:extLst>
             </p:cNvPr>
@@ -11271,10 +11497,10 @@
         </p:cxnSp>
         <p:cxnSp>
           <p:nvCxnSpPr>
-            <p:cNvPr id="241" name="直線コネクタ 240">
-              <a:extLst>
-                <a:ext uri="{FF2B5EF4-FFF2-40B4-BE49-F238E27FC236}">
-                  <a16:creationId xmlns:a16="http://schemas.microsoft.com/office/drawing/2014/main" id="{5F697BE7-255E-459D-967B-53AF802DB2BB}"/>
+            <p:cNvPr id="42" name="直線コネクタ 41">
+              <a:extLst>
+                <a:ext uri="{FF2B5EF4-FFF2-40B4-BE49-F238E27FC236}">
+                  <a16:creationId xmlns:a16="http://schemas.microsoft.com/office/drawing/2014/main" id="{479506BA-24B8-4357-ACC9-D8FF155A8A6C}"/>
                 </a:ext>
               </a:extLst>
             </p:cNvPr>
@@ -11316,10 +11542,10 @@
         </p:cxnSp>
         <p:cxnSp>
           <p:nvCxnSpPr>
-            <p:cNvPr id="242" name="直線コネクタ 241">
-              <a:extLst>
-                <a:ext uri="{FF2B5EF4-FFF2-40B4-BE49-F238E27FC236}">
-                  <a16:creationId xmlns:a16="http://schemas.microsoft.com/office/drawing/2014/main" id="{970D5FD6-D85E-4D40-9785-84A4AF8C57A9}"/>
+            <p:cNvPr id="43" name="直線コネクタ 42">
+              <a:extLst>
+                <a:ext uri="{FF2B5EF4-FFF2-40B4-BE49-F238E27FC236}">
+                  <a16:creationId xmlns:a16="http://schemas.microsoft.com/office/drawing/2014/main" id="{3D318ADD-B1C7-49C2-888E-C1CBF994C6A4}"/>
                 </a:ext>
               </a:extLst>
             </p:cNvPr>
@@ -11361,10 +11587,10 @@
         </p:cxnSp>
         <p:sp>
           <p:nvSpPr>
-            <p:cNvPr id="243" name="テキスト ボックス 242">
-              <a:extLst>
-                <a:ext uri="{FF2B5EF4-FFF2-40B4-BE49-F238E27FC236}">
-                  <a16:creationId xmlns:a16="http://schemas.microsoft.com/office/drawing/2014/main" id="{E15C71AA-DF23-41FD-9EED-C9BEAA7AB3BF}"/>
+            <p:cNvPr id="44" name="テキスト ボックス 43">
+              <a:extLst>
+                <a:ext uri="{FF2B5EF4-FFF2-40B4-BE49-F238E27FC236}">
+                  <a16:creationId xmlns:a16="http://schemas.microsoft.com/office/drawing/2014/main" id="{B842EF89-C700-42FA-9476-401FE3DDACB1}"/>
                 </a:ext>
               </a:extLst>
             </p:cNvPr>
@@ -11396,10 +11622,10 @@
         </p:sp>
         <p:sp>
           <p:nvSpPr>
-            <p:cNvPr id="244" name="テキスト ボックス 243">
-              <a:extLst>
-                <a:ext uri="{FF2B5EF4-FFF2-40B4-BE49-F238E27FC236}">
-                  <a16:creationId xmlns:a16="http://schemas.microsoft.com/office/drawing/2014/main" id="{06FAEE57-16B2-45B6-844C-29E5B7F6EE5B}"/>
+            <p:cNvPr id="45" name="テキスト ボックス 44">
+              <a:extLst>
+                <a:ext uri="{FF2B5EF4-FFF2-40B4-BE49-F238E27FC236}">
+                  <a16:creationId xmlns:a16="http://schemas.microsoft.com/office/drawing/2014/main" id="{DC7ACA76-6E7E-412F-B84D-94808E7DD0DF}"/>
                 </a:ext>
               </a:extLst>
             </p:cNvPr>
@@ -11431,10 +11657,10 @@
         </p:sp>
         <p:sp>
           <p:nvSpPr>
-            <p:cNvPr id="246" name="テキスト ボックス 245">
-              <a:extLst>
-                <a:ext uri="{FF2B5EF4-FFF2-40B4-BE49-F238E27FC236}">
-                  <a16:creationId xmlns:a16="http://schemas.microsoft.com/office/drawing/2014/main" id="{F0C23E3A-C835-4A99-9FCA-44CA387E9F28}"/>
+            <p:cNvPr id="46" name="テキスト ボックス 45">
+              <a:extLst>
+                <a:ext uri="{FF2B5EF4-FFF2-40B4-BE49-F238E27FC236}">
+                  <a16:creationId xmlns:a16="http://schemas.microsoft.com/office/drawing/2014/main" id="{B5CC2082-FDAA-4838-83A9-061C6076A504}"/>
                 </a:ext>
               </a:extLst>
             </p:cNvPr>
@@ -11466,10 +11692,10 @@
         </p:sp>
         <p:sp>
           <p:nvSpPr>
-            <p:cNvPr id="247" name="テキスト ボックス 246">
-              <a:extLst>
-                <a:ext uri="{FF2B5EF4-FFF2-40B4-BE49-F238E27FC236}">
-                  <a16:creationId xmlns:a16="http://schemas.microsoft.com/office/drawing/2014/main" id="{E3946FBB-6545-4EB1-B4AD-6BDF7100929C}"/>
+            <p:cNvPr id="47" name="テキスト ボックス 46">
+              <a:extLst>
+                <a:ext uri="{FF2B5EF4-FFF2-40B4-BE49-F238E27FC236}">
+                  <a16:creationId xmlns:a16="http://schemas.microsoft.com/office/drawing/2014/main" id="{90C2DE96-EAFD-4243-87B8-0384A0F63C6A}"/>
                 </a:ext>
               </a:extLst>
             </p:cNvPr>
@@ -11506,10 +11732,10 @@
         </p:sp>
         <p:sp>
           <p:nvSpPr>
-            <p:cNvPr id="249" name="テキスト ボックス 248">
-              <a:extLst>
-                <a:ext uri="{FF2B5EF4-FFF2-40B4-BE49-F238E27FC236}">
-                  <a16:creationId xmlns:a16="http://schemas.microsoft.com/office/drawing/2014/main" id="{D1266462-1204-4D1D-83C6-95FB4268AE3A}"/>
+            <p:cNvPr id="48" name="テキスト ボックス 47">
+              <a:extLst>
+                <a:ext uri="{FF2B5EF4-FFF2-40B4-BE49-F238E27FC236}">
+                  <a16:creationId xmlns:a16="http://schemas.microsoft.com/office/drawing/2014/main" id="{EB63DD4B-DFC0-47BC-9759-48C7E6A0136A}"/>
                 </a:ext>
               </a:extLst>
             </p:cNvPr>
@@ -11546,10 +11772,10 @@
         </p:sp>
         <p:sp>
           <p:nvSpPr>
-            <p:cNvPr id="250" name="楕円 249">
-              <a:extLst>
-                <a:ext uri="{FF2B5EF4-FFF2-40B4-BE49-F238E27FC236}">
-                  <a16:creationId xmlns:a16="http://schemas.microsoft.com/office/drawing/2014/main" id="{793832A2-3B68-4FA8-842B-622C1BC8A5E9}"/>
+            <p:cNvPr id="49" name="楕円 48">
+              <a:extLst>
+                <a:ext uri="{FF2B5EF4-FFF2-40B4-BE49-F238E27FC236}">
+                  <a16:creationId xmlns:a16="http://schemas.microsoft.com/office/drawing/2014/main" id="{C1BD5BFB-B35D-4F6F-9F33-37F1969A172E}"/>
                 </a:ext>
               </a:extLst>
             </p:cNvPr>
@@ -11592,10 +11818,10 @@
         </p:sp>
         <p:sp>
           <p:nvSpPr>
-            <p:cNvPr id="251" name="楕円 250">
-              <a:extLst>
-                <a:ext uri="{FF2B5EF4-FFF2-40B4-BE49-F238E27FC236}">
-                  <a16:creationId xmlns:a16="http://schemas.microsoft.com/office/drawing/2014/main" id="{8D60D487-8A6A-4A3D-B898-B621C7D23615}"/>
+            <p:cNvPr id="50" name="楕円 49">
+              <a:extLst>
+                <a:ext uri="{FF2B5EF4-FFF2-40B4-BE49-F238E27FC236}">
+                  <a16:creationId xmlns:a16="http://schemas.microsoft.com/office/drawing/2014/main" id="{C0EAA0BE-53E5-4E27-AFB7-AECCCDCED16D}"/>
                 </a:ext>
               </a:extLst>
             </p:cNvPr>
@@ -11638,10 +11864,10 @@
         </p:sp>
         <p:sp>
           <p:nvSpPr>
-            <p:cNvPr id="252" name="テキスト ボックス 251">
-              <a:extLst>
-                <a:ext uri="{FF2B5EF4-FFF2-40B4-BE49-F238E27FC236}">
-                  <a16:creationId xmlns:a16="http://schemas.microsoft.com/office/drawing/2014/main" id="{CD560DAC-FCE6-4EE7-87FB-2D43EEAF25E1}"/>
+            <p:cNvPr id="51" name="テキスト ボックス 50">
+              <a:extLst>
+                <a:ext uri="{FF2B5EF4-FFF2-40B4-BE49-F238E27FC236}">
+                  <a16:creationId xmlns:a16="http://schemas.microsoft.com/office/drawing/2014/main" id="{AE3F7835-4588-4B35-AD05-E1B8BB00FE96}"/>
                 </a:ext>
               </a:extLst>
             </p:cNvPr>
@@ -11673,10 +11899,10 @@
         </p:sp>
         <p:sp>
           <p:nvSpPr>
-            <p:cNvPr id="253" name="テキスト ボックス 252">
-              <a:extLst>
-                <a:ext uri="{FF2B5EF4-FFF2-40B4-BE49-F238E27FC236}">
-                  <a16:creationId xmlns:a16="http://schemas.microsoft.com/office/drawing/2014/main" id="{114E8C2B-7440-4E25-8F90-84C802D679CE}"/>
+            <p:cNvPr id="52" name="テキスト ボックス 51">
+              <a:extLst>
+                <a:ext uri="{FF2B5EF4-FFF2-40B4-BE49-F238E27FC236}">
+                  <a16:creationId xmlns:a16="http://schemas.microsoft.com/office/drawing/2014/main" id="{4B53234D-664B-4B5F-9299-D4E6C5EC322F}"/>
                 </a:ext>
               </a:extLst>
             </p:cNvPr>
@@ -11708,10 +11934,10 @@
         </p:sp>
         <p:sp>
           <p:nvSpPr>
-            <p:cNvPr id="254" name="テキスト ボックス 253">
-              <a:extLst>
-                <a:ext uri="{FF2B5EF4-FFF2-40B4-BE49-F238E27FC236}">
-                  <a16:creationId xmlns:a16="http://schemas.microsoft.com/office/drawing/2014/main" id="{1B8ED464-538D-49D7-8D66-A571B77BF2FF}"/>
+            <p:cNvPr id="53" name="テキスト ボックス 52">
+              <a:extLst>
+                <a:ext uri="{FF2B5EF4-FFF2-40B4-BE49-F238E27FC236}">
+                  <a16:creationId xmlns:a16="http://schemas.microsoft.com/office/drawing/2014/main" id="{78964525-109D-499C-AFC2-4D6BBDFE7E2E}"/>
                 </a:ext>
               </a:extLst>
             </p:cNvPr>
@@ -11743,10 +11969,10 @@
         </p:sp>
         <p:sp>
           <p:nvSpPr>
-            <p:cNvPr id="256" name="テキスト ボックス 255">
-              <a:extLst>
-                <a:ext uri="{FF2B5EF4-FFF2-40B4-BE49-F238E27FC236}">
-                  <a16:creationId xmlns:a16="http://schemas.microsoft.com/office/drawing/2014/main" id="{6123026A-5EB9-48D8-ABC6-9D9DEC1E32DE}"/>
+            <p:cNvPr id="54" name="テキスト ボックス 53">
+              <a:extLst>
+                <a:ext uri="{FF2B5EF4-FFF2-40B4-BE49-F238E27FC236}">
+                  <a16:creationId xmlns:a16="http://schemas.microsoft.com/office/drawing/2014/main" id="{1A7987A7-46E1-42EB-BD8B-371551AB48CF}"/>
                 </a:ext>
               </a:extLst>
             </p:cNvPr>
@@ -11778,10 +12004,10 @@
         </p:sp>
         <p:sp>
           <p:nvSpPr>
-            <p:cNvPr id="257" name="テキスト ボックス 256">
-              <a:extLst>
-                <a:ext uri="{FF2B5EF4-FFF2-40B4-BE49-F238E27FC236}">
-                  <a16:creationId xmlns:a16="http://schemas.microsoft.com/office/drawing/2014/main" id="{71E64002-8BC0-4493-91C1-C7AB31991636}"/>
+            <p:cNvPr id="55" name="テキスト ボックス 54">
+              <a:extLst>
+                <a:ext uri="{FF2B5EF4-FFF2-40B4-BE49-F238E27FC236}">
+                  <a16:creationId xmlns:a16="http://schemas.microsoft.com/office/drawing/2014/main" id="{823E625A-9C9C-4914-8C1C-739AC2427574}"/>
                 </a:ext>
               </a:extLst>
             </p:cNvPr>
@@ -11813,10 +12039,10 @@
         </p:sp>
         <p:cxnSp>
           <p:nvCxnSpPr>
-            <p:cNvPr id="258" name="直線コネクタ 257">
-              <a:extLst>
-                <a:ext uri="{FF2B5EF4-FFF2-40B4-BE49-F238E27FC236}">
-                  <a16:creationId xmlns:a16="http://schemas.microsoft.com/office/drawing/2014/main" id="{A3296822-D7CF-4E22-B3E0-8B5EA06C17C0}"/>
+            <p:cNvPr id="56" name="直線コネクタ 55">
+              <a:extLst>
+                <a:ext uri="{FF2B5EF4-FFF2-40B4-BE49-F238E27FC236}">
+                  <a16:creationId xmlns:a16="http://schemas.microsoft.com/office/drawing/2014/main" id="{7377CA8E-0CA4-4102-9221-0FDCA7AFD0E0}"/>
                 </a:ext>
               </a:extLst>
             </p:cNvPr>
@@ -11858,10 +12084,10 @@
         </p:cxnSp>
         <p:cxnSp>
           <p:nvCxnSpPr>
-            <p:cNvPr id="259" name="直線コネクタ 258">
-              <a:extLst>
-                <a:ext uri="{FF2B5EF4-FFF2-40B4-BE49-F238E27FC236}">
-                  <a16:creationId xmlns:a16="http://schemas.microsoft.com/office/drawing/2014/main" id="{756CF412-4CFC-4323-AF8A-C337C2662ED9}"/>
+            <p:cNvPr id="57" name="直線コネクタ 56">
+              <a:extLst>
+                <a:ext uri="{FF2B5EF4-FFF2-40B4-BE49-F238E27FC236}">
+                  <a16:creationId xmlns:a16="http://schemas.microsoft.com/office/drawing/2014/main" id="{1279B294-A5EB-4F4A-A98C-7A3E024E7C4C}"/>
                 </a:ext>
               </a:extLst>
             </p:cNvPr>
@@ -11903,10 +12129,10 @@
         </p:cxnSp>
         <p:cxnSp>
           <p:nvCxnSpPr>
-            <p:cNvPr id="261" name="直線コネクタ 260">
-              <a:extLst>
-                <a:ext uri="{FF2B5EF4-FFF2-40B4-BE49-F238E27FC236}">
-                  <a16:creationId xmlns:a16="http://schemas.microsoft.com/office/drawing/2014/main" id="{26AD7579-1CF4-498B-85AA-C4ED31B4406F}"/>
+            <p:cNvPr id="58" name="直線コネクタ 57">
+              <a:extLst>
+                <a:ext uri="{FF2B5EF4-FFF2-40B4-BE49-F238E27FC236}">
+                  <a16:creationId xmlns:a16="http://schemas.microsoft.com/office/drawing/2014/main" id="{D315D687-53FE-4E32-A778-0FA56FAB1277}"/>
                 </a:ext>
               </a:extLst>
             </p:cNvPr>
@@ -11948,10 +12174,10 @@
         </p:cxnSp>
         <p:sp>
           <p:nvSpPr>
-            <p:cNvPr id="263" name="テキスト ボックス 262">
-              <a:extLst>
-                <a:ext uri="{FF2B5EF4-FFF2-40B4-BE49-F238E27FC236}">
-                  <a16:creationId xmlns:a16="http://schemas.microsoft.com/office/drawing/2014/main" id="{D00F0207-67BB-44E3-B1B3-30BE7352110C}"/>
+            <p:cNvPr id="59" name="テキスト ボックス 58">
+              <a:extLst>
+                <a:ext uri="{FF2B5EF4-FFF2-40B4-BE49-F238E27FC236}">
+                  <a16:creationId xmlns:a16="http://schemas.microsoft.com/office/drawing/2014/main" id="{71F59DB7-83CB-49D9-B833-FB80A4341B7B}"/>
                 </a:ext>
               </a:extLst>
             </p:cNvPr>
@@ -11983,10 +12209,10 @@
         </p:sp>
         <p:sp>
           <p:nvSpPr>
-            <p:cNvPr id="265" name="テキスト ボックス 264">
-              <a:extLst>
-                <a:ext uri="{FF2B5EF4-FFF2-40B4-BE49-F238E27FC236}">
-                  <a16:creationId xmlns:a16="http://schemas.microsoft.com/office/drawing/2014/main" id="{4683CAFA-BF1C-4EF8-A4C7-B12D6F594A5F}"/>
+            <p:cNvPr id="60" name="テキスト ボックス 59">
+              <a:extLst>
+                <a:ext uri="{FF2B5EF4-FFF2-40B4-BE49-F238E27FC236}">
+                  <a16:creationId xmlns:a16="http://schemas.microsoft.com/office/drawing/2014/main" id="{14350C43-A318-4E85-BCA5-14A98022D485}"/>
                 </a:ext>
               </a:extLst>
             </p:cNvPr>
@@ -12018,10 +12244,10 @@
         </p:sp>
         <p:sp>
           <p:nvSpPr>
-            <p:cNvPr id="270" name="テキスト ボックス 269">
-              <a:extLst>
-                <a:ext uri="{FF2B5EF4-FFF2-40B4-BE49-F238E27FC236}">
-                  <a16:creationId xmlns:a16="http://schemas.microsoft.com/office/drawing/2014/main" id="{79F1368E-6F63-46B9-AE34-1B5F7D6B2C99}"/>
+            <p:cNvPr id="61" name="テキスト ボックス 60">
+              <a:extLst>
+                <a:ext uri="{FF2B5EF4-FFF2-40B4-BE49-F238E27FC236}">
+                  <a16:creationId xmlns:a16="http://schemas.microsoft.com/office/drawing/2014/main" id="{5A1C0A3C-CD5B-4942-9568-A4E1BA009CBD}"/>
                 </a:ext>
               </a:extLst>
             </p:cNvPr>
@@ -12053,10 +12279,10 @@
         </p:sp>
         <p:sp>
           <p:nvSpPr>
-            <p:cNvPr id="275" name="テキスト ボックス 274">
-              <a:extLst>
-                <a:ext uri="{FF2B5EF4-FFF2-40B4-BE49-F238E27FC236}">
-                  <a16:creationId xmlns:a16="http://schemas.microsoft.com/office/drawing/2014/main" id="{0497C271-7B40-4BCD-BD3B-D3C8665B2B49}"/>
+            <p:cNvPr id="62" name="テキスト ボックス 61">
+              <a:extLst>
+                <a:ext uri="{FF2B5EF4-FFF2-40B4-BE49-F238E27FC236}">
+                  <a16:creationId xmlns:a16="http://schemas.microsoft.com/office/drawing/2014/main" id="{9F3971D2-B6EB-4583-A7F1-3C43517091ED}"/>
                 </a:ext>
               </a:extLst>
             </p:cNvPr>
@@ -12088,10 +12314,10 @@
         </p:sp>
         <p:sp>
           <p:nvSpPr>
-            <p:cNvPr id="276" name="テキスト ボックス 275">
-              <a:extLst>
-                <a:ext uri="{FF2B5EF4-FFF2-40B4-BE49-F238E27FC236}">
-                  <a16:creationId xmlns:a16="http://schemas.microsoft.com/office/drawing/2014/main" id="{2C6585C3-74DA-4858-A520-D6EE6C783F33}"/>
+            <p:cNvPr id="63" name="テキスト ボックス 62">
+              <a:extLst>
+                <a:ext uri="{FF2B5EF4-FFF2-40B4-BE49-F238E27FC236}">
+                  <a16:creationId xmlns:a16="http://schemas.microsoft.com/office/drawing/2014/main" id="{3A4A5F3C-827B-4BA3-B8CA-93A3D6BD4E17}"/>
                 </a:ext>
               </a:extLst>
             </p:cNvPr>
@@ -12123,10 +12349,10 @@
         </p:sp>
         <p:sp>
           <p:nvSpPr>
-            <p:cNvPr id="277" name="テキスト ボックス 276">
-              <a:extLst>
-                <a:ext uri="{FF2B5EF4-FFF2-40B4-BE49-F238E27FC236}">
-                  <a16:creationId xmlns:a16="http://schemas.microsoft.com/office/drawing/2014/main" id="{9FB653DF-2451-4C16-8153-E8E1B7057EAD}"/>
+            <p:cNvPr id="64" name="テキスト ボックス 63">
+              <a:extLst>
+                <a:ext uri="{FF2B5EF4-FFF2-40B4-BE49-F238E27FC236}">
+                  <a16:creationId xmlns:a16="http://schemas.microsoft.com/office/drawing/2014/main" id="{A20C3DD3-F7F9-4358-B39A-0975314B336E}"/>
                 </a:ext>
               </a:extLst>
             </p:cNvPr>
@@ -12158,10 +12384,10 @@
         </p:sp>
         <p:sp>
           <p:nvSpPr>
-            <p:cNvPr id="278" name="テキスト ボックス 277">
-              <a:extLst>
-                <a:ext uri="{FF2B5EF4-FFF2-40B4-BE49-F238E27FC236}">
-                  <a16:creationId xmlns:a16="http://schemas.microsoft.com/office/drawing/2014/main" id="{B960D34A-403A-40D0-86EB-C8CF5FC01579}"/>
+            <p:cNvPr id="65" name="テキスト ボックス 64">
+              <a:extLst>
+                <a:ext uri="{FF2B5EF4-FFF2-40B4-BE49-F238E27FC236}">
+                  <a16:creationId xmlns:a16="http://schemas.microsoft.com/office/drawing/2014/main" id="{0F339BED-2D49-4990-8FFF-C610B69E7988}"/>
                 </a:ext>
               </a:extLst>
             </p:cNvPr>
@@ -12193,10 +12419,10 @@
         </p:sp>
         <p:sp>
           <p:nvSpPr>
-            <p:cNvPr id="279" name="テキスト ボックス 278">
-              <a:extLst>
-                <a:ext uri="{FF2B5EF4-FFF2-40B4-BE49-F238E27FC236}">
-                  <a16:creationId xmlns:a16="http://schemas.microsoft.com/office/drawing/2014/main" id="{AB4B7B06-FC41-4949-A9FB-535133ACD042}"/>
+            <p:cNvPr id="66" name="テキスト ボックス 65">
+              <a:extLst>
+                <a:ext uri="{FF2B5EF4-FFF2-40B4-BE49-F238E27FC236}">
+                  <a16:creationId xmlns:a16="http://schemas.microsoft.com/office/drawing/2014/main" id="{B08ED61A-4B69-47D0-89F3-D4A22C0DFA40}"/>
                 </a:ext>
               </a:extLst>
             </p:cNvPr>
@@ -12228,10 +12454,10 @@
         </p:sp>
         <p:sp>
           <p:nvSpPr>
-            <p:cNvPr id="280" name="テキスト ボックス 279">
-              <a:extLst>
-                <a:ext uri="{FF2B5EF4-FFF2-40B4-BE49-F238E27FC236}">
-                  <a16:creationId xmlns:a16="http://schemas.microsoft.com/office/drawing/2014/main" id="{88FC7E39-5FB7-40EC-B17B-9CB308DC7F67}"/>
+            <p:cNvPr id="67" name="テキスト ボックス 66">
+              <a:extLst>
+                <a:ext uri="{FF2B5EF4-FFF2-40B4-BE49-F238E27FC236}">
+                  <a16:creationId xmlns:a16="http://schemas.microsoft.com/office/drawing/2014/main" id="{7CA30BF5-5B4B-4E5B-A9DF-B76D18B3F214}"/>
                 </a:ext>
               </a:extLst>
             </p:cNvPr>
@@ -12240,7 +12466,7 @@
           </p:nvSpPr>
           <p:spPr>
             <a:xfrm>
-              <a:off x="5430807" y="2823537"/>
+              <a:off x="5500479" y="2823537"/>
               <a:ext cx="229230" cy="153888"/>
             </a:xfrm>
             <a:prstGeom prst="rect">
@@ -12263,10 +12489,10 @@
         </p:sp>
         <p:sp>
           <p:nvSpPr>
-            <p:cNvPr id="281" name="テキスト ボックス 280">
-              <a:extLst>
-                <a:ext uri="{FF2B5EF4-FFF2-40B4-BE49-F238E27FC236}">
-                  <a16:creationId xmlns:a16="http://schemas.microsoft.com/office/drawing/2014/main" id="{A6D34DF4-72D7-4A2A-9A6B-85EB602702BC}"/>
+            <p:cNvPr id="68" name="テキスト ボックス 67">
+              <a:extLst>
+                <a:ext uri="{FF2B5EF4-FFF2-40B4-BE49-F238E27FC236}">
+                  <a16:creationId xmlns:a16="http://schemas.microsoft.com/office/drawing/2014/main" id="{2142AA6F-6FCD-463C-A81B-AE2C13793C30}"/>
                 </a:ext>
               </a:extLst>
             </p:cNvPr>
@@ -12298,10 +12524,10 @@
         </p:sp>
         <p:sp>
           <p:nvSpPr>
-            <p:cNvPr id="282" name="テキスト ボックス 281">
-              <a:extLst>
-                <a:ext uri="{FF2B5EF4-FFF2-40B4-BE49-F238E27FC236}">
-                  <a16:creationId xmlns:a16="http://schemas.microsoft.com/office/drawing/2014/main" id="{3167EE45-6404-4DDF-8A20-65F002DC21F8}"/>
+            <p:cNvPr id="69" name="テキスト ボックス 68">
+              <a:extLst>
+                <a:ext uri="{FF2B5EF4-FFF2-40B4-BE49-F238E27FC236}">
+                  <a16:creationId xmlns:a16="http://schemas.microsoft.com/office/drawing/2014/main" id="{50D2DD53-953B-4720-892E-8FF1BB0DEF18}"/>
                 </a:ext>
               </a:extLst>
             </p:cNvPr>
@@ -12333,10 +12559,10 @@
         </p:sp>
         <p:sp>
           <p:nvSpPr>
-            <p:cNvPr id="283" name="テキスト ボックス 282">
-              <a:extLst>
-                <a:ext uri="{FF2B5EF4-FFF2-40B4-BE49-F238E27FC236}">
-                  <a16:creationId xmlns:a16="http://schemas.microsoft.com/office/drawing/2014/main" id="{DB031E2E-F240-44AC-BF47-43B0A4A8E1AA}"/>
+            <p:cNvPr id="70" name="テキスト ボックス 69">
+              <a:extLst>
+                <a:ext uri="{FF2B5EF4-FFF2-40B4-BE49-F238E27FC236}">
+                  <a16:creationId xmlns:a16="http://schemas.microsoft.com/office/drawing/2014/main" id="{6732E95C-D8C5-45DC-B8FA-B1B1952CB0C6}"/>
                 </a:ext>
               </a:extLst>
             </p:cNvPr>
@@ -12368,10 +12594,10 @@
         </p:sp>
         <p:sp>
           <p:nvSpPr>
-            <p:cNvPr id="284" name="テキスト ボックス 283">
-              <a:extLst>
-                <a:ext uri="{FF2B5EF4-FFF2-40B4-BE49-F238E27FC236}">
-                  <a16:creationId xmlns:a16="http://schemas.microsoft.com/office/drawing/2014/main" id="{F4FA040F-A8B0-41CE-8C51-AF37437D6FE3}"/>
+            <p:cNvPr id="71" name="テキスト ボックス 70">
+              <a:extLst>
+                <a:ext uri="{FF2B5EF4-FFF2-40B4-BE49-F238E27FC236}">
+                  <a16:creationId xmlns:a16="http://schemas.microsoft.com/office/drawing/2014/main" id="{53EAD7B3-A00B-405D-95BF-9791E42BADE8}"/>
                 </a:ext>
               </a:extLst>
             </p:cNvPr>
@@ -12403,10 +12629,10 @@
         </p:sp>
         <p:sp>
           <p:nvSpPr>
-            <p:cNvPr id="285" name="テキスト ボックス 284">
-              <a:extLst>
-                <a:ext uri="{FF2B5EF4-FFF2-40B4-BE49-F238E27FC236}">
-                  <a16:creationId xmlns:a16="http://schemas.microsoft.com/office/drawing/2014/main" id="{235ADA5D-5470-4DCF-9AD8-0FFD5E512773}"/>
+            <p:cNvPr id="72" name="テキスト ボックス 71">
+              <a:extLst>
+                <a:ext uri="{FF2B5EF4-FFF2-40B4-BE49-F238E27FC236}">
+                  <a16:creationId xmlns:a16="http://schemas.microsoft.com/office/drawing/2014/main" id="{CCEAFC91-230E-4E9C-BCAC-5BC8AC801757}"/>
                 </a:ext>
               </a:extLst>
             </p:cNvPr>
@@ -12438,10 +12664,10 @@
         </p:sp>
         <p:sp>
           <p:nvSpPr>
-            <p:cNvPr id="286" name="テキスト ボックス 285">
-              <a:extLst>
-                <a:ext uri="{FF2B5EF4-FFF2-40B4-BE49-F238E27FC236}">
-                  <a16:creationId xmlns:a16="http://schemas.microsoft.com/office/drawing/2014/main" id="{8F986B04-9F48-4799-8F37-58159EBFD000}"/>
+            <p:cNvPr id="73" name="テキスト ボックス 72">
+              <a:extLst>
+                <a:ext uri="{FF2B5EF4-FFF2-40B4-BE49-F238E27FC236}">
+                  <a16:creationId xmlns:a16="http://schemas.microsoft.com/office/drawing/2014/main" id="{1CEE6088-3579-4920-A20C-9150857D3521}"/>
                 </a:ext>
               </a:extLst>
             </p:cNvPr>
@@ -12473,10 +12699,10 @@
         </p:sp>
         <p:sp>
           <p:nvSpPr>
-            <p:cNvPr id="287" name="テキスト ボックス 286">
-              <a:extLst>
-                <a:ext uri="{FF2B5EF4-FFF2-40B4-BE49-F238E27FC236}">
-                  <a16:creationId xmlns:a16="http://schemas.microsoft.com/office/drawing/2014/main" id="{688EB461-F243-4A60-B6D3-C5745EEAFE59}"/>
+            <p:cNvPr id="74" name="テキスト ボックス 73">
+              <a:extLst>
+                <a:ext uri="{FF2B5EF4-FFF2-40B4-BE49-F238E27FC236}">
+                  <a16:creationId xmlns:a16="http://schemas.microsoft.com/office/drawing/2014/main" id="{DFBB7D04-E803-4CBC-ADA9-5EF8BBC30BC9}"/>
                 </a:ext>
               </a:extLst>
             </p:cNvPr>
@@ -12508,10 +12734,10 @@
         </p:sp>
         <p:sp>
           <p:nvSpPr>
-            <p:cNvPr id="288" name="テキスト ボックス 287">
-              <a:extLst>
-                <a:ext uri="{FF2B5EF4-FFF2-40B4-BE49-F238E27FC236}">
-                  <a16:creationId xmlns:a16="http://schemas.microsoft.com/office/drawing/2014/main" id="{886957BD-202B-4303-971F-F926E3355B47}"/>
+            <p:cNvPr id="75" name="テキスト ボックス 74">
+              <a:extLst>
+                <a:ext uri="{FF2B5EF4-FFF2-40B4-BE49-F238E27FC236}">
+                  <a16:creationId xmlns:a16="http://schemas.microsoft.com/office/drawing/2014/main" id="{9B91D664-22BB-4049-ACAC-6751630CCE08}"/>
                 </a:ext>
               </a:extLst>
             </p:cNvPr>
@@ -12543,10 +12769,10 @@
         </p:sp>
         <p:sp>
           <p:nvSpPr>
-            <p:cNvPr id="289" name="テキスト ボックス 288">
-              <a:extLst>
-                <a:ext uri="{FF2B5EF4-FFF2-40B4-BE49-F238E27FC236}">
-                  <a16:creationId xmlns:a16="http://schemas.microsoft.com/office/drawing/2014/main" id="{9E47DECF-9003-4126-8E00-2242AA21813F}"/>
+            <p:cNvPr id="76" name="テキスト ボックス 75">
+              <a:extLst>
+                <a:ext uri="{FF2B5EF4-FFF2-40B4-BE49-F238E27FC236}">
+                  <a16:creationId xmlns:a16="http://schemas.microsoft.com/office/drawing/2014/main" id="{7710E577-4E85-4897-A7CC-711CD92C5B6E}"/>
                 </a:ext>
               </a:extLst>
             </p:cNvPr>
@@ -12578,10 +12804,10 @@
         </p:sp>
         <p:sp>
           <p:nvSpPr>
-            <p:cNvPr id="290" name="テキスト ボックス 289">
-              <a:extLst>
-                <a:ext uri="{FF2B5EF4-FFF2-40B4-BE49-F238E27FC236}">
-                  <a16:creationId xmlns:a16="http://schemas.microsoft.com/office/drawing/2014/main" id="{C227FA35-6017-44DF-A843-BBE3794CD9CB}"/>
+            <p:cNvPr id="77" name="テキスト ボックス 76">
+              <a:extLst>
+                <a:ext uri="{FF2B5EF4-FFF2-40B4-BE49-F238E27FC236}">
+                  <a16:creationId xmlns:a16="http://schemas.microsoft.com/office/drawing/2014/main" id="{BE806A1D-5662-491B-90AA-33E6D74E15C9}"/>
                 </a:ext>
               </a:extLst>
             </p:cNvPr>
@@ -12613,10 +12839,10 @@
         </p:sp>
         <p:sp>
           <p:nvSpPr>
-            <p:cNvPr id="291" name="テキスト ボックス 290">
-              <a:extLst>
-                <a:ext uri="{FF2B5EF4-FFF2-40B4-BE49-F238E27FC236}">
-                  <a16:creationId xmlns:a16="http://schemas.microsoft.com/office/drawing/2014/main" id="{7BBF5513-E102-47AC-8946-091E5AA1C809}"/>
+            <p:cNvPr id="78" name="テキスト ボックス 77">
+              <a:extLst>
+                <a:ext uri="{FF2B5EF4-FFF2-40B4-BE49-F238E27FC236}">
+                  <a16:creationId xmlns:a16="http://schemas.microsoft.com/office/drawing/2014/main" id="{77E3897D-2128-4C11-9D1B-2EF43B7EADFE}"/>
                 </a:ext>
               </a:extLst>
             </p:cNvPr>
@@ -12648,10 +12874,10 @@
         </p:sp>
         <p:sp>
           <p:nvSpPr>
-            <p:cNvPr id="292" name="テキスト ボックス 291">
-              <a:extLst>
-                <a:ext uri="{FF2B5EF4-FFF2-40B4-BE49-F238E27FC236}">
-                  <a16:creationId xmlns:a16="http://schemas.microsoft.com/office/drawing/2014/main" id="{83467164-2675-4F38-894B-EF4871BDDE0C}"/>
+            <p:cNvPr id="79" name="テキスト ボックス 78">
+              <a:extLst>
+                <a:ext uri="{FF2B5EF4-FFF2-40B4-BE49-F238E27FC236}">
+                  <a16:creationId xmlns:a16="http://schemas.microsoft.com/office/drawing/2014/main" id="{90EB0236-2F72-4EDD-ADD1-53B08B8FCCB7}"/>
                 </a:ext>
               </a:extLst>
             </p:cNvPr>
@@ -12683,10 +12909,10 @@
         </p:sp>
         <p:sp>
           <p:nvSpPr>
-            <p:cNvPr id="293" name="テキスト ボックス 292">
-              <a:extLst>
-                <a:ext uri="{FF2B5EF4-FFF2-40B4-BE49-F238E27FC236}">
-                  <a16:creationId xmlns:a16="http://schemas.microsoft.com/office/drawing/2014/main" id="{D563EDE9-E450-413C-BB64-6B3B854E7732}"/>
+            <p:cNvPr id="80" name="テキスト ボックス 79">
+              <a:extLst>
+                <a:ext uri="{FF2B5EF4-FFF2-40B4-BE49-F238E27FC236}">
+                  <a16:creationId xmlns:a16="http://schemas.microsoft.com/office/drawing/2014/main" id="{CFE109C9-8738-40BD-9AAC-D3DFDE1A936C}"/>
                 </a:ext>
               </a:extLst>
             </p:cNvPr>
@@ -12718,10 +12944,10 @@
         </p:sp>
         <p:sp>
           <p:nvSpPr>
-            <p:cNvPr id="298" name="テキスト ボックス 297">
-              <a:extLst>
-                <a:ext uri="{FF2B5EF4-FFF2-40B4-BE49-F238E27FC236}">
-                  <a16:creationId xmlns:a16="http://schemas.microsoft.com/office/drawing/2014/main" id="{71DBF0F2-819B-4402-9975-F36715DB88A9}"/>
+            <p:cNvPr id="81" name="テキスト ボックス 80">
+              <a:extLst>
+                <a:ext uri="{FF2B5EF4-FFF2-40B4-BE49-F238E27FC236}">
+                  <a16:creationId xmlns:a16="http://schemas.microsoft.com/office/drawing/2014/main" id="{117D1527-9704-4D53-82B7-5E3DC3DEA992}"/>
                 </a:ext>
               </a:extLst>
             </p:cNvPr>
@@ -12753,10 +12979,10 @@
         </p:sp>
         <p:sp>
           <p:nvSpPr>
-            <p:cNvPr id="302" name="テキスト ボックス 301">
-              <a:extLst>
-                <a:ext uri="{FF2B5EF4-FFF2-40B4-BE49-F238E27FC236}">
-                  <a16:creationId xmlns:a16="http://schemas.microsoft.com/office/drawing/2014/main" id="{B0A1A771-6A84-432D-A115-1A70D9ACF985}"/>
+            <p:cNvPr id="82" name="テキスト ボックス 81">
+              <a:extLst>
+                <a:ext uri="{FF2B5EF4-FFF2-40B4-BE49-F238E27FC236}">
+                  <a16:creationId xmlns:a16="http://schemas.microsoft.com/office/drawing/2014/main" id="{1C5004B0-E7BB-4380-AC1E-E98929489F91}"/>
                 </a:ext>
               </a:extLst>
             </p:cNvPr>
@@ -12788,10 +13014,10 @@
         </p:sp>
         <p:sp>
           <p:nvSpPr>
-            <p:cNvPr id="309" name="テキスト ボックス 308">
-              <a:extLst>
-                <a:ext uri="{FF2B5EF4-FFF2-40B4-BE49-F238E27FC236}">
-                  <a16:creationId xmlns:a16="http://schemas.microsoft.com/office/drawing/2014/main" id="{DB53DCBA-BC68-476E-B95A-8D929A46F06E}"/>
+            <p:cNvPr id="83" name="テキスト ボックス 82">
+              <a:extLst>
+                <a:ext uri="{FF2B5EF4-FFF2-40B4-BE49-F238E27FC236}">
+                  <a16:creationId xmlns:a16="http://schemas.microsoft.com/office/drawing/2014/main" id="{FA5396C6-2A64-4018-92A1-8A7F1512070E}"/>
                 </a:ext>
               </a:extLst>
             </p:cNvPr>
@@ -12800,7 +13026,7 @@
           </p:nvSpPr>
           <p:spPr>
             <a:xfrm>
-              <a:off x="5515260" y="3519672"/>
+              <a:off x="5515260" y="4059606"/>
               <a:ext cx="907300" cy="276999"/>
             </a:xfrm>
             <a:prstGeom prst="rect">
@@ -12823,10 +13049,10 @@
         </p:sp>
         <p:sp>
           <p:nvSpPr>
-            <p:cNvPr id="313" name="テキスト ボックス 312">
-              <a:extLst>
-                <a:ext uri="{FF2B5EF4-FFF2-40B4-BE49-F238E27FC236}">
-                  <a16:creationId xmlns:a16="http://schemas.microsoft.com/office/drawing/2014/main" id="{EE0F2327-EBE9-4F8C-9458-C50F1FEBC0BD}"/>
+            <p:cNvPr id="84" name="テキスト ボックス 83">
+              <a:extLst>
+                <a:ext uri="{FF2B5EF4-FFF2-40B4-BE49-F238E27FC236}">
+                  <a16:creationId xmlns:a16="http://schemas.microsoft.com/office/drawing/2014/main" id="{D0897F8E-CE8F-4219-8BEF-C6777D949A30}"/>
                 </a:ext>
               </a:extLst>
             </p:cNvPr>
@@ -12858,10 +13084,10 @@
         </p:sp>
         <p:sp>
           <p:nvSpPr>
-            <p:cNvPr id="316" name="テキスト ボックス 315">
-              <a:extLst>
-                <a:ext uri="{FF2B5EF4-FFF2-40B4-BE49-F238E27FC236}">
-                  <a16:creationId xmlns:a16="http://schemas.microsoft.com/office/drawing/2014/main" id="{B3CC432C-CF6A-42F4-95CE-F33B8E5B620F}"/>
+            <p:cNvPr id="85" name="テキスト ボックス 84">
+              <a:extLst>
+                <a:ext uri="{FF2B5EF4-FFF2-40B4-BE49-F238E27FC236}">
+                  <a16:creationId xmlns:a16="http://schemas.microsoft.com/office/drawing/2014/main" id="{BD956F84-57F5-4F1F-9FA2-2EB760FC9574}"/>
                 </a:ext>
               </a:extLst>
             </p:cNvPr>
@@ -12893,10 +13119,10 @@
         </p:sp>
         <p:sp>
           <p:nvSpPr>
-            <p:cNvPr id="317" name="テキスト ボックス 316">
-              <a:extLst>
-                <a:ext uri="{FF2B5EF4-FFF2-40B4-BE49-F238E27FC236}">
-                  <a16:creationId xmlns:a16="http://schemas.microsoft.com/office/drawing/2014/main" id="{4207BB65-2D3E-4E42-8F19-BD898414F8E5}"/>
+            <p:cNvPr id="86" name="テキスト ボックス 85">
+              <a:extLst>
+                <a:ext uri="{FF2B5EF4-FFF2-40B4-BE49-F238E27FC236}">
+                  <a16:creationId xmlns:a16="http://schemas.microsoft.com/office/drawing/2014/main" id="{2464801B-1022-4785-9816-4ED856B53136}"/>
                 </a:ext>
               </a:extLst>
             </p:cNvPr>
@@ -12928,10 +13154,10 @@
         </p:sp>
         <p:sp>
           <p:nvSpPr>
-            <p:cNvPr id="320" name="テキスト ボックス 319">
-              <a:extLst>
-                <a:ext uri="{FF2B5EF4-FFF2-40B4-BE49-F238E27FC236}">
-                  <a16:creationId xmlns:a16="http://schemas.microsoft.com/office/drawing/2014/main" id="{8FAA3190-432D-4E88-B3A9-EB6A6E417E84}"/>
+            <p:cNvPr id="87" name="テキスト ボックス 86">
+              <a:extLst>
+                <a:ext uri="{FF2B5EF4-FFF2-40B4-BE49-F238E27FC236}">
+                  <a16:creationId xmlns:a16="http://schemas.microsoft.com/office/drawing/2014/main" id="{F971CB38-BD74-4D26-875A-E2B6428C3E59}"/>
                 </a:ext>
               </a:extLst>
             </p:cNvPr>
@@ -12963,16 +13189,16 @@
         </p:sp>
         <p:cxnSp>
           <p:nvCxnSpPr>
-            <p:cNvPr id="321" name="直線コネクタ 320">
-              <a:extLst>
-                <a:ext uri="{FF2B5EF4-FFF2-40B4-BE49-F238E27FC236}">
-                  <a16:creationId xmlns:a16="http://schemas.microsoft.com/office/drawing/2014/main" id="{8D10089D-A9FB-4670-9A15-1997DCFFB8EB}"/>
+            <p:cNvPr id="88" name="直線コネクタ 87">
+              <a:extLst>
+                <a:ext uri="{FF2B5EF4-FFF2-40B4-BE49-F238E27FC236}">
+                  <a16:creationId xmlns:a16="http://schemas.microsoft.com/office/drawing/2014/main" id="{77F83649-352B-41B5-B29C-2665DCB71DF0}"/>
                 </a:ext>
               </a:extLst>
             </p:cNvPr>
             <p:cNvCxnSpPr>
               <a:cxnSpLocks/>
-              <a:stCxn id="223" idx="6"/>
+              <a:stCxn id="33" idx="6"/>
             </p:cNvCxnSpPr>
             <p:nvPr/>
           </p:nvCxnSpPr>
@@ -13009,10 +13235,10 @@
         </p:cxnSp>
         <p:cxnSp>
           <p:nvCxnSpPr>
-            <p:cNvPr id="324" name="直線コネクタ 323">
-              <a:extLst>
-                <a:ext uri="{FF2B5EF4-FFF2-40B4-BE49-F238E27FC236}">
-                  <a16:creationId xmlns:a16="http://schemas.microsoft.com/office/drawing/2014/main" id="{0A21E98B-5EA9-411B-825D-A9EB6FA7EB56}"/>
+            <p:cNvPr id="89" name="直線コネクタ 88">
+              <a:extLst>
+                <a:ext uri="{FF2B5EF4-FFF2-40B4-BE49-F238E27FC236}">
+                  <a16:creationId xmlns:a16="http://schemas.microsoft.com/office/drawing/2014/main" id="{A047EE25-70D9-40C1-8023-2129902AACAD}"/>
                 </a:ext>
               </a:extLst>
             </p:cNvPr>
@@ -13054,10 +13280,10 @@
         </p:cxnSp>
         <p:cxnSp>
           <p:nvCxnSpPr>
-            <p:cNvPr id="325" name="直線コネクタ 324">
-              <a:extLst>
-                <a:ext uri="{FF2B5EF4-FFF2-40B4-BE49-F238E27FC236}">
-                  <a16:creationId xmlns:a16="http://schemas.microsoft.com/office/drawing/2014/main" id="{895B0E33-AB2A-4C0F-81EC-9BF8308E2E89}"/>
+            <p:cNvPr id="90" name="直線コネクタ 89">
+              <a:extLst>
+                <a:ext uri="{FF2B5EF4-FFF2-40B4-BE49-F238E27FC236}">
+                  <a16:creationId xmlns:a16="http://schemas.microsoft.com/office/drawing/2014/main" id="{EF7A0502-BE71-496A-AEF4-B41388994C55}"/>
                 </a:ext>
               </a:extLst>
             </p:cNvPr>
@@ -13099,10 +13325,10 @@
         </p:cxnSp>
         <p:cxnSp>
           <p:nvCxnSpPr>
-            <p:cNvPr id="326" name="直線コネクタ 325">
-              <a:extLst>
-                <a:ext uri="{FF2B5EF4-FFF2-40B4-BE49-F238E27FC236}">
-                  <a16:creationId xmlns:a16="http://schemas.microsoft.com/office/drawing/2014/main" id="{F46E0D53-0F1C-453C-A5B0-7DE80AADB7D3}"/>
+            <p:cNvPr id="91" name="直線コネクタ 90">
+              <a:extLst>
+                <a:ext uri="{FF2B5EF4-FFF2-40B4-BE49-F238E27FC236}">
+                  <a16:creationId xmlns:a16="http://schemas.microsoft.com/office/drawing/2014/main" id="{FEDE2BA2-87CC-4510-AC3F-811A02D75A1C}"/>
                 </a:ext>
               </a:extLst>
             </p:cNvPr>
@@ -13144,10 +13370,10 @@
         </p:cxnSp>
         <p:cxnSp>
           <p:nvCxnSpPr>
-            <p:cNvPr id="327" name="直線コネクタ 326">
-              <a:extLst>
-                <a:ext uri="{FF2B5EF4-FFF2-40B4-BE49-F238E27FC236}">
-                  <a16:creationId xmlns:a16="http://schemas.microsoft.com/office/drawing/2014/main" id="{CFCA70FB-A5D1-4FA7-B4BB-0A9F9B00DA52}"/>
+            <p:cNvPr id="92" name="直線コネクタ 91">
+              <a:extLst>
+                <a:ext uri="{FF2B5EF4-FFF2-40B4-BE49-F238E27FC236}">
+                  <a16:creationId xmlns:a16="http://schemas.microsoft.com/office/drawing/2014/main" id="{BEF99E81-F44A-405E-89A2-F0CE70F0B477}"/>
                 </a:ext>
               </a:extLst>
             </p:cNvPr>
@@ -13189,10 +13415,10 @@
         </p:cxnSp>
         <p:cxnSp>
           <p:nvCxnSpPr>
-            <p:cNvPr id="328" name="直線コネクタ 327">
-              <a:extLst>
-                <a:ext uri="{FF2B5EF4-FFF2-40B4-BE49-F238E27FC236}">
-                  <a16:creationId xmlns:a16="http://schemas.microsoft.com/office/drawing/2014/main" id="{A222CA96-1891-4BF3-B143-4AC0C72E9D2C}"/>
+            <p:cNvPr id="93" name="直線コネクタ 92">
+              <a:extLst>
+                <a:ext uri="{FF2B5EF4-FFF2-40B4-BE49-F238E27FC236}">
+                  <a16:creationId xmlns:a16="http://schemas.microsoft.com/office/drawing/2014/main" id="{36F75294-A367-4220-812A-8C3878B5808F}"/>
                 </a:ext>
               </a:extLst>
             </p:cNvPr>
@@ -13234,10 +13460,10 @@
         </p:cxnSp>
         <p:sp>
           <p:nvSpPr>
-            <p:cNvPr id="329" name="テキスト ボックス 328">
-              <a:extLst>
-                <a:ext uri="{FF2B5EF4-FFF2-40B4-BE49-F238E27FC236}">
-                  <a16:creationId xmlns:a16="http://schemas.microsoft.com/office/drawing/2014/main" id="{D70C2797-5FA2-4D28-B05F-B015CAB7B4FD}"/>
+            <p:cNvPr id="94" name="テキスト ボックス 93">
+              <a:extLst>
+                <a:ext uri="{FF2B5EF4-FFF2-40B4-BE49-F238E27FC236}">
+                  <a16:creationId xmlns:a16="http://schemas.microsoft.com/office/drawing/2014/main" id="{3B68E846-E61C-4230-98CF-F75B04F9BF18}"/>
                 </a:ext>
               </a:extLst>
             </p:cNvPr>
@@ -13269,10 +13495,10 @@
         </p:sp>
         <p:cxnSp>
           <p:nvCxnSpPr>
-            <p:cNvPr id="330" name="直線コネクタ 329">
-              <a:extLst>
-                <a:ext uri="{FF2B5EF4-FFF2-40B4-BE49-F238E27FC236}">
-                  <a16:creationId xmlns:a16="http://schemas.microsoft.com/office/drawing/2014/main" id="{6428FB3F-95AA-4BF5-9B32-3DFDE02E2F5C}"/>
+            <p:cNvPr id="95" name="直線コネクタ 94">
+              <a:extLst>
+                <a:ext uri="{FF2B5EF4-FFF2-40B4-BE49-F238E27FC236}">
+                  <a16:creationId xmlns:a16="http://schemas.microsoft.com/office/drawing/2014/main" id="{6303ADA9-8893-4159-81A9-D546C5BFDB01}"/>
                 </a:ext>
               </a:extLst>
             </p:cNvPr>
@@ -13314,10 +13540,10 @@
         </p:cxnSp>
         <p:cxnSp>
           <p:nvCxnSpPr>
-            <p:cNvPr id="331" name="直線コネクタ 330">
-              <a:extLst>
-                <a:ext uri="{FF2B5EF4-FFF2-40B4-BE49-F238E27FC236}">
-                  <a16:creationId xmlns:a16="http://schemas.microsoft.com/office/drawing/2014/main" id="{CBFB73A1-7D4E-4A00-A878-F5BE2E382D30}"/>
+            <p:cNvPr id="96" name="直線コネクタ 95">
+              <a:extLst>
+                <a:ext uri="{FF2B5EF4-FFF2-40B4-BE49-F238E27FC236}">
+                  <a16:creationId xmlns:a16="http://schemas.microsoft.com/office/drawing/2014/main" id="{BB129FCB-9A02-4B51-B46E-BBE49AC9693E}"/>
                 </a:ext>
               </a:extLst>
             </p:cNvPr>
@@ -13359,10 +13585,10 @@
         </p:cxnSp>
         <p:cxnSp>
           <p:nvCxnSpPr>
-            <p:cNvPr id="332" name="直線コネクタ 331">
-              <a:extLst>
-                <a:ext uri="{FF2B5EF4-FFF2-40B4-BE49-F238E27FC236}">
-                  <a16:creationId xmlns:a16="http://schemas.microsoft.com/office/drawing/2014/main" id="{F45E911D-9F01-4586-839F-00F19F0C976E}"/>
+            <p:cNvPr id="97" name="直線コネクタ 96">
+              <a:extLst>
+                <a:ext uri="{FF2B5EF4-FFF2-40B4-BE49-F238E27FC236}">
+                  <a16:creationId xmlns:a16="http://schemas.microsoft.com/office/drawing/2014/main" id="{54141BAF-47E9-4A21-875B-A4CAF4DA1377}"/>
                 </a:ext>
               </a:extLst>
             </p:cNvPr>
@@ -13404,10 +13630,10 @@
         </p:cxnSp>
         <p:cxnSp>
           <p:nvCxnSpPr>
-            <p:cNvPr id="333" name="直線コネクタ 332">
-              <a:extLst>
-                <a:ext uri="{FF2B5EF4-FFF2-40B4-BE49-F238E27FC236}">
-                  <a16:creationId xmlns:a16="http://schemas.microsoft.com/office/drawing/2014/main" id="{4CEE88AF-23E9-4C87-BC0C-EC320D6AAF9E}"/>
+            <p:cNvPr id="98" name="直線コネクタ 97">
+              <a:extLst>
+                <a:ext uri="{FF2B5EF4-FFF2-40B4-BE49-F238E27FC236}">
+                  <a16:creationId xmlns:a16="http://schemas.microsoft.com/office/drawing/2014/main" id="{7F69E0E1-8260-42F2-BC4A-4A1B48D3D217}"/>
                 </a:ext>
               </a:extLst>
             </p:cNvPr>
@@ -13449,10 +13675,10 @@
         </p:cxnSp>
         <p:cxnSp>
           <p:nvCxnSpPr>
-            <p:cNvPr id="334" name="直線コネクタ 333">
-              <a:extLst>
-                <a:ext uri="{FF2B5EF4-FFF2-40B4-BE49-F238E27FC236}">
-                  <a16:creationId xmlns:a16="http://schemas.microsoft.com/office/drawing/2014/main" id="{2AE328C7-0E0E-4ADE-A342-B36566FE2D76}"/>
+            <p:cNvPr id="99" name="直線コネクタ 98">
+              <a:extLst>
+                <a:ext uri="{FF2B5EF4-FFF2-40B4-BE49-F238E27FC236}">
+                  <a16:creationId xmlns:a16="http://schemas.microsoft.com/office/drawing/2014/main" id="{114F72C7-C6DA-4C00-80CD-40AAB4B2EA26}"/>
                 </a:ext>
               </a:extLst>
             </p:cNvPr>
@@ -13494,10 +13720,10 @@
         </p:cxnSp>
         <p:cxnSp>
           <p:nvCxnSpPr>
-            <p:cNvPr id="335" name="直線コネクタ 334">
-              <a:extLst>
-                <a:ext uri="{FF2B5EF4-FFF2-40B4-BE49-F238E27FC236}">
-                  <a16:creationId xmlns:a16="http://schemas.microsoft.com/office/drawing/2014/main" id="{929509F4-364D-4B5B-98F5-3DF79BC4AE61}"/>
+            <p:cNvPr id="100" name="直線コネクタ 99">
+              <a:extLst>
+                <a:ext uri="{FF2B5EF4-FFF2-40B4-BE49-F238E27FC236}">
+                  <a16:creationId xmlns:a16="http://schemas.microsoft.com/office/drawing/2014/main" id="{799D52AA-1435-4A16-B5F0-AD72A1FBBA31}"/>
                 </a:ext>
               </a:extLst>
             </p:cNvPr>
@@ -13539,10 +13765,10 @@
         </p:cxnSp>
         <p:cxnSp>
           <p:nvCxnSpPr>
-            <p:cNvPr id="336" name="直線コネクタ 335">
-              <a:extLst>
-                <a:ext uri="{FF2B5EF4-FFF2-40B4-BE49-F238E27FC236}">
-                  <a16:creationId xmlns:a16="http://schemas.microsoft.com/office/drawing/2014/main" id="{11A0AD4B-2160-4D7F-8ECC-E0C96A1C6583}"/>
+            <p:cNvPr id="101" name="直線コネクタ 100">
+              <a:extLst>
+                <a:ext uri="{FF2B5EF4-FFF2-40B4-BE49-F238E27FC236}">
+                  <a16:creationId xmlns:a16="http://schemas.microsoft.com/office/drawing/2014/main" id="{9511A156-ECCC-4C4A-B549-20D6FEBFC099}"/>
                 </a:ext>
               </a:extLst>
             </p:cNvPr>
@@ -13584,10 +13810,10 @@
         </p:cxnSp>
         <p:cxnSp>
           <p:nvCxnSpPr>
-            <p:cNvPr id="337" name="直線コネクタ 336">
-              <a:extLst>
-                <a:ext uri="{FF2B5EF4-FFF2-40B4-BE49-F238E27FC236}">
-                  <a16:creationId xmlns:a16="http://schemas.microsoft.com/office/drawing/2014/main" id="{A092BC42-4F33-42CF-9FA7-5842242FC212}"/>
+            <p:cNvPr id="102" name="直線コネクタ 101">
+              <a:extLst>
+                <a:ext uri="{FF2B5EF4-FFF2-40B4-BE49-F238E27FC236}">
+                  <a16:creationId xmlns:a16="http://schemas.microsoft.com/office/drawing/2014/main" id="{71B14444-73FD-4820-ABB3-A76BF2EBE38B}"/>
                 </a:ext>
               </a:extLst>
             </p:cNvPr>
@@ -13629,10 +13855,10 @@
         </p:cxnSp>
         <p:cxnSp>
           <p:nvCxnSpPr>
-            <p:cNvPr id="338" name="直線コネクタ 337">
-              <a:extLst>
-                <a:ext uri="{FF2B5EF4-FFF2-40B4-BE49-F238E27FC236}">
-                  <a16:creationId xmlns:a16="http://schemas.microsoft.com/office/drawing/2014/main" id="{C58DBA9B-C2C1-46EF-8D31-94F5E7A78AC0}"/>
+            <p:cNvPr id="103" name="直線コネクタ 102">
+              <a:extLst>
+                <a:ext uri="{FF2B5EF4-FFF2-40B4-BE49-F238E27FC236}">
+                  <a16:creationId xmlns:a16="http://schemas.microsoft.com/office/drawing/2014/main" id="{40949E9A-C3F2-47D3-ABB4-DCFE3532BB90}"/>
                 </a:ext>
               </a:extLst>
             </p:cNvPr>
@@ -13674,10 +13900,10 @@
         </p:cxnSp>
         <p:sp>
           <p:nvSpPr>
-            <p:cNvPr id="339" name="四角形: 角を丸くする 338">
-              <a:extLst>
-                <a:ext uri="{FF2B5EF4-FFF2-40B4-BE49-F238E27FC236}">
-                  <a16:creationId xmlns:a16="http://schemas.microsoft.com/office/drawing/2014/main" id="{7FD2838E-AD6B-4523-9D05-4320B3050690}"/>
+            <p:cNvPr id="104" name="四角形: 角を丸くする 103">
+              <a:extLst>
+                <a:ext uri="{FF2B5EF4-FFF2-40B4-BE49-F238E27FC236}">
+                  <a16:creationId xmlns:a16="http://schemas.microsoft.com/office/drawing/2014/main" id="{71CB7EA7-7CC2-43AC-B2ED-A98EE107077D}"/>
                 </a:ext>
               </a:extLst>
             </p:cNvPr>
@@ -13723,10 +13949,10 @@
         </p:sp>
         <p:sp>
           <p:nvSpPr>
-            <p:cNvPr id="340" name="テキスト ボックス 339">
-              <a:extLst>
-                <a:ext uri="{FF2B5EF4-FFF2-40B4-BE49-F238E27FC236}">
-                  <a16:creationId xmlns:a16="http://schemas.microsoft.com/office/drawing/2014/main" id="{B5A5FCA4-5AF7-474B-A3C4-46221DD6DD43}"/>
+            <p:cNvPr id="105" name="テキスト ボックス 104">
+              <a:extLst>
+                <a:ext uri="{FF2B5EF4-FFF2-40B4-BE49-F238E27FC236}">
+                  <a16:creationId xmlns:a16="http://schemas.microsoft.com/office/drawing/2014/main" id="{6774AF17-485C-496D-8305-54F109FED450}"/>
                 </a:ext>
               </a:extLst>
             </p:cNvPr>
@@ -13763,10 +13989,10 @@
         </p:sp>
         <p:cxnSp>
           <p:nvCxnSpPr>
-            <p:cNvPr id="341" name="直線コネクタ 340">
-              <a:extLst>
-                <a:ext uri="{FF2B5EF4-FFF2-40B4-BE49-F238E27FC236}">
-                  <a16:creationId xmlns:a16="http://schemas.microsoft.com/office/drawing/2014/main" id="{2286AB70-BBBB-4514-99ED-2ED38760CAA9}"/>
+            <p:cNvPr id="106" name="直線コネクタ 105">
+              <a:extLst>
+                <a:ext uri="{FF2B5EF4-FFF2-40B4-BE49-F238E27FC236}">
+                  <a16:creationId xmlns:a16="http://schemas.microsoft.com/office/drawing/2014/main" id="{3D6ECCF1-F345-4711-82CB-E5F96696F633}"/>
                 </a:ext>
               </a:extLst>
             </p:cNvPr>
@@ -13776,61 +14002,16 @@
             <p:nvPr/>
           </p:nvCxnSpPr>
           <p:spPr>
-            <a:xfrm flipH="1">
-              <a:off x="5163712" y="3071345"/>
-              <a:ext cx="245762" cy="1896"/>
+            <a:xfrm>
+              <a:off x="4164149" y="3319169"/>
+              <a:ext cx="223387" cy="501743"/>
             </a:xfrm>
             <a:prstGeom prst="line">
               <a:avLst/>
             </a:prstGeom>
             <a:ln>
               <a:solidFill>
-                <a:srgbClr val="0070C0"/>
-              </a:solidFill>
-              <a:headEnd type="oval" w="med" len="med"/>
-              <a:tailEnd type="oval" w="med" len="med"/>
-            </a:ln>
-          </p:spPr>
-          <p:style>
-            <a:lnRef idx="1">
-              <a:schemeClr val="accent1"/>
-            </a:lnRef>
-            <a:fillRef idx="0">
-              <a:schemeClr val="accent1"/>
-            </a:fillRef>
-            <a:effectRef idx="0">
-              <a:schemeClr val="accent1"/>
-            </a:effectRef>
-            <a:fontRef idx="minor">
-              <a:schemeClr val="tx1"/>
-            </a:fontRef>
-          </p:style>
-        </p:cxnSp>
-        <p:cxnSp>
-          <p:nvCxnSpPr>
-            <p:cNvPr id="342" name="直線コネクタ 341">
-              <a:extLst>
-                <a:ext uri="{FF2B5EF4-FFF2-40B4-BE49-F238E27FC236}">
-                  <a16:creationId xmlns:a16="http://schemas.microsoft.com/office/drawing/2014/main" id="{F380DB20-03A2-41C0-8981-E21E51A1861A}"/>
-                </a:ext>
-              </a:extLst>
-            </p:cNvPr>
-            <p:cNvCxnSpPr>
-              <a:cxnSpLocks/>
-            </p:cNvCxnSpPr>
-            <p:nvPr/>
-          </p:nvCxnSpPr>
-          <p:spPr>
-            <a:xfrm>
-              <a:off x="5409475" y="3066611"/>
-              <a:ext cx="5498" cy="738509"/>
-            </a:xfrm>
-            <a:prstGeom prst="line">
-              <a:avLst/>
-            </a:prstGeom>
-            <a:ln>
-              <a:solidFill>
-                <a:srgbClr val="0070C0"/>
+                <a:srgbClr val="FF0000"/>
               </a:solidFill>
               <a:headEnd type="oval" w="med" len="med"/>
               <a:tailEnd type="oval" w="med" len="med"/>
@@ -13853,10 +14034,10 @@
         </p:cxnSp>
         <p:sp>
           <p:nvSpPr>
-            <p:cNvPr id="343" name="テキスト ボックス 342">
-              <a:extLst>
-                <a:ext uri="{FF2B5EF4-FFF2-40B4-BE49-F238E27FC236}">
-                  <a16:creationId xmlns:a16="http://schemas.microsoft.com/office/drawing/2014/main" id="{1D6F875A-183F-46AB-B5F2-4399D3060799}"/>
+            <p:cNvPr id="107" name="テキスト ボックス 106">
+              <a:extLst>
+                <a:ext uri="{FF2B5EF4-FFF2-40B4-BE49-F238E27FC236}">
+                  <a16:creationId xmlns:a16="http://schemas.microsoft.com/office/drawing/2014/main" id="{68BFF24B-30C8-467A-A210-317D0C89F409}"/>
                 </a:ext>
               </a:extLst>
             </p:cNvPr>
@@ -13888,10 +14069,10 @@
         </p:sp>
         <p:cxnSp>
           <p:nvCxnSpPr>
-            <p:cNvPr id="344" name="直線コネクタ 343">
-              <a:extLst>
-                <a:ext uri="{FF2B5EF4-FFF2-40B4-BE49-F238E27FC236}">
-                  <a16:creationId xmlns:a16="http://schemas.microsoft.com/office/drawing/2014/main" id="{D6A438CA-6845-4DB7-A69F-AE37AAD0F59D}"/>
+            <p:cNvPr id="108" name="直線コネクタ 107">
+              <a:extLst>
+                <a:ext uri="{FF2B5EF4-FFF2-40B4-BE49-F238E27FC236}">
+                  <a16:creationId xmlns:a16="http://schemas.microsoft.com/office/drawing/2014/main" id="{4CA3D2CA-43E0-4B5B-9DC1-127FC81CA9E3}"/>
                 </a:ext>
               </a:extLst>
             </p:cNvPr>
@@ -13933,10 +14114,10 @@
         </p:cxnSp>
         <p:cxnSp>
           <p:nvCxnSpPr>
-            <p:cNvPr id="345" name="直線コネクタ 344">
-              <a:extLst>
-                <a:ext uri="{FF2B5EF4-FFF2-40B4-BE49-F238E27FC236}">
-                  <a16:creationId xmlns:a16="http://schemas.microsoft.com/office/drawing/2014/main" id="{92F9DC7F-2F6F-4886-8004-7806C9F15082}"/>
+            <p:cNvPr id="109" name="直線コネクタ 108">
+              <a:extLst>
+                <a:ext uri="{FF2B5EF4-FFF2-40B4-BE49-F238E27FC236}">
+                  <a16:creationId xmlns:a16="http://schemas.microsoft.com/office/drawing/2014/main" id="{BC8CDADD-F3B6-4995-8181-CB893AC83014}"/>
                 </a:ext>
               </a:extLst>
             </p:cNvPr>
@@ -13978,10 +14159,10 @@
         </p:cxnSp>
         <p:sp>
           <p:nvSpPr>
-            <p:cNvPr id="346" name="正方形/長方形 345">
-              <a:extLst>
-                <a:ext uri="{FF2B5EF4-FFF2-40B4-BE49-F238E27FC236}">
-                  <a16:creationId xmlns:a16="http://schemas.microsoft.com/office/drawing/2014/main" id="{311952FE-86D4-432F-BA23-2AE50955CCBB}"/>
+            <p:cNvPr id="110" name="正方形/長方形 109">
+              <a:extLst>
+                <a:ext uri="{FF2B5EF4-FFF2-40B4-BE49-F238E27FC236}">
+                  <a16:creationId xmlns:a16="http://schemas.microsoft.com/office/drawing/2014/main" id="{08382D80-9973-4FA7-B658-846C218C88B5}"/>
                 </a:ext>
               </a:extLst>
             </p:cNvPr>
@@ -14036,10 +14217,10 @@
         </p:sp>
         <p:cxnSp>
           <p:nvCxnSpPr>
-            <p:cNvPr id="347" name="直線コネクタ 346">
-              <a:extLst>
-                <a:ext uri="{FF2B5EF4-FFF2-40B4-BE49-F238E27FC236}">
-                  <a16:creationId xmlns:a16="http://schemas.microsoft.com/office/drawing/2014/main" id="{36CA871D-B753-4E70-B050-86E40FA358F1}"/>
+            <p:cNvPr id="111" name="直線コネクタ 110">
+              <a:extLst>
+                <a:ext uri="{FF2B5EF4-FFF2-40B4-BE49-F238E27FC236}">
+                  <a16:creationId xmlns:a16="http://schemas.microsoft.com/office/drawing/2014/main" id="{61354C18-089A-4C07-B4EC-EE5245A55AAB}"/>
                 </a:ext>
               </a:extLst>
             </p:cNvPr>
@@ -14081,10 +14262,10 @@
         </p:cxnSp>
         <p:cxnSp>
           <p:nvCxnSpPr>
-            <p:cNvPr id="348" name="直線コネクタ 347">
-              <a:extLst>
-                <a:ext uri="{FF2B5EF4-FFF2-40B4-BE49-F238E27FC236}">
-                  <a16:creationId xmlns:a16="http://schemas.microsoft.com/office/drawing/2014/main" id="{59FB598E-FE72-4483-A84F-9796F584CD66}"/>
+            <p:cNvPr id="112" name="直線コネクタ 111">
+              <a:extLst>
+                <a:ext uri="{FF2B5EF4-FFF2-40B4-BE49-F238E27FC236}">
+                  <a16:creationId xmlns:a16="http://schemas.microsoft.com/office/drawing/2014/main" id="{04220ABC-2B38-4C4D-82B2-7961B6C943F1}"/>
                 </a:ext>
               </a:extLst>
             </p:cNvPr>
@@ -14126,10 +14307,10 @@
         </p:cxnSp>
         <p:cxnSp>
           <p:nvCxnSpPr>
-            <p:cNvPr id="349" name="直線コネクタ 348">
-              <a:extLst>
-                <a:ext uri="{FF2B5EF4-FFF2-40B4-BE49-F238E27FC236}">
-                  <a16:creationId xmlns:a16="http://schemas.microsoft.com/office/drawing/2014/main" id="{3206F6C6-87FA-4750-9A85-C958C7DE6606}"/>
+            <p:cNvPr id="113" name="直線コネクタ 112">
+              <a:extLst>
+                <a:ext uri="{FF2B5EF4-FFF2-40B4-BE49-F238E27FC236}">
+                  <a16:creationId xmlns:a16="http://schemas.microsoft.com/office/drawing/2014/main" id="{CE48AFBC-9C8C-45D7-AE3B-F261FC6A5A18}"/>
                 </a:ext>
               </a:extLst>
             </p:cNvPr>
@@ -14171,10 +14352,10 @@
         </p:cxnSp>
         <p:cxnSp>
           <p:nvCxnSpPr>
-            <p:cNvPr id="350" name="直線コネクタ 349">
-              <a:extLst>
-                <a:ext uri="{FF2B5EF4-FFF2-40B4-BE49-F238E27FC236}">
-                  <a16:creationId xmlns:a16="http://schemas.microsoft.com/office/drawing/2014/main" id="{BDAA37AC-D2F8-43ED-8CBD-D8A3E13679DB}"/>
+            <p:cNvPr id="114" name="直線コネクタ 113">
+              <a:extLst>
+                <a:ext uri="{FF2B5EF4-FFF2-40B4-BE49-F238E27FC236}">
+                  <a16:creationId xmlns:a16="http://schemas.microsoft.com/office/drawing/2014/main" id="{94287E8D-BD4F-45D7-B12F-9EE0B9999E8C}"/>
                 </a:ext>
               </a:extLst>
             </p:cNvPr>
@@ -14218,10 +14399,10 @@
         </p:cxnSp>
         <p:cxnSp>
           <p:nvCxnSpPr>
-            <p:cNvPr id="351" name="直線コネクタ 350">
-              <a:extLst>
-                <a:ext uri="{FF2B5EF4-FFF2-40B4-BE49-F238E27FC236}">
-                  <a16:creationId xmlns:a16="http://schemas.microsoft.com/office/drawing/2014/main" id="{BA2412F9-A9EB-4CDE-9C29-00F6C07BCC53}"/>
+            <p:cNvPr id="115" name="直線コネクタ 114">
+              <a:extLst>
+                <a:ext uri="{FF2B5EF4-FFF2-40B4-BE49-F238E27FC236}">
+                  <a16:creationId xmlns:a16="http://schemas.microsoft.com/office/drawing/2014/main" id="{B387AB76-7B18-445A-8CA0-89ABFC0CEE34}"/>
                 </a:ext>
               </a:extLst>
             </p:cNvPr>
@@ -14265,10 +14446,10 @@
         </p:cxnSp>
         <p:cxnSp>
           <p:nvCxnSpPr>
-            <p:cNvPr id="355" name="直線コネクタ 354">
-              <a:extLst>
-                <a:ext uri="{FF2B5EF4-FFF2-40B4-BE49-F238E27FC236}">
-                  <a16:creationId xmlns:a16="http://schemas.microsoft.com/office/drawing/2014/main" id="{CFE7D1D9-187C-436C-A6F4-8745FDB74A92}"/>
+            <p:cNvPr id="116" name="直線コネクタ 115">
+              <a:extLst>
+                <a:ext uri="{FF2B5EF4-FFF2-40B4-BE49-F238E27FC236}">
+                  <a16:creationId xmlns:a16="http://schemas.microsoft.com/office/drawing/2014/main" id="{B1663E9E-4030-493D-9A23-1F45F82E2303}"/>
                 </a:ext>
               </a:extLst>
             </p:cNvPr>
@@ -14312,10 +14493,10 @@
         </p:cxnSp>
         <p:cxnSp>
           <p:nvCxnSpPr>
-            <p:cNvPr id="356" name="直線コネクタ 355">
-              <a:extLst>
-                <a:ext uri="{FF2B5EF4-FFF2-40B4-BE49-F238E27FC236}">
-                  <a16:creationId xmlns:a16="http://schemas.microsoft.com/office/drawing/2014/main" id="{38F108FB-5703-435C-AE8F-2469E565DEE2}"/>
+            <p:cNvPr id="117" name="直線コネクタ 116">
+              <a:extLst>
+                <a:ext uri="{FF2B5EF4-FFF2-40B4-BE49-F238E27FC236}">
+                  <a16:creationId xmlns:a16="http://schemas.microsoft.com/office/drawing/2014/main" id="{338AF664-3DE0-4624-AFB6-E56D335FCF30}"/>
                 </a:ext>
               </a:extLst>
             </p:cNvPr>
@@ -14359,10 +14540,10 @@
         </p:cxnSp>
         <p:cxnSp>
           <p:nvCxnSpPr>
-            <p:cNvPr id="357" name="直線コネクタ 356">
-              <a:extLst>
-                <a:ext uri="{FF2B5EF4-FFF2-40B4-BE49-F238E27FC236}">
-                  <a16:creationId xmlns:a16="http://schemas.microsoft.com/office/drawing/2014/main" id="{4B116F30-81AC-43CD-8153-15B461736459}"/>
+            <p:cNvPr id="118" name="直線コネクタ 117">
+              <a:extLst>
+                <a:ext uri="{FF2B5EF4-FFF2-40B4-BE49-F238E27FC236}">
+                  <a16:creationId xmlns:a16="http://schemas.microsoft.com/office/drawing/2014/main" id="{6E3CD759-CA8E-453F-AE44-ECE2F13997DF}"/>
                 </a:ext>
               </a:extLst>
             </p:cNvPr>
@@ -14373,7 +14554,7 @@
           </p:nvCxnSpPr>
           <p:spPr>
             <a:xfrm flipH="1" flipV="1">
-              <a:off x="4414006" y="3813636"/>
+              <a:off x="4152746" y="3073404"/>
               <a:ext cx="999673" cy="5711"/>
             </a:xfrm>
             <a:prstGeom prst="line">
@@ -14404,10 +14585,10 @@
         </p:cxnSp>
         <p:sp>
           <p:nvSpPr>
-            <p:cNvPr id="358" name="テキスト ボックス 357">
-              <a:extLst>
-                <a:ext uri="{FF2B5EF4-FFF2-40B4-BE49-F238E27FC236}">
-                  <a16:creationId xmlns:a16="http://schemas.microsoft.com/office/drawing/2014/main" id="{1D5B9D4E-5D7B-4874-8D8A-D403D036D944}"/>
+            <p:cNvPr id="119" name="テキスト ボックス 118">
+              <a:extLst>
+                <a:ext uri="{FF2B5EF4-FFF2-40B4-BE49-F238E27FC236}">
+                  <a16:creationId xmlns:a16="http://schemas.microsoft.com/office/drawing/2014/main" id="{285CC04B-6591-4821-AF0C-8B896546AB81}"/>
                 </a:ext>
               </a:extLst>
             </p:cNvPr>
@@ -14439,10 +14620,10 @@
         </p:sp>
         <p:sp>
           <p:nvSpPr>
-            <p:cNvPr id="359" name="テキスト ボックス 358">
-              <a:extLst>
-                <a:ext uri="{FF2B5EF4-FFF2-40B4-BE49-F238E27FC236}">
-                  <a16:creationId xmlns:a16="http://schemas.microsoft.com/office/drawing/2014/main" id="{5377D9CB-2D22-4C9A-82B1-A032007D9DBB}"/>
+            <p:cNvPr id="120" name="テキスト ボックス 119">
+              <a:extLst>
+                <a:ext uri="{FF2B5EF4-FFF2-40B4-BE49-F238E27FC236}">
+                  <a16:creationId xmlns:a16="http://schemas.microsoft.com/office/drawing/2014/main" id="{DC749BB9-FCD3-4D5C-ACD2-FA8FC80A0BAA}"/>
                 </a:ext>
               </a:extLst>
             </p:cNvPr>
@@ -14474,10 +14655,10 @@
         </p:sp>
         <p:sp>
           <p:nvSpPr>
-            <p:cNvPr id="360" name="正方形/長方形 359">
-              <a:extLst>
-                <a:ext uri="{FF2B5EF4-FFF2-40B4-BE49-F238E27FC236}">
-                  <a16:creationId xmlns:a16="http://schemas.microsoft.com/office/drawing/2014/main" id="{7419EB3D-0635-4A6F-9F50-1C70982186C6}"/>
+            <p:cNvPr id="121" name="正方形/長方形 120">
+              <a:extLst>
+                <a:ext uri="{FF2B5EF4-FFF2-40B4-BE49-F238E27FC236}">
+                  <a16:creationId xmlns:a16="http://schemas.microsoft.com/office/drawing/2014/main" id="{BEF121BE-CC3F-42B2-A196-27F891E85154}"/>
                 </a:ext>
               </a:extLst>
             </p:cNvPr>
@@ -14532,10 +14713,10 @@
         </p:sp>
         <p:cxnSp>
           <p:nvCxnSpPr>
-            <p:cNvPr id="361" name="直線コネクタ 360">
-              <a:extLst>
-                <a:ext uri="{FF2B5EF4-FFF2-40B4-BE49-F238E27FC236}">
-                  <a16:creationId xmlns:a16="http://schemas.microsoft.com/office/drawing/2014/main" id="{1289BF41-285B-4E36-B3DB-4FC93CB2BF85}"/>
+            <p:cNvPr id="122" name="直線コネクタ 121">
+              <a:extLst>
+                <a:ext uri="{FF2B5EF4-FFF2-40B4-BE49-F238E27FC236}">
+                  <a16:creationId xmlns:a16="http://schemas.microsoft.com/office/drawing/2014/main" id="{3F486902-32E5-4928-8529-CA087060074F}"/>
                 </a:ext>
               </a:extLst>
             </p:cNvPr>
@@ -14579,10 +14760,10 @@
         </p:cxnSp>
         <p:cxnSp>
           <p:nvCxnSpPr>
-            <p:cNvPr id="362" name="直線コネクタ 361">
-              <a:extLst>
-                <a:ext uri="{FF2B5EF4-FFF2-40B4-BE49-F238E27FC236}">
-                  <a16:creationId xmlns:a16="http://schemas.microsoft.com/office/drawing/2014/main" id="{1BC950E7-2A12-401B-859A-DFA6B3F43EFA}"/>
+            <p:cNvPr id="123" name="直線コネクタ 122">
+              <a:extLst>
+                <a:ext uri="{FF2B5EF4-FFF2-40B4-BE49-F238E27FC236}">
+                  <a16:creationId xmlns:a16="http://schemas.microsoft.com/office/drawing/2014/main" id="{989E513C-CFCB-4B7E-A606-12AF7CD2FF60}"/>
                 </a:ext>
               </a:extLst>
             </p:cNvPr>
@@ -14626,10 +14807,10 @@
         </p:cxnSp>
         <p:cxnSp>
           <p:nvCxnSpPr>
-            <p:cNvPr id="364" name="直線コネクタ 363">
-              <a:extLst>
-                <a:ext uri="{FF2B5EF4-FFF2-40B4-BE49-F238E27FC236}">
-                  <a16:creationId xmlns:a16="http://schemas.microsoft.com/office/drawing/2014/main" id="{F39D9FB9-DFCB-43DA-906C-30D21D7CB58F}"/>
+            <p:cNvPr id="124" name="直線コネクタ 123">
+              <a:extLst>
+                <a:ext uri="{FF2B5EF4-FFF2-40B4-BE49-F238E27FC236}">
+                  <a16:creationId xmlns:a16="http://schemas.microsoft.com/office/drawing/2014/main" id="{D2216F90-A74B-4643-A523-5C1062E7AC39}"/>
                 </a:ext>
               </a:extLst>
             </p:cNvPr>
@@ -14673,10 +14854,10 @@
         </p:cxnSp>
         <p:cxnSp>
           <p:nvCxnSpPr>
-            <p:cNvPr id="366" name="直線コネクタ 365">
-              <a:extLst>
-                <a:ext uri="{FF2B5EF4-FFF2-40B4-BE49-F238E27FC236}">
-                  <a16:creationId xmlns:a16="http://schemas.microsoft.com/office/drawing/2014/main" id="{9B5E34BF-C4D6-4AB6-920D-A61721F5D7C4}"/>
+            <p:cNvPr id="125" name="直線コネクタ 124">
+              <a:extLst>
+                <a:ext uri="{FF2B5EF4-FFF2-40B4-BE49-F238E27FC236}">
+                  <a16:creationId xmlns:a16="http://schemas.microsoft.com/office/drawing/2014/main" id="{29B51530-AAD3-46DD-92A4-DA81F781167C}"/>
                 </a:ext>
               </a:extLst>
             </p:cNvPr>
@@ -14720,10 +14901,10 @@
         </p:cxnSp>
         <p:cxnSp>
           <p:nvCxnSpPr>
-            <p:cNvPr id="367" name="直線コネクタ 366">
-              <a:extLst>
-                <a:ext uri="{FF2B5EF4-FFF2-40B4-BE49-F238E27FC236}">
-                  <a16:creationId xmlns:a16="http://schemas.microsoft.com/office/drawing/2014/main" id="{9B8E9D23-DF84-4560-B5C2-121E324A0D1D}"/>
+            <p:cNvPr id="126" name="直線コネクタ 125">
+              <a:extLst>
+                <a:ext uri="{FF2B5EF4-FFF2-40B4-BE49-F238E27FC236}">
+                  <a16:creationId xmlns:a16="http://schemas.microsoft.com/office/drawing/2014/main" id="{3FD9987C-BF6B-4781-A7ED-80834906950C}"/>
                 </a:ext>
               </a:extLst>
             </p:cNvPr>
@@ -14765,10 +14946,10 @@
         </p:cxnSp>
         <p:cxnSp>
           <p:nvCxnSpPr>
-            <p:cNvPr id="368" name="直線コネクタ 367">
-              <a:extLst>
-                <a:ext uri="{FF2B5EF4-FFF2-40B4-BE49-F238E27FC236}">
-                  <a16:creationId xmlns:a16="http://schemas.microsoft.com/office/drawing/2014/main" id="{84402514-D178-4019-8857-A0A4694FE1DF}"/>
+            <p:cNvPr id="127" name="直線コネクタ 126">
+              <a:extLst>
+                <a:ext uri="{FF2B5EF4-FFF2-40B4-BE49-F238E27FC236}">
+                  <a16:creationId xmlns:a16="http://schemas.microsoft.com/office/drawing/2014/main" id="{22365E2F-BB61-486D-AADA-5BDFFCABE06A}"/>
                 </a:ext>
               </a:extLst>
             </p:cNvPr>
@@ -14810,10 +14991,10 @@
         </p:cxnSp>
         <p:sp>
           <p:nvSpPr>
-            <p:cNvPr id="373" name="楕円 372">
-              <a:extLst>
-                <a:ext uri="{FF2B5EF4-FFF2-40B4-BE49-F238E27FC236}">
-                  <a16:creationId xmlns:a16="http://schemas.microsoft.com/office/drawing/2014/main" id="{5000AEFE-357F-4736-84BB-1AAC1196FFCF}"/>
+            <p:cNvPr id="128" name="楕円 127">
+              <a:extLst>
+                <a:ext uri="{FF2B5EF4-FFF2-40B4-BE49-F238E27FC236}">
+                  <a16:creationId xmlns:a16="http://schemas.microsoft.com/office/drawing/2014/main" id="{3448B716-A9F2-4636-A03D-500751B66075}"/>
                 </a:ext>
               </a:extLst>
             </p:cNvPr>
@@ -14861,10 +15042,10 @@
         </p:sp>
         <p:sp>
           <p:nvSpPr>
-            <p:cNvPr id="374" name="楕円 373">
-              <a:extLst>
-                <a:ext uri="{FF2B5EF4-FFF2-40B4-BE49-F238E27FC236}">
-                  <a16:creationId xmlns:a16="http://schemas.microsoft.com/office/drawing/2014/main" id="{A0413233-17DC-4567-8549-BFEE498FEDBC}"/>
+            <p:cNvPr id="129" name="楕円 128">
+              <a:extLst>
+                <a:ext uri="{FF2B5EF4-FFF2-40B4-BE49-F238E27FC236}">
+                  <a16:creationId xmlns:a16="http://schemas.microsoft.com/office/drawing/2014/main" id="{D632863D-BD9F-48CF-9452-5CB21B35591B}"/>
                 </a:ext>
               </a:extLst>
             </p:cNvPr>
@@ -14912,10 +15093,10 @@
         </p:sp>
         <p:sp>
           <p:nvSpPr>
-            <p:cNvPr id="375" name="楕円 374">
-              <a:extLst>
-                <a:ext uri="{FF2B5EF4-FFF2-40B4-BE49-F238E27FC236}">
-                  <a16:creationId xmlns:a16="http://schemas.microsoft.com/office/drawing/2014/main" id="{0EAB0918-973B-4305-882B-77A43A6F1E38}"/>
+            <p:cNvPr id="130" name="楕円 129">
+              <a:extLst>
+                <a:ext uri="{FF2B5EF4-FFF2-40B4-BE49-F238E27FC236}">
+                  <a16:creationId xmlns:a16="http://schemas.microsoft.com/office/drawing/2014/main" id="{79D5BFEC-F395-48CB-9447-272EF95B1E83}"/>
                 </a:ext>
               </a:extLst>
             </p:cNvPr>
@@ -14958,10 +15139,10 @@
         </p:sp>
         <p:sp>
           <p:nvSpPr>
-            <p:cNvPr id="376" name="楕円 375">
-              <a:extLst>
-                <a:ext uri="{FF2B5EF4-FFF2-40B4-BE49-F238E27FC236}">
-                  <a16:creationId xmlns:a16="http://schemas.microsoft.com/office/drawing/2014/main" id="{AC7D85E9-C62A-4266-AC56-F31AD22A0D5E}"/>
+            <p:cNvPr id="131" name="楕円 130">
+              <a:extLst>
+                <a:ext uri="{FF2B5EF4-FFF2-40B4-BE49-F238E27FC236}">
+                  <a16:creationId xmlns:a16="http://schemas.microsoft.com/office/drawing/2014/main" id="{5454CE78-8930-45FE-AFD2-6BE66C650FC9}"/>
                 </a:ext>
               </a:extLst>
             </p:cNvPr>
@@ -15004,10 +15185,10 @@
         </p:sp>
         <p:sp>
           <p:nvSpPr>
-            <p:cNvPr id="377" name="テキスト ボックス 376">
-              <a:extLst>
-                <a:ext uri="{FF2B5EF4-FFF2-40B4-BE49-F238E27FC236}">
-                  <a16:creationId xmlns:a16="http://schemas.microsoft.com/office/drawing/2014/main" id="{033CD4EE-99D9-437C-98FD-8ABD22074721}"/>
+            <p:cNvPr id="132" name="テキスト ボックス 131">
+              <a:extLst>
+                <a:ext uri="{FF2B5EF4-FFF2-40B4-BE49-F238E27FC236}">
+                  <a16:creationId xmlns:a16="http://schemas.microsoft.com/office/drawing/2014/main" id="{ECF20287-E208-4675-9B9F-C2AF97550E63}"/>
                 </a:ext>
               </a:extLst>
             </p:cNvPr>
@@ -15044,10 +15225,10 @@
         </p:sp>
         <p:sp>
           <p:nvSpPr>
-            <p:cNvPr id="378" name="テキスト ボックス 377">
-              <a:extLst>
-                <a:ext uri="{FF2B5EF4-FFF2-40B4-BE49-F238E27FC236}">
-                  <a16:creationId xmlns:a16="http://schemas.microsoft.com/office/drawing/2014/main" id="{9658140F-B880-4E25-A67D-AA340EAF1E95}"/>
+            <p:cNvPr id="133" name="テキスト ボックス 132">
+              <a:extLst>
+                <a:ext uri="{FF2B5EF4-FFF2-40B4-BE49-F238E27FC236}">
+                  <a16:creationId xmlns:a16="http://schemas.microsoft.com/office/drawing/2014/main" id="{ECD5B1E2-A8FA-409E-A2BC-057CE227CD04}"/>
                 </a:ext>
               </a:extLst>
             </p:cNvPr>
@@ -15079,10 +15260,10 @@
         </p:sp>
         <p:sp>
           <p:nvSpPr>
-            <p:cNvPr id="379" name="テキスト ボックス 378">
-              <a:extLst>
-                <a:ext uri="{FF2B5EF4-FFF2-40B4-BE49-F238E27FC236}">
-                  <a16:creationId xmlns:a16="http://schemas.microsoft.com/office/drawing/2014/main" id="{B43E75CC-3BD6-422C-B067-AF105109BB8D}"/>
+            <p:cNvPr id="134" name="テキスト ボックス 133">
+              <a:extLst>
+                <a:ext uri="{FF2B5EF4-FFF2-40B4-BE49-F238E27FC236}">
+                  <a16:creationId xmlns:a16="http://schemas.microsoft.com/office/drawing/2014/main" id="{8C9B7409-EBF5-474B-A356-F15267C3B183}"/>
                 </a:ext>
               </a:extLst>
             </p:cNvPr>
@@ -15114,10 +15295,10 @@
         </p:sp>
         <p:cxnSp>
           <p:nvCxnSpPr>
-            <p:cNvPr id="380" name="直線コネクタ 379">
-              <a:extLst>
-                <a:ext uri="{FF2B5EF4-FFF2-40B4-BE49-F238E27FC236}">
-                  <a16:creationId xmlns:a16="http://schemas.microsoft.com/office/drawing/2014/main" id="{D2A231B7-6430-40FB-8892-0BFC54E73F5E}"/>
+            <p:cNvPr id="135" name="直線コネクタ 134">
+              <a:extLst>
+                <a:ext uri="{FF2B5EF4-FFF2-40B4-BE49-F238E27FC236}">
+                  <a16:creationId xmlns:a16="http://schemas.microsoft.com/office/drawing/2014/main" id="{7495AD80-3699-4B91-BC41-EA9F88B17BEE}"/>
                 </a:ext>
               </a:extLst>
             </p:cNvPr>
@@ -15159,16 +15340,16 @@
         </p:cxnSp>
         <p:cxnSp>
           <p:nvCxnSpPr>
-            <p:cNvPr id="381" name="直線コネクタ 380">
-              <a:extLst>
-                <a:ext uri="{FF2B5EF4-FFF2-40B4-BE49-F238E27FC236}">
-                  <a16:creationId xmlns:a16="http://schemas.microsoft.com/office/drawing/2014/main" id="{8A4E729F-B2FA-4FC9-AC4A-332980160040}"/>
+            <p:cNvPr id="136" name="直線コネクタ 135">
+              <a:extLst>
+                <a:ext uri="{FF2B5EF4-FFF2-40B4-BE49-F238E27FC236}">
+                  <a16:creationId xmlns:a16="http://schemas.microsoft.com/office/drawing/2014/main" id="{158DADC1-16A8-4066-92C0-0E5EB29259A4}"/>
                 </a:ext>
               </a:extLst>
             </p:cNvPr>
             <p:cNvCxnSpPr>
               <a:cxnSpLocks/>
-              <a:endCxn id="339" idx="1"/>
+              <a:endCxn id="104" idx="1"/>
             </p:cNvCxnSpPr>
             <p:nvPr/>
           </p:nvCxnSpPr>
@@ -15205,10 +15386,10 @@
         </p:cxnSp>
         <p:cxnSp>
           <p:nvCxnSpPr>
-            <p:cNvPr id="382" name="直線コネクタ 381">
-              <a:extLst>
-                <a:ext uri="{FF2B5EF4-FFF2-40B4-BE49-F238E27FC236}">
-                  <a16:creationId xmlns:a16="http://schemas.microsoft.com/office/drawing/2014/main" id="{0D6E787C-EBD5-4AD2-B341-A32487D4867E}"/>
+            <p:cNvPr id="137" name="直線コネクタ 136">
+              <a:extLst>
+                <a:ext uri="{FF2B5EF4-FFF2-40B4-BE49-F238E27FC236}">
+                  <a16:creationId xmlns:a16="http://schemas.microsoft.com/office/drawing/2014/main" id="{9CF03649-E8D9-4C9E-A75D-39EA30D137AE}"/>
                 </a:ext>
               </a:extLst>
             </p:cNvPr>
@@ -15250,16 +15431,16 @@
         </p:cxnSp>
         <p:cxnSp>
           <p:nvCxnSpPr>
-            <p:cNvPr id="388" name="直線コネクタ 387">
-              <a:extLst>
-                <a:ext uri="{FF2B5EF4-FFF2-40B4-BE49-F238E27FC236}">
-                  <a16:creationId xmlns:a16="http://schemas.microsoft.com/office/drawing/2014/main" id="{AE177AA4-6F5D-4B36-99F3-F40061CE6FAB}"/>
+            <p:cNvPr id="138" name="直線コネクタ 137">
+              <a:extLst>
+                <a:ext uri="{FF2B5EF4-FFF2-40B4-BE49-F238E27FC236}">
+                  <a16:creationId xmlns:a16="http://schemas.microsoft.com/office/drawing/2014/main" id="{0FCD09E0-5FE4-469A-B420-2ABE05B9FE46}"/>
                 </a:ext>
               </a:extLst>
             </p:cNvPr>
             <p:cNvCxnSpPr>
               <a:cxnSpLocks/>
-              <a:stCxn id="339" idx="3"/>
+              <a:stCxn id="104" idx="3"/>
             </p:cNvCxnSpPr>
             <p:nvPr/>
           </p:nvCxnSpPr>
@@ -15296,10 +15477,10 @@
         </p:cxnSp>
         <p:cxnSp>
           <p:nvCxnSpPr>
-            <p:cNvPr id="389" name="直線コネクタ 388">
-              <a:extLst>
-                <a:ext uri="{FF2B5EF4-FFF2-40B4-BE49-F238E27FC236}">
-                  <a16:creationId xmlns:a16="http://schemas.microsoft.com/office/drawing/2014/main" id="{54914C1F-4C0C-4D62-929D-C4C33CBEAC46}"/>
+            <p:cNvPr id="139" name="直線コネクタ 138">
+              <a:extLst>
+                <a:ext uri="{FF2B5EF4-FFF2-40B4-BE49-F238E27FC236}">
+                  <a16:creationId xmlns:a16="http://schemas.microsoft.com/office/drawing/2014/main" id="{867A7399-40DC-4103-A480-71350E9CCA0F}"/>
                 </a:ext>
               </a:extLst>
             </p:cNvPr>
@@ -15343,10 +15524,10 @@
         </p:cxnSp>
         <p:cxnSp>
           <p:nvCxnSpPr>
-            <p:cNvPr id="390" name="直線コネクタ 389">
-              <a:extLst>
-                <a:ext uri="{FF2B5EF4-FFF2-40B4-BE49-F238E27FC236}">
-                  <a16:creationId xmlns:a16="http://schemas.microsoft.com/office/drawing/2014/main" id="{29C3E8C5-B806-4221-A66C-8AE4FDD02D85}"/>
+            <p:cNvPr id="140" name="直線コネクタ 139">
+              <a:extLst>
+                <a:ext uri="{FF2B5EF4-FFF2-40B4-BE49-F238E27FC236}">
+                  <a16:creationId xmlns:a16="http://schemas.microsoft.com/office/drawing/2014/main" id="{6C99BFF9-8B0F-487C-8914-5446B511FCBD}"/>
                 </a:ext>
               </a:extLst>
             </p:cNvPr>
@@ -15390,16 +15571,16 @@
         </p:cxnSp>
         <p:cxnSp>
           <p:nvCxnSpPr>
-            <p:cNvPr id="391" name="直線コネクタ 390">
-              <a:extLst>
-                <a:ext uri="{FF2B5EF4-FFF2-40B4-BE49-F238E27FC236}">
-                  <a16:creationId xmlns:a16="http://schemas.microsoft.com/office/drawing/2014/main" id="{5C27E590-A54E-4FEB-89F3-CBE700D7199F}"/>
+            <p:cNvPr id="141" name="直線コネクタ 140">
+              <a:extLst>
+                <a:ext uri="{FF2B5EF4-FFF2-40B4-BE49-F238E27FC236}">
+                  <a16:creationId xmlns:a16="http://schemas.microsoft.com/office/drawing/2014/main" id="{C8137404-D217-4CD6-BCFF-9E354EBA1388}"/>
                 </a:ext>
               </a:extLst>
             </p:cNvPr>
             <p:cNvCxnSpPr>
               <a:cxnSpLocks/>
-              <a:endCxn id="396" idx="1"/>
+              <a:endCxn id="144" idx="1"/>
             </p:cNvCxnSpPr>
             <p:nvPr/>
           </p:nvCxnSpPr>
@@ -15436,16 +15617,16 @@
         </p:cxnSp>
         <p:cxnSp>
           <p:nvCxnSpPr>
-            <p:cNvPr id="392" name="直線コネクタ 391">
-              <a:extLst>
-                <a:ext uri="{FF2B5EF4-FFF2-40B4-BE49-F238E27FC236}">
-                  <a16:creationId xmlns:a16="http://schemas.microsoft.com/office/drawing/2014/main" id="{68AE8B00-0495-412A-B02D-DD9783775E5C}"/>
+            <p:cNvPr id="142" name="直線コネクタ 141">
+              <a:extLst>
+                <a:ext uri="{FF2B5EF4-FFF2-40B4-BE49-F238E27FC236}">
+                  <a16:creationId xmlns:a16="http://schemas.microsoft.com/office/drawing/2014/main" id="{56062F27-CD89-4952-BD3D-8CD1ACB93223}"/>
                 </a:ext>
               </a:extLst>
             </p:cNvPr>
             <p:cNvCxnSpPr>
               <a:cxnSpLocks/>
-              <a:stCxn id="396" idx="3"/>
+              <a:stCxn id="144" idx="3"/>
             </p:cNvCxnSpPr>
             <p:nvPr/>
           </p:nvCxnSpPr>
@@ -15482,10 +15663,10 @@
         </p:cxnSp>
         <p:cxnSp>
           <p:nvCxnSpPr>
-            <p:cNvPr id="393" name="直線コネクタ 392">
-              <a:extLst>
-                <a:ext uri="{FF2B5EF4-FFF2-40B4-BE49-F238E27FC236}">
-                  <a16:creationId xmlns:a16="http://schemas.microsoft.com/office/drawing/2014/main" id="{D2732DCB-5B83-47BD-8C85-604A73E0E496}"/>
+            <p:cNvPr id="143" name="直線コネクタ 142">
+              <a:extLst>
+                <a:ext uri="{FF2B5EF4-FFF2-40B4-BE49-F238E27FC236}">
+                  <a16:creationId xmlns:a16="http://schemas.microsoft.com/office/drawing/2014/main" id="{BA8AB502-9E4C-4034-80D6-D06BF92E695B}"/>
                 </a:ext>
               </a:extLst>
             </p:cNvPr>
@@ -15527,10 +15708,10 @@
         </p:cxnSp>
         <p:sp>
           <p:nvSpPr>
-            <p:cNvPr id="396" name="四角形: 角を丸くする 395">
-              <a:extLst>
-                <a:ext uri="{FF2B5EF4-FFF2-40B4-BE49-F238E27FC236}">
-                  <a16:creationId xmlns:a16="http://schemas.microsoft.com/office/drawing/2014/main" id="{66313F31-8396-404F-9A01-333A7D3C762F}"/>
+            <p:cNvPr id="144" name="四角形: 角を丸くする 143">
+              <a:extLst>
+                <a:ext uri="{FF2B5EF4-FFF2-40B4-BE49-F238E27FC236}">
+                  <a16:creationId xmlns:a16="http://schemas.microsoft.com/office/drawing/2014/main" id="{AFCB9909-1AE2-4E39-B7F0-21AFCFF1E153}"/>
                 </a:ext>
               </a:extLst>
             </p:cNvPr>
@@ -15578,10 +15759,10 @@
         </p:sp>
         <p:sp>
           <p:nvSpPr>
-            <p:cNvPr id="397" name="テキスト ボックス 396">
-              <a:extLst>
-                <a:ext uri="{FF2B5EF4-FFF2-40B4-BE49-F238E27FC236}">
-                  <a16:creationId xmlns:a16="http://schemas.microsoft.com/office/drawing/2014/main" id="{600A3821-E7BF-422E-9EE2-ACCCB98F91A0}"/>
+            <p:cNvPr id="145" name="テキスト ボックス 144">
+              <a:extLst>
+                <a:ext uri="{FF2B5EF4-FFF2-40B4-BE49-F238E27FC236}">
+                  <a16:creationId xmlns:a16="http://schemas.microsoft.com/office/drawing/2014/main" id="{E1F29BEC-4B08-451A-9396-9A311079914E}"/>
                 </a:ext>
               </a:extLst>
             </p:cNvPr>
@@ -15614,10 +15795,10 @@
         </p:sp>
         <p:sp>
           <p:nvSpPr>
-            <p:cNvPr id="398" name="正方形/長方形 397">
-              <a:extLst>
-                <a:ext uri="{FF2B5EF4-FFF2-40B4-BE49-F238E27FC236}">
-                  <a16:creationId xmlns:a16="http://schemas.microsoft.com/office/drawing/2014/main" id="{1FDEC59C-EDAC-47BF-B237-B32CCC99FC39}"/>
+            <p:cNvPr id="146" name="正方形/長方形 145">
+              <a:extLst>
+                <a:ext uri="{FF2B5EF4-FFF2-40B4-BE49-F238E27FC236}">
+                  <a16:creationId xmlns:a16="http://schemas.microsoft.com/office/drawing/2014/main" id="{4442775E-DBFC-4576-8399-EFC7361A968B}"/>
                 </a:ext>
               </a:extLst>
             </p:cNvPr>
@@ -15674,10 +15855,10 @@
         </p:sp>
         <p:sp>
           <p:nvSpPr>
-            <p:cNvPr id="399" name="テキスト ボックス 398">
-              <a:extLst>
-                <a:ext uri="{FF2B5EF4-FFF2-40B4-BE49-F238E27FC236}">
-                  <a16:creationId xmlns:a16="http://schemas.microsoft.com/office/drawing/2014/main" id="{D5C57BE5-7CDF-4B24-B780-B89C5432AB79}"/>
+            <p:cNvPr id="147" name="テキスト ボックス 146">
+              <a:extLst>
+                <a:ext uri="{FF2B5EF4-FFF2-40B4-BE49-F238E27FC236}">
+                  <a16:creationId xmlns:a16="http://schemas.microsoft.com/office/drawing/2014/main" id="{CC4E5056-03EF-432A-8A4F-06C19875DC6B}"/>
                 </a:ext>
               </a:extLst>
             </p:cNvPr>
@@ -15713,11 +15894,317 @@
             </a:p>
           </p:txBody>
         </p:sp>
+        <p:cxnSp>
+          <p:nvCxnSpPr>
+            <p:cNvPr id="148" name="直線コネクタ 147">
+              <a:extLst>
+                <a:ext uri="{FF2B5EF4-FFF2-40B4-BE49-F238E27FC236}">
+                  <a16:creationId xmlns:a16="http://schemas.microsoft.com/office/drawing/2014/main" id="{A8E3F9CC-A663-44CA-8B90-ED523D97E337}"/>
+                </a:ext>
+              </a:extLst>
+            </p:cNvPr>
+            <p:cNvCxnSpPr>
+              <a:cxnSpLocks/>
+            </p:cNvCxnSpPr>
+            <p:nvPr/>
+          </p:nvCxnSpPr>
+          <p:spPr>
+            <a:xfrm>
+              <a:off x="4159791" y="3062260"/>
+              <a:ext cx="137" cy="274541"/>
+            </a:xfrm>
+            <a:prstGeom prst="line">
+              <a:avLst/>
+            </a:prstGeom>
+            <a:ln>
+              <a:solidFill>
+                <a:srgbClr val="0070C0"/>
+              </a:solidFill>
+              <a:headEnd type="oval" w="med" len="med"/>
+              <a:tailEnd type="oval" w="med" len="med"/>
+            </a:ln>
+          </p:spPr>
+          <p:style>
+            <a:lnRef idx="1">
+              <a:schemeClr val="accent1"/>
+            </a:lnRef>
+            <a:fillRef idx="0">
+              <a:schemeClr val="accent1"/>
+            </a:fillRef>
+            <a:effectRef idx="0">
+              <a:schemeClr val="accent1"/>
+            </a:effectRef>
+            <a:fontRef idx="minor">
+              <a:schemeClr val="tx1"/>
+            </a:fontRef>
+          </p:style>
+        </p:cxnSp>
+        <p:cxnSp>
+          <p:nvCxnSpPr>
+            <p:cNvPr id="149" name="直線コネクタ 148">
+              <a:extLst>
+                <a:ext uri="{FF2B5EF4-FFF2-40B4-BE49-F238E27FC236}">
+                  <a16:creationId xmlns:a16="http://schemas.microsoft.com/office/drawing/2014/main" id="{78C8FDF8-64AA-41C2-BE7B-C0287673C4B6}"/>
+                </a:ext>
+              </a:extLst>
+            </p:cNvPr>
+            <p:cNvCxnSpPr>
+              <a:cxnSpLocks/>
+            </p:cNvCxnSpPr>
+            <p:nvPr/>
+          </p:nvCxnSpPr>
+          <p:spPr>
+            <a:xfrm>
+              <a:off x="5397560" y="2838989"/>
+              <a:ext cx="0" cy="497812"/>
+            </a:xfrm>
+            <a:prstGeom prst="line">
+              <a:avLst/>
+            </a:prstGeom>
+            <a:ln>
+              <a:solidFill>
+                <a:schemeClr val="accent1"/>
+              </a:solidFill>
+              <a:headEnd type="oval" w="med" len="med"/>
+              <a:tailEnd type="oval" w="med" len="med"/>
+            </a:ln>
+          </p:spPr>
+          <p:style>
+            <a:lnRef idx="1">
+              <a:schemeClr val="accent1"/>
+            </a:lnRef>
+            <a:fillRef idx="0">
+              <a:schemeClr val="accent1"/>
+            </a:fillRef>
+            <a:effectRef idx="0">
+              <a:schemeClr val="accent1"/>
+            </a:effectRef>
+            <a:fontRef idx="minor">
+              <a:schemeClr val="tx1"/>
+            </a:fontRef>
+          </p:style>
+        </p:cxnSp>
+        <p:sp>
+          <p:nvSpPr>
+            <p:cNvPr id="150" name="四角形: 角を丸くする 149">
+              <a:extLst>
+                <a:ext uri="{FF2B5EF4-FFF2-40B4-BE49-F238E27FC236}">
+                  <a16:creationId xmlns:a16="http://schemas.microsoft.com/office/drawing/2014/main" id="{851B0466-ACCC-4C8C-9705-B0E3DDCB236E}"/>
+                </a:ext>
+              </a:extLst>
+            </p:cNvPr>
+            <p:cNvSpPr/>
+            <p:nvPr/>
+          </p:nvSpPr>
+          <p:spPr>
+            <a:xfrm>
+              <a:off x="5493855" y="3235061"/>
+              <a:ext cx="306619" cy="198808"/>
+            </a:xfrm>
+            <a:prstGeom prst="roundRect">
+              <a:avLst/>
+            </a:prstGeom>
+            <a:solidFill>
+              <a:srgbClr val="FFC000">
+                <a:alpha val="20000"/>
+              </a:srgbClr>
+            </a:solidFill>
+          </p:spPr>
+          <p:style>
+            <a:lnRef idx="2">
+              <a:schemeClr val="accent1">
+                <a:shade val="50000"/>
+              </a:schemeClr>
+            </a:lnRef>
+            <a:fillRef idx="1">
+              <a:schemeClr val="accent1"/>
+            </a:fillRef>
+            <a:effectRef idx="0">
+              <a:schemeClr val="accent1"/>
+            </a:effectRef>
+            <a:fontRef idx="minor">
+              <a:schemeClr val="lt1"/>
+            </a:fontRef>
+          </p:style>
+          <p:txBody>
+            <a:bodyPr wrap="none" lIns="0" tIns="0" rIns="0" bIns="0" rtlCol="0" anchor="ctr"/>
+            <a:lstStyle/>
+            <a:p>
+              <a:pPr algn="ctr"/>
+              <a:endParaRPr lang="en-US" dirty="0"/>
+            </a:p>
+          </p:txBody>
+        </p:sp>
+        <p:cxnSp>
+          <p:nvCxnSpPr>
+            <p:cNvPr id="151" name="直線コネクタ 150">
+              <a:extLst>
+                <a:ext uri="{FF2B5EF4-FFF2-40B4-BE49-F238E27FC236}">
+                  <a16:creationId xmlns:a16="http://schemas.microsoft.com/office/drawing/2014/main" id="{AF977FC9-9BD3-4F7E-ACBC-D19A638F1FD6}"/>
+                </a:ext>
+              </a:extLst>
+            </p:cNvPr>
+            <p:cNvCxnSpPr>
+              <a:cxnSpLocks/>
+            </p:cNvCxnSpPr>
+            <p:nvPr/>
+          </p:nvCxnSpPr>
+          <p:spPr>
+            <a:xfrm flipH="1">
+              <a:off x="5798952" y="3313441"/>
+              <a:ext cx="102532" cy="24107"/>
+            </a:xfrm>
+            <a:prstGeom prst="line">
+              <a:avLst/>
+            </a:prstGeom>
+            <a:ln>
+              <a:solidFill>
+                <a:srgbClr val="FF0000"/>
+              </a:solidFill>
+              <a:headEnd type="oval" w="med" len="med"/>
+              <a:tailEnd type="oval" w="med" len="med"/>
+            </a:ln>
+          </p:spPr>
+          <p:style>
+            <a:lnRef idx="1">
+              <a:schemeClr val="accent1"/>
+            </a:lnRef>
+            <a:fillRef idx="0">
+              <a:schemeClr val="accent1"/>
+            </a:fillRef>
+            <a:effectRef idx="0">
+              <a:schemeClr val="accent1"/>
+            </a:effectRef>
+            <a:fontRef idx="minor">
+              <a:schemeClr val="tx1"/>
+            </a:fontRef>
+          </p:style>
+        </p:cxnSp>
+        <p:cxnSp>
+          <p:nvCxnSpPr>
+            <p:cNvPr id="152" name="直線コネクタ 151">
+              <a:extLst>
+                <a:ext uri="{FF2B5EF4-FFF2-40B4-BE49-F238E27FC236}">
+                  <a16:creationId xmlns:a16="http://schemas.microsoft.com/office/drawing/2014/main" id="{AD883D32-D875-4325-84F8-D600F3455E71}"/>
+                </a:ext>
+              </a:extLst>
+            </p:cNvPr>
+            <p:cNvCxnSpPr>
+              <a:cxnSpLocks/>
+            </p:cNvCxnSpPr>
+            <p:nvPr/>
+          </p:nvCxnSpPr>
+          <p:spPr>
+            <a:xfrm flipH="1">
+              <a:off x="5411415" y="3309083"/>
+              <a:ext cx="102532" cy="24107"/>
+            </a:xfrm>
+            <a:prstGeom prst="line">
+              <a:avLst/>
+            </a:prstGeom>
+            <a:ln>
+              <a:solidFill>
+                <a:srgbClr val="FF0000"/>
+              </a:solidFill>
+              <a:headEnd type="oval" w="med" len="med"/>
+              <a:tailEnd type="oval" w="med" len="med"/>
+            </a:ln>
+          </p:spPr>
+          <p:style>
+            <a:lnRef idx="1">
+              <a:schemeClr val="accent1"/>
+            </a:lnRef>
+            <a:fillRef idx="0">
+              <a:schemeClr val="accent1"/>
+            </a:fillRef>
+            <a:effectRef idx="0">
+              <a:schemeClr val="accent1"/>
+            </a:effectRef>
+            <a:fontRef idx="minor">
+              <a:schemeClr val="tx1"/>
+            </a:fontRef>
+          </p:style>
+        </p:cxnSp>
+        <p:sp>
+          <p:nvSpPr>
+            <p:cNvPr id="153" name="テキスト ボックス 152">
+              <a:extLst>
+                <a:ext uri="{FF2B5EF4-FFF2-40B4-BE49-F238E27FC236}">
+                  <a16:creationId xmlns:a16="http://schemas.microsoft.com/office/drawing/2014/main" id="{3BF20182-0BEE-4B89-8D96-F1BEEAE5E78D}"/>
+                </a:ext>
+              </a:extLst>
+            </p:cNvPr>
+            <p:cNvSpPr txBox="1"/>
+            <p:nvPr/>
+          </p:nvSpPr>
+          <p:spPr>
+            <a:xfrm>
+              <a:off x="5488695" y="3335220"/>
+              <a:ext cx="301365" cy="169277"/>
+            </a:xfrm>
+            <a:prstGeom prst="rect">
+              <a:avLst/>
+            </a:prstGeom>
+            <a:noFill/>
+          </p:spPr>
+          <p:txBody>
+            <a:bodyPr wrap="square" lIns="0" tIns="0" rIns="0" bIns="0" rtlCol="0">
+              <a:spAutoFit/>
+            </a:bodyPr>
+            <a:lstStyle/>
+            <a:p>
+              <a:r>
+                <a:rPr lang="en-US" sz="1100" dirty="0"/>
+                <a:t>10k</a:t>
+              </a:r>
+              <a:r>
+                <a:rPr lang="en-US" altLang="ja-JP" sz="1100" dirty="0"/>
+                <a:t>Ω</a:t>
+              </a:r>
+              <a:endParaRPr lang="en-US" sz="1100" dirty="0"/>
+            </a:p>
+          </p:txBody>
+        </p:sp>
+        <p:sp>
+          <p:nvSpPr>
+            <p:cNvPr id="154" name="テキスト ボックス 153">
+              <a:extLst>
+                <a:ext uri="{FF2B5EF4-FFF2-40B4-BE49-F238E27FC236}">
+                  <a16:creationId xmlns:a16="http://schemas.microsoft.com/office/drawing/2014/main" id="{D403EC38-2B95-4DB6-80BA-B9A785A3CE54}"/>
+                </a:ext>
+              </a:extLst>
+            </p:cNvPr>
+            <p:cNvSpPr txBox="1"/>
+            <p:nvPr/>
+          </p:nvSpPr>
+          <p:spPr>
+            <a:xfrm>
+              <a:off x="5278413" y="2645004"/>
+              <a:ext cx="315792" cy="153888"/>
+            </a:xfrm>
+            <a:prstGeom prst="rect">
+              <a:avLst/>
+            </a:prstGeom>
+            <a:noFill/>
+          </p:spPr>
+          <p:txBody>
+            <a:bodyPr wrap="none" lIns="0" tIns="0" rIns="0" bIns="0" rtlCol="0">
+              <a:spAutoFit/>
+            </a:bodyPr>
+            <a:lstStyle/>
+            <a:p>
+              <a:r>
+                <a:rPr lang="en-US" sz="1000" dirty="0"/>
+                <a:t>RESET</a:t>
+              </a:r>
+            </a:p>
+          </p:txBody>
+        </p:sp>
       </p:grpSp>
     </p:spTree>
     <p:extLst>
       <p:ext uri="{BB962C8B-B14F-4D97-AF65-F5344CB8AC3E}">
-        <p14:creationId xmlns:p14="http://schemas.microsoft.com/office/powerpoint/2010/main" val="276034111"/>
+        <p14:creationId xmlns:p14="http://schemas.microsoft.com/office/powerpoint/2010/main" val="3568792446"/>
       </p:ext>
     </p:extLst>
   </p:cSld>

--- a/doc/universal_board.pptx
+++ b/doc/universal_board.pptx
@@ -243,7 +243,7 @@
           <a:p>
             <a:fld id="{13D11AC7-A88F-49D3-AEAF-1BE21B915F4C}" type="datetimeFigureOut">
               <a:rPr lang="en-US" smtClean="0"/>
-              <a:t>3/25/2018</a:t>
+              <a:t>3/27/2018</a:t>
             </a:fld>
             <a:endParaRPr lang="en-US"/>
           </a:p>
@@ -445,7 +445,7 @@
           <a:p>
             <a:fld id="{13D11AC7-A88F-49D3-AEAF-1BE21B915F4C}" type="datetimeFigureOut">
               <a:rPr lang="en-US" smtClean="0"/>
-              <a:t>3/25/2018</a:t>
+              <a:t>3/27/2018</a:t>
             </a:fld>
             <a:endParaRPr lang="en-US"/>
           </a:p>
@@ -657,7 +657,7 @@
           <a:p>
             <a:fld id="{13D11AC7-A88F-49D3-AEAF-1BE21B915F4C}" type="datetimeFigureOut">
               <a:rPr lang="en-US" smtClean="0"/>
-              <a:t>3/25/2018</a:t>
+              <a:t>3/27/2018</a:t>
             </a:fld>
             <a:endParaRPr lang="en-US"/>
           </a:p>
@@ -859,7 +859,7 @@
           <a:p>
             <a:fld id="{13D11AC7-A88F-49D3-AEAF-1BE21B915F4C}" type="datetimeFigureOut">
               <a:rPr lang="en-US" smtClean="0"/>
-              <a:t>3/25/2018</a:t>
+              <a:t>3/27/2018</a:t>
             </a:fld>
             <a:endParaRPr lang="en-US"/>
           </a:p>
@@ -1103,7 +1103,7 @@
           <a:p>
             <a:fld id="{13D11AC7-A88F-49D3-AEAF-1BE21B915F4C}" type="datetimeFigureOut">
               <a:rPr lang="en-US" smtClean="0"/>
-              <a:t>3/25/2018</a:t>
+              <a:t>3/27/2018</a:t>
             </a:fld>
             <a:endParaRPr lang="en-US"/>
           </a:p>
@@ -1399,7 +1399,7 @@
           <a:p>
             <a:fld id="{13D11AC7-A88F-49D3-AEAF-1BE21B915F4C}" type="datetimeFigureOut">
               <a:rPr lang="en-US" smtClean="0"/>
-              <a:t>3/25/2018</a:t>
+              <a:t>3/27/2018</a:t>
             </a:fld>
             <a:endParaRPr lang="en-US"/>
           </a:p>
@@ -1830,7 +1830,7 @@
           <a:p>
             <a:fld id="{13D11AC7-A88F-49D3-AEAF-1BE21B915F4C}" type="datetimeFigureOut">
               <a:rPr lang="en-US" smtClean="0"/>
-              <a:t>3/25/2018</a:t>
+              <a:t>3/27/2018</a:t>
             </a:fld>
             <a:endParaRPr lang="en-US"/>
           </a:p>
@@ -1948,7 +1948,7 @@
           <a:p>
             <a:fld id="{13D11AC7-A88F-49D3-AEAF-1BE21B915F4C}" type="datetimeFigureOut">
               <a:rPr lang="en-US" smtClean="0"/>
-              <a:t>3/25/2018</a:t>
+              <a:t>3/27/2018</a:t>
             </a:fld>
             <a:endParaRPr lang="en-US"/>
           </a:p>
@@ -2043,7 +2043,7 @@
           <a:p>
             <a:fld id="{13D11AC7-A88F-49D3-AEAF-1BE21B915F4C}" type="datetimeFigureOut">
               <a:rPr lang="en-US" smtClean="0"/>
-              <a:t>3/25/2018</a:t>
+              <a:t>3/27/2018</a:t>
             </a:fld>
             <a:endParaRPr lang="en-US"/>
           </a:p>
@@ -2352,7 +2352,7 @@
           <a:p>
             <a:fld id="{13D11AC7-A88F-49D3-AEAF-1BE21B915F4C}" type="datetimeFigureOut">
               <a:rPr lang="en-US" smtClean="0"/>
-              <a:t>3/25/2018</a:t>
+              <a:t>3/27/2018</a:t>
             </a:fld>
             <a:endParaRPr lang="en-US"/>
           </a:p>
@@ -2609,7 +2609,7 @@
           <a:p>
             <a:fld id="{13D11AC7-A88F-49D3-AEAF-1BE21B915F4C}" type="datetimeFigureOut">
               <a:rPr lang="en-US" smtClean="0"/>
-              <a:t>3/25/2018</a:t>
+              <a:t>3/27/2018</a:t>
             </a:fld>
             <a:endParaRPr lang="en-US"/>
           </a:p>
@@ -2854,7 +2854,7 @@
           <a:p>
             <a:fld id="{13D11AC7-A88F-49D3-AEAF-1BE21B915F4C}" type="datetimeFigureOut">
               <a:rPr lang="en-US" smtClean="0"/>
-              <a:t>3/25/2018</a:t>
+              <a:t>3/27/2018</a:t>
             </a:fld>
             <a:endParaRPr lang="en-US"/>
           </a:p>
@@ -6537,7 +6537,7 @@
         </p:nvSpPr>
         <p:spPr>
           <a:xfrm>
-            <a:off x="5515260" y="3868014"/>
+            <a:off x="6455967" y="3406583"/>
             <a:ext cx="907300" cy="276999"/>
           </a:xfrm>
           <a:prstGeom prst="rect">
@@ -9306,7 +9306,7 @@
         </p:nvSpPr>
         <p:spPr>
           <a:xfrm flipH="1">
-            <a:off x="4775177" y="5982698"/>
+            <a:off x="6203056" y="4972063"/>
             <a:ext cx="2285663" cy="430887"/>
           </a:xfrm>
           <a:prstGeom prst="rect">
@@ -9322,22 +9322,473 @@
           <a:p>
             <a:r>
               <a:rPr lang="en-US" sz="1100" dirty="0"/>
+              <a:t>Short JP1 for</a:t>
+            </a:r>
+          </a:p>
+          <a:p>
+            <a:r>
+              <a:rPr lang="en-US" sz="1100" dirty="0"/>
               <a:t>120</a:t>
             </a:r>
             <a:r>
               <a:rPr lang="en-US" altLang="ja-JP" sz="1100" dirty="0"/>
-              <a:t>Ω termination register required</a:t>
-            </a:r>
-          </a:p>
-          <a:p>
-            <a:r>
-              <a:rPr lang="en-US" altLang="ja-JP" sz="1100" dirty="0"/>
-              <a:t>at the both ends.</a:t>
+              <a:t>Ω termination.</a:t>
             </a:r>
             <a:endParaRPr lang="en-US" sz="1100" dirty="0"/>
           </a:p>
         </p:txBody>
       </p:sp>
+      <p:sp>
+        <p:nvSpPr>
+          <p:cNvPr id="150" name="四角形: 角を丸くする 149">
+            <a:extLst>
+              <a:ext uri="{FF2B5EF4-FFF2-40B4-BE49-F238E27FC236}">
+                <a16:creationId xmlns:a16="http://schemas.microsoft.com/office/drawing/2014/main" id="{B56FCE45-FA25-4F9A-881F-BAABD043E295}"/>
+              </a:ext>
+            </a:extLst>
+          </p:cNvPr>
+          <p:cNvSpPr/>
+          <p:nvPr/>
+        </p:nvSpPr>
+        <p:spPr>
+          <a:xfrm>
+            <a:off x="6021986" y="3769634"/>
+            <a:ext cx="513806" cy="203596"/>
+          </a:xfrm>
+          <a:prstGeom prst="roundRect">
+            <a:avLst/>
+          </a:prstGeom>
+          <a:solidFill>
+            <a:srgbClr val="FFC000">
+              <a:alpha val="20000"/>
+            </a:srgbClr>
+          </a:solidFill>
+        </p:spPr>
+        <p:style>
+          <a:lnRef idx="2">
+            <a:schemeClr val="accent1">
+              <a:shade val="50000"/>
+            </a:schemeClr>
+          </a:lnRef>
+          <a:fillRef idx="1">
+            <a:schemeClr val="accent1"/>
+          </a:fillRef>
+          <a:effectRef idx="0">
+            <a:schemeClr val="accent1"/>
+          </a:effectRef>
+          <a:fontRef idx="minor">
+            <a:schemeClr val="lt1"/>
+          </a:fontRef>
+        </p:style>
+        <p:txBody>
+          <a:bodyPr wrap="none" lIns="0" tIns="0" rIns="0" bIns="0" rtlCol="0" anchor="ctr"/>
+          <a:lstStyle/>
+          <a:p>
+            <a:pPr algn="ctr"/>
+            <a:endParaRPr lang="en-US" dirty="0"/>
+          </a:p>
+        </p:txBody>
+      </p:sp>
+      <p:sp>
+        <p:nvSpPr>
+          <p:cNvPr id="151" name="テキスト ボックス 150">
+            <a:extLst>
+              <a:ext uri="{FF2B5EF4-FFF2-40B4-BE49-F238E27FC236}">
+                <a16:creationId xmlns:a16="http://schemas.microsoft.com/office/drawing/2014/main" id="{5C7052DA-EDC4-4920-884B-4E98161998B8}"/>
+              </a:ext>
+            </a:extLst>
+          </p:cNvPr>
+          <p:cNvSpPr txBox="1"/>
+          <p:nvPr/>
+        </p:nvSpPr>
+        <p:spPr>
+          <a:xfrm>
+            <a:off x="6539313" y="3647348"/>
+            <a:ext cx="437620" cy="215444"/>
+          </a:xfrm>
+          <a:prstGeom prst="rect">
+            <a:avLst/>
+          </a:prstGeom>
+          <a:noFill/>
+        </p:spPr>
+        <p:txBody>
+          <a:bodyPr wrap="square" lIns="0" tIns="0" rIns="0" bIns="0" rtlCol="0">
+            <a:spAutoFit/>
+          </a:bodyPr>
+          <a:lstStyle/>
+          <a:p>
+            <a:r>
+              <a:rPr lang="en-US" altLang="ja-JP" sz="1400" dirty="0"/>
+              <a:t>120Ω</a:t>
+            </a:r>
+            <a:endParaRPr lang="en-US" sz="1400" dirty="0"/>
+          </a:p>
+        </p:txBody>
+      </p:sp>
+      <p:cxnSp>
+        <p:nvCxnSpPr>
+          <p:cNvPr id="165" name="直線コネクタ 164">
+            <a:extLst>
+              <a:ext uri="{FF2B5EF4-FFF2-40B4-BE49-F238E27FC236}">
+                <a16:creationId xmlns:a16="http://schemas.microsoft.com/office/drawing/2014/main" id="{040D7658-4AF0-4361-86A2-534F7CC0AB00}"/>
+              </a:ext>
+            </a:extLst>
+          </p:cNvPr>
+          <p:cNvCxnSpPr>
+            <a:cxnSpLocks/>
+            <a:endCxn id="150" idx="1"/>
+          </p:cNvCxnSpPr>
+          <p:nvPr/>
+        </p:nvCxnSpPr>
+        <p:spPr>
+          <a:xfrm>
+            <a:off x="5898313" y="3871432"/>
+            <a:ext cx="123673" cy="0"/>
+          </a:xfrm>
+          <a:prstGeom prst="line">
+            <a:avLst/>
+          </a:prstGeom>
+          <a:ln>
+            <a:solidFill>
+              <a:srgbClr val="FF0000"/>
+            </a:solidFill>
+            <a:headEnd type="oval" w="med" len="med"/>
+            <a:tailEnd type="none" w="med" len="med"/>
+          </a:ln>
+        </p:spPr>
+        <p:style>
+          <a:lnRef idx="1">
+            <a:schemeClr val="accent1"/>
+          </a:lnRef>
+          <a:fillRef idx="0">
+            <a:schemeClr val="accent1"/>
+          </a:fillRef>
+          <a:effectRef idx="0">
+            <a:schemeClr val="accent1"/>
+          </a:effectRef>
+          <a:fontRef idx="minor">
+            <a:schemeClr val="tx1"/>
+          </a:fontRef>
+        </p:style>
+      </p:cxnSp>
+      <p:cxnSp>
+        <p:nvCxnSpPr>
+          <p:cNvPr id="193" name="直線コネクタ 192">
+            <a:extLst>
+              <a:ext uri="{FF2B5EF4-FFF2-40B4-BE49-F238E27FC236}">
+                <a16:creationId xmlns:a16="http://schemas.microsoft.com/office/drawing/2014/main" id="{4156FF65-2F5D-4C99-B399-B6A0B3F19DA8}"/>
+              </a:ext>
+            </a:extLst>
+          </p:cNvPr>
+          <p:cNvCxnSpPr>
+            <a:cxnSpLocks/>
+            <a:stCxn id="150" idx="3"/>
+          </p:cNvCxnSpPr>
+          <p:nvPr/>
+        </p:nvCxnSpPr>
+        <p:spPr>
+          <a:xfrm>
+            <a:off x="6535792" y="3871432"/>
+            <a:ext cx="112736" cy="0"/>
+          </a:xfrm>
+          <a:prstGeom prst="line">
+            <a:avLst/>
+          </a:prstGeom>
+          <a:ln>
+            <a:solidFill>
+              <a:srgbClr val="FF0000"/>
+            </a:solidFill>
+            <a:headEnd type="none" w="med" len="med"/>
+            <a:tailEnd type="oval" w="med" len="med"/>
+          </a:ln>
+        </p:spPr>
+        <p:style>
+          <a:lnRef idx="1">
+            <a:schemeClr val="accent1"/>
+          </a:lnRef>
+          <a:fillRef idx="0">
+            <a:schemeClr val="accent1"/>
+          </a:fillRef>
+          <a:effectRef idx="0">
+            <a:schemeClr val="accent1"/>
+          </a:effectRef>
+          <a:fontRef idx="minor">
+            <a:schemeClr val="tx1"/>
+          </a:fontRef>
+        </p:style>
+      </p:cxnSp>
+      <p:sp>
+        <p:nvSpPr>
+          <p:cNvPr id="195" name="正方形/長方形 194">
+            <a:extLst>
+              <a:ext uri="{FF2B5EF4-FFF2-40B4-BE49-F238E27FC236}">
+                <a16:creationId xmlns:a16="http://schemas.microsoft.com/office/drawing/2014/main" id="{72CE810C-AA6F-434A-B63B-E8308047058C}"/>
+              </a:ext>
+            </a:extLst>
+          </p:cNvPr>
+          <p:cNvSpPr/>
+          <p:nvPr/>
+        </p:nvSpPr>
+        <p:spPr>
+          <a:xfrm>
+            <a:off x="6535994" y="4259229"/>
+            <a:ext cx="217031" cy="472630"/>
+          </a:xfrm>
+          <a:prstGeom prst="rect">
+            <a:avLst/>
+          </a:prstGeom>
+          <a:solidFill>
+            <a:schemeClr val="tx2">
+              <a:lumMod val="40000"/>
+              <a:lumOff val="60000"/>
+              <a:alpha val="30000"/>
+            </a:schemeClr>
+          </a:solidFill>
+          <a:ln>
+            <a:solidFill>
+              <a:schemeClr val="tx1"/>
+            </a:solidFill>
+          </a:ln>
+        </p:spPr>
+        <p:style>
+          <a:lnRef idx="2">
+            <a:schemeClr val="accent1">
+              <a:shade val="50000"/>
+            </a:schemeClr>
+          </a:lnRef>
+          <a:fillRef idx="1">
+            <a:schemeClr val="accent1"/>
+          </a:fillRef>
+          <a:effectRef idx="0">
+            <a:schemeClr val="accent1"/>
+          </a:effectRef>
+          <a:fontRef idx="minor">
+            <a:schemeClr val="lt1"/>
+          </a:fontRef>
+        </p:style>
+        <p:txBody>
+          <a:bodyPr wrap="none" lIns="0" tIns="0" rIns="0" bIns="0" rtlCol="0" anchor="ctr"/>
+          <a:lstStyle/>
+          <a:p>
+            <a:pPr algn="ctr"/>
+            <a:endParaRPr lang="en-US" dirty="0"/>
+          </a:p>
+        </p:txBody>
+      </p:sp>
+      <p:sp>
+        <p:nvSpPr>
+          <p:cNvPr id="196" name="テキスト ボックス 195">
+            <a:extLst>
+              <a:ext uri="{FF2B5EF4-FFF2-40B4-BE49-F238E27FC236}">
+                <a16:creationId xmlns:a16="http://schemas.microsoft.com/office/drawing/2014/main" id="{2D6F4F17-A98E-4DED-8AD9-BA02BC6827D0}"/>
+              </a:ext>
+            </a:extLst>
+          </p:cNvPr>
+          <p:cNvSpPr txBox="1"/>
+          <p:nvPr/>
+        </p:nvSpPr>
+        <p:spPr>
+          <a:xfrm>
+            <a:off x="6793957" y="4334674"/>
+            <a:ext cx="309380" cy="276999"/>
+          </a:xfrm>
+          <a:prstGeom prst="rect">
+            <a:avLst/>
+          </a:prstGeom>
+          <a:noFill/>
+        </p:spPr>
+        <p:txBody>
+          <a:bodyPr wrap="none" lIns="0" tIns="0" rIns="0" bIns="0" rtlCol="0">
+            <a:spAutoFit/>
+          </a:bodyPr>
+          <a:lstStyle/>
+          <a:p>
+            <a:r>
+              <a:rPr lang="en-US" dirty="0"/>
+              <a:t>JP1</a:t>
+            </a:r>
+          </a:p>
+        </p:txBody>
+      </p:sp>
+      <p:cxnSp>
+        <p:nvCxnSpPr>
+          <p:cNvPr id="197" name="直線コネクタ 196">
+            <a:extLst>
+              <a:ext uri="{FF2B5EF4-FFF2-40B4-BE49-F238E27FC236}">
+                <a16:creationId xmlns:a16="http://schemas.microsoft.com/office/drawing/2014/main" id="{E51A893E-D5F1-465F-BF38-4B6581E8F7AE}"/>
+              </a:ext>
+            </a:extLst>
+          </p:cNvPr>
+          <p:cNvCxnSpPr>
+            <a:cxnSpLocks/>
+          </p:cNvCxnSpPr>
+          <p:nvPr/>
+        </p:nvCxnSpPr>
+        <p:spPr>
+          <a:xfrm flipH="1">
+            <a:off x="6149443" y="4865103"/>
+            <a:ext cx="496246" cy="0"/>
+          </a:xfrm>
+          <a:prstGeom prst="line">
+            <a:avLst/>
+          </a:prstGeom>
+          <a:ln>
+            <a:solidFill>
+              <a:schemeClr val="accent1"/>
+            </a:solidFill>
+            <a:headEnd type="oval"/>
+            <a:tailEnd type="oval"/>
+          </a:ln>
+        </p:spPr>
+        <p:style>
+          <a:lnRef idx="1">
+            <a:schemeClr val="accent1"/>
+          </a:lnRef>
+          <a:fillRef idx="0">
+            <a:schemeClr val="accent1"/>
+          </a:fillRef>
+          <a:effectRef idx="0">
+            <a:schemeClr val="accent1"/>
+          </a:effectRef>
+          <a:fontRef idx="minor">
+            <a:schemeClr val="tx1"/>
+          </a:fontRef>
+        </p:style>
+      </p:cxnSp>
+      <p:cxnSp>
+        <p:nvCxnSpPr>
+          <p:cNvPr id="199" name="直線コネクタ 198">
+            <a:extLst>
+              <a:ext uri="{FF2B5EF4-FFF2-40B4-BE49-F238E27FC236}">
+                <a16:creationId xmlns:a16="http://schemas.microsoft.com/office/drawing/2014/main" id="{7E26C27A-B6D1-4B8B-8BBD-DAEE688C9CC7}"/>
+              </a:ext>
+            </a:extLst>
+          </p:cNvPr>
+          <p:cNvCxnSpPr>
+            <a:cxnSpLocks/>
+          </p:cNvCxnSpPr>
+          <p:nvPr/>
+        </p:nvCxnSpPr>
+        <p:spPr>
+          <a:xfrm rot="5400000" flipH="1">
+            <a:off x="6388927" y="4120523"/>
+            <a:ext cx="496246" cy="0"/>
+          </a:xfrm>
+          <a:prstGeom prst="line">
+            <a:avLst/>
+          </a:prstGeom>
+          <a:ln>
+            <a:solidFill>
+              <a:schemeClr val="accent1"/>
+            </a:solidFill>
+            <a:headEnd type="oval"/>
+            <a:tailEnd type="oval"/>
+          </a:ln>
+        </p:spPr>
+        <p:style>
+          <a:lnRef idx="1">
+            <a:schemeClr val="accent1"/>
+          </a:lnRef>
+          <a:fillRef idx="0">
+            <a:schemeClr val="accent1"/>
+          </a:fillRef>
+          <a:effectRef idx="0">
+            <a:schemeClr val="accent1"/>
+          </a:effectRef>
+          <a:fontRef idx="minor">
+            <a:schemeClr val="tx1"/>
+          </a:fontRef>
+        </p:style>
+      </p:cxnSp>
+      <p:cxnSp>
+        <p:nvCxnSpPr>
+          <p:cNvPr id="200" name="直線コネクタ 199">
+            <a:extLst>
+              <a:ext uri="{FF2B5EF4-FFF2-40B4-BE49-F238E27FC236}">
+                <a16:creationId xmlns:a16="http://schemas.microsoft.com/office/drawing/2014/main" id="{6B47AF1A-2AC1-4D0B-9DE4-EB1AE5F09BFC}"/>
+              </a:ext>
+            </a:extLst>
+          </p:cNvPr>
+          <p:cNvCxnSpPr>
+            <a:cxnSpLocks/>
+          </p:cNvCxnSpPr>
+          <p:nvPr/>
+        </p:nvCxnSpPr>
+        <p:spPr>
+          <a:xfrm flipV="1">
+            <a:off x="6632690" y="4602316"/>
+            <a:ext cx="4362" cy="258367"/>
+          </a:xfrm>
+          <a:prstGeom prst="line">
+            <a:avLst/>
+          </a:prstGeom>
+          <a:ln>
+            <a:solidFill>
+              <a:schemeClr val="accent1"/>
+            </a:solidFill>
+            <a:tailEnd type="oval"/>
+          </a:ln>
+        </p:spPr>
+        <p:style>
+          <a:lnRef idx="1">
+            <a:schemeClr val="accent1"/>
+          </a:lnRef>
+          <a:fillRef idx="0">
+            <a:schemeClr val="accent1"/>
+          </a:fillRef>
+          <a:effectRef idx="0">
+            <a:schemeClr val="accent1"/>
+          </a:effectRef>
+          <a:fontRef idx="minor">
+            <a:schemeClr val="tx1"/>
+          </a:fontRef>
+        </p:style>
+      </p:cxnSp>
+      <p:cxnSp>
+        <p:nvCxnSpPr>
+          <p:cNvPr id="207" name="直線コネクタ 206">
+            <a:extLst>
+              <a:ext uri="{FF2B5EF4-FFF2-40B4-BE49-F238E27FC236}">
+                <a16:creationId xmlns:a16="http://schemas.microsoft.com/office/drawing/2014/main" id="{F979F47B-8816-4AE7-9150-C0D4D7D95233}"/>
+              </a:ext>
+            </a:extLst>
+          </p:cNvPr>
+          <p:cNvCxnSpPr>
+            <a:cxnSpLocks/>
+          </p:cNvCxnSpPr>
+          <p:nvPr/>
+        </p:nvCxnSpPr>
+        <p:spPr>
+          <a:xfrm flipV="1">
+            <a:off x="5901175" y="3876752"/>
+            <a:ext cx="0" cy="243771"/>
+          </a:xfrm>
+          <a:prstGeom prst="line">
+            <a:avLst/>
+          </a:prstGeom>
+          <a:ln>
+            <a:solidFill>
+              <a:schemeClr val="accent1"/>
+            </a:solidFill>
+            <a:headEnd type="oval"/>
+            <a:tailEnd type="oval"/>
+          </a:ln>
+        </p:spPr>
+        <p:style>
+          <a:lnRef idx="1">
+            <a:schemeClr val="accent1"/>
+          </a:lnRef>
+          <a:fillRef idx="0">
+            <a:schemeClr val="accent1"/>
+          </a:fillRef>
+          <a:effectRef idx="0">
+            <a:schemeClr val="accent1"/>
+          </a:effectRef>
+          <a:fontRef idx="minor">
+            <a:schemeClr val="tx1"/>
+          </a:fontRef>
+        </p:style>
+      </p:cxnSp>
     </p:spTree>
     <p:extLst>
       <p:ext uri="{BB962C8B-B14F-4D97-AF65-F5344CB8AC3E}">
